--- a/Final Project/Task_4a/Flood Impact Detection on Roads Using U-Net.pptx
+++ b/Final Project/Task_4a/Flood Impact Detection on Roads Using U-Net.pptx
@@ -1,38 +1,38 @@
 
 <file path=ppt/presentation.xml><?xml version="1.0" encoding="utf-8"?>
-<p:presentation xmlns:a="http://schemas.openxmlformats.org/drawingml/2006/main" xmlns:r="http://schemas.openxmlformats.org/officeDocument/2006/relationships" xmlns:mc="http://schemas.openxmlformats.org/markup-compatibility/2006" xmlns:mv="urn:schemas-microsoft-com:mac:vml" xmlns:p="http://schemas.openxmlformats.org/presentationml/2006/main" xmlns:c="http://schemas.openxmlformats.org/drawingml/2006/chart" xmlns:dgm="http://schemas.openxmlformats.org/drawingml/2006/diagram" xmlns:o="urn:schemas-microsoft-com:office:office" xmlns:v="urn:schemas-microsoft-com:vml" xmlns:pvml="urn:schemas-microsoft-com:office:powerpoint" xmlns:com="http://schemas.openxmlformats.org/drawingml/2006/compatibility" xmlns:p14="http://schemas.microsoft.com/office/powerpoint/2010/main" xmlns:p15="http://schemas.microsoft.com/office/powerpoint/2012/main" xmlns:ahyp="http://schemas.microsoft.com/office/drawing/2018/hyperlinkcolor" autoCompressPictures="0" embedTrueTypeFonts="1" strictFirstAndLastChars="0" saveSubsetFonts="1">
+<p:presentation xmlns:a="http://schemas.openxmlformats.org/drawingml/2006/main" xmlns:r="http://schemas.openxmlformats.org/officeDocument/2006/relationships" xmlns:p="http://schemas.openxmlformats.org/presentationml/2006/main" strictFirstAndLastChars="0" embedTrueTypeFonts="1" saveSubsetFonts="1" autoCompressPictures="0">
   <p:sldMasterIdLst>
-    <p:sldMasterId id="2147483659" r:id="rId4"/>
+    <p:sldMasterId id="2147483659" r:id="rId1"/>
   </p:sldMasterIdLst>
   <p:notesMasterIdLst>
-    <p:notesMasterId r:id="rId5"/>
+    <p:notesMasterId r:id="rId6"/>
   </p:notesMasterIdLst>
   <p:sldIdLst>
-    <p:sldId id="256" r:id="rId6"/>
-    <p:sldId id="257" r:id="rId7"/>
-    <p:sldId id="258" r:id="rId8"/>
-    <p:sldId id="259" r:id="rId9"/>
+    <p:sldId id="256" r:id="rId2"/>
+    <p:sldId id="257" r:id="rId3"/>
+    <p:sldId id="258" r:id="rId4"/>
+    <p:sldId id="259" r:id="rId5"/>
   </p:sldIdLst>
-  <p:sldSz cy="5143500" cx="9144000"/>
+  <p:sldSz cx="9144000" cy="5143500" type="screen16x9"/>
   <p:notesSz cx="6858000" cy="9144000"/>
   <p:embeddedFontLst>
     <p:embeddedFont>
-      <p:font typeface="Raleway"/>
-      <p:regular r:id="rId10"/>
-      <p:bold r:id="rId11"/>
-      <p:italic r:id="rId12"/>
-      <p:boldItalic r:id="rId13"/>
+      <p:font typeface="Lato" panose="020F0502020204030203" pitchFamily="34" charset="0"/>
+      <p:regular r:id="rId7"/>
+      <p:bold r:id="rId8"/>
+      <p:italic r:id="rId9"/>
+      <p:boldItalic r:id="rId10"/>
     </p:embeddedFont>
     <p:embeddedFont>
-      <p:font typeface="Lato"/>
-      <p:regular r:id="rId14"/>
-      <p:bold r:id="rId15"/>
-      <p:italic r:id="rId16"/>
-      <p:boldItalic r:id="rId17"/>
+      <p:font typeface="Raleway" pitchFamily="2" charset="0"/>
+      <p:regular r:id="rId11"/>
+      <p:bold r:id="rId12"/>
+      <p:italic r:id="rId13"/>
+      <p:boldItalic r:id="rId14"/>
     </p:embeddedFont>
   </p:embeddedFontLst>
   <p:defaultTextStyle>
-    <a:defPPr lvl="0" marR="0" rtl="0" algn="l">
+    <a:defPPr marR="0" lvl="0" algn="l" rtl="0">
       <a:lnSpc>
         <a:spcPct val="100000"/>
       </a:lnSpc>
@@ -43,7 +43,7 @@
         <a:spcPts val="0"/>
       </a:spcAft>
     </a:defPPr>
-    <a:lvl1pPr lvl="0" marR="0" rtl="0" algn="l">
+    <a:lvl1pPr marR="0" lvl="0" algn="l" rtl="0">
       <a:lnSpc>
         <a:spcPct val="100000"/>
       </a:lnSpc>
@@ -57,7 +57,7 @@
         <a:srgbClr val="000000"/>
       </a:buClr>
       <a:buFont typeface="Arial"/>
-      <a:defRPr b="0" i="0" sz="1400" u="none" cap="none" strike="noStrike">
+      <a:defRPr sz="1400" b="0" i="0" u="none" strike="noStrike" cap="none">
         <a:solidFill>
           <a:srgbClr val="000000"/>
         </a:solidFill>
@@ -67,7 +67,7 @@
         <a:sym typeface="Arial"/>
       </a:defRPr>
     </a:lvl1pPr>
-    <a:lvl2pPr lvl="1" marR="0" rtl="0" algn="l">
+    <a:lvl2pPr marR="0" lvl="1" algn="l" rtl="0">
       <a:lnSpc>
         <a:spcPct val="100000"/>
       </a:lnSpc>
@@ -81,7 +81,7 @@
         <a:srgbClr val="000000"/>
       </a:buClr>
       <a:buFont typeface="Arial"/>
-      <a:defRPr b="0" i="0" sz="1400" u="none" cap="none" strike="noStrike">
+      <a:defRPr sz="1400" b="0" i="0" u="none" strike="noStrike" cap="none">
         <a:solidFill>
           <a:srgbClr val="000000"/>
         </a:solidFill>
@@ -91,7 +91,7 @@
         <a:sym typeface="Arial"/>
       </a:defRPr>
     </a:lvl2pPr>
-    <a:lvl3pPr lvl="2" marR="0" rtl="0" algn="l">
+    <a:lvl3pPr marR="0" lvl="2" algn="l" rtl="0">
       <a:lnSpc>
         <a:spcPct val="100000"/>
       </a:lnSpc>
@@ -105,7 +105,7 @@
         <a:srgbClr val="000000"/>
       </a:buClr>
       <a:buFont typeface="Arial"/>
-      <a:defRPr b="0" i="0" sz="1400" u="none" cap="none" strike="noStrike">
+      <a:defRPr sz="1400" b="0" i="0" u="none" strike="noStrike" cap="none">
         <a:solidFill>
           <a:srgbClr val="000000"/>
         </a:solidFill>
@@ -115,7 +115,7 @@
         <a:sym typeface="Arial"/>
       </a:defRPr>
     </a:lvl3pPr>
-    <a:lvl4pPr lvl="3" marR="0" rtl="0" algn="l">
+    <a:lvl4pPr marR="0" lvl="3" algn="l" rtl="0">
       <a:lnSpc>
         <a:spcPct val="100000"/>
       </a:lnSpc>
@@ -129,7 +129,7 @@
         <a:srgbClr val="000000"/>
       </a:buClr>
       <a:buFont typeface="Arial"/>
-      <a:defRPr b="0" i="0" sz="1400" u="none" cap="none" strike="noStrike">
+      <a:defRPr sz="1400" b="0" i="0" u="none" strike="noStrike" cap="none">
         <a:solidFill>
           <a:srgbClr val="000000"/>
         </a:solidFill>
@@ -139,7 +139,7 @@
         <a:sym typeface="Arial"/>
       </a:defRPr>
     </a:lvl4pPr>
-    <a:lvl5pPr lvl="4" marR="0" rtl="0" algn="l">
+    <a:lvl5pPr marR="0" lvl="4" algn="l" rtl="0">
       <a:lnSpc>
         <a:spcPct val="100000"/>
       </a:lnSpc>
@@ -153,7 +153,7 @@
         <a:srgbClr val="000000"/>
       </a:buClr>
       <a:buFont typeface="Arial"/>
-      <a:defRPr b="0" i="0" sz="1400" u="none" cap="none" strike="noStrike">
+      <a:defRPr sz="1400" b="0" i="0" u="none" strike="noStrike" cap="none">
         <a:solidFill>
           <a:srgbClr val="000000"/>
         </a:solidFill>
@@ -163,7 +163,7 @@
         <a:sym typeface="Arial"/>
       </a:defRPr>
     </a:lvl5pPr>
-    <a:lvl6pPr lvl="5" marR="0" rtl="0" algn="l">
+    <a:lvl6pPr marR="0" lvl="5" algn="l" rtl="0">
       <a:lnSpc>
         <a:spcPct val="100000"/>
       </a:lnSpc>
@@ -177,7 +177,7 @@
         <a:srgbClr val="000000"/>
       </a:buClr>
       <a:buFont typeface="Arial"/>
-      <a:defRPr b="0" i="0" sz="1400" u="none" cap="none" strike="noStrike">
+      <a:defRPr sz="1400" b="0" i="0" u="none" strike="noStrike" cap="none">
         <a:solidFill>
           <a:srgbClr val="000000"/>
         </a:solidFill>
@@ -187,7 +187,7 @@
         <a:sym typeface="Arial"/>
       </a:defRPr>
     </a:lvl6pPr>
-    <a:lvl7pPr lvl="6" marR="0" rtl="0" algn="l">
+    <a:lvl7pPr marR="0" lvl="6" algn="l" rtl="0">
       <a:lnSpc>
         <a:spcPct val="100000"/>
       </a:lnSpc>
@@ -201,7 +201,7 @@
         <a:srgbClr val="000000"/>
       </a:buClr>
       <a:buFont typeface="Arial"/>
-      <a:defRPr b="0" i="0" sz="1400" u="none" cap="none" strike="noStrike">
+      <a:defRPr sz="1400" b="0" i="0" u="none" strike="noStrike" cap="none">
         <a:solidFill>
           <a:srgbClr val="000000"/>
         </a:solidFill>
@@ -211,7 +211,7 @@
         <a:sym typeface="Arial"/>
       </a:defRPr>
     </a:lvl7pPr>
-    <a:lvl8pPr lvl="7" marR="0" rtl="0" algn="l">
+    <a:lvl8pPr marR="0" lvl="7" algn="l" rtl="0">
       <a:lnSpc>
         <a:spcPct val="100000"/>
       </a:lnSpc>
@@ -225,7 +225,7 @@
         <a:srgbClr val="000000"/>
       </a:buClr>
       <a:buFont typeface="Arial"/>
-      <a:defRPr b="0" i="0" sz="1400" u="none" cap="none" strike="noStrike">
+      <a:defRPr sz="1400" b="0" i="0" u="none" strike="noStrike" cap="none">
         <a:solidFill>
           <a:srgbClr val="000000"/>
         </a:solidFill>
@@ -235,7 +235,7 @@
         <a:sym typeface="Arial"/>
       </a:defRPr>
     </a:lvl8pPr>
-    <a:lvl9pPr lvl="8" marR="0" rtl="0" algn="l">
+    <a:lvl9pPr marR="0" lvl="8" algn="l" rtl="0">
       <a:lnSpc>
         <a:spcPct val="100000"/>
       </a:lnSpc>
@@ -249,7 +249,7 @@
         <a:srgbClr val="000000"/>
       </a:buClr>
       <a:buFont typeface="Arial"/>
-      <a:defRPr b="0" i="0" sz="1400" u="none" cap="none" strike="noStrike">
+      <a:defRPr sz="1400" b="0" i="0" u="none" strike="noStrike" cap="none">
         <a:solidFill>
           <a:srgbClr val="000000"/>
         </a:solidFill>
@@ -262,7 +262,7 @@
   </p:defaultTextStyle>
   <p:extLst>
     <p:ext uri="{EFAFB233-063F-42B5-8137-9DF3F51BA10A}">
-      <p15:sldGuideLst>
+      <p15:sldGuideLst xmlns:p15="http://schemas.microsoft.com/office/powerpoint/2012/main">
         <p15:guide id="1" orient="horz" pos="1620">
           <p15:clr>
             <a:srgbClr val="747775"/>
@@ -280,11 +280,16 @@
 </file>
 
 <file path=ppt/notesMasters/notesMaster1.xml><?xml version="1.0" encoding="utf-8"?>
-<p:notesMaster xmlns:a="http://schemas.openxmlformats.org/drawingml/2006/main" xmlns:r="http://schemas.openxmlformats.org/officeDocument/2006/relationships" xmlns:mc="http://schemas.openxmlformats.org/markup-compatibility/2006" xmlns:mv="urn:schemas-microsoft-com:mac:vml" xmlns:p="http://schemas.openxmlformats.org/presentationml/2006/main" xmlns:c="http://schemas.openxmlformats.org/drawingml/2006/chart" xmlns:dgm="http://schemas.openxmlformats.org/drawingml/2006/diagram" xmlns:o="urn:schemas-microsoft-com:office:office" xmlns:v="urn:schemas-microsoft-com:vml" xmlns:pvml="urn:schemas-microsoft-com:office:powerpoint" xmlns:com="http://schemas.openxmlformats.org/drawingml/2006/compatibility" xmlns:p14="http://schemas.microsoft.com/office/powerpoint/2010/main" xmlns:p15="http://schemas.microsoft.com/office/powerpoint/2012/main" xmlns:ahyp="http://schemas.microsoft.com/office/drawing/2018/hyperlinkcolor">
+<p:notesMaster xmlns:a="http://schemas.openxmlformats.org/drawingml/2006/main" xmlns:r="http://schemas.openxmlformats.org/officeDocument/2006/relationships" xmlns:p="http://schemas.openxmlformats.org/presentationml/2006/main">
   <p:cSld>
+    <p:bg>
+      <p:bgRef idx="1001">
+        <a:schemeClr val="bg1"/>
+      </p:bgRef>
+    </p:bg>
     <p:spTree>
       <p:nvGrpSpPr>
-        <p:cNvPr id="2" name="Shape 2"/>
+        <p:cNvPr id="1" name="Shape 2"/>
         <p:cNvGrpSpPr/>
         <p:nvPr/>
       </p:nvGrpSpPr>
@@ -299,9 +304,11 @@
       <p:sp>
         <p:nvSpPr>
           <p:cNvPr id="3" name="Google Shape;3;n"/>
-          <p:cNvSpPr/>
+          <p:cNvSpPr>
+            <a:spLocks noGrp="1" noRot="1" noChangeAspect="1"/>
+          </p:cNvSpPr>
           <p:nvPr>
-            <p:ph idx="2" type="sldImg"/>
+            <p:ph type="sldImg" idx="2"/>
           </p:nvPr>
         </p:nvSpPr>
         <p:spPr>
@@ -310,9 +317,13 @@
             <a:ext cx="6096075" cy="3429000"/>
           </a:xfrm>
           <a:custGeom>
-            <a:rect b="b" l="l" r="r" t="t"/>
+            <a:avLst/>
+            <a:gdLst/>
+            <a:ahLst/>
+            <a:cxnLst/>
+            <a:rect l="l" t="t" r="r" b="b"/>
             <a:pathLst>
-              <a:path extrusionOk="0" h="120000" w="120000">
+              <a:path w="120000" h="120000" extrusionOk="0">
                 <a:moveTo>
                   <a:pt x="0" y="0"/>
                 </a:moveTo>
@@ -330,23 +341,25 @@
             </a:pathLst>
           </a:custGeom>
           <a:noFill/>
-          <a:ln cap="flat" cmpd="sng" w="9525">
+          <a:ln w="9525" cap="flat" cmpd="sng">
             <a:solidFill>
               <a:srgbClr val="000000"/>
             </a:solidFill>
             <a:prstDash val="solid"/>
             <a:round/>
-            <a:headEnd len="sm" w="sm" type="none"/>
-            <a:tailEnd len="sm" w="sm" type="none"/>
+            <a:headEnd type="none" w="sm" len="sm"/>
+            <a:tailEnd type="none" w="sm" len="sm"/>
           </a:ln>
         </p:spPr>
       </p:sp>
       <p:sp>
         <p:nvSpPr>
           <p:cNvPr id="4" name="Google Shape;4;n"/>
-          <p:cNvSpPr txBox="1"/>
+          <p:cNvSpPr txBox="1">
+            <a:spLocks noGrp="1"/>
+          </p:cNvSpPr>
           <p:nvPr>
-            <p:ph idx="1" type="body"/>
+            <p:ph type="body" idx="1"/>
           </p:nvPr>
         </p:nvSpPr>
         <p:spPr>
@@ -363,11 +376,11 @@
           </a:ln>
         </p:spPr>
         <p:txBody>
-          <a:bodyPr anchorCtr="0" anchor="t" bIns="91425" lIns="91425" spcFirstLastPara="1" rIns="91425" wrap="square" tIns="91425">
+          <a:bodyPr spcFirstLastPara="1" wrap="square" lIns="91425" tIns="91425" rIns="91425" bIns="91425" anchor="t" anchorCtr="0">
             <a:noAutofit/>
           </a:bodyPr>
           <a:lstStyle>
-            <a:lvl1pPr indent="-298450" lvl="0" marL="457200">
+            <a:lvl1pPr marL="457200" lvl="0" indent="-298450">
               <a:spcBef>
                 <a:spcPts val="0"/>
               </a:spcBef>
@@ -378,7 +391,7 @@
               <a:buChar char="●"/>
               <a:defRPr sz="1100"/>
             </a:lvl1pPr>
-            <a:lvl2pPr indent="-298450" lvl="1" marL="914400">
+            <a:lvl2pPr marL="914400" lvl="1" indent="-298450">
               <a:spcBef>
                 <a:spcPts val="0"/>
               </a:spcBef>
@@ -389,7 +402,7 @@
               <a:buChar char="○"/>
               <a:defRPr sz="1100"/>
             </a:lvl2pPr>
-            <a:lvl3pPr indent="-298450" lvl="2" marL="1371600">
+            <a:lvl3pPr marL="1371600" lvl="2" indent="-298450">
               <a:spcBef>
                 <a:spcPts val="0"/>
               </a:spcBef>
@@ -400,7 +413,7 @@
               <a:buChar char="■"/>
               <a:defRPr sz="1100"/>
             </a:lvl3pPr>
-            <a:lvl4pPr indent="-298450" lvl="3" marL="1828800">
+            <a:lvl4pPr marL="1828800" lvl="3" indent="-298450">
               <a:spcBef>
                 <a:spcPts val="0"/>
               </a:spcBef>
@@ -411,7 +424,7 @@
               <a:buChar char="●"/>
               <a:defRPr sz="1100"/>
             </a:lvl4pPr>
-            <a:lvl5pPr indent="-298450" lvl="4" marL="2286000">
+            <a:lvl5pPr marL="2286000" lvl="4" indent="-298450">
               <a:spcBef>
                 <a:spcPts val="0"/>
               </a:spcBef>
@@ -422,7 +435,7 @@
               <a:buChar char="○"/>
               <a:defRPr sz="1100"/>
             </a:lvl5pPr>
-            <a:lvl6pPr indent="-298450" lvl="5" marL="2743200">
+            <a:lvl6pPr marL="2743200" lvl="5" indent="-298450">
               <a:spcBef>
                 <a:spcPts val="0"/>
               </a:spcBef>
@@ -433,7 +446,7 @@
               <a:buChar char="■"/>
               <a:defRPr sz="1100"/>
             </a:lvl6pPr>
-            <a:lvl7pPr indent="-298450" lvl="6" marL="3200400">
+            <a:lvl7pPr marL="3200400" lvl="6" indent="-298450">
               <a:spcBef>
                 <a:spcPts val="0"/>
               </a:spcBef>
@@ -444,7 +457,7 @@
               <a:buChar char="●"/>
               <a:defRPr sz="1100"/>
             </a:lvl7pPr>
-            <a:lvl8pPr indent="-298450" lvl="7" marL="3657600">
+            <a:lvl8pPr marL="3657600" lvl="7" indent="-298450">
               <a:spcBef>
                 <a:spcPts val="0"/>
               </a:spcBef>
@@ -455,7 +468,7 @@
               <a:buChar char="○"/>
               <a:defRPr sz="1100"/>
             </a:lvl8pPr>
-            <a:lvl9pPr indent="-298450" lvl="8" marL="4114800">
+            <a:lvl9pPr marL="4114800" lvl="8" indent="-298450">
               <a:spcBef>
                 <a:spcPts val="0"/>
               </a:spcBef>
@@ -467,14 +480,16 @@
               <a:defRPr sz="1100"/>
             </a:lvl9pPr>
           </a:lstStyle>
-          <a:p/>
+          <a:p>
+            <a:endParaRPr/>
+          </a:p>
         </p:txBody>
       </p:sp>
     </p:spTree>
   </p:cSld>
-  <p:clrMap accent1="accent1" accent2="accent2" accent3="accent3" accent4="accent4" accent5="accent5" accent6="accent6" bg1="lt1" bg2="dk2" tx1="dk1" tx2="lt2" folHlink="folHlink" hlink="hlink"/>
+  <p:clrMap bg1="lt1" tx1="dk1" bg2="dk2" tx2="lt2" accent1="accent1" accent2="accent2" accent3="accent3" accent4="accent4" accent5="accent5" accent6="accent6" hlink="hlink" folHlink="folHlink"/>
   <p:notesStyle>
-    <a:defPPr lvl="0" marR="0" rtl="0" algn="l">
+    <a:defPPr marR="0" lvl="0" algn="l" rtl="0">
       <a:lnSpc>
         <a:spcPct val="100000"/>
       </a:lnSpc>
@@ -485,7 +500,7 @@
         <a:spcPts val="0"/>
       </a:spcAft>
     </a:defPPr>
-    <a:lvl1pPr lvl="0" marR="0" rtl="0" algn="l">
+    <a:lvl1pPr marR="0" lvl="0" algn="l" rtl="0">
       <a:lnSpc>
         <a:spcPct val="100000"/>
       </a:lnSpc>
@@ -499,7 +514,7 @@
         <a:srgbClr val="000000"/>
       </a:buClr>
       <a:buFont typeface="Arial"/>
-      <a:defRPr b="0" i="0" sz="1400" u="none" cap="none" strike="noStrike">
+      <a:defRPr sz="1400" b="0" i="0" u="none" strike="noStrike" cap="none">
         <a:solidFill>
           <a:srgbClr val="000000"/>
         </a:solidFill>
@@ -509,7 +524,7 @@
         <a:sym typeface="Arial"/>
       </a:defRPr>
     </a:lvl1pPr>
-    <a:lvl2pPr lvl="1" marR="0" rtl="0" algn="l">
+    <a:lvl2pPr marR="0" lvl="1" algn="l" rtl="0">
       <a:lnSpc>
         <a:spcPct val="100000"/>
       </a:lnSpc>
@@ -523,7 +538,7 @@
         <a:srgbClr val="000000"/>
       </a:buClr>
       <a:buFont typeface="Arial"/>
-      <a:defRPr b="0" i="0" sz="1400" u="none" cap="none" strike="noStrike">
+      <a:defRPr sz="1400" b="0" i="0" u="none" strike="noStrike" cap="none">
         <a:solidFill>
           <a:srgbClr val="000000"/>
         </a:solidFill>
@@ -533,7 +548,7 @@
         <a:sym typeface="Arial"/>
       </a:defRPr>
     </a:lvl2pPr>
-    <a:lvl3pPr lvl="2" marR="0" rtl="0" algn="l">
+    <a:lvl3pPr marR="0" lvl="2" algn="l" rtl="0">
       <a:lnSpc>
         <a:spcPct val="100000"/>
       </a:lnSpc>
@@ -547,7 +562,7 @@
         <a:srgbClr val="000000"/>
       </a:buClr>
       <a:buFont typeface="Arial"/>
-      <a:defRPr b="0" i="0" sz="1400" u="none" cap="none" strike="noStrike">
+      <a:defRPr sz="1400" b="0" i="0" u="none" strike="noStrike" cap="none">
         <a:solidFill>
           <a:srgbClr val="000000"/>
         </a:solidFill>
@@ -557,7 +572,7 @@
         <a:sym typeface="Arial"/>
       </a:defRPr>
     </a:lvl3pPr>
-    <a:lvl4pPr lvl="3" marR="0" rtl="0" algn="l">
+    <a:lvl4pPr marR="0" lvl="3" algn="l" rtl="0">
       <a:lnSpc>
         <a:spcPct val="100000"/>
       </a:lnSpc>
@@ -571,7 +586,7 @@
         <a:srgbClr val="000000"/>
       </a:buClr>
       <a:buFont typeface="Arial"/>
-      <a:defRPr b="0" i="0" sz="1400" u="none" cap="none" strike="noStrike">
+      <a:defRPr sz="1400" b="0" i="0" u="none" strike="noStrike" cap="none">
         <a:solidFill>
           <a:srgbClr val="000000"/>
         </a:solidFill>
@@ -581,7 +596,7 @@
         <a:sym typeface="Arial"/>
       </a:defRPr>
     </a:lvl4pPr>
-    <a:lvl5pPr lvl="4" marR="0" rtl="0" algn="l">
+    <a:lvl5pPr marR="0" lvl="4" algn="l" rtl="0">
       <a:lnSpc>
         <a:spcPct val="100000"/>
       </a:lnSpc>
@@ -595,7 +610,7 @@
         <a:srgbClr val="000000"/>
       </a:buClr>
       <a:buFont typeface="Arial"/>
-      <a:defRPr b="0" i="0" sz="1400" u="none" cap="none" strike="noStrike">
+      <a:defRPr sz="1400" b="0" i="0" u="none" strike="noStrike" cap="none">
         <a:solidFill>
           <a:srgbClr val="000000"/>
         </a:solidFill>
@@ -605,7 +620,7 @@
         <a:sym typeface="Arial"/>
       </a:defRPr>
     </a:lvl5pPr>
-    <a:lvl6pPr lvl="5" marR="0" rtl="0" algn="l">
+    <a:lvl6pPr marR="0" lvl="5" algn="l" rtl="0">
       <a:lnSpc>
         <a:spcPct val="100000"/>
       </a:lnSpc>
@@ -619,7 +634,7 @@
         <a:srgbClr val="000000"/>
       </a:buClr>
       <a:buFont typeface="Arial"/>
-      <a:defRPr b="0" i="0" sz="1400" u="none" cap="none" strike="noStrike">
+      <a:defRPr sz="1400" b="0" i="0" u="none" strike="noStrike" cap="none">
         <a:solidFill>
           <a:srgbClr val="000000"/>
         </a:solidFill>
@@ -629,7 +644,7 @@
         <a:sym typeface="Arial"/>
       </a:defRPr>
     </a:lvl6pPr>
-    <a:lvl7pPr lvl="6" marR="0" rtl="0" algn="l">
+    <a:lvl7pPr marR="0" lvl="6" algn="l" rtl="0">
       <a:lnSpc>
         <a:spcPct val="100000"/>
       </a:lnSpc>
@@ -643,7 +658,7 @@
         <a:srgbClr val="000000"/>
       </a:buClr>
       <a:buFont typeface="Arial"/>
-      <a:defRPr b="0" i="0" sz="1400" u="none" cap="none" strike="noStrike">
+      <a:defRPr sz="1400" b="0" i="0" u="none" strike="noStrike" cap="none">
         <a:solidFill>
           <a:srgbClr val="000000"/>
         </a:solidFill>
@@ -653,7 +668,7 @@
         <a:sym typeface="Arial"/>
       </a:defRPr>
     </a:lvl7pPr>
-    <a:lvl8pPr lvl="7" marR="0" rtl="0" algn="l">
+    <a:lvl8pPr marR="0" lvl="7" algn="l" rtl="0">
       <a:lnSpc>
         <a:spcPct val="100000"/>
       </a:lnSpc>
@@ -667,7 +682,7 @@
         <a:srgbClr val="000000"/>
       </a:buClr>
       <a:buFont typeface="Arial"/>
-      <a:defRPr b="0" i="0" sz="1400" u="none" cap="none" strike="noStrike">
+      <a:defRPr sz="1400" b="0" i="0" u="none" strike="noStrike" cap="none">
         <a:solidFill>
           <a:srgbClr val="000000"/>
         </a:solidFill>
@@ -677,7 +692,7 @@
         <a:sym typeface="Arial"/>
       </a:defRPr>
     </a:lvl8pPr>
-    <a:lvl9pPr lvl="8" marR="0" rtl="0" algn="l">
+    <a:lvl9pPr marR="0" lvl="8" algn="l" rtl="0">
       <a:lnSpc>
         <a:spcPct val="100000"/>
       </a:lnSpc>
@@ -691,7 +706,7 @@
         <a:srgbClr val="000000"/>
       </a:buClr>
       <a:buFont typeface="Arial"/>
-      <a:defRPr b="0" i="0" sz="1400" u="none" cap="none" strike="noStrike">
+      <a:defRPr sz="1400" b="0" i="0" u="none" strike="noStrike" cap="none">
         <a:solidFill>
           <a:srgbClr val="000000"/>
         </a:solidFill>
@@ -706,11 +721,11 @@
 </file>
 
 <file path=ppt/notesSlides/notesSlide1.xml><?xml version="1.0" encoding="utf-8"?>
-<p:notes xmlns:a="http://schemas.openxmlformats.org/drawingml/2006/main" xmlns:r="http://schemas.openxmlformats.org/officeDocument/2006/relationships" xmlns:mc="http://schemas.openxmlformats.org/markup-compatibility/2006" xmlns:mv="urn:schemas-microsoft-com:mac:vml" xmlns:p="http://schemas.openxmlformats.org/presentationml/2006/main" xmlns:c="http://schemas.openxmlformats.org/drawingml/2006/chart" xmlns:dgm="http://schemas.openxmlformats.org/drawingml/2006/diagram" xmlns:o="urn:schemas-microsoft-com:office:office" xmlns:v="urn:schemas-microsoft-com:vml" xmlns:pvml="urn:schemas-microsoft-com:office:powerpoint" xmlns:com="http://schemas.openxmlformats.org/drawingml/2006/compatibility" xmlns:p14="http://schemas.microsoft.com/office/powerpoint/2010/main" xmlns:p15="http://schemas.microsoft.com/office/powerpoint/2012/main" xmlns:ahyp="http://schemas.microsoft.com/office/drawing/2018/hyperlinkcolor" showMasterPhAnim="0" showMasterSp="0">
+<p:notes xmlns:a="http://schemas.openxmlformats.org/drawingml/2006/main" xmlns:r="http://schemas.openxmlformats.org/officeDocument/2006/relationships" xmlns:p="http://schemas.openxmlformats.org/presentationml/2006/main" showMasterSp="0" showMasterPhAnim="0">
   <p:cSld>
     <p:spTree>
       <p:nvGrpSpPr>
-        <p:cNvPr id="82" name="Shape 82"/>
+        <p:cNvPr id="1" name="Shape 82"/>
         <p:cNvGrpSpPr/>
         <p:nvPr/>
       </p:nvGrpSpPr>
@@ -725,9 +740,11 @@
       <p:sp>
         <p:nvSpPr>
           <p:cNvPr id="83" name="Google Shape;83;g2fd42abebfb_0_0:notes"/>
-          <p:cNvSpPr txBox="1"/>
+          <p:cNvSpPr txBox="1">
+            <a:spLocks noGrp="1"/>
+          </p:cNvSpPr>
           <p:nvPr>
-            <p:ph idx="1" type="body"/>
+            <p:ph type="body" idx="1"/>
           </p:nvPr>
         </p:nvSpPr>
         <p:spPr>
@@ -740,12 +757,12 @@
           </a:prstGeom>
         </p:spPr>
         <p:txBody>
-          <a:bodyPr anchorCtr="0" anchor="t" bIns="91425" lIns="91425" spcFirstLastPara="1" rIns="91425" wrap="square" tIns="91425">
+          <a:bodyPr spcFirstLastPara="1" wrap="square" lIns="91425" tIns="91425" rIns="91425" bIns="91425" anchor="t" anchorCtr="0">
             <a:noAutofit/>
           </a:bodyPr>
           <a:lstStyle/>
           <a:p>
-            <a:pPr indent="0" lvl="0" marL="0" rtl="0" algn="l">
+            <a:pPr marL="0" lvl="0" indent="0" algn="l" rtl="0">
               <a:spcBef>
                 <a:spcPts val="0"/>
               </a:spcBef>
@@ -754,9 +771,6 @@
               </a:spcAft>
               <a:buNone/>
             </a:pPr>
-            <a:r>
-              <a:t/>
-            </a:r>
             <a:endParaRPr/>
           </a:p>
         </p:txBody>
@@ -764,20 +778,26 @@
       <p:sp>
         <p:nvSpPr>
           <p:cNvPr id="84" name="Google Shape;84;g2fd42abebfb_0_0:notes"/>
-          <p:cNvSpPr/>
+          <p:cNvSpPr>
+            <a:spLocks noGrp="1" noRot="1" noChangeAspect="1"/>
+          </p:cNvSpPr>
           <p:nvPr>
-            <p:ph idx="2" type="sldImg"/>
+            <p:ph type="sldImg" idx="2"/>
           </p:nvPr>
         </p:nvSpPr>
         <p:spPr>
           <a:xfrm>
-            <a:off x="1143225" y="685800"/>
-            <a:ext cx="4572300" cy="3429000"/>
+            <a:off x="381000" y="685800"/>
+            <a:ext cx="6096000" cy="3429000"/>
           </a:xfrm>
           <a:custGeom>
-            <a:rect b="b" l="l" r="r" t="t"/>
+            <a:avLst/>
+            <a:gdLst/>
+            <a:ahLst/>
+            <a:cxnLst/>
+            <a:rect l="l" t="t" r="r" b="b"/>
             <a:pathLst>
-              <a:path extrusionOk="0" h="120000" w="120000">
+              <a:path w="120000" h="120000" extrusionOk="0">
                 <a:moveTo>
                   <a:pt x="0" y="0"/>
                 </a:moveTo>
@@ -805,11 +825,11 @@
 </file>
 
 <file path=ppt/notesSlides/notesSlide2.xml><?xml version="1.0" encoding="utf-8"?>
-<p:notes xmlns:a="http://schemas.openxmlformats.org/drawingml/2006/main" xmlns:r="http://schemas.openxmlformats.org/officeDocument/2006/relationships" xmlns:mc="http://schemas.openxmlformats.org/markup-compatibility/2006" xmlns:mv="urn:schemas-microsoft-com:mac:vml" xmlns:p="http://schemas.openxmlformats.org/presentationml/2006/main" xmlns:c="http://schemas.openxmlformats.org/drawingml/2006/chart" xmlns:dgm="http://schemas.openxmlformats.org/drawingml/2006/diagram" xmlns:o="urn:schemas-microsoft-com:office:office" xmlns:v="urn:schemas-microsoft-com:vml" xmlns:pvml="urn:schemas-microsoft-com:office:powerpoint" xmlns:com="http://schemas.openxmlformats.org/drawingml/2006/compatibility" xmlns:p14="http://schemas.microsoft.com/office/powerpoint/2010/main" xmlns:p15="http://schemas.microsoft.com/office/powerpoint/2012/main" xmlns:ahyp="http://schemas.microsoft.com/office/drawing/2018/hyperlinkcolor" showMasterPhAnim="0" showMasterSp="0">
+<p:notes xmlns:a="http://schemas.openxmlformats.org/drawingml/2006/main" xmlns:r="http://schemas.openxmlformats.org/officeDocument/2006/relationships" xmlns:p="http://schemas.openxmlformats.org/presentationml/2006/main" showMasterSp="0" showMasterPhAnim="0">
   <p:cSld>
     <p:spTree>
       <p:nvGrpSpPr>
-        <p:cNvPr id="91" name="Shape 91"/>
+        <p:cNvPr id="1" name="Shape 91"/>
         <p:cNvGrpSpPr/>
         <p:nvPr/>
       </p:nvGrpSpPr>
@@ -824,9 +844,11 @@
       <p:sp>
         <p:nvSpPr>
           <p:cNvPr id="92" name="Google Shape;92;g2fd42abebfb_0_102:notes"/>
-          <p:cNvSpPr/>
+          <p:cNvSpPr>
+            <a:spLocks noGrp="1" noRot="1" noChangeAspect="1"/>
+          </p:cNvSpPr>
           <p:nvPr>
-            <p:ph idx="2" type="sldImg"/>
+            <p:ph type="sldImg" idx="2"/>
           </p:nvPr>
         </p:nvSpPr>
         <p:spPr>
@@ -835,9 +857,13 @@
             <a:ext cx="6096000" cy="3429000"/>
           </a:xfrm>
           <a:custGeom>
-            <a:rect b="b" l="l" r="r" t="t"/>
+            <a:avLst/>
+            <a:gdLst/>
+            <a:ahLst/>
+            <a:cxnLst/>
+            <a:rect l="l" t="t" r="r" b="b"/>
             <a:pathLst>
-              <a:path extrusionOk="0" h="120000" w="120000">
+              <a:path w="120000" h="120000" extrusionOk="0">
                 <a:moveTo>
                   <a:pt x="0" y="0"/>
                 </a:moveTo>
@@ -859,9 +885,11 @@
       <p:sp>
         <p:nvSpPr>
           <p:cNvPr id="93" name="Google Shape;93;g2fd42abebfb_0_102:notes"/>
-          <p:cNvSpPr txBox="1"/>
+          <p:cNvSpPr txBox="1">
+            <a:spLocks noGrp="1"/>
+          </p:cNvSpPr>
           <p:nvPr>
-            <p:ph idx="1" type="body"/>
+            <p:ph type="body" idx="1"/>
           </p:nvPr>
         </p:nvSpPr>
         <p:spPr>
@@ -874,12 +902,12 @@
           </a:prstGeom>
         </p:spPr>
         <p:txBody>
-          <a:bodyPr anchorCtr="0" anchor="t" bIns="91425" lIns="91425" spcFirstLastPara="1" rIns="91425" wrap="square" tIns="91425">
+          <a:bodyPr spcFirstLastPara="1" wrap="square" lIns="91425" tIns="91425" rIns="91425" bIns="91425" anchor="t" anchorCtr="0">
             <a:noAutofit/>
           </a:bodyPr>
           <a:lstStyle/>
           <a:p>
-            <a:pPr indent="0" lvl="0" marL="0" rtl="0" algn="l">
+            <a:pPr marL="0" lvl="0" indent="0" algn="l" rtl="0">
               <a:spcBef>
                 <a:spcPts val="0"/>
               </a:spcBef>
@@ -888,9 +916,6 @@
               </a:spcAft>
               <a:buNone/>
             </a:pPr>
-            <a:r>
-              <a:t/>
-            </a:r>
             <a:endParaRPr/>
           </a:p>
         </p:txBody>
@@ -904,11 +929,11 @@
 </file>
 
 <file path=ppt/notesSlides/notesSlide3.xml><?xml version="1.0" encoding="utf-8"?>
-<p:notes xmlns:a="http://schemas.openxmlformats.org/drawingml/2006/main" xmlns:r="http://schemas.openxmlformats.org/officeDocument/2006/relationships" xmlns:mc="http://schemas.openxmlformats.org/markup-compatibility/2006" xmlns:mv="urn:schemas-microsoft-com:mac:vml" xmlns:p="http://schemas.openxmlformats.org/presentationml/2006/main" xmlns:c="http://schemas.openxmlformats.org/drawingml/2006/chart" xmlns:dgm="http://schemas.openxmlformats.org/drawingml/2006/diagram" xmlns:o="urn:schemas-microsoft-com:office:office" xmlns:v="urn:schemas-microsoft-com:vml" xmlns:pvml="urn:schemas-microsoft-com:office:powerpoint" xmlns:com="http://schemas.openxmlformats.org/drawingml/2006/compatibility" xmlns:p14="http://schemas.microsoft.com/office/powerpoint/2010/main" xmlns:p15="http://schemas.microsoft.com/office/powerpoint/2012/main" xmlns:ahyp="http://schemas.microsoft.com/office/drawing/2018/hyperlinkcolor" showMasterPhAnim="0" showMasterSp="0">
+<p:notes xmlns:a="http://schemas.openxmlformats.org/drawingml/2006/main" xmlns:r="http://schemas.openxmlformats.org/officeDocument/2006/relationships" xmlns:p="http://schemas.openxmlformats.org/presentationml/2006/main" showMasterSp="0" showMasterPhAnim="0">
   <p:cSld>
     <p:spTree>
       <p:nvGrpSpPr>
-        <p:cNvPr id="97" name="Shape 97"/>
+        <p:cNvPr id="1" name="Shape 97"/>
         <p:cNvGrpSpPr/>
         <p:nvPr/>
       </p:nvGrpSpPr>
@@ -923,9 +948,11 @@
       <p:sp>
         <p:nvSpPr>
           <p:cNvPr id="98" name="Google Shape;98;g2fd42abebfb_0_109:notes"/>
-          <p:cNvSpPr/>
+          <p:cNvSpPr>
+            <a:spLocks noGrp="1" noRot="1" noChangeAspect="1"/>
+          </p:cNvSpPr>
           <p:nvPr>
-            <p:ph idx="2" type="sldImg"/>
+            <p:ph type="sldImg" idx="2"/>
           </p:nvPr>
         </p:nvSpPr>
         <p:spPr>
@@ -934,9 +961,13 @@
             <a:ext cx="6096000" cy="3429000"/>
           </a:xfrm>
           <a:custGeom>
-            <a:rect b="b" l="l" r="r" t="t"/>
+            <a:avLst/>
+            <a:gdLst/>
+            <a:ahLst/>
+            <a:cxnLst/>
+            <a:rect l="l" t="t" r="r" b="b"/>
             <a:pathLst>
-              <a:path extrusionOk="0" h="120000" w="120000">
+              <a:path w="120000" h="120000" extrusionOk="0">
                 <a:moveTo>
                   <a:pt x="0" y="0"/>
                 </a:moveTo>
@@ -958,9 +989,11 @@
       <p:sp>
         <p:nvSpPr>
           <p:cNvPr id="99" name="Google Shape;99;g2fd42abebfb_0_109:notes"/>
-          <p:cNvSpPr txBox="1"/>
+          <p:cNvSpPr txBox="1">
+            <a:spLocks noGrp="1"/>
+          </p:cNvSpPr>
           <p:nvPr>
-            <p:ph idx="1" type="body"/>
+            <p:ph type="body" idx="1"/>
           </p:nvPr>
         </p:nvSpPr>
         <p:spPr>
@@ -973,12 +1006,12 @@
           </a:prstGeom>
         </p:spPr>
         <p:txBody>
-          <a:bodyPr anchorCtr="0" anchor="t" bIns="91425" lIns="91425" spcFirstLastPara="1" rIns="91425" wrap="square" tIns="91425">
+          <a:bodyPr spcFirstLastPara="1" wrap="square" lIns="91425" tIns="91425" rIns="91425" bIns="91425" anchor="t" anchorCtr="0">
             <a:noAutofit/>
           </a:bodyPr>
           <a:lstStyle/>
           <a:p>
-            <a:pPr indent="0" lvl="0" marL="0" rtl="0" algn="l">
+            <a:pPr marL="0" lvl="0" indent="0" algn="l" rtl="0">
               <a:spcBef>
                 <a:spcPts val="0"/>
               </a:spcBef>
@@ -987,9 +1020,6 @@
               </a:spcAft>
               <a:buNone/>
             </a:pPr>
-            <a:r>
-              <a:t/>
-            </a:r>
             <a:endParaRPr/>
           </a:p>
         </p:txBody>
@@ -1003,11 +1033,11 @@
 </file>
 
 <file path=ppt/notesSlides/notesSlide4.xml><?xml version="1.0" encoding="utf-8"?>
-<p:notes xmlns:a="http://schemas.openxmlformats.org/drawingml/2006/main" xmlns:r="http://schemas.openxmlformats.org/officeDocument/2006/relationships" xmlns:mc="http://schemas.openxmlformats.org/markup-compatibility/2006" xmlns:mv="urn:schemas-microsoft-com:mac:vml" xmlns:p="http://schemas.openxmlformats.org/presentationml/2006/main" xmlns:c="http://schemas.openxmlformats.org/drawingml/2006/chart" xmlns:dgm="http://schemas.openxmlformats.org/drawingml/2006/diagram" xmlns:o="urn:schemas-microsoft-com:office:office" xmlns:v="urn:schemas-microsoft-com:vml" xmlns:pvml="urn:schemas-microsoft-com:office:powerpoint" xmlns:com="http://schemas.openxmlformats.org/drawingml/2006/compatibility" xmlns:p14="http://schemas.microsoft.com/office/powerpoint/2010/main" xmlns:p15="http://schemas.microsoft.com/office/powerpoint/2012/main" xmlns:ahyp="http://schemas.microsoft.com/office/drawing/2018/hyperlinkcolor" showMasterPhAnim="0" showMasterSp="0">
+<p:notes xmlns:a="http://schemas.openxmlformats.org/drawingml/2006/main" xmlns:r="http://schemas.openxmlformats.org/officeDocument/2006/relationships" xmlns:p="http://schemas.openxmlformats.org/presentationml/2006/main" showMasterSp="0" showMasterPhAnim="0">
   <p:cSld>
     <p:spTree>
       <p:nvGrpSpPr>
-        <p:cNvPr id="103" name="Shape 103"/>
+        <p:cNvPr id="1" name="Shape 103"/>
         <p:cNvGrpSpPr/>
         <p:nvPr/>
       </p:nvGrpSpPr>
@@ -1022,9 +1052,11 @@
       <p:sp>
         <p:nvSpPr>
           <p:cNvPr id="104" name="Google Shape;104;g2fd42abebfb_0_195:notes"/>
-          <p:cNvSpPr/>
+          <p:cNvSpPr>
+            <a:spLocks noGrp="1" noRot="1" noChangeAspect="1"/>
+          </p:cNvSpPr>
           <p:nvPr>
-            <p:ph idx="2" type="sldImg"/>
+            <p:ph type="sldImg" idx="2"/>
           </p:nvPr>
         </p:nvSpPr>
         <p:spPr>
@@ -1033,9 +1065,13 @@
             <a:ext cx="6096000" cy="3429000"/>
           </a:xfrm>
           <a:custGeom>
-            <a:rect b="b" l="l" r="r" t="t"/>
+            <a:avLst/>
+            <a:gdLst/>
+            <a:ahLst/>
+            <a:cxnLst/>
+            <a:rect l="l" t="t" r="r" b="b"/>
             <a:pathLst>
-              <a:path extrusionOk="0" h="120000" w="120000">
+              <a:path w="120000" h="120000" extrusionOk="0">
                 <a:moveTo>
                   <a:pt x="0" y="0"/>
                 </a:moveTo>
@@ -1057,9 +1093,11 @@
       <p:sp>
         <p:nvSpPr>
           <p:cNvPr id="105" name="Google Shape;105;g2fd42abebfb_0_195:notes"/>
-          <p:cNvSpPr txBox="1"/>
+          <p:cNvSpPr txBox="1">
+            <a:spLocks noGrp="1"/>
+          </p:cNvSpPr>
           <p:nvPr>
-            <p:ph idx="1" type="body"/>
+            <p:ph type="body" idx="1"/>
           </p:nvPr>
         </p:nvSpPr>
         <p:spPr>
@@ -1072,12 +1110,12 @@
           </a:prstGeom>
         </p:spPr>
         <p:txBody>
-          <a:bodyPr anchorCtr="0" anchor="t" bIns="91425" lIns="91425" spcFirstLastPara="1" rIns="91425" wrap="square" tIns="91425">
+          <a:bodyPr spcFirstLastPara="1" wrap="square" lIns="91425" tIns="91425" rIns="91425" bIns="91425" anchor="t" anchorCtr="0">
             <a:noAutofit/>
           </a:bodyPr>
           <a:lstStyle/>
           <a:p>
-            <a:pPr indent="0" lvl="0" marL="0" rtl="0" algn="l">
+            <a:pPr marL="0" lvl="0" indent="0" algn="l" rtl="0">
               <a:spcBef>
                 <a:spcPts val="0"/>
               </a:spcBef>
@@ -1086,9 +1124,6 @@
               </a:spcAft>
               <a:buNone/>
             </a:pPr>
-            <a:r>
-              <a:t/>
-            </a:r>
             <a:endParaRPr/>
           </a:p>
         </p:txBody>
@@ -1102,18 +1137,19 @@
 </file>
 
 <file path=ppt/slideLayouts/slideLayout1.xml><?xml version="1.0" encoding="utf-8"?>
-<p:sldLayout xmlns:a="http://schemas.openxmlformats.org/drawingml/2006/main" xmlns:r="http://schemas.openxmlformats.org/officeDocument/2006/relationships" xmlns:mc="http://schemas.openxmlformats.org/markup-compatibility/2006" xmlns:mv="urn:schemas-microsoft-com:mac:vml" xmlns:p="http://schemas.openxmlformats.org/presentationml/2006/main" xmlns:c="http://schemas.openxmlformats.org/drawingml/2006/chart" xmlns:dgm="http://schemas.openxmlformats.org/drawingml/2006/diagram" xmlns:o="urn:schemas-microsoft-com:office:office" xmlns:v="urn:schemas-microsoft-com:vml" xmlns:pvml="urn:schemas-microsoft-com:office:powerpoint" xmlns:com="http://schemas.openxmlformats.org/drawingml/2006/compatibility" xmlns:p14="http://schemas.microsoft.com/office/powerpoint/2010/main" xmlns:p15="http://schemas.microsoft.com/office/powerpoint/2012/main" xmlns:ahyp="http://schemas.microsoft.com/office/drawing/2018/hyperlinkcolor" matchingName="Title slide" type="title">
+<p:sldLayout xmlns:a="http://schemas.openxmlformats.org/drawingml/2006/main" xmlns:r="http://schemas.openxmlformats.org/officeDocument/2006/relationships" xmlns:p="http://schemas.openxmlformats.org/presentationml/2006/main" matchingName="Title slide" type="title">
   <p:cSld name="TITLE">
     <p:bg>
       <p:bgPr>
         <a:solidFill>
           <a:schemeClr val="lt2"/>
         </a:solidFill>
+        <a:effectLst/>
       </p:bgPr>
     </p:bg>
     <p:spTree>
       <p:nvGrpSpPr>
-        <p:cNvPr id="9" name="Shape 9"/>
+        <p:cNvPr id="1" name="Shape 9"/>
         <p:cNvGrpSpPr/>
         <p:nvPr/>
       </p:nvGrpSpPr>
@@ -1147,12 +1183,12 @@
           </a:ln>
         </p:spPr>
         <p:txBody>
-          <a:bodyPr anchorCtr="0" anchor="ctr" bIns="91425" lIns="91425" spcFirstLastPara="1" rIns="91425" wrap="square" tIns="91425">
+          <a:bodyPr spcFirstLastPara="1" wrap="square" lIns="91425" tIns="91425" rIns="91425" bIns="91425" anchor="ctr" anchorCtr="0">
             <a:noAutofit/>
           </a:bodyPr>
           <a:lstStyle/>
           <a:p>
-            <a:pPr indent="0" lvl="0" marL="0" rtl="0" algn="l">
+            <a:pPr marL="0" lvl="0" indent="0" algn="l" rtl="0">
               <a:spcBef>
                 <a:spcPts val="0"/>
               </a:spcBef>
@@ -1161,9 +1197,6 @@
               </a:spcAft>
               <a:buNone/>
             </a:pPr>
-            <a:r>
-              <a:t/>
-            </a:r>
             <a:endParaRPr/>
           </a:p>
         </p:txBody>
@@ -1204,12 +1237,12 @@
             </a:ln>
           </p:spPr>
           <p:txBody>
-            <a:bodyPr anchorCtr="0" anchor="ctr" bIns="91425" lIns="91425" spcFirstLastPara="1" rIns="91425" wrap="square" tIns="91425">
+            <a:bodyPr spcFirstLastPara="1" wrap="square" lIns="91425" tIns="91425" rIns="91425" bIns="91425" anchor="ctr" anchorCtr="0">
               <a:noAutofit/>
             </a:bodyPr>
             <a:lstStyle/>
             <a:p>
-              <a:pPr indent="0" lvl="0" marL="0" rtl="0" algn="l">
+              <a:pPr marL="0" lvl="0" indent="0" algn="l" rtl="0">
                 <a:spcBef>
                   <a:spcPts val="0"/>
                 </a:spcBef>
@@ -1218,9 +1251,6 @@
                 </a:spcAft>
                 <a:buNone/>
               </a:pPr>
-              <a:r>
-                <a:t/>
-              </a:r>
               <a:endParaRPr/>
             </a:p>
           </p:txBody>
@@ -1247,12 +1277,12 @@
             </a:ln>
           </p:spPr>
           <p:txBody>
-            <a:bodyPr anchorCtr="0" anchor="ctr" bIns="91425" lIns="91425" spcFirstLastPara="1" rIns="91425" wrap="square" tIns="91425">
+            <a:bodyPr spcFirstLastPara="1" wrap="square" lIns="91425" tIns="91425" rIns="91425" bIns="91425" anchor="ctr" anchorCtr="0">
               <a:noAutofit/>
             </a:bodyPr>
             <a:lstStyle/>
             <a:p>
-              <a:pPr indent="0" lvl="0" marL="0" rtl="0" algn="l">
+              <a:pPr marL="0" lvl="0" indent="0" algn="l" rtl="0">
                 <a:spcBef>
                   <a:spcPts val="0"/>
                 </a:spcBef>
@@ -1261,9 +1291,6 @@
                 </a:spcAft>
                 <a:buNone/>
               </a:pPr>
-              <a:r>
-                <a:t/>
-              </a:r>
               <a:endParaRPr/>
             </a:p>
           </p:txBody>
@@ -1272,7 +1299,9 @@
       <p:sp>
         <p:nvSpPr>
           <p:cNvPr id="14" name="Google Shape;14;p2"/>
-          <p:cNvSpPr txBox="1"/>
+          <p:cNvSpPr txBox="1">
+            <a:spLocks noGrp="1"/>
+          </p:cNvSpPr>
           <p:nvPr>
             <p:ph type="ctrTitle"/>
           </p:nvPr>
@@ -1287,7 +1316,7 @@
           </a:prstGeom>
         </p:spPr>
         <p:txBody>
-          <a:bodyPr anchorCtr="0" anchor="t" bIns="91425" lIns="91425" spcFirstLastPara="1" rIns="91425" wrap="square" tIns="91425">
+          <a:bodyPr spcFirstLastPara="1" wrap="square" lIns="91425" tIns="91425" rIns="91425" bIns="91425" anchor="t" anchorCtr="0">
             <a:normAutofit/>
           </a:bodyPr>
           <a:lstStyle>
@@ -1391,15 +1420,19 @@
               <a:defRPr sz="4200"/>
             </a:lvl9pPr>
           </a:lstStyle>
-          <a:p/>
+          <a:p>
+            <a:endParaRPr/>
+          </a:p>
         </p:txBody>
       </p:sp>
       <p:sp>
         <p:nvSpPr>
           <p:cNvPr id="15" name="Google Shape;15;p2"/>
-          <p:cNvSpPr txBox="1"/>
+          <p:cNvSpPr txBox="1">
+            <a:spLocks noGrp="1"/>
+          </p:cNvSpPr>
           <p:nvPr>
-            <p:ph idx="1" type="subTitle"/>
+            <p:ph type="subTitle" idx="1"/>
           </p:nvPr>
         </p:nvSpPr>
         <p:spPr>
@@ -1412,7 +1445,7 @@
           </a:prstGeom>
         </p:spPr>
         <p:txBody>
-          <a:bodyPr anchorCtr="0" anchor="t" bIns="91425" lIns="91425" spcFirstLastPara="1" rIns="91425" wrap="square" tIns="91425">
+          <a:bodyPr spcFirstLastPara="1" wrap="square" lIns="91425" tIns="91425" rIns="91425" bIns="91425" anchor="t" anchorCtr="0">
             <a:normAutofit/>
           </a:bodyPr>
           <a:lstStyle>
@@ -1543,15 +1576,19 @@
               <a:defRPr sz="1600"/>
             </a:lvl9pPr>
           </a:lstStyle>
-          <a:p/>
+          <a:p>
+            <a:endParaRPr/>
+          </a:p>
         </p:txBody>
       </p:sp>
       <p:sp>
         <p:nvSpPr>
           <p:cNvPr id="16" name="Google Shape;16;p2"/>
-          <p:cNvSpPr txBox="1"/>
+          <p:cNvSpPr txBox="1">
+            <a:spLocks noGrp="1"/>
+          </p:cNvSpPr>
           <p:nvPr>
-            <p:ph idx="12" type="sldNum"/>
+            <p:ph type="sldNum" idx="12"/>
           </p:nvPr>
         </p:nvSpPr>
         <p:spPr>
@@ -1564,7 +1601,7 @@
           </a:prstGeom>
         </p:spPr>
         <p:txBody>
-          <a:bodyPr anchorCtr="0" anchor="ctr" bIns="91425" lIns="91425" spcFirstLastPara="1" rIns="91425" wrap="square" tIns="91425">
+          <a:bodyPr spcFirstLastPara="1" wrap="square" lIns="91425" tIns="91425" rIns="91425" bIns="91425" anchor="ctr" anchorCtr="0">
             <a:normAutofit/>
           </a:bodyPr>
           <a:lstStyle>
@@ -1606,7 +1643,7 @@
             </a:lvl9pPr>
           </a:lstStyle>
           <a:p>
-            <a:pPr indent="0" lvl="0" marL="0" rtl="0" algn="r">
+            <a:pPr marL="0" lvl="0" indent="0" algn="r" rtl="0">
               <a:spcBef>
                 <a:spcPts val="0"/>
               </a:spcBef>
@@ -1632,18 +1669,19 @@
 </file>
 
 <file path=ppt/slideLayouts/slideLayout10.xml><?xml version="1.0" encoding="utf-8"?>
-<p:sldLayout xmlns:a="http://schemas.openxmlformats.org/drawingml/2006/main" xmlns:r="http://schemas.openxmlformats.org/officeDocument/2006/relationships" xmlns:mc="http://schemas.openxmlformats.org/markup-compatibility/2006" xmlns:mv="urn:schemas-microsoft-com:mac:vml" xmlns:p="http://schemas.openxmlformats.org/presentationml/2006/main" xmlns:c="http://schemas.openxmlformats.org/drawingml/2006/chart" xmlns:dgm="http://schemas.openxmlformats.org/drawingml/2006/diagram" xmlns:o="urn:schemas-microsoft-com:office:office" xmlns:v="urn:schemas-microsoft-com:vml" xmlns:pvml="urn:schemas-microsoft-com:office:powerpoint" xmlns:com="http://schemas.openxmlformats.org/drawingml/2006/compatibility" xmlns:p14="http://schemas.microsoft.com/office/powerpoint/2010/main" xmlns:p15="http://schemas.microsoft.com/office/powerpoint/2012/main" xmlns:ahyp="http://schemas.microsoft.com/office/drawing/2018/hyperlinkcolor" matchingName="Big number">
+<p:sldLayout xmlns:a="http://schemas.openxmlformats.org/drawingml/2006/main" xmlns:r="http://schemas.openxmlformats.org/officeDocument/2006/relationships" xmlns:p="http://schemas.openxmlformats.org/presentationml/2006/main" matchingName="Big number">
   <p:cSld name="BIG_NUMBER">
     <p:bg>
       <p:bgPr>
         <a:solidFill>
           <a:schemeClr val="dk1"/>
         </a:solidFill>
+        <a:effectLst/>
       </p:bgPr>
     </p:bg>
     <p:spTree>
       <p:nvGrpSpPr>
-        <p:cNvPr id="73" name="Shape 73"/>
+        <p:cNvPr id="1" name="Shape 73"/>
         <p:cNvGrpSpPr/>
         <p:nvPr/>
       </p:nvGrpSpPr>
@@ -1691,12 +1729,12 @@
             </a:ln>
           </p:spPr>
           <p:txBody>
-            <a:bodyPr anchorCtr="0" anchor="ctr" bIns="91425" lIns="91425" spcFirstLastPara="1" rIns="91425" wrap="square" tIns="91425">
+            <a:bodyPr spcFirstLastPara="1" wrap="square" lIns="91425" tIns="91425" rIns="91425" bIns="91425" anchor="ctr" anchorCtr="0">
               <a:noAutofit/>
             </a:bodyPr>
             <a:lstStyle/>
             <a:p>
-              <a:pPr indent="0" lvl="0" marL="0" rtl="0" algn="l">
+              <a:pPr marL="0" lvl="0" indent="0" algn="l" rtl="0">
                 <a:spcBef>
                   <a:spcPts val="0"/>
                 </a:spcBef>
@@ -1705,9 +1743,6 @@
                 </a:spcAft>
                 <a:buNone/>
               </a:pPr>
-              <a:r>
-                <a:t/>
-              </a:r>
               <a:endParaRPr/>
             </a:p>
           </p:txBody>
@@ -1734,12 +1769,12 @@
             </a:ln>
           </p:spPr>
           <p:txBody>
-            <a:bodyPr anchorCtr="0" anchor="ctr" bIns="91425" lIns="91425" spcFirstLastPara="1" rIns="91425" wrap="square" tIns="91425">
+            <a:bodyPr spcFirstLastPara="1" wrap="square" lIns="91425" tIns="91425" rIns="91425" bIns="91425" anchor="ctr" anchorCtr="0">
               <a:noAutofit/>
             </a:bodyPr>
             <a:lstStyle/>
             <a:p>
-              <a:pPr indent="0" lvl="0" marL="0" rtl="0" algn="l">
+              <a:pPr marL="0" lvl="0" indent="0" algn="l" rtl="0">
                 <a:spcBef>
                   <a:spcPts val="0"/>
                 </a:spcBef>
@@ -1748,9 +1783,6 @@
                 </a:spcAft>
                 <a:buNone/>
               </a:pPr>
-              <a:r>
-                <a:t/>
-              </a:r>
               <a:endParaRPr/>
             </a:p>
           </p:txBody>
@@ -1759,9 +1791,11 @@
       <p:sp>
         <p:nvSpPr>
           <p:cNvPr id="77" name="Google Shape;77;p11"/>
-          <p:cNvSpPr txBox="1"/>
+          <p:cNvSpPr txBox="1">
+            <a:spLocks noGrp="1"/>
+          </p:cNvSpPr>
           <p:nvPr>
-            <p:ph hasCustomPrompt="1" type="title"/>
+            <p:ph type="title" hasCustomPrompt="1"/>
           </p:nvPr>
         </p:nvSpPr>
         <p:spPr>
@@ -1774,7 +1808,7 @@
           </a:prstGeom>
         </p:spPr>
         <p:txBody>
-          <a:bodyPr anchorCtr="0" anchor="t" bIns="91425" lIns="91425" spcFirstLastPara="1" rIns="91425" wrap="square" tIns="91425">
+          <a:bodyPr spcFirstLastPara="1" wrap="square" lIns="91425" tIns="91425" rIns="91425" bIns="91425" anchor="t" anchorCtr="0">
             <a:normAutofit/>
           </a:bodyPr>
           <a:lstStyle>
@@ -1951,9 +1985,11 @@
       <p:sp>
         <p:nvSpPr>
           <p:cNvPr id="78" name="Google Shape;78;p11"/>
-          <p:cNvSpPr txBox="1"/>
+          <p:cNvSpPr txBox="1">
+            <a:spLocks noGrp="1"/>
+          </p:cNvSpPr>
           <p:nvPr>
-            <p:ph idx="1" type="body"/>
+            <p:ph type="body" idx="1"/>
           </p:nvPr>
         </p:nvSpPr>
         <p:spPr>
@@ -1966,11 +2002,11 @@
           </a:prstGeom>
         </p:spPr>
         <p:txBody>
-          <a:bodyPr anchorCtr="0" anchor="t" bIns="91425" lIns="91425" spcFirstLastPara="1" rIns="91425" wrap="square" tIns="91425">
+          <a:bodyPr spcFirstLastPara="1" wrap="square" lIns="91425" tIns="91425" rIns="91425" bIns="91425" anchor="t" anchorCtr="0">
             <a:normAutofit/>
           </a:bodyPr>
           <a:lstStyle>
-            <a:lvl1pPr indent="-311150" lvl="0" marL="457200">
+            <a:lvl1pPr marL="457200" lvl="0" indent="-311150">
               <a:spcBef>
                 <a:spcPts val="0"/>
               </a:spcBef>
@@ -1988,7 +2024,7 @@
                 </a:solidFill>
               </a:defRPr>
             </a:lvl1pPr>
-            <a:lvl2pPr indent="-298450" lvl="1" marL="914400">
+            <a:lvl2pPr marL="914400" lvl="1" indent="-298450">
               <a:spcBef>
                 <a:spcPts val="0"/>
               </a:spcBef>
@@ -2006,7 +2042,7 @@
                 </a:solidFill>
               </a:defRPr>
             </a:lvl2pPr>
-            <a:lvl3pPr indent="-298450" lvl="2" marL="1371600">
+            <a:lvl3pPr marL="1371600" lvl="2" indent="-298450">
               <a:spcBef>
                 <a:spcPts val="0"/>
               </a:spcBef>
@@ -2024,7 +2060,7 @@
                 </a:solidFill>
               </a:defRPr>
             </a:lvl3pPr>
-            <a:lvl4pPr indent="-298450" lvl="3" marL="1828800">
+            <a:lvl4pPr marL="1828800" lvl="3" indent="-298450">
               <a:spcBef>
                 <a:spcPts val="0"/>
               </a:spcBef>
@@ -2042,7 +2078,7 @@
                 </a:solidFill>
               </a:defRPr>
             </a:lvl4pPr>
-            <a:lvl5pPr indent="-298450" lvl="4" marL="2286000">
+            <a:lvl5pPr marL="2286000" lvl="4" indent="-298450">
               <a:spcBef>
                 <a:spcPts val="0"/>
               </a:spcBef>
@@ -2060,7 +2096,7 @@
                 </a:solidFill>
               </a:defRPr>
             </a:lvl5pPr>
-            <a:lvl6pPr indent="-298450" lvl="5" marL="2743200">
+            <a:lvl6pPr marL="2743200" lvl="5" indent="-298450">
               <a:spcBef>
                 <a:spcPts val="0"/>
               </a:spcBef>
@@ -2078,7 +2114,7 @@
                 </a:solidFill>
               </a:defRPr>
             </a:lvl6pPr>
-            <a:lvl7pPr indent="-298450" lvl="6" marL="3200400">
+            <a:lvl7pPr marL="3200400" lvl="6" indent="-298450">
               <a:spcBef>
                 <a:spcPts val="0"/>
               </a:spcBef>
@@ -2096,7 +2132,7 @@
                 </a:solidFill>
               </a:defRPr>
             </a:lvl7pPr>
-            <a:lvl8pPr indent="-298450" lvl="7" marL="3657600">
+            <a:lvl8pPr marL="3657600" lvl="7" indent="-298450">
               <a:spcBef>
                 <a:spcPts val="0"/>
               </a:spcBef>
@@ -2114,7 +2150,7 @@
                 </a:solidFill>
               </a:defRPr>
             </a:lvl8pPr>
-            <a:lvl9pPr indent="-298450" lvl="8" marL="4114800">
+            <a:lvl9pPr marL="4114800" lvl="8" indent="-298450">
               <a:spcBef>
                 <a:spcPts val="0"/>
               </a:spcBef>
@@ -2133,15 +2169,19 @@
               </a:defRPr>
             </a:lvl9pPr>
           </a:lstStyle>
-          <a:p/>
+          <a:p>
+            <a:endParaRPr/>
+          </a:p>
         </p:txBody>
       </p:sp>
       <p:sp>
         <p:nvSpPr>
           <p:cNvPr id="79" name="Google Shape;79;p11"/>
-          <p:cNvSpPr txBox="1"/>
+          <p:cNvSpPr txBox="1">
+            <a:spLocks noGrp="1"/>
+          </p:cNvSpPr>
           <p:nvPr>
-            <p:ph idx="12" type="sldNum"/>
+            <p:ph type="sldNum" idx="12"/>
           </p:nvPr>
         </p:nvSpPr>
         <p:spPr>
@@ -2154,7 +2194,7 @@
           </a:prstGeom>
         </p:spPr>
         <p:txBody>
-          <a:bodyPr anchorCtr="0" anchor="ctr" bIns="91425" lIns="91425" spcFirstLastPara="1" rIns="91425" wrap="square" tIns="91425">
+          <a:bodyPr spcFirstLastPara="1" wrap="square" lIns="91425" tIns="91425" rIns="91425" bIns="91425" anchor="ctr" anchorCtr="0">
             <a:normAutofit/>
           </a:bodyPr>
           <a:lstStyle>
@@ -2232,7 +2272,7 @@
             </a:lvl9pPr>
           </a:lstStyle>
           <a:p>
-            <a:pPr indent="0" lvl="0" marL="0" rtl="0" algn="r">
+            <a:pPr marL="0" lvl="0" indent="0" algn="r" rtl="0">
               <a:spcBef>
                 <a:spcPts val="0"/>
               </a:spcBef>
@@ -2258,11 +2298,11 @@
 </file>
 
 <file path=ppt/slideLayouts/slideLayout11.xml><?xml version="1.0" encoding="utf-8"?>
-<p:sldLayout xmlns:a="http://schemas.openxmlformats.org/drawingml/2006/main" xmlns:r="http://schemas.openxmlformats.org/officeDocument/2006/relationships" xmlns:mc="http://schemas.openxmlformats.org/markup-compatibility/2006" xmlns:mv="urn:schemas-microsoft-com:mac:vml" xmlns:p="http://schemas.openxmlformats.org/presentationml/2006/main" xmlns:c="http://schemas.openxmlformats.org/drawingml/2006/chart" xmlns:dgm="http://schemas.openxmlformats.org/drawingml/2006/diagram" xmlns:o="urn:schemas-microsoft-com:office:office" xmlns:v="urn:schemas-microsoft-com:vml" xmlns:pvml="urn:schemas-microsoft-com:office:powerpoint" xmlns:com="http://schemas.openxmlformats.org/drawingml/2006/compatibility" xmlns:p14="http://schemas.microsoft.com/office/powerpoint/2010/main" xmlns:p15="http://schemas.microsoft.com/office/powerpoint/2012/main" xmlns:ahyp="http://schemas.microsoft.com/office/drawing/2018/hyperlinkcolor" matchingName="Blank" type="blank">
+<p:sldLayout xmlns:a="http://schemas.openxmlformats.org/drawingml/2006/main" xmlns:r="http://schemas.openxmlformats.org/officeDocument/2006/relationships" xmlns:p="http://schemas.openxmlformats.org/presentationml/2006/main" matchingName="Blank" type="blank">
   <p:cSld name="BLANK">
     <p:spTree>
       <p:nvGrpSpPr>
-        <p:cNvPr id="80" name="Shape 80"/>
+        <p:cNvPr id="1" name="Shape 80"/>
         <p:cNvGrpSpPr/>
         <p:nvPr/>
       </p:nvGrpSpPr>
@@ -2277,9 +2317,11 @@
       <p:sp>
         <p:nvSpPr>
           <p:cNvPr id="81" name="Google Shape;81;p12"/>
-          <p:cNvSpPr txBox="1"/>
+          <p:cNvSpPr txBox="1">
+            <a:spLocks noGrp="1"/>
+          </p:cNvSpPr>
           <p:nvPr>
-            <p:ph idx="12" type="sldNum"/>
+            <p:ph type="sldNum" idx="12"/>
           </p:nvPr>
         </p:nvSpPr>
         <p:spPr>
@@ -2292,7 +2334,7 @@
           </a:prstGeom>
         </p:spPr>
         <p:txBody>
-          <a:bodyPr anchorCtr="0" anchor="ctr" bIns="91425" lIns="91425" spcFirstLastPara="1" rIns="91425" wrap="square" tIns="91425">
+          <a:bodyPr spcFirstLastPara="1" wrap="square" lIns="91425" tIns="91425" rIns="91425" bIns="91425" anchor="ctr" anchorCtr="0">
             <a:normAutofit/>
           </a:bodyPr>
           <a:lstStyle>
@@ -2334,7 +2376,7 @@
             </a:lvl9pPr>
           </a:lstStyle>
           <a:p>
-            <a:pPr indent="0" lvl="0" marL="0" rtl="0" algn="r">
+            <a:pPr marL="0" lvl="0" indent="0" algn="r" rtl="0">
               <a:spcBef>
                 <a:spcPts val="0"/>
               </a:spcBef>
@@ -2360,18 +2402,19 @@
 </file>
 
 <file path=ppt/slideLayouts/slideLayout2.xml><?xml version="1.0" encoding="utf-8"?>
-<p:sldLayout xmlns:a="http://schemas.openxmlformats.org/drawingml/2006/main" xmlns:r="http://schemas.openxmlformats.org/officeDocument/2006/relationships" xmlns:mc="http://schemas.openxmlformats.org/markup-compatibility/2006" xmlns:mv="urn:schemas-microsoft-com:mac:vml" xmlns:p="http://schemas.openxmlformats.org/presentationml/2006/main" xmlns:c="http://schemas.openxmlformats.org/drawingml/2006/chart" xmlns:dgm="http://schemas.openxmlformats.org/drawingml/2006/diagram" xmlns:o="urn:schemas-microsoft-com:office:office" xmlns:v="urn:schemas-microsoft-com:vml" xmlns:pvml="urn:schemas-microsoft-com:office:powerpoint" xmlns:com="http://schemas.openxmlformats.org/drawingml/2006/compatibility" xmlns:p14="http://schemas.microsoft.com/office/powerpoint/2010/main" xmlns:p15="http://schemas.microsoft.com/office/powerpoint/2012/main" xmlns:ahyp="http://schemas.microsoft.com/office/drawing/2018/hyperlinkcolor" matchingName="Section header" type="secHead">
+<p:sldLayout xmlns:a="http://schemas.openxmlformats.org/drawingml/2006/main" xmlns:r="http://schemas.openxmlformats.org/officeDocument/2006/relationships" xmlns:p="http://schemas.openxmlformats.org/presentationml/2006/main" matchingName="Section header" type="secHead">
   <p:cSld name="SECTION_HEADER">
     <p:bg>
       <p:bgPr>
         <a:solidFill>
           <a:schemeClr val="dk1"/>
         </a:solidFill>
+        <a:effectLst/>
       </p:bgPr>
     </p:bg>
     <p:spTree>
       <p:nvGrpSpPr>
-        <p:cNvPr id="17" name="Shape 17"/>
+        <p:cNvPr id="1" name="Shape 17"/>
         <p:cNvGrpSpPr/>
         <p:nvPr/>
       </p:nvGrpSpPr>
@@ -2419,12 +2462,12 @@
             </a:ln>
           </p:spPr>
           <p:txBody>
-            <a:bodyPr anchorCtr="0" anchor="ctr" bIns="91425" lIns="91425" spcFirstLastPara="1" rIns="91425" wrap="square" tIns="91425">
+            <a:bodyPr spcFirstLastPara="1" wrap="square" lIns="91425" tIns="91425" rIns="91425" bIns="91425" anchor="ctr" anchorCtr="0">
               <a:noAutofit/>
             </a:bodyPr>
             <a:lstStyle/>
             <a:p>
-              <a:pPr indent="0" lvl="0" marL="0" rtl="0" algn="l">
+              <a:pPr marL="0" lvl="0" indent="0" algn="l" rtl="0">
                 <a:spcBef>
                   <a:spcPts val="0"/>
                 </a:spcBef>
@@ -2433,9 +2476,6 @@
                 </a:spcAft>
                 <a:buNone/>
               </a:pPr>
-              <a:r>
-                <a:t/>
-              </a:r>
               <a:endParaRPr/>
             </a:p>
           </p:txBody>
@@ -2462,12 +2502,12 @@
             </a:ln>
           </p:spPr>
           <p:txBody>
-            <a:bodyPr anchorCtr="0" anchor="ctr" bIns="91425" lIns="91425" spcFirstLastPara="1" rIns="91425" wrap="square" tIns="91425">
+            <a:bodyPr spcFirstLastPara="1" wrap="square" lIns="91425" tIns="91425" rIns="91425" bIns="91425" anchor="ctr" anchorCtr="0">
               <a:noAutofit/>
             </a:bodyPr>
             <a:lstStyle/>
             <a:p>
-              <a:pPr indent="0" lvl="0" marL="0" rtl="0" algn="l">
+              <a:pPr marL="0" lvl="0" indent="0" algn="l" rtl="0">
                 <a:spcBef>
                   <a:spcPts val="0"/>
                 </a:spcBef>
@@ -2476,9 +2516,6 @@
                 </a:spcAft>
                 <a:buNone/>
               </a:pPr>
-              <a:r>
-                <a:t/>
-              </a:r>
               <a:endParaRPr/>
             </a:p>
           </p:txBody>
@@ -2487,7 +2524,9 @@
       <p:sp>
         <p:nvSpPr>
           <p:cNvPr id="21" name="Google Shape;21;p3"/>
-          <p:cNvSpPr txBox="1"/>
+          <p:cNvSpPr txBox="1">
+            <a:spLocks noGrp="1"/>
+          </p:cNvSpPr>
           <p:nvPr>
             <p:ph type="title"/>
           </p:nvPr>
@@ -2502,7 +2541,7 @@
           </a:prstGeom>
         </p:spPr>
         <p:txBody>
-          <a:bodyPr anchorCtr="0" anchor="t" bIns="91425" lIns="91425" spcFirstLastPara="1" rIns="91425" wrap="square" tIns="91425">
+          <a:bodyPr spcFirstLastPara="1" wrap="square" lIns="91425" tIns="91425" rIns="91425" bIns="91425" anchor="t" anchorCtr="0">
             <a:normAutofit/>
           </a:bodyPr>
           <a:lstStyle>
@@ -2669,15 +2708,19 @@
               </a:defRPr>
             </a:lvl9pPr>
           </a:lstStyle>
-          <a:p/>
+          <a:p>
+            <a:endParaRPr/>
+          </a:p>
         </p:txBody>
       </p:sp>
       <p:sp>
         <p:nvSpPr>
           <p:cNvPr id="22" name="Google Shape;22;p3"/>
-          <p:cNvSpPr txBox="1"/>
+          <p:cNvSpPr txBox="1">
+            <a:spLocks noGrp="1"/>
+          </p:cNvSpPr>
           <p:nvPr>
-            <p:ph idx="12" type="sldNum"/>
+            <p:ph type="sldNum" idx="12"/>
           </p:nvPr>
         </p:nvSpPr>
         <p:spPr>
@@ -2690,7 +2733,7 @@
           </a:prstGeom>
         </p:spPr>
         <p:txBody>
-          <a:bodyPr anchorCtr="0" anchor="ctr" bIns="91425" lIns="91425" spcFirstLastPara="1" rIns="91425" wrap="square" tIns="91425">
+          <a:bodyPr spcFirstLastPara="1" wrap="square" lIns="91425" tIns="91425" rIns="91425" bIns="91425" anchor="ctr" anchorCtr="0">
             <a:normAutofit/>
           </a:bodyPr>
           <a:lstStyle>
@@ -2768,7 +2811,7 @@
             </a:lvl9pPr>
           </a:lstStyle>
           <a:p>
-            <a:pPr indent="0" lvl="0" marL="0" rtl="0" algn="r">
+            <a:pPr marL="0" lvl="0" indent="0" algn="r" rtl="0">
               <a:spcBef>
                 <a:spcPts val="0"/>
               </a:spcBef>
@@ -2794,11 +2837,11 @@
 </file>
 
 <file path=ppt/slideLayouts/slideLayout3.xml><?xml version="1.0" encoding="utf-8"?>
-<p:sldLayout xmlns:a="http://schemas.openxmlformats.org/drawingml/2006/main" xmlns:r="http://schemas.openxmlformats.org/officeDocument/2006/relationships" xmlns:mc="http://schemas.openxmlformats.org/markup-compatibility/2006" xmlns:mv="urn:schemas-microsoft-com:mac:vml" xmlns:p="http://schemas.openxmlformats.org/presentationml/2006/main" xmlns:c="http://schemas.openxmlformats.org/drawingml/2006/chart" xmlns:dgm="http://schemas.openxmlformats.org/drawingml/2006/diagram" xmlns:o="urn:schemas-microsoft-com:office:office" xmlns:v="urn:schemas-microsoft-com:vml" xmlns:pvml="urn:schemas-microsoft-com:office:powerpoint" xmlns:com="http://schemas.openxmlformats.org/drawingml/2006/compatibility" xmlns:p14="http://schemas.microsoft.com/office/powerpoint/2010/main" xmlns:p15="http://schemas.microsoft.com/office/powerpoint/2012/main" xmlns:ahyp="http://schemas.microsoft.com/office/drawing/2018/hyperlinkcolor" matchingName="Title and body" type="tx">
+<p:sldLayout xmlns:a="http://schemas.openxmlformats.org/drawingml/2006/main" xmlns:r="http://schemas.openxmlformats.org/officeDocument/2006/relationships" xmlns:p="http://schemas.openxmlformats.org/presentationml/2006/main" matchingName="Title and body" type="tx">
   <p:cSld name="TITLE_AND_BODY">
     <p:spTree>
       <p:nvGrpSpPr>
-        <p:cNvPr id="23" name="Shape 23"/>
+        <p:cNvPr id="1" name="Shape 23"/>
         <p:cNvGrpSpPr/>
         <p:nvPr/>
       </p:nvGrpSpPr>
@@ -2832,12 +2875,12 @@
           </a:ln>
         </p:spPr>
         <p:txBody>
-          <a:bodyPr anchorCtr="0" anchor="ctr" bIns="91425" lIns="91425" spcFirstLastPara="1" rIns="91425" wrap="square" tIns="91425">
+          <a:bodyPr spcFirstLastPara="1" wrap="square" lIns="91425" tIns="91425" rIns="91425" bIns="91425" anchor="ctr" anchorCtr="0">
             <a:noAutofit/>
           </a:bodyPr>
           <a:lstStyle/>
           <a:p>
-            <a:pPr indent="0" lvl="0" marL="0" rtl="0" algn="l">
+            <a:pPr marL="0" lvl="0" indent="0" algn="l" rtl="0">
               <a:spcBef>
                 <a:spcPts val="0"/>
               </a:spcBef>
@@ -2846,9 +2889,6 @@
               </a:spcAft>
               <a:buNone/>
             </a:pPr>
-            <a:r>
-              <a:t/>
-            </a:r>
             <a:endParaRPr/>
           </a:p>
         </p:txBody>
@@ -2889,12 +2929,12 @@
             </a:ln>
           </p:spPr>
           <p:txBody>
-            <a:bodyPr anchorCtr="0" anchor="ctr" bIns="91425" lIns="91425" spcFirstLastPara="1" rIns="91425" wrap="square" tIns="91425">
+            <a:bodyPr spcFirstLastPara="1" wrap="square" lIns="91425" tIns="91425" rIns="91425" bIns="91425" anchor="ctr" anchorCtr="0">
               <a:noAutofit/>
             </a:bodyPr>
             <a:lstStyle/>
             <a:p>
-              <a:pPr indent="0" lvl="0" marL="0" rtl="0" algn="l">
+              <a:pPr marL="0" lvl="0" indent="0" algn="l" rtl="0">
                 <a:spcBef>
                   <a:spcPts val="0"/>
                 </a:spcBef>
@@ -2903,9 +2943,6 @@
                 </a:spcAft>
                 <a:buNone/>
               </a:pPr>
-              <a:r>
-                <a:t/>
-              </a:r>
               <a:endParaRPr/>
             </a:p>
           </p:txBody>
@@ -2932,12 +2969,12 @@
             </a:ln>
           </p:spPr>
           <p:txBody>
-            <a:bodyPr anchorCtr="0" anchor="ctr" bIns="91425" lIns="91425" spcFirstLastPara="1" rIns="91425" wrap="square" tIns="91425">
+            <a:bodyPr spcFirstLastPara="1" wrap="square" lIns="91425" tIns="91425" rIns="91425" bIns="91425" anchor="ctr" anchorCtr="0">
               <a:noAutofit/>
             </a:bodyPr>
             <a:lstStyle/>
             <a:p>
-              <a:pPr indent="0" lvl="0" marL="0" rtl="0" algn="l">
+              <a:pPr marL="0" lvl="0" indent="0" algn="l" rtl="0">
                 <a:spcBef>
                   <a:spcPts val="0"/>
                 </a:spcBef>
@@ -2946,9 +2983,6 @@
                 </a:spcAft>
                 <a:buNone/>
               </a:pPr>
-              <a:r>
-                <a:t/>
-              </a:r>
               <a:endParaRPr/>
             </a:p>
           </p:txBody>
@@ -2957,7 +2991,9 @@
       <p:sp>
         <p:nvSpPr>
           <p:cNvPr id="28" name="Google Shape;28;p4"/>
-          <p:cNvSpPr txBox="1"/>
+          <p:cNvSpPr txBox="1">
+            <a:spLocks noGrp="1"/>
+          </p:cNvSpPr>
           <p:nvPr>
             <p:ph type="title"/>
           </p:nvPr>
@@ -2972,7 +3008,7 @@
           </a:prstGeom>
         </p:spPr>
         <p:txBody>
-          <a:bodyPr anchorCtr="0" anchor="t" bIns="91425" lIns="91425" spcFirstLastPara="1" rIns="91425" wrap="square" tIns="91425">
+          <a:bodyPr spcFirstLastPara="1" wrap="square" lIns="91425" tIns="91425" rIns="91425" bIns="91425" anchor="t" anchorCtr="0">
             <a:normAutofit/>
           </a:bodyPr>
           <a:lstStyle>
@@ -3076,15 +3112,19 @@
               <a:defRPr sz="2600"/>
             </a:lvl9pPr>
           </a:lstStyle>
-          <a:p/>
+          <a:p>
+            <a:endParaRPr/>
+          </a:p>
         </p:txBody>
       </p:sp>
       <p:sp>
         <p:nvSpPr>
           <p:cNvPr id="29" name="Google Shape;29;p4"/>
-          <p:cNvSpPr txBox="1"/>
+          <p:cNvSpPr txBox="1">
+            <a:spLocks noGrp="1"/>
+          </p:cNvSpPr>
           <p:nvPr>
-            <p:ph idx="1" type="body"/>
+            <p:ph type="body" idx="1"/>
           </p:nvPr>
         </p:nvSpPr>
         <p:spPr>
@@ -3097,11 +3137,11 @@
           </a:prstGeom>
         </p:spPr>
         <p:txBody>
-          <a:bodyPr anchorCtr="0" anchor="t" bIns="91425" lIns="91425" spcFirstLastPara="1" rIns="91425" wrap="square" tIns="91425">
+          <a:bodyPr spcFirstLastPara="1" wrap="square" lIns="91425" tIns="91425" rIns="91425" bIns="91425" anchor="t" anchorCtr="0">
             <a:normAutofit/>
           </a:bodyPr>
           <a:lstStyle>
-            <a:lvl1pPr indent="-311150" lvl="0" marL="457200">
+            <a:lvl1pPr marL="457200" lvl="0" indent="-311150">
               <a:spcBef>
                 <a:spcPts val="0"/>
               </a:spcBef>
@@ -3112,7 +3152,7 @@
               <a:buChar char="●"/>
               <a:defRPr/>
             </a:lvl1pPr>
-            <a:lvl2pPr indent="-298450" lvl="1" marL="914400">
+            <a:lvl2pPr marL="914400" lvl="1" indent="-298450">
               <a:spcBef>
                 <a:spcPts val="0"/>
               </a:spcBef>
@@ -3123,7 +3163,7 @@
               <a:buChar char="○"/>
               <a:defRPr/>
             </a:lvl2pPr>
-            <a:lvl3pPr indent="-298450" lvl="2" marL="1371600">
+            <a:lvl3pPr marL="1371600" lvl="2" indent="-298450">
               <a:spcBef>
                 <a:spcPts val="0"/>
               </a:spcBef>
@@ -3134,7 +3174,7 @@
               <a:buChar char="■"/>
               <a:defRPr/>
             </a:lvl3pPr>
-            <a:lvl4pPr indent="-298450" lvl="3" marL="1828800">
+            <a:lvl4pPr marL="1828800" lvl="3" indent="-298450">
               <a:spcBef>
                 <a:spcPts val="0"/>
               </a:spcBef>
@@ -3145,7 +3185,7 @@
               <a:buChar char="●"/>
               <a:defRPr/>
             </a:lvl4pPr>
-            <a:lvl5pPr indent="-298450" lvl="4" marL="2286000">
+            <a:lvl5pPr marL="2286000" lvl="4" indent="-298450">
               <a:spcBef>
                 <a:spcPts val="0"/>
               </a:spcBef>
@@ -3156,7 +3196,7 @@
               <a:buChar char="○"/>
               <a:defRPr/>
             </a:lvl5pPr>
-            <a:lvl6pPr indent="-298450" lvl="5" marL="2743200">
+            <a:lvl6pPr marL="2743200" lvl="5" indent="-298450">
               <a:spcBef>
                 <a:spcPts val="0"/>
               </a:spcBef>
@@ -3167,7 +3207,7 @@
               <a:buChar char="■"/>
               <a:defRPr/>
             </a:lvl6pPr>
-            <a:lvl7pPr indent="-298450" lvl="6" marL="3200400">
+            <a:lvl7pPr marL="3200400" lvl="6" indent="-298450">
               <a:spcBef>
                 <a:spcPts val="0"/>
               </a:spcBef>
@@ -3178,7 +3218,7 @@
               <a:buChar char="●"/>
               <a:defRPr/>
             </a:lvl7pPr>
-            <a:lvl8pPr indent="-298450" lvl="7" marL="3657600">
+            <a:lvl8pPr marL="3657600" lvl="7" indent="-298450">
               <a:spcBef>
                 <a:spcPts val="0"/>
               </a:spcBef>
@@ -3189,7 +3229,7 @@
               <a:buChar char="○"/>
               <a:defRPr/>
             </a:lvl8pPr>
-            <a:lvl9pPr indent="-298450" lvl="8" marL="4114800">
+            <a:lvl9pPr marL="4114800" lvl="8" indent="-298450">
               <a:spcBef>
                 <a:spcPts val="0"/>
               </a:spcBef>
@@ -3201,15 +3241,19 @@
               <a:defRPr/>
             </a:lvl9pPr>
           </a:lstStyle>
-          <a:p/>
+          <a:p>
+            <a:endParaRPr/>
+          </a:p>
         </p:txBody>
       </p:sp>
       <p:sp>
         <p:nvSpPr>
           <p:cNvPr id="30" name="Google Shape;30;p4"/>
-          <p:cNvSpPr txBox="1"/>
+          <p:cNvSpPr txBox="1">
+            <a:spLocks noGrp="1"/>
+          </p:cNvSpPr>
           <p:nvPr>
-            <p:ph idx="12" type="sldNum"/>
+            <p:ph type="sldNum" idx="12"/>
           </p:nvPr>
         </p:nvSpPr>
         <p:spPr>
@@ -3222,7 +3266,7 @@
           </a:prstGeom>
         </p:spPr>
         <p:txBody>
-          <a:bodyPr anchorCtr="0" anchor="ctr" bIns="91425" lIns="91425" spcFirstLastPara="1" rIns="91425" wrap="square" tIns="91425">
+          <a:bodyPr spcFirstLastPara="1" wrap="square" lIns="91425" tIns="91425" rIns="91425" bIns="91425" anchor="ctr" anchorCtr="0">
             <a:normAutofit/>
           </a:bodyPr>
           <a:lstStyle>
@@ -3264,7 +3308,7 @@
             </a:lvl9pPr>
           </a:lstStyle>
           <a:p>
-            <a:pPr indent="0" lvl="0" marL="0" rtl="0" algn="r">
+            <a:pPr marL="0" lvl="0" indent="0" algn="r" rtl="0">
               <a:spcBef>
                 <a:spcPts val="0"/>
               </a:spcBef>
@@ -3290,11 +3334,11 @@
 </file>
 
 <file path=ppt/slideLayouts/slideLayout4.xml><?xml version="1.0" encoding="utf-8"?>
-<p:sldLayout xmlns:a="http://schemas.openxmlformats.org/drawingml/2006/main" xmlns:r="http://schemas.openxmlformats.org/officeDocument/2006/relationships" xmlns:mc="http://schemas.openxmlformats.org/markup-compatibility/2006" xmlns:mv="urn:schemas-microsoft-com:mac:vml" xmlns:p="http://schemas.openxmlformats.org/presentationml/2006/main" xmlns:c="http://schemas.openxmlformats.org/drawingml/2006/chart" xmlns:dgm="http://schemas.openxmlformats.org/drawingml/2006/diagram" xmlns:o="urn:schemas-microsoft-com:office:office" xmlns:v="urn:schemas-microsoft-com:vml" xmlns:pvml="urn:schemas-microsoft-com:office:powerpoint" xmlns:com="http://schemas.openxmlformats.org/drawingml/2006/compatibility" xmlns:p14="http://schemas.microsoft.com/office/powerpoint/2010/main" xmlns:p15="http://schemas.microsoft.com/office/powerpoint/2012/main" xmlns:ahyp="http://schemas.microsoft.com/office/drawing/2018/hyperlinkcolor" matchingName="Title and two columns" type="twoColTx">
+<p:sldLayout xmlns:a="http://schemas.openxmlformats.org/drawingml/2006/main" xmlns:r="http://schemas.openxmlformats.org/officeDocument/2006/relationships" xmlns:p="http://schemas.openxmlformats.org/presentationml/2006/main" matchingName="Title and two columns" type="twoColTx">
   <p:cSld name="TITLE_AND_TWO_COLUMNS">
     <p:spTree>
       <p:nvGrpSpPr>
-        <p:cNvPr id="31" name="Shape 31"/>
+        <p:cNvPr id="1" name="Shape 31"/>
         <p:cNvGrpSpPr/>
         <p:nvPr/>
       </p:nvGrpSpPr>
@@ -3328,12 +3372,12 @@
           </a:ln>
         </p:spPr>
         <p:txBody>
-          <a:bodyPr anchorCtr="0" anchor="ctr" bIns="91425" lIns="91425" spcFirstLastPara="1" rIns="91425" wrap="square" tIns="91425">
+          <a:bodyPr spcFirstLastPara="1" wrap="square" lIns="91425" tIns="91425" rIns="91425" bIns="91425" anchor="ctr" anchorCtr="0">
             <a:noAutofit/>
           </a:bodyPr>
           <a:lstStyle/>
           <a:p>
-            <a:pPr indent="0" lvl="0" marL="0" rtl="0" algn="l">
+            <a:pPr marL="0" lvl="0" indent="0" algn="l" rtl="0">
               <a:spcBef>
                 <a:spcPts val="0"/>
               </a:spcBef>
@@ -3342,9 +3386,6 @@
               </a:spcAft>
               <a:buNone/>
             </a:pPr>
-            <a:r>
-              <a:t/>
-            </a:r>
             <a:endParaRPr/>
           </a:p>
         </p:txBody>
@@ -3385,12 +3426,12 @@
             </a:ln>
           </p:spPr>
           <p:txBody>
-            <a:bodyPr anchorCtr="0" anchor="ctr" bIns="91425" lIns="91425" spcFirstLastPara="1" rIns="91425" wrap="square" tIns="91425">
+            <a:bodyPr spcFirstLastPara="1" wrap="square" lIns="91425" tIns="91425" rIns="91425" bIns="91425" anchor="ctr" anchorCtr="0">
               <a:noAutofit/>
             </a:bodyPr>
             <a:lstStyle/>
             <a:p>
-              <a:pPr indent="0" lvl="0" marL="0" rtl="0" algn="l">
+              <a:pPr marL="0" lvl="0" indent="0" algn="l" rtl="0">
                 <a:spcBef>
                   <a:spcPts val="0"/>
                 </a:spcBef>
@@ -3399,9 +3440,6 @@
                 </a:spcAft>
                 <a:buNone/>
               </a:pPr>
-              <a:r>
-                <a:t/>
-              </a:r>
               <a:endParaRPr/>
             </a:p>
           </p:txBody>
@@ -3428,12 +3466,12 @@
             </a:ln>
           </p:spPr>
           <p:txBody>
-            <a:bodyPr anchorCtr="0" anchor="ctr" bIns="91425" lIns="91425" spcFirstLastPara="1" rIns="91425" wrap="square" tIns="91425">
+            <a:bodyPr spcFirstLastPara="1" wrap="square" lIns="91425" tIns="91425" rIns="91425" bIns="91425" anchor="ctr" anchorCtr="0">
               <a:noAutofit/>
             </a:bodyPr>
             <a:lstStyle/>
             <a:p>
-              <a:pPr indent="0" lvl="0" marL="0" rtl="0" algn="l">
+              <a:pPr marL="0" lvl="0" indent="0" algn="l" rtl="0">
                 <a:spcBef>
                   <a:spcPts val="0"/>
                 </a:spcBef>
@@ -3442,9 +3480,6 @@
                 </a:spcAft>
                 <a:buNone/>
               </a:pPr>
-              <a:r>
-                <a:t/>
-              </a:r>
               <a:endParaRPr/>
             </a:p>
           </p:txBody>
@@ -3453,7 +3488,9 @@
       <p:sp>
         <p:nvSpPr>
           <p:cNvPr id="36" name="Google Shape;36;p5"/>
-          <p:cNvSpPr txBox="1"/>
+          <p:cNvSpPr txBox="1">
+            <a:spLocks noGrp="1"/>
+          </p:cNvSpPr>
           <p:nvPr>
             <p:ph type="title"/>
           </p:nvPr>
@@ -3468,7 +3505,7 @@
           </a:prstGeom>
         </p:spPr>
         <p:txBody>
-          <a:bodyPr anchorCtr="0" anchor="t" bIns="91425" lIns="91425" spcFirstLastPara="1" rIns="91425" wrap="square" tIns="91425">
+          <a:bodyPr spcFirstLastPara="1" wrap="square" lIns="91425" tIns="91425" rIns="91425" bIns="91425" anchor="t" anchorCtr="0">
             <a:normAutofit/>
           </a:bodyPr>
           <a:lstStyle>
@@ -3572,15 +3609,19 @@
               <a:defRPr sz="2600"/>
             </a:lvl9pPr>
           </a:lstStyle>
-          <a:p/>
+          <a:p>
+            <a:endParaRPr/>
+          </a:p>
         </p:txBody>
       </p:sp>
       <p:sp>
         <p:nvSpPr>
           <p:cNvPr id="37" name="Google Shape;37;p5"/>
-          <p:cNvSpPr txBox="1"/>
+          <p:cNvSpPr txBox="1">
+            <a:spLocks noGrp="1"/>
+          </p:cNvSpPr>
           <p:nvPr>
-            <p:ph idx="1" type="body"/>
+            <p:ph type="body" idx="1"/>
           </p:nvPr>
         </p:nvSpPr>
         <p:spPr>
@@ -3593,11 +3634,11 @@
           </a:prstGeom>
         </p:spPr>
         <p:txBody>
-          <a:bodyPr anchorCtr="0" anchor="t" bIns="91425" lIns="91425" spcFirstLastPara="1" rIns="91425" wrap="square" tIns="91425">
+          <a:bodyPr spcFirstLastPara="1" wrap="square" lIns="91425" tIns="91425" rIns="91425" bIns="91425" anchor="t" anchorCtr="0">
             <a:normAutofit/>
           </a:bodyPr>
           <a:lstStyle>
-            <a:lvl1pPr indent="-311150" lvl="0" marL="457200">
+            <a:lvl1pPr marL="457200" lvl="0" indent="-311150">
               <a:spcBef>
                 <a:spcPts val="0"/>
               </a:spcBef>
@@ -3608,7 +3649,7 @@
               <a:buChar char="●"/>
               <a:defRPr/>
             </a:lvl1pPr>
-            <a:lvl2pPr indent="-298450" lvl="1" marL="914400">
+            <a:lvl2pPr marL="914400" lvl="1" indent="-298450">
               <a:spcBef>
                 <a:spcPts val="0"/>
               </a:spcBef>
@@ -3619,7 +3660,7 @@
               <a:buChar char="○"/>
               <a:defRPr/>
             </a:lvl2pPr>
-            <a:lvl3pPr indent="-298450" lvl="2" marL="1371600">
+            <a:lvl3pPr marL="1371600" lvl="2" indent="-298450">
               <a:spcBef>
                 <a:spcPts val="0"/>
               </a:spcBef>
@@ -3630,7 +3671,7 @@
               <a:buChar char="■"/>
               <a:defRPr/>
             </a:lvl3pPr>
-            <a:lvl4pPr indent="-298450" lvl="3" marL="1828800">
+            <a:lvl4pPr marL="1828800" lvl="3" indent="-298450">
               <a:spcBef>
                 <a:spcPts val="0"/>
               </a:spcBef>
@@ -3641,7 +3682,7 @@
               <a:buChar char="●"/>
               <a:defRPr/>
             </a:lvl4pPr>
-            <a:lvl5pPr indent="-298450" lvl="4" marL="2286000">
+            <a:lvl5pPr marL="2286000" lvl="4" indent="-298450">
               <a:spcBef>
                 <a:spcPts val="0"/>
               </a:spcBef>
@@ -3652,7 +3693,7 @@
               <a:buChar char="○"/>
               <a:defRPr/>
             </a:lvl5pPr>
-            <a:lvl6pPr indent="-298450" lvl="5" marL="2743200">
+            <a:lvl6pPr marL="2743200" lvl="5" indent="-298450">
               <a:spcBef>
                 <a:spcPts val="0"/>
               </a:spcBef>
@@ -3663,7 +3704,7 @@
               <a:buChar char="■"/>
               <a:defRPr/>
             </a:lvl6pPr>
-            <a:lvl7pPr indent="-298450" lvl="6" marL="3200400">
+            <a:lvl7pPr marL="3200400" lvl="6" indent="-298450">
               <a:spcBef>
                 <a:spcPts val="0"/>
               </a:spcBef>
@@ -3674,7 +3715,7 @@
               <a:buChar char="●"/>
               <a:defRPr/>
             </a:lvl7pPr>
-            <a:lvl8pPr indent="-298450" lvl="7" marL="3657600">
+            <a:lvl8pPr marL="3657600" lvl="7" indent="-298450">
               <a:spcBef>
                 <a:spcPts val="0"/>
               </a:spcBef>
@@ -3685,7 +3726,7 @@
               <a:buChar char="○"/>
               <a:defRPr/>
             </a:lvl8pPr>
-            <a:lvl9pPr indent="-298450" lvl="8" marL="4114800">
+            <a:lvl9pPr marL="4114800" lvl="8" indent="-298450">
               <a:spcBef>
                 <a:spcPts val="0"/>
               </a:spcBef>
@@ -3697,15 +3738,19 @@
               <a:defRPr/>
             </a:lvl9pPr>
           </a:lstStyle>
-          <a:p/>
+          <a:p>
+            <a:endParaRPr/>
+          </a:p>
         </p:txBody>
       </p:sp>
       <p:sp>
         <p:nvSpPr>
           <p:cNvPr id="38" name="Google Shape;38;p5"/>
-          <p:cNvSpPr txBox="1"/>
+          <p:cNvSpPr txBox="1">
+            <a:spLocks noGrp="1"/>
+          </p:cNvSpPr>
           <p:nvPr>
-            <p:ph idx="2" type="body"/>
+            <p:ph type="body" idx="2"/>
           </p:nvPr>
         </p:nvSpPr>
         <p:spPr>
@@ -3718,11 +3763,11 @@
           </a:prstGeom>
         </p:spPr>
         <p:txBody>
-          <a:bodyPr anchorCtr="0" anchor="t" bIns="91425" lIns="91425" spcFirstLastPara="1" rIns="91425" wrap="square" tIns="91425">
+          <a:bodyPr spcFirstLastPara="1" wrap="square" lIns="91425" tIns="91425" rIns="91425" bIns="91425" anchor="t" anchorCtr="0">
             <a:normAutofit/>
           </a:bodyPr>
           <a:lstStyle>
-            <a:lvl1pPr indent="-311150" lvl="0" marL="457200">
+            <a:lvl1pPr marL="457200" lvl="0" indent="-311150">
               <a:spcBef>
                 <a:spcPts val="0"/>
               </a:spcBef>
@@ -3733,7 +3778,7 @@
               <a:buChar char="●"/>
               <a:defRPr/>
             </a:lvl1pPr>
-            <a:lvl2pPr indent="-298450" lvl="1" marL="914400">
+            <a:lvl2pPr marL="914400" lvl="1" indent="-298450">
               <a:spcBef>
                 <a:spcPts val="0"/>
               </a:spcBef>
@@ -3744,7 +3789,7 @@
               <a:buChar char="○"/>
               <a:defRPr/>
             </a:lvl2pPr>
-            <a:lvl3pPr indent="-298450" lvl="2" marL="1371600">
+            <a:lvl3pPr marL="1371600" lvl="2" indent="-298450">
               <a:spcBef>
                 <a:spcPts val="0"/>
               </a:spcBef>
@@ -3755,7 +3800,7 @@
               <a:buChar char="■"/>
               <a:defRPr/>
             </a:lvl3pPr>
-            <a:lvl4pPr indent="-298450" lvl="3" marL="1828800">
+            <a:lvl4pPr marL="1828800" lvl="3" indent="-298450">
               <a:spcBef>
                 <a:spcPts val="0"/>
               </a:spcBef>
@@ -3766,7 +3811,7 @@
               <a:buChar char="●"/>
               <a:defRPr/>
             </a:lvl4pPr>
-            <a:lvl5pPr indent="-298450" lvl="4" marL="2286000">
+            <a:lvl5pPr marL="2286000" lvl="4" indent="-298450">
               <a:spcBef>
                 <a:spcPts val="0"/>
               </a:spcBef>
@@ -3777,7 +3822,7 @@
               <a:buChar char="○"/>
               <a:defRPr/>
             </a:lvl5pPr>
-            <a:lvl6pPr indent="-298450" lvl="5" marL="2743200">
+            <a:lvl6pPr marL="2743200" lvl="5" indent="-298450">
               <a:spcBef>
                 <a:spcPts val="0"/>
               </a:spcBef>
@@ -3788,7 +3833,7 @@
               <a:buChar char="■"/>
               <a:defRPr/>
             </a:lvl6pPr>
-            <a:lvl7pPr indent="-298450" lvl="6" marL="3200400">
+            <a:lvl7pPr marL="3200400" lvl="6" indent="-298450">
               <a:spcBef>
                 <a:spcPts val="0"/>
               </a:spcBef>
@@ -3799,7 +3844,7 @@
               <a:buChar char="●"/>
               <a:defRPr/>
             </a:lvl7pPr>
-            <a:lvl8pPr indent="-298450" lvl="7" marL="3657600">
+            <a:lvl8pPr marL="3657600" lvl="7" indent="-298450">
               <a:spcBef>
                 <a:spcPts val="0"/>
               </a:spcBef>
@@ -3810,7 +3855,7 @@
               <a:buChar char="○"/>
               <a:defRPr/>
             </a:lvl8pPr>
-            <a:lvl9pPr indent="-298450" lvl="8" marL="4114800">
+            <a:lvl9pPr marL="4114800" lvl="8" indent="-298450">
               <a:spcBef>
                 <a:spcPts val="0"/>
               </a:spcBef>
@@ -3822,15 +3867,19 @@
               <a:defRPr/>
             </a:lvl9pPr>
           </a:lstStyle>
-          <a:p/>
+          <a:p>
+            <a:endParaRPr/>
+          </a:p>
         </p:txBody>
       </p:sp>
       <p:sp>
         <p:nvSpPr>
           <p:cNvPr id="39" name="Google Shape;39;p5"/>
-          <p:cNvSpPr txBox="1"/>
+          <p:cNvSpPr txBox="1">
+            <a:spLocks noGrp="1"/>
+          </p:cNvSpPr>
           <p:nvPr>
-            <p:ph idx="12" type="sldNum"/>
+            <p:ph type="sldNum" idx="12"/>
           </p:nvPr>
         </p:nvSpPr>
         <p:spPr>
@@ -3843,7 +3892,7 @@
           </a:prstGeom>
         </p:spPr>
         <p:txBody>
-          <a:bodyPr anchorCtr="0" anchor="ctr" bIns="91425" lIns="91425" spcFirstLastPara="1" rIns="91425" wrap="square" tIns="91425">
+          <a:bodyPr spcFirstLastPara="1" wrap="square" lIns="91425" tIns="91425" rIns="91425" bIns="91425" anchor="ctr" anchorCtr="0">
             <a:normAutofit/>
           </a:bodyPr>
           <a:lstStyle>
@@ -3885,7 +3934,7 @@
             </a:lvl9pPr>
           </a:lstStyle>
           <a:p>
-            <a:pPr indent="0" lvl="0" marL="0" rtl="0" algn="r">
+            <a:pPr marL="0" lvl="0" indent="0" algn="r" rtl="0">
               <a:spcBef>
                 <a:spcPts val="0"/>
               </a:spcBef>
@@ -3911,11 +3960,11 @@
 </file>
 
 <file path=ppt/slideLayouts/slideLayout5.xml><?xml version="1.0" encoding="utf-8"?>
-<p:sldLayout xmlns:a="http://schemas.openxmlformats.org/drawingml/2006/main" xmlns:r="http://schemas.openxmlformats.org/officeDocument/2006/relationships" xmlns:mc="http://schemas.openxmlformats.org/markup-compatibility/2006" xmlns:mv="urn:schemas-microsoft-com:mac:vml" xmlns:p="http://schemas.openxmlformats.org/presentationml/2006/main" xmlns:c="http://schemas.openxmlformats.org/drawingml/2006/chart" xmlns:dgm="http://schemas.openxmlformats.org/drawingml/2006/diagram" xmlns:o="urn:schemas-microsoft-com:office:office" xmlns:v="urn:schemas-microsoft-com:vml" xmlns:pvml="urn:schemas-microsoft-com:office:powerpoint" xmlns:com="http://schemas.openxmlformats.org/drawingml/2006/compatibility" xmlns:p14="http://schemas.microsoft.com/office/powerpoint/2010/main" xmlns:p15="http://schemas.microsoft.com/office/powerpoint/2012/main" xmlns:ahyp="http://schemas.microsoft.com/office/drawing/2018/hyperlinkcolor" matchingName="Title only" type="titleOnly">
+<p:sldLayout xmlns:a="http://schemas.openxmlformats.org/drawingml/2006/main" xmlns:r="http://schemas.openxmlformats.org/officeDocument/2006/relationships" xmlns:p="http://schemas.openxmlformats.org/presentationml/2006/main" matchingName="Title only" type="titleOnly">
   <p:cSld name="TITLE_ONLY">
     <p:spTree>
       <p:nvGrpSpPr>
-        <p:cNvPr id="40" name="Shape 40"/>
+        <p:cNvPr id="1" name="Shape 40"/>
         <p:cNvGrpSpPr/>
         <p:nvPr/>
       </p:nvGrpSpPr>
@@ -3949,12 +3998,12 @@
           </a:ln>
         </p:spPr>
         <p:txBody>
-          <a:bodyPr anchorCtr="0" anchor="ctr" bIns="91425" lIns="91425" spcFirstLastPara="1" rIns="91425" wrap="square" tIns="91425">
+          <a:bodyPr spcFirstLastPara="1" wrap="square" lIns="91425" tIns="91425" rIns="91425" bIns="91425" anchor="ctr" anchorCtr="0">
             <a:noAutofit/>
           </a:bodyPr>
           <a:lstStyle/>
           <a:p>
-            <a:pPr indent="0" lvl="0" marL="0" rtl="0" algn="l">
+            <a:pPr marL="0" lvl="0" indent="0" algn="l" rtl="0">
               <a:spcBef>
                 <a:spcPts val="0"/>
               </a:spcBef>
@@ -3963,9 +4012,6 @@
               </a:spcAft>
               <a:buNone/>
             </a:pPr>
-            <a:r>
-              <a:t/>
-            </a:r>
             <a:endParaRPr/>
           </a:p>
         </p:txBody>
@@ -4006,12 +4052,12 @@
             </a:ln>
           </p:spPr>
           <p:txBody>
-            <a:bodyPr anchorCtr="0" anchor="ctr" bIns="91425" lIns="91425" spcFirstLastPara="1" rIns="91425" wrap="square" tIns="91425">
+            <a:bodyPr spcFirstLastPara="1" wrap="square" lIns="91425" tIns="91425" rIns="91425" bIns="91425" anchor="ctr" anchorCtr="0">
               <a:noAutofit/>
             </a:bodyPr>
             <a:lstStyle/>
             <a:p>
-              <a:pPr indent="0" lvl="0" marL="0" rtl="0" algn="l">
+              <a:pPr marL="0" lvl="0" indent="0" algn="l" rtl="0">
                 <a:spcBef>
                   <a:spcPts val="0"/>
                 </a:spcBef>
@@ -4020,9 +4066,6 @@
                 </a:spcAft>
                 <a:buNone/>
               </a:pPr>
-              <a:r>
-                <a:t/>
-              </a:r>
               <a:endParaRPr/>
             </a:p>
           </p:txBody>
@@ -4049,12 +4092,12 @@
             </a:ln>
           </p:spPr>
           <p:txBody>
-            <a:bodyPr anchorCtr="0" anchor="ctr" bIns="91425" lIns="91425" spcFirstLastPara="1" rIns="91425" wrap="square" tIns="91425">
+            <a:bodyPr spcFirstLastPara="1" wrap="square" lIns="91425" tIns="91425" rIns="91425" bIns="91425" anchor="ctr" anchorCtr="0">
               <a:noAutofit/>
             </a:bodyPr>
             <a:lstStyle/>
             <a:p>
-              <a:pPr indent="0" lvl="0" marL="0" rtl="0" algn="l">
+              <a:pPr marL="0" lvl="0" indent="0" algn="l" rtl="0">
                 <a:spcBef>
                   <a:spcPts val="0"/>
                 </a:spcBef>
@@ -4063,9 +4106,6 @@
                 </a:spcAft>
                 <a:buNone/>
               </a:pPr>
-              <a:r>
-                <a:t/>
-              </a:r>
               <a:endParaRPr/>
             </a:p>
           </p:txBody>
@@ -4074,7 +4114,9 @@
       <p:sp>
         <p:nvSpPr>
           <p:cNvPr id="45" name="Google Shape;45;p6"/>
-          <p:cNvSpPr txBox="1"/>
+          <p:cNvSpPr txBox="1">
+            <a:spLocks noGrp="1"/>
+          </p:cNvSpPr>
           <p:nvPr>
             <p:ph type="title"/>
           </p:nvPr>
@@ -4089,7 +4131,7 @@
           </a:prstGeom>
         </p:spPr>
         <p:txBody>
-          <a:bodyPr anchorCtr="0" anchor="t" bIns="91425" lIns="91425" spcFirstLastPara="1" rIns="91425" wrap="square" tIns="91425">
+          <a:bodyPr spcFirstLastPara="1" wrap="square" lIns="91425" tIns="91425" rIns="91425" bIns="91425" anchor="t" anchorCtr="0">
             <a:normAutofit/>
           </a:bodyPr>
           <a:lstStyle>
@@ -4193,15 +4235,19 @@
               <a:defRPr sz="2600"/>
             </a:lvl9pPr>
           </a:lstStyle>
-          <a:p/>
+          <a:p>
+            <a:endParaRPr/>
+          </a:p>
         </p:txBody>
       </p:sp>
       <p:sp>
         <p:nvSpPr>
           <p:cNvPr id="46" name="Google Shape;46;p6"/>
-          <p:cNvSpPr txBox="1"/>
+          <p:cNvSpPr txBox="1">
+            <a:spLocks noGrp="1"/>
+          </p:cNvSpPr>
           <p:nvPr>
-            <p:ph idx="12" type="sldNum"/>
+            <p:ph type="sldNum" idx="12"/>
           </p:nvPr>
         </p:nvSpPr>
         <p:spPr>
@@ -4214,7 +4260,7 @@
           </a:prstGeom>
         </p:spPr>
         <p:txBody>
-          <a:bodyPr anchorCtr="0" anchor="ctr" bIns="91425" lIns="91425" spcFirstLastPara="1" rIns="91425" wrap="square" tIns="91425">
+          <a:bodyPr spcFirstLastPara="1" wrap="square" lIns="91425" tIns="91425" rIns="91425" bIns="91425" anchor="ctr" anchorCtr="0">
             <a:normAutofit/>
           </a:bodyPr>
           <a:lstStyle>
@@ -4256,7 +4302,7 @@
             </a:lvl9pPr>
           </a:lstStyle>
           <a:p>
-            <a:pPr indent="0" lvl="0" marL="0" rtl="0" algn="r">
+            <a:pPr marL="0" lvl="0" indent="0" algn="r" rtl="0">
               <a:spcBef>
                 <a:spcPts val="0"/>
               </a:spcBef>
@@ -4282,11 +4328,11 @@
 </file>
 
 <file path=ppt/slideLayouts/slideLayout6.xml><?xml version="1.0" encoding="utf-8"?>
-<p:sldLayout xmlns:a="http://schemas.openxmlformats.org/drawingml/2006/main" xmlns:r="http://schemas.openxmlformats.org/officeDocument/2006/relationships" xmlns:mc="http://schemas.openxmlformats.org/markup-compatibility/2006" xmlns:mv="urn:schemas-microsoft-com:mac:vml" xmlns:p="http://schemas.openxmlformats.org/presentationml/2006/main" xmlns:c="http://schemas.openxmlformats.org/drawingml/2006/chart" xmlns:dgm="http://schemas.openxmlformats.org/drawingml/2006/diagram" xmlns:o="urn:schemas-microsoft-com:office:office" xmlns:v="urn:schemas-microsoft-com:vml" xmlns:pvml="urn:schemas-microsoft-com:office:powerpoint" xmlns:com="http://schemas.openxmlformats.org/drawingml/2006/compatibility" xmlns:p14="http://schemas.microsoft.com/office/powerpoint/2010/main" xmlns:p15="http://schemas.microsoft.com/office/powerpoint/2012/main" xmlns:ahyp="http://schemas.microsoft.com/office/drawing/2018/hyperlinkcolor" matchingName="One column text">
+<p:sldLayout xmlns:a="http://schemas.openxmlformats.org/drawingml/2006/main" xmlns:r="http://schemas.openxmlformats.org/officeDocument/2006/relationships" xmlns:p="http://schemas.openxmlformats.org/presentationml/2006/main" matchingName="One column text">
   <p:cSld name="ONE_COLUMN_TEXT">
     <p:spTree>
       <p:nvGrpSpPr>
-        <p:cNvPr id="47" name="Shape 47"/>
+        <p:cNvPr id="1" name="Shape 47"/>
         <p:cNvGrpSpPr/>
         <p:nvPr/>
       </p:nvGrpSpPr>
@@ -4320,12 +4366,12 @@
           </a:ln>
         </p:spPr>
         <p:txBody>
-          <a:bodyPr anchorCtr="0" anchor="ctr" bIns="91425" lIns="91425" spcFirstLastPara="1" rIns="91425" wrap="square" tIns="91425">
+          <a:bodyPr spcFirstLastPara="1" wrap="square" lIns="91425" tIns="91425" rIns="91425" bIns="91425" anchor="ctr" anchorCtr="0">
             <a:noAutofit/>
           </a:bodyPr>
           <a:lstStyle/>
           <a:p>
-            <a:pPr indent="0" lvl="0" marL="0" rtl="0" algn="l">
+            <a:pPr marL="0" lvl="0" indent="0" algn="l" rtl="0">
               <a:spcBef>
                 <a:spcPts val="0"/>
               </a:spcBef>
@@ -4334,9 +4380,6 @@
               </a:spcAft>
               <a:buNone/>
             </a:pPr>
-            <a:r>
-              <a:t/>
-            </a:r>
             <a:endParaRPr/>
           </a:p>
         </p:txBody>
@@ -4377,12 +4420,12 @@
             </a:ln>
           </p:spPr>
           <p:txBody>
-            <a:bodyPr anchorCtr="0" anchor="ctr" bIns="91425" lIns="91425" spcFirstLastPara="1" rIns="91425" wrap="square" tIns="91425">
+            <a:bodyPr spcFirstLastPara="1" wrap="square" lIns="91425" tIns="91425" rIns="91425" bIns="91425" anchor="ctr" anchorCtr="0">
               <a:noAutofit/>
             </a:bodyPr>
             <a:lstStyle/>
             <a:p>
-              <a:pPr indent="0" lvl="0" marL="0" rtl="0" algn="l">
+              <a:pPr marL="0" lvl="0" indent="0" algn="l" rtl="0">
                 <a:spcBef>
                   <a:spcPts val="0"/>
                 </a:spcBef>
@@ -4391,9 +4434,6 @@
                 </a:spcAft>
                 <a:buNone/>
               </a:pPr>
-              <a:r>
-                <a:t/>
-              </a:r>
               <a:endParaRPr/>
             </a:p>
           </p:txBody>
@@ -4420,12 +4460,12 @@
             </a:ln>
           </p:spPr>
           <p:txBody>
-            <a:bodyPr anchorCtr="0" anchor="ctr" bIns="91425" lIns="91425" spcFirstLastPara="1" rIns="91425" wrap="square" tIns="91425">
+            <a:bodyPr spcFirstLastPara="1" wrap="square" lIns="91425" tIns="91425" rIns="91425" bIns="91425" anchor="ctr" anchorCtr="0">
               <a:noAutofit/>
             </a:bodyPr>
             <a:lstStyle/>
             <a:p>
-              <a:pPr indent="0" lvl="0" marL="0" rtl="0" algn="l">
+              <a:pPr marL="0" lvl="0" indent="0" algn="l" rtl="0">
                 <a:spcBef>
                   <a:spcPts val="0"/>
                 </a:spcBef>
@@ -4434,9 +4474,6 @@
                 </a:spcAft>
                 <a:buNone/>
               </a:pPr>
-              <a:r>
-                <a:t/>
-              </a:r>
               <a:endParaRPr/>
             </a:p>
           </p:txBody>
@@ -4445,7 +4482,9 @@
       <p:sp>
         <p:nvSpPr>
           <p:cNvPr id="52" name="Google Shape;52;p7"/>
-          <p:cNvSpPr txBox="1"/>
+          <p:cNvSpPr txBox="1">
+            <a:spLocks noGrp="1"/>
+          </p:cNvSpPr>
           <p:nvPr>
             <p:ph type="title"/>
           </p:nvPr>
@@ -4460,7 +4499,7 @@
           </a:prstGeom>
         </p:spPr>
         <p:txBody>
-          <a:bodyPr anchorCtr="0" anchor="t" bIns="91425" lIns="91425" spcFirstLastPara="1" rIns="91425" wrap="square" tIns="91425">
+          <a:bodyPr spcFirstLastPara="1" wrap="square" lIns="91425" tIns="91425" rIns="91425" bIns="91425" anchor="t" anchorCtr="0">
             <a:normAutofit/>
           </a:bodyPr>
           <a:lstStyle>
@@ -4564,15 +4603,19 @@
               <a:defRPr sz="2600"/>
             </a:lvl9pPr>
           </a:lstStyle>
-          <a:p/>
+          <a:p>
+            <a:endParaRPr/>
+          </a:p>
         </p:txBody>
       </p:sp>
       <p:sp>
         <p:nvSpPr>
           <p:cNvPr id="53" name="Google Shape;53;p7"/>
-          <p:cNvSpPr txBox="1"/>
+          <p:cNvSpPr txBox="1">
+            <a:spLocks noGrp="1"/>
+          </p:cNvSpPr>
           <p:nvPr>
-            <p:ph idx="1" type="body"/>
+            <p:ph type="body" idx="1"/>
           </p:nvPr>
         </p:nvSpPr>
         <p:spPr>
@@ -4585,11 +4628,11 @@
           </a:prstGeom>
         </p:spPr>
         <p:txBody>
-          <a:bodyPr anchorCtr="0" anchor="t" bIns="91425" lIns="91425" spcFirstLastPara="1" rIns="91425" wrap="square" tIns="91425">
+          <a:bodyPr spcFirstLastPara="1" wrap="square" lIns="91425" tIns="91425" rIns="91425" bIns="91425" anchor="t" anchorCtr="0">
             <a:normAutofit/>
           </a:bodyPr>
           <a:lstStyle>
-            <a:lvl1pPr indent="-311150" lvl="0" marL="457200">
+            <a:lvl1pPr marL="457200" lvl="0" indent="-311150">
               <a:spcBef>
                 <a:spcPts val="0"/>
               </a:spcBef>
@@ -4600,7 +4643,7 @@
               <a:buChar char="●"/>
               <a:defRPr/>
             </a:lvl1pPr>
-            <a:lvl2pPr indent="-298450" lvl="1" marL="914400">
+            <a:lvl2pPr marL="914400" lvl="1" indent="-298450">
               <a:spcBef>
                 <a:spcPts val="0"/>
               </a:spcBef>
@@ -4611,7 +4654,7 @@
               <a:buChar char="○"/>
               <a:defRPr/>
             </a:lvl2pPr>
-            <a:lvl3pPr indent="-298450" lvl="2" marL="1371600">
+            <a:lvl3pPr marL="1371600" lvl="2" indent="-298450">
               <a:spcBef>
                 <a:spcPts val="0"/>
               </a:spcBef>
@@ -4622,7 +4665,7 @@
               <a:buChar char="■"/>
               <a:defRPr/>
             </a:lvl3pPr>
-            <a:lvl4pPr indent="-298450" lvl="3" marL="1828800">
+            <a:lvl4pPr marL="1828800" lvl="3" indent="-298450">
               <a:spcBef>
                 <a:spcPts val="0"/>
               </a:spcBef>
@@ -4633,7 +4676,7 @@
               <a:buChar char="●"/>
               <a:defRPr/>
             </a:lvl4pPr>
-            <a:lvl5pPr indent="-298450" lvl="4" marL="2286000">
+            <a:lvl5pPr marL="2286000" lvl="4" indent="-298450">
               <a:spcBef>
                 <a:spcPts val="0"/>
               </a:spcBef>
@@ -4644,7 +4687,7 @@
               <a:buChar char="○"/>
               <a:defRPr/>
             </a:lvl5pPr>
-            <a:lvl6pPr indent="-298450" lvl="5" marL="2743200">
+            <a:lvl6pPr marL="2743200" lvl="5" indent="-298450">
               <a:spcBef>
                 <a:spcPts val="0"/>
               </a:spcBef>
@@ -4655,7 +4698,7 @@
               <a:buChar char="■"/>
               <a:defRPr/>
             </a:lvl6pPr>
-            <a:lvl7pPr indent="-298450" lvl="6" marL="3200400">
+            <a:lvl7pPr marL="3200400" lvl="6" indent="-298450">
               <a:spcBef>
                 <a:spcPts val="0"/>
               </a:spcBef>
@@ -4666,7 +4709,7 @@
               <a:buChar char="●"/>
               <a:defRPr/>
             </a:lvl7pPr>
-            <a:lvl8pPr indent="-298450" lvl="7" marL="3657600">
+            <a:lvl8pPr marL="3657600" lvl="7" indent="-298450">
               <a:spcBef>
                 <a:spcPts val="0"/>
               </a:spcBef>
@@ -4677,7 +4720,7 @@
               <a:buChar char="○"/>
               <a:defRPr/>
             </a:lvl8pPr>
-            <a:lvl9pPr indent="-298450" lvl="8" marL="4114800">
+            <a:lvl9pPr marL="4114800" lvl="8" indent="-298450">
               <a:spcBef>
                 <a:spcPts val="0"/>
               </a:spcBef>
@@ -4689,15 +4732,19 @@
               <a:defRPr/>
             </a:lvl9pPr>
           </a:lstStyle>
-          <a:p/>
+          <a:p>
+            <a:endParaRPr/>
+          </a:p>
         </p:txBody>
       </p:sp>
       <p:sp>
         <p:nvSpPr>
           <p:cNvPr id="54" name="Google Shape;54;p7"/>
-          <p:cNvSpPr txBox="1"/>
+          <p:cNvSpPr txBox="1">
+            <a:spLocks noGrp="1"/>
+          </p:cNvSpPr>
           <p:nvPr>
-            <p:ph idx="12" type="sldNum"/>
+            <p:ph type="sldNum" idx="12"/>
           </p:nvPr>
         </p:nvSpPr>
         <p:spPr>
@@ -4710,7 +4757,7 @@
           </a:prstGeom>
         </p:spPr>
         <p:txBody>
-          <a:bodyPr anchorCtr="0" anchor="ctr" bIns="91425" lIns="91425" spcFirstLastPara="1" rIns="91425" wrap="square" tIns="91425">
+          <a:bodyPr spcFirstLastPara="1" wrap="square" lIns="91425" tIns="91425" rIns="91425" bIns="91425" anchor="ctr" anchorCtr="0">
             <a:normAutofit/>
           </a:bodyPr>
           <a:lstStyle>
@@ -4752,7 +4799,7 @@
             </a:lvl9pPr>
           </a:lstStyle>
           <a:p>
-            <a:pPr indent="0" lvl="0" marL="0" rtl="0" algn="r">
+            <a:pPr marL="0" lvl="0" indent="0" algn="r" rtl="0">
               <a:spcBef>
                 <a:spcPts val="0"/>
               </a:spcBef>
@@ -4778,18 +4825,19 @@
 </file>
 
 <file path=ppt/slideLayouts/slideLayout7.xml><?xml version="1.0" encoding="utf-8"?>
-<p:sldLayout xmlns:a="http://schemas.openxmlformats.org/drawingml/2006/main" xmlns:r="http://schemas.openxmlformats.org/officeDocument/2006/relationships" xmlns:mc="http://schemas.openxmlformats.org/markup-compatibility/2006" xmlns:mv="urn:schemas-microsoft-com:mac:vml" xmlns:p="http://schemas.openxmlformats.org/presentationml/2006/main" xmlns:c="http://schemas.openxmlformats.org/drawingml/2006/chart" xmlns:dgm="http://schemas.openxmlformats.org/drawingml/2006/diagram" xmlns:o="urn:schemas-microsoft-com:office:office" xmlns:v="urn:schemas-microsoft-com:vml" xmlns:pvml="urn:schemas-microsoft-com:office:powerpoint" xmlns:com="http://schemas.openxmlformats.org/drawingml/2006/compatibility" xmlns:p14="http://schemas.microsoft.com/office/powerpoint/2010/main" xmlns:p15="http://schemas.microsoft.com/office/powerpoint/2012/main" xmlns:ahyp="http://schemas.microsoft.com/office/drawing/2018/hyperlinkcolor" matchingName="Main point">
+<p:sldLayout xmlns:a="http://schemas.openxmlformats.org/drawingml/2006/main" xmlns:r="http://schemas.openxmlformats.org/officeDocument/2006/relationships" xmlns:p="http://schemas.openxmlformats.org/presentationml/2006/main" matchingName="Main point">
   <p:cSld name="MAIN_POINT">
     <p:bg>
       <p:bgPr>
         <a:solidFill>
           <a:schemeClr val="accent3"/>
         </a:solidFill>
+        <a:effectLst/>
       </p:bgPr>
     </p:bg>
     <p:spTree>
       <p:nvGrpSpPr>
-        <p:cNvPr id="55" name="Shape 55"/>
+        <p:cNvPr id="1" name="Shape 55"/>
         <p:cNvGrpSpPr/>
         <p:nvPr/>
       </p:nvGrpSpPr>
@@ -4837,12 +4885,12 @@
             </a:ln>
           </p:spPr>
           <p:txBody>
-            <a:bodyPr anchorCtr="0" anchor="ctr" bIns="91425" lIns="91425" spcFirstLastPara="1" rIns="91425" wrap="square" tIns="91425">
+            <a:bodyPr spcFirstLastPara="1" wrap="square" lIns="91425" tIns="91425" rIns="91425" bIns="91425" anchor="ctr" anchorCtr="0">
               <a:noAutofit/>
             </a:bodyPr>
             <a:lstStyle/>
             <a:p>
-              <a:pPr indent="0" lvl="0" marL="0" rtl="0" algn="l">
+              <a:pPr marL="0" lvl="0" indent="0" algn="l" rtl="0">
                 <a:spcBef>
                   <a:spcPts val="0"/>
                 </a:spcBef>
@@ -4851,9 +4899,6 @@
                 </a:spcAft>
                 <a:buNone/>
               </a:pPr>
-              <a:r>
-                <a:t/>
-              </a:r>
               <a:endParaRPr/>
             </a:p>
           </p:txBody>
@@ -4880,12 +4925,12 @@
             </a:ln>
           </p:spPr>
           <p:txBody>
-            <a:bodyPr anchorCtr="0" anchor="ctr" bIns="91425" lIns="91425" spcFirstLastPara="1" rIns="91425" wrap="square" tIns="91425">
+            <a:bodyPr spcFirstLastPara="1" wrap="square" lIns="91425" tIns="91425" rIns="91425" bIns="91425" anchor="ctr" anchorCtr="0">
               <a:noAutofit/>
             </a:bodyPr>
             <a:lstStyle/>
             <a:p>
-              <a:pPr indent="0" lvl="0" marL="0" rtl="0" algn="l">
+              <a:pPr marL="0" lvl="0" indent="0" algn="l" rtl="0">
                 <a:spcBef>
                   <a:spcPts val="0"/>
                 </a:spcBef>
@@ -4894,9 +4939,6 @@
                 </a:spcAft>
                 <a:buNone/>
               </a:pPr>
-              <a:r>
-                <a:t/>
-              </a:r>
               <a:endParaRPr/>
             </a:p>
           </p:txBody>
@@ -4905,7 +4947,9 @@
       <p:sp>
         <p:nvSpPr>
           <p:cNvPr id="59" name="Google Shape;59;p8"/>
-          <p:cNvSpPr txBox="1"/>
+          <p:cNvSpPr txBox="1">
+            <a:spLocks noGrp="1"/>
+          </p:cNvSpPr>
           <p:nvPr>
             <p:ph type="title"/>
           </p:nvPr>
@@ -4920,7 +4964,7 @@
           </a:prstGeom>
         </p:spPr>
         <p:txBody>
-          <a:bodyPr anchorCtr="0" anchor="ctr" bIns="91425" lIns="91425" spcFirstLastPara="1" rIns="91425" wrap="square" tIns="91425">
+          <a:bodyPr spcFirstLastPara="1" wrap="square" lIns="91425" tIns="91425" rIns="91425" bIns="91425" anchor="ctr" anchorCtr="0">
             <a:normAutofit/>
           </a:bodyPr>
           <a:lstStyle>
@@ -5087,15 +5131,19 @@
               </a:defRPr>
             </a:lvl9pPr>
           </a:lstStyle>
-          <a:p/>
+          <a:p>
+            <a:endParaRPr/>
+          </a:p>
         </p:txBody>
       </p:sp>
       <p:sp>
         <p:nvSpPr>
           <p:cNvPr id="60" name="Google Shape;60;p8"/>
-          <p:cNvSpPr txBox="1"/>
+          <p:cNvSpPr txBox="1">
+            <a:spLocks noGrp="1"/>
+          </p:cNvSpPr>
           <p:nvPr>
-            <p:ph idx="12" type="sldNum"/>
+            <p:ph type="sldNum" idx="12"/>
           </p:nvPr>
         </p:nvSpPr>
         <p:spPr>
@@ -5108,7 +5156,7 @@
           </a:prstGeom>
         </p:spPr>
         <p:txBody>
-          <a:bodyPr anchorCtr="0" anchor="ctr" bIns="91425" lIns="91425" spcFirstLastPara="1" rIns="91425" wrap="square" tIns="91425">
+          <a:bodyPr spcFirstLastPara="1" wrap="square" lIns="91425" tIns="91425" rIns="91425" bIns="91425" anchor="ctr" anchorCtr="0">
             <a:normAutofit/>
           </a:bodyPr>
           <a:lstStyle>
@@ -5186,7 +5234,7 @@
             </a:lvl9pPr>
           </a:lstStyle>
           <a:p>
-            <a:pPr indent="0" lvl="0" marL="0" rtl="0" algn="r">
+            <a:pPr marL="0" lvl="0" indent="0" algn="r" rtl="0">
               <a:spcBef>
                 <a:spcPts val="0"/>
               </a:spcBef>
@@ -5212,11 +5260,11 @@
 </file>
 
 <file path=ppt/slideLayouts/slideLayout8.xml><?xml version="1.0" encoding="utf-8"?>
-<p:sldLayout xmlns:a="http://schemas.openxmlformats.org/drawingml/2006/main" xmlns:r="http://schemas.openxmlformats.org/officeDocument/2006/relationships" xmlns:mc="http://schemas.openxmlformats.org/markup-compatibility/2006" xmlns:mv="urn:schemas-microsoft-com:mac:vml" xmlns:p="http://schemas.openxmlformats.org/presentationml/2006/main" xmlns:c="http://schemas.openxmlformats.org/drawingml/2006/chart" xmlns:dgm="http://schemas.openxmlformats.org/drawingml/2006/diagram" xmlns:o="urn:schemas-microsoft-com:office:office" xmlns:v="urn:schemas-microsoft-com:vml" xmlns:pvml="urn:schemas-microsoft-com:office:powerpoint" xmlns:com="http://schemas.openxmlformats.org/drawingml/2006/compatibility" xmlns:p14="http://schemas.microsoft.com/office/powerpoint/2010/main" xmlns:p15="http://schemas.microsoft.com/office/powerpoint/2012/main" xmlns:ahyp="http://schemas.microsoft.com/office/drawing/2018/hyperlinkcolor" matchingName="Section title and description">
+<p:sldLayout xmlns:a="http://schemas.openxmlformats.org/drawingml/2006/main" xmlns:r="http://schemas.openxmlformats.org/officeDocument/2006/relationships" xmlns:p="http://schemas.openxmlformats.org/presentationml/2006/main" matchingName="Section title and description">
   <p:cSld name="SECTION_TITLE_AND_DESCRIPTION">
     <p:spTree>
       <p:nvGrpSpPr>
-        <p:cNvPr id="61" name="Shape 61"/>
+        <p:cNvPr id="1" name="Shape 61"/>
         <p:cNvGrpSpPr/>
         <p:nvPr/>
       </p:nvGrpSpPr>
@@ -5250,12 +5298,12 @@
           </a:ln>
         </p:spPr>
         <p:txBody>
-          <a:bodyPr anchorCtr="0" anchor="ctr" bIns="91425" lIns="91425" spcFirstLastPara="1" rIns="91425" wrap="square" tIns="91425">
+          <a:bodyPr spcFirstLastPara="1" wrap="square" lIns="91425" tIns="91425" rIns="91425" bIns="91425" anchor="ctr" anchorCtr="0">
             <a:noAutofit/>
           </a:bodyPr>
           <a:lstStyle/>
           <a:p>
-            <a:pPr indent="0" lvl="0" marL="0" rtl="0" algn="l">
+            <a:pPr marL="0" lvl="0" indent="0" algn="l" rtl="0">
               <a:spcBef>
                 <a:spcPts val="0"/>
               </a:spcBef>
@@ -5264,9 +5312,6 @@
               </a:spcAft>
               <a:buNone/>
             </a:pPr>
-            <a:r>
-              <a:t/>
-            </a:r>
             <a:endParaRPr/>
           </a:p>
         </p:txBody>
@@ -5307,12 +5352,12 @@
             </a:ln>
           </p:spPr>
           <p:txBody>
-            <a:bodyPr anchorCtr="0" anchor="ctr" bIns="91425" lIns="91425" spcFirstLastPara="1" rIns="91425" wrap="square" tIns="91425">
+            <a:bodyPr spcFirstLastPara="1" wrap="square" lIns="91425" tIns="91425" rIns="91425" bIns="91425" anchor="ctr" anchorCtr="0">
               <a:noAutofit/>
             </a:bodyPr>
             <a:lstStyle/>
             <a:p>
-              <a:pPr indent="0" lvl="0" marL="0" rtl="0" algn="l">
+              <a:pPr marL="0" lvl="0" indent="0" algn="l" rtl="0">
                 <a:spcBef>
                   <a:spcPts val="0"/>
                 </a:spcBef>
@@ -5321,9 +5366,6 @@
                 </a:spcAft>
                 <a:buNone/>
               </a:pPr>
-              <a:r>
-                <a:t/>
-              </a:r>
               <a:endParaRPr/>
             </a:p>
           </p:txBody>
@@ -5350,12 +5392,12 @@
             </a:ln>
           </p:spPr>
           <p:txBody>
-            <a:bodyPr anchorCtr="0" anchor="ctr" bIns="91425" lIns="91425" spcFirstLastPara="1" rIns="91425" wrap="square" tIns="91425">
+            <a:bodyPr spcFirstLastPara="1" wrap="square" lIns="91425" tIns="91425" rIns="91425" bIns="91425" anchor="ctr" anchorCtr="0">
               <a:noAutofit/>
             </a:bodyPr>
             <a:lstStyle/>
             <a:p>
-              <a:pPr indent="0" lvl="0" marL="0" rtl="0" algn="l">
+              <a:pPr marL="0" lvl="0" indent="0" algn="l" rtl="0">
                 <a:spcBef>
                   <a:spcPts val="0"/>
                 </a:spcBef>
@@ -5364,9 +5406,6 @@
                 </a:spcAft>
                 <a:buNone/>
               </a:pPr>
-              <a:r>
-                <a:t/>
-              </a:r>
               <a:endParaRPr/>
             </a:p>
           </p:txBody>
@@ -5375,7 +5414,9 @@
       <p:sp>
         <p:nvSpPr>
           <p:cNvPr id="66" name="Google Shape;66;p9"/>
-          <p:cNvSpPr txBox="1"/>
+          <p:cNvSpPr txBox="1">
+            <a:spLocks noGrp="1"/>
+          </p:cNvSpPr>
           <p:nvPr>
             <p:ph type="title"/>
           </p:nvPr>
@@ -5390,7 +5431,7 @@
           </a:prstGeom>
         </p:spPr>
         <p:txBody>
-          <a:bodyPr anchorCtr="0" anchor="t" bIns="91425" lIns="91425" spcFirstLastPara="1" rIns="91425" wrap="square" tIns="91425">
+          <a:bodyPr spcFirstLastPara="1" wrap="square" lIns="91425" tIns="91425" rIns="91425" bIns="91425" anchor="t" anchorCtr="0">
             <a:normAutofit/>
           </a:bodyPr>
           <a:lstStyle>
@@ -5494,15 +5535,19 @@
               <a:defRPr sz="2600"/>
             </a:lvl9pPr>
           </a:lstStyle>
-          <a:p/>
+          <a:p>
+            <a:endParaRPr/>
+          </a:p>
         </p:txBody>
       </p:sp>
       <p:sp>
         <p:nvSpPr>
           <p:cNvPr id="67" name="Google Shape;67;p9"/>
-          <p:cNvSpPr txBox="1"/>
+          <p:cNvSpPr txBox="1">
+            <a:spLocks noGrp="1"/>
+          </p:cNvSpPr>
           <p:nvPr>
-            <p:ph idx="1" type="subTitle"/>
+            <p:ph type="subTitle" idx="1"/>
           </p:nvPr>
         </p:nvSpPr>
         <p:spPr>
@@ -5515,7 +5560,7 @@
           </a:prstGeom>
         </p:spPr>
         <p:txBody>
-          <a:bodyPr anchorCtr="0" anchor="t" bIns="91425" lIns="91425" spcFirstLastPara="1" rIns="91425" wrap="square" tIns="91425">
+          <a:bodyPr spcFirstLastPara="1" wrap="square" lIns="91425" tIns="91425" rIns="91425" bIns="91425" anchor="t" anchorCtr="0">
             <a:normAutofit/>
           </a:bodyPr>
           <a:lstStyle>
@@ -5646,15 +5691,19 @@
               <a:defRPr sz="1600"/>
             </a:lvl9pPr>
           </a:lstStyle>
-          <a:p/>
+          <a:p>
+            <a:endParaRPr/>
+          </a:p>
         </p:txBody>
       </p:sp>
       <p:sp>
         <p:nvSpPr>
           <p:cNvPr id="68" name="Google Shape;68;p9"/>
-          <p:cNvSpPr txBox="1"/>
+          <p:cNvSpPr txBox="1">
+            <a:spLocks noGrp="1"/>
+          </p:cNvSpPr>
           <p:nvPr>
-            <p:ph idx="2" type="body"/>
+            <p:ph type="body" idx="2"/>
           </p:nvPr>
         </p:nvSpPr>
         <p:spPr>
@@ -5667,11 +5716,11 @@
           </a:prstGeom>
         </p:spPr>
         <p:txBody>
-          <a:bodyPr anchorCtr="0" anchor="t" bIns="91425" lIns="91425" spcFirstLastPara="1" rIns="91425" wrap="square" tIns="91425">
+          <a:bodyPr spcFirstLastPara="1" wrap="square" lIns="91425" tIns="91425" rIns="91425" bIns="91425" anchor="t" anchorCtr="0">
             <a:normAutofit/>
           </a:bodyPr>
           <a:lstStyle>
-            <a:lvl1pPr indent="-311150" lvl="0" marL="457200">
+            <a:lvl1pPr marL="457200" lvl="0" indent="-311150">
               <a:spcBef>
                 <a:spcPts val="0"/>
               </a:spcBef>
@@ -5682,7 +5731,7 @@
               <a:buChar char="●"/>
               <a:defRPr/>
             </a:lvl1pPr>
-            <a:lvl2pPr indent="-298450" lvl="1" marL="914400">
+            <a:lvl2pPr marL="914400" lvl="1" indent="-298450">
               <a:spcBef>
                 <a:spcPts val="0"/>
               </a:spcBef>
@@ -5693,7 +5742,7 @@
               <a:buChar char="○"/>
               <a:defRPr/>
             </a:lvl2pPr>
-            <a:lvl3pPr indent="-298450" lvl="2" marL="1371600">
+            <a:lvl3pPr marL="1371600" lvl="2" indent="-298450">
               <a:spcBef>
                 <a:spcPts val="0"/>
               </a:spcBef>
@@ -5704,7 +5753,7 @@
               <a:buChar char="■"/>
               <a:defRPr/>
             </a:lvl3pPr>
-            <a:lvl4pPr indent="-298450" lvl="3" marL="1828800">
+            <a:lvl4pPr marL="1828800" lvl="3" indent="-298450">
               <a:spcBef>
                 <a:spcPts val="0"/>
               </a:spcBef>
@@ -5715,7 +5764,7 @@
               <a:buChar char="●"/>
               <a:defRPr/>
             </a:lvl4pPr>
-            <a:lvl5pPr indent="-298450" lvl="4" marL="2286000">
+            <a:lvl5pPr marL="2286000" lvl="4" indent="-298450">
               <a:spcBef>
                 <a:spcPts val="0"/>
               </a:spcBef>
@@ -5726,7 +5775,7 @@
               <a:buChar char="○"/>
               <a:defRPr/>
             </a:lvl5pPr>
-            <a:lvl6pPr indent="-298450" lvl="5" marL="2743200">
+            <a:lvl6pPr marL="2743200" lvl="5" indent="-298450">
               <a:spcBef>
                 <a:spcPts val="0"/>
               </a:spcBef>
@@ -5737,7 +5786,7 @@
               <a:buChar char="■"/>
               <a:defRPr/>
             </a:lvl6pPr>
-            <a:lvl7pPr indent="-298450" lvl="6" marL="3200400">
+            <a:lvl7pPr marL="3200400" lvl="6" indent="-298450">
               <a:spcBef>
                 <a:spcPts val="0"/>
               </a:spcBef>
@@ -5748,7 +5797,7 @@
               <a:buChar char="●"/>
               <a:defRPr/>
             </a:lvl7pPr>
-            <a:lvl8pPr indent="-298450" lvl="7" marL="3657600">
+            <a:lvl8pPr marL="3657600" lvl="7" indent="-298450">
               <a:spcBef>
                 <a:spcPts val="0"/>
               </a:spcBef>
@@ -5759,7 +5808,7 @@
               <a:buChar char="○"/>
               <a:defRPr/>
             </a:lvl8pPr>
-            <a:lvl9pPr indent="-298450" lvl="8" marL="4114800">
+            <a:lvl9pPr marL="4114800" lvl="8" indent="-298450">
               <a:spcBef>
                 <a:spcPts val="0"/>
               </a:spcBef>
@@ -5771,15 +5820,19 @@
               <a:defRPr/>
             </a:lvl9pPr>
           </a:lstStyle>
-          <a:p/>
+          <a:p>
+            <a:endParaRPr/>
+          </a:p>
         </p:txBody>
       </p:sp>
       <p:sp>
         <p:nvSpPr>
           <p:cNvPr id="69" name="Google Shape;69;p9"/>
-          <p:cNvSpPr txBox="1"/>
+          <p:cNvSpPr txBox="1">
+            <a:spLocks noGrp="1"/>
+          </p:cNvSpPr>
           <p:nvPr>
-            <p:ph idx="12" type="sldNum"/>
+            <p:ph type="sldNum" idx="12"/>
           </p:nvPr>
         </p:nvSpPr>
         <p:spPr>
@@ -5792,7 +5845,7 @@
           </a:prstGeom>
         </p:spPr>
         <p:txBody>
-          <a:bodyPr anchorCtr="0" anchor="ctr" bIns="91425" lIns="91425" spcFirstLastPara="1" rIns="91425" wrap="square" tIns="91425">
+          <a:bodyPr spcFirstLastPara="1" wrap="square" lIns="91425" tIns="91425" rIns="91425" bIns="91425" anchor="ctr" anchorCtr="0">
             <a:normAutofit/>
           </a:bodyPr>
           <a:lstStyle>
@@ -5834,7 +5887,7 @@
             </a:lvl9pPr>
           </a:lstStyle>
           <a:p>
-            <a:pPr indent="0" lvl="0" marL="0" rtl="0" algn="r">
+            <a:pPr marL="0" lvl="0" indent="0" algn="r" rtl="0">
               <a:spcBef>
                 <a:spcPts val="0"/>
               </a:spcBef>
@@ -5860,11 +5913,11 @@
 </file>
 
 <file path=ppt/slideLayouts/slideLayout9.xml><?xml version="1.0" encoding="utf-8"?>
-<p:sldLayout xmlns:a="http://schemas.openxmlformats.org/drawingml/2006/main" xmlns:r="http://schemas.openxmlformats.org/officeDocument/2006/relationships" xmlns:mc="http://schemas.openxmlformats.org/markup-compatibility/2006" xmlns:mv="urn:schemas-microsoft-com:mac:vml" xmlns:p="http://schemas.openxmlformats.org/presentationml/2006/main" xmlns:c="http://schemas.openxmlformats.org/drawingml/2006/chart" xmlns:dgm="http://schemas.openxmlformats.org/drawingml/2006/diagram" xmlns:o="urn:schemas-microsoft-com:office:office" xmlns:v="urn:schemas-microsoft-com:vml" xmlns:pvml="urn:schemas-microsoft-com:office:powerpoint" xmlns:com="http://schemas.openxmlformats.org/drawingml/2006/compatibility" xmlns:p14="http://schemas.microsoft.com/office/powerpoint/2010/main" xmlns:p15="http://schemas.microsoft.com/office/powerpoint/2012/main" xmlns:ahyp="http://schemas.microsoft.com/office/drawing/2018/hyperlinkcolor" matchingName="Caption">
+<p:sldLayout xmlns:a="http://schemas.openxmlformats.org/drawingml/2006/main" xmlns:r="http://schemas.openxmlformats.org/officeDocument/2006/relationships" xmlns:p="http://schemas.openxmlformats.org/presentationml/2006/main" matchingName="Caption">
   <p:cSld name="CAPTION_ONLY">
     <p:spTree>
       <p:nvGrpSpPr>
-        <p:cNvPr id="70" name="Shape 70"/>
+        <p:cNvPr id="1" name="Shape 70"/>
         <p:cNvGrpSpPr/>
         <p:nvPr/>
       </p:nvGrpSpPr>
@@ -5879,9 +5932,11 @@
       <p:sp>
         <p:nvSpPr>
           <p:cNvPr id="71" name="Google Shape;71;p10"/>
-          <p:cNvSpPr txBox="1"/>
+          <p:cNvSpPr txBox="1">
+            <a:spLocks noGrp="1"/>
+          </p:cNvSpPr>
           <p:nvPr>
-            <p:ph idx="1" type="body"/>
+            <p:ph type="body" idx="1"/>
           </p:nvPr>
         </p:nvSpPr>
         <p:spPr>
@@ -5894,11 +5949,11 @@
           </a:prstGeom>
         </p:spPr>
         <p:txBody>
-          <a:bodyPr anchorCtr="0" anchor="ctr" bIns="91425" lIns="91425" spcFirstLastPara="1" rIns="91425" wrap="square" tIns="91425">
+          <a:bodyPr spcFirstLastPara="1" wrap="square" lIns="91425" tIns="91425" rIns="91425" bIns="91425" anchor="ctr" anchorCtr="0">
             <a:normAutofit/>
           </a:bodyPr>
           <a:lstStyle>
-            <a:lvl1pPr indent="-228600" lvl="0" marL="457200">
+            <a:lvl1pPr marL="457200" lvl="0" indent="-228600">
               <a:lnSpc>
                 <a:spcPct val="100000"/>
               </a:lnSpc>
@@ -5913,15 +5968,19 @@
               <a:defRPr/>
             </a:lvl1pPr>
           </a:lstStyle>
-          <a:p/>
+          <a:p>
+            <a:endParaRPr/>
+          </a:p>
         </p:txBody>
       </p:sp>
       <p:sp>
         <p:nvSpPr>
           <p:cNvPr id="72" name="Google Shape;72;p10"/>
-          <p:cNvSpPr txBox="1"/>
+          <p:cNvSpPr txBox="1">
+            <a:spLocks noGrp="1"/>
+          </p:cNvSpPr>
           <p:nvPr>
-            <p:ph idx="12" type="sldNum"/>
+            <p:ph type="sldNum" idx="12"/>
           </p:nvPr>
         </p:nvSpPr>
         <p:spPr>
@@ -5934,7 +5993,7 @@
           </a:prstGeom>
         </p:spPr>
         <p:txBody>
-          <a:bodyPr anchorCtr="0" anchor="ctr" bIns="91425" lIns="91425" spcFirstLastPara="1" rIns="91425" wrap="square" tIns="91425">
+          <a:bodyPr spcFirstLastPara="1" wrap="square" lIns="91425" tIns="91425" rIns="91425" bIns="91425" anchor="ctr" anchorCtr="0">
             <a:normAutofit/>
           </a:bodyPr>
           <a:lstStyle>
@@ -5976,7 +6035,7 @@
             </a:lvl9pPr>
           </a:lstStyle>
           <a:p>
-            <a:pPr indent="0" lvl="0" marL="0" rtl="0" algn="r">
+            <a:pPr marL="0" lvl="0" indent="0" algn="r" rtl="0">
               <a:spcBef>
                 <a:spcPts val="0"/>
               </a:spcBef>
@@ -6002,18 +6061,19 @@
 </file>
 
 <file path=ppt/slideMasters/slideMaster1.xml><?xml version="1.0" encoding="utf-8"?>
-<p:sldMaster xmlns:a="http://schemas.openxmlformats.org/drawingml/2006/main" xmlns:r="http://schemas.openxmlformats.org/officeDocument/2006/relationships" xmlns:mc="http://schemas.openxmlformats.org/markup-compatibility/2006" xmlns:mv="urn:schemas-microsoft-com:mac:vml" xmlns:p="http://schemas.openxmlformats.org/presentationml/2006/main" xmlns:c="http://schemas.openxmlformats.org/drawingml/2006/chart" xmlns:dgm="http://schemas.openxmlformats.org/drawingml/2006/diagram" xmlns:o="urn:schemas-microsoft-com:office:office" xmlns:v="urn:schemas-microsoft-com:vml" xmlns:pvml="urn:schemas-microsoft-com:office:powerpoint" xmlns:com="http://schemas.openxmlformats.org/drawingml/2006/compatibility" xmlns:p14="http://schemas.microsoft.com/office/powerpoint/2010/main" xmlns:p15="http://schemas.microsoft.com/office/powerpoint/2012/main" xmlns:ahyp="http://schemas.microsoft.com/office/drawing/2018/hyperlinkcolor">
+<p:sldMaster xmlns:a="http://schemas.openxmlformats.org/drawingml/2006/main" xmlns:r="http://schemas.openxmlformats.org/officeDocument/2006/relationships" xmlns:p="http://schemas.openxmlformats.org/presentationml/2006/main">
   <p:cSld name="streamline">
     <p:bg>
       <p:bgPr>
         <a:solidFill>
           <a:schemeClr val="lt1"/>
         </a:solidFill>
+        <a:effectLst/>
       </p:bgPr>
     </p:bg>
     <p:spTree>
       <p:nvGrpSpPr>
-        <p:cNvPr id="5" name="Shape 5"/>
+        <p:cNvPr id="1" name="Shape 5"/>
         <p:cNvGrpSpPr/>
         <p:nvPr/>
       </p:nvGrpSpPr>
@@ -6028,7 +6088,9 @@
       <p:sp>
         <p:nvSpPr>
           <p:cNvPr id="6" name="Google Shape;6;p1"/>
-          <p:cNvSpPr txBox="1"/>
+          <p:cNvSpPr txBox="1">
+            <a:spLocks noGrp="1"/>
+          </p:cNvSpPr>
           <p:nvPr>
             <p:ph type="title"/>
           </p:nvPr>
@@ -6047,7 +6109,7 @@
           </a:ln>
         </p:spPr>
         <p:txBody>
-          <a:bodyPr anchorCtr="0" anchor="t" bIns="91425" lIns="91425" spcFirstLastPara="1" rIns="91425" wrap="square" tIns="91425">
+          <a:bodyPr spcFirstLastPara="1" wrap="square" lIns="91425" tIns="91425" rIns="91425" bIns="91425" anchor="t" anchorCtr="0">
             <a:normAutofit/>
           </a:bodyPr>
           <a:lstStyle>
@@ -6064,7 +6126,7 @@
               <a:buSzPts val="2800"/>
               <a:buFont typeface="Raleway"/>
               <a:buNone/>
-              <a:defRPr b="1" sz="2800">
+              <a:defRPr sz="2800" b="1">
                 <a:solidFill>
                   <a:schemeClr val="dk2"/>
                 </a:solidFill>
@@ -6087,7 +6149,7 @@
               <a:buSzPts val="2800"/>
               <a:buFont typeface="Raleway"/>
               <a:buNone/>
-              <a:defRPr b="1" sz="2800">
+              <a:defRPr sz="2800" b="1">
                 <a:solidFill>
                   <a:schemeClr val="dk2"/>
                 </a:solidFill>
@@ -6110,7 +6172,7 @@
               <a:buSzPts val="2800"/>
               <a:buFont typeface="Raleway"/>
               <a:buNone/>
-              <a:defRPr b="1" sz="2800">
+              <a:defRPr sz="2800" b="1">
                 <a:solidFill>
                   <a:schemeClr val="dk2"/>
                 </a:solidFill>
@@ -6133,7 +6195,7 @@
               <a:buSzPts val="2800"/>
               <a:buFont typeface="Raleway"/>
               <a:buNone/>
-              <a:defRPr b="1" sz="2800">
+              <a:defRPr sz="2800" b="1">
                 <a:solidFill>
                   <a:schemeClr val="dk2"/>
                 </a:solidFill>
@@ -6156,7 +6218,7 @@
               <a:buSzPts val="2800"/>
               <a:buFont typeface="Raleway"/>
               <a:buNone/>
-              <a:defRPr b="1" sz="2800">
+              <a:defRPr sz="2800" b="1">
                 <a:solidFill>
                   <a:schemeClr val="dk2"/>
                 </a:solidFill>
@@ -6179,7 +6241,7 @@
               <a:buSzPts val="2800"/>
               <a:buFont typeface="Raleway"/>
               <a:buNone/>
-              <a:defRPr b="1" sz="2800">
+              <a:defRPr sz="2800" b="1">
                 <a:solidFill>
                   <a:schemeClr val="dk2"/>
                 </a:solidFill>
@@ -6202,7 +6264,7 @@
               <a:buSzPts val="2800"/>
               <a:buFont typeface="Raleway"/>
               <a:buNone/>
-              <a:defRPr b="1" sz="2800">
+              <a:defRPr sz="2800" b="1">
                 <a:solidFill>
                   <a:schemeClr val="dk2"/>
                 </a:solidFill>
@@ -6225,7 +6287,7 @@
               <a:buSzPts val="2800"/>
               <a:buFont typeface="Raleway"/>
               <a:buNone/>
-              <a:defRPr b="1" sz="2800">
+              <a:defRPr sz="2800" b="1">
                 <a:solidFill>
                   <a:schemeClr val="dk2"/>
                 </a:solidFill>
@@ -6248,7 +6310,7 @@
               <a:buSzPts val="2800"/>
               <a:buFont typeface="Raleway"/>
               <a:buNone/>
-              <a:defRPr b="1" sz="2800">
+              <a:defRPr sz="2800" b="1">
                 <a:solidFill>
                   <a:schemeClr val="dk2"/>
                 </a:solidFill>
@@ -6259,15 +6321,19 @@
               </a:defRPr>
             </a:lvl9pPr>
           </a:lstStyle>
-          <a:p/>
+          <a:p>
+            <a:endParaRPr/>
+          </a:p>
         </p:txBody>
       </p:sp>
       <p:sp>
         <p:nvSpPr>
           <p:cNvPr id="7" name="Google Shape;7;p1"/>
-          <p:cNvSpPr txBox="1"/>
+          <p:cNvSpPr txBox="1">
+            <a:spLocks noGrp="1"/>
+          </p:cNvSpPr>
           <p:nvPr>
-            <p:ph idx="1" type="body"/>
+            <p:ph type="body" idx="1"/>
           </p:nvPr>
         </p:nvSpPr>
         <p:spPr>
@@ -6284,11 +6350,11 @@
           </a:ln>
         </p:spPr>
         <p:txBody>
-          <a:bodyPr anchorCtr="0" anchor="t" bIns="91425" lIns="91425" spcFirstLastPara="1" rIns="91425" wrap="square" tIns="91425">
+          <a:bodyPr spcFirstLastPara="1" wrap="square" lIns="91425" tIns="91425" rIns="91425" bIns="91425" anchor="t" anchorCtr="0">
             <a:normAutofit/>
           </a:bodyPr>
           <a:lstStyle>
-            <a:lvl1pPr indent="-311150" lvl="0" marL="457200">
+            <a:lvl1pPr marL="457200" lvl="0" indent="-311150">
               <a:lnSpc>
                 <a:spcPct val="115000"/>
               </a:lnSpc>
@@ -6314,7 +6380,7 @@
                 <a:sym typeface="Lato"/>
               </a:defRPr>
             </a:lvl1pPr>
-            <a:lvl2pPr indent="-298450" lvl="1" marL="914400">
+            <a:lvl2pPr marL="914400" lvl="1" indent="-298450">
               <a:lnSpc>
                 <a:spcPct val="115000"/>
               </a:lnSpc>
@@ -6340,7 +6406,7 @@
                 <a:sym typeface="Lato"/>
               </a:defRPr>
             </a:lvl2pPr>
-            <a:lvl3pPr indent="-298450" lvl="2" marL="1371600">
+            <a:lvl3pPr marL="1371600" lvl="2" indent="-298450">
               <a:lnSpc>
                 <a:spcPct val="115000"/>
               </a:lnSpc>
@@ -6366,7 +6432,7 @@
                 <a:sym typeface="Lato"/>
               </a:defRPr>
             </a:lvl3pPr>
-            <a:lvl4pPr indent="-298450" lvl="3" marL="1828800">
+            <a:lvl4pPr marL="1828800" lvl="3" indent="-298450">
               <a:lnSpc>
                 <a:spcPct val="115000"/>
               </a:lnSpc>
@@ -6392,7 +6458,7 @@
                 <a:sym typeface="Lato"/>
               </a:defRPr>
             </a:lvl4pPr>
-            <a:lvl5pPr indent="-298450" lvl="4" marL="2286000">
+            <a:lvl5pPr marL="2286000" lvl="4" indent="-298450">
               <a:lnSpc>
                 <a:spcPct val="115000"/>
               </a:lnSpc>
@@ -6418,7 +6484,7 @@
                 <a:sym typeface="Lato"/>
               </a:defRPr>
             </a:lvl5pPr>
-            <a:lvl6pPr indent="-298450" lvl="5" marL="2743200">
+            <a:lvl6pPr marL="2743200" lvl="5" indent="-298450">
               <a:lnSpc>
                 <a:spcPct val="115000"/>
               </a:lnSpc>
@@ -6444,7 +6510,7 @@
                 <a:sym typeface="Lato"/>
               </a:defRPr>
             </a:lvl6pPr>
-            <a:lvl7pPr indent="-298450" lvl="6" marL="3200400">
+            <a:lvl7pPr marL="3200400" lvl="6" indent="-298450">
               <a:lnSpc>
                 <a:spcPct val="115000"/>
               </a:lnSpc>
@@ -6470,7 +6536,7 @@
                 <a:sym typeface="Lato"/>
               </a:defRPr>
             </a:lvl7pPr>
-            <a:lvl8pPr indent="-298450" lvl="7" marL="3657600">
+            <a:lvl8pPr marL="3657600" lvl="7" indent="-298450">
               <a:lnSpc>
                 <a:spcPct val="115000"/>
               </a:lnSpc>
@@ -6496,7 +6562,7 @@
                 <a:sym typeface="Lato"/>
               </a:defRPr>
             </a:lvl8pPr>
-            <a:lvl9pPr indent="-298450" lvl="8" marL="4114800">
+            <a:lvl9pPr marL="4114800" lvl="8" indent="-298450">
               <a:lnSpc>
                 <a:spcPct val="115000"/>
               </a:lnSpc>
@@ -6523,15 +6589,19 @@
               </a:defRPr>
             </a:lvl9pPr>
           </a:lstStyle>
-          <a:p/>
+          <a:p>
+            <a:endParaRPr/>
+          </a:p>
         </p:txBody>
       </p:sp>
       <p:sp>
         <p:nvSpPr>
           <p:cNvPr id="8" name="Google Shape;8;p1"/>
-          <p:cNvSpPr txBox="1"/>
+          <p:cNvSpPr txBox="1">
+            <a:spLocks noGrp="1"/>
+          </p:cNvSpPr>
           <p:nvPr>
-            <p:ph idx="12" type="sldNum"/>
+            <p:ph type="sldNum" idx="12"/>
           </p:nvPr>
         </p:nvSpPr>
         <p:spPr>
@@ -6548,7 +6618,7 @@
           </a:ln>
         </p:spPr>
         <p:txBody>
-          <a:bodyPr anchorCtr="0" anchor="ctr" bIns="91425" lIns="91425" spcFirstLastPara="1" rIns="91425" wrap="square" tIns="91425">
+          <a:bodyPr spcFirstLastPara="1" wrap="square" lIns="91425" tIns="91425" rIns="91425" bIns="91425" anchor="ctr" anchorCtr="0">
             <a:normAutofit/>
           </a:bodyPr>
           <a:lstStyle>
@@ -6662,7 +6732,7 @@
             </a:lvl9pPr>
           </a:lstStyle>
           <a:p>
-            <a:pPr indent="0" lvl="0" marL="0" rtl="0" algn="r">
+            <a:pPr marL="0" lvl="0" indent="0" algn="r" rtl="0">
               <a:spcBef>
                 <a:spcPts val="0"/>
               </a:spcBef>
@@ -6681,7 +6751,7 @@
       </p:sp>
     </p:spTree>
   </p:cSld>
-  <p:clrMap accent1="accent1" accent2="accent2" accent3="accent3" accent4="accent4" accent5="accent5" accent6="accent6" bg1="lt1" bg2="dk2" tx1="dk1" tx2="lt2" folHlink="folHlink" hlink="hlink"/>
+  <p:clrMap bg1="lt1" tx1="dk1" bg2="dk2" tx2="lt2" accent1="accent1" accent2="accent2" accent3="accent3" accent4="accent4" accent5="accent5" accent6="accent6" hlink="hlink" folHlink="folHlink"/>
   <p:sldLayoutIdLst>
     <p:sldLayoutId id="2147483648" r:id="rId1"/>
     <p:sldLayoutId id="2147483649" r:id="rId2"/>
@@ -6698,10 +6768,10 @@
   <p:transition spd="med">
     <p:fade thruBlk="1"/>
   </p:transition>
-  <p:hf dt="0" ftr="0" hdr="0" sldNum="0"/>
+  <p:hf sldNum="0" hdr="0" ftr="0" dt="0"/>
   <p:txStyles>
     <p:titleStyle>
-      <a:defPPr lvl="0" marR="0" rtl="0" algn="l">
+      <a:defPPr marR="0" lvl="0" algn="l" rtl="0">
         <a:lnSpc>
           <a:spcPct val="100000"/>
         </a:lnSpc>
@@ -6712,7 +6782,7 @@
           <a:spcPts val="0"/>
         </a:spcAft>
       </a:defPPr>
-      <a:lvl1pPr lvl="0" marR="0" rtl="0" algn="l">
+      <a:lvl1pPr marR="0" lvl="0" algn="l" rtl="0">
         <a:lnSpc>
           <a:spcPct val="100000"/>
         </a:lnSpc>
@@ -6726,7 +6796,7 @@
           <a:srgbClr val="000000"/>
         </a:buClr>
         <a:buFont typeface="Arial"/>
-        <a:defRPr b="0" i="0" sz="1400" u="none" cap="none" strike="noStrike">
+        <a:defRPr sz="1400" b="0" i="0" u="none" strike="noStrike" cap="none">
           <a:solidFill>
             <a:srgbClr val="000000"/>
           </a:solidFill>
@@ -6736,7 +6806,7 @@
           <a:sym typeface="Arial"/>
         </a:defRPr>
       </a:lvl1pPr>
-      <a:lvl2pPr lvl="1" marR="0" rtl="0" algn="l">
+      <a:lvl2pPr marR="0" lvl="1" algn="l" rtl="0">
         <a:lnSpc>
           <a:spcPct val="100000"/>
         </a:lnSpc>
@@ -6750,7 +6820,7 @@
           <a:srgbClr val="000000"/>
         </a:buClr>
         <a:buFont typeface="Arial"/>
-        <a:defRPr b="0" i="0" sz="1400" u="none" cap="none" strike="noStrike">
+        <a:defRPr sz="1400" b="0" i="0" u="none" strike="noStrike" cap="none">
           <a:solidFill>
             <a:srgbClr val="000000"/>
           </a:solidFill>
@@ -6760,7 +6830,7 @@
           <a:sym typeface="Arial"/>
         </a:defRPr>
       </a:lvl2pPr>
-      <a:lvl3pPr lvl="2" marR="0" rtl="0" algn="l">
+      <a:lvl3pPr marR="0" lvl="2" algn="l" rtl="0">
         <a:lnSpc>
           <a:spcPct val="100000"/>
         </a:lnSpc>
@@ -6774,7 +6844,7 @@
           <a:srgbClr val="000000"/>
         </a:buClr>
         <a:buFont typeface="Arial"/>
-        <a:defRPr b="0" i="0" sz="1400" u="none" cap="none" strike="noStrike">
+        <a:defRPr sz="1400" b="0" i="0" u="none" strike="noStrike" cap="none">
           <a:solidFill>
             <a:srgbClr val="000000"/>
           </a:solidFill>
@@ -6784,7 +6854,7 @@
           <a:sym typeface="Arial"/>
         </a:defRPr>
       </a:lvl3pPr>
-      <a:lvl4pPr lvl="3" marR="0" rtl="0" algn="l">
+      <a:lvl4pPr marR="0" lvl="3" algn="l" rtl="0">
         <a:lnSpc>
           <a:spcPct val="100000"/>
         </a:lnSpc>
@@ -6798,7 +6868,7 @@
           <a:srgbClr val="000000"/>
         </a:buClr>
         <a:buFont typeface="Arial"/>
-        <a:defRPr b="0" i="0" sz="1400" u="none" cap="none" strike="noStrike">
+        <a:defRPr sz="1400" b="0" i="0" u="none" strike="noStrike" cap="none">
           <a:solidFill>
             <a:srgbClr val="000000"/>
           </a:solidFill>
@@ -6808,7 +6878,7 @@
           <a:sym typeface="Arial"/>
         </a:defRPr>
       </a:lvl4pPr>
-      <a:lvl5pPr lvl="4" marR="0" rtl="0" algn="l">
+      <a:lvl5pPr marR="0" lvl="4" algn="l" rtl="0">
         <a:lnSpc>
           <a:spcPct val="100000"/>
         </a:lnSpc>
@@ -6822,7 +6892,7 @@
           <a:srgbClr val="000000"/>
         </a:buClr>
         <a:buFont typeface="Arial"/>
-        <a:defRPr b="0" i="0" sz="1400" u="none" cap="none" strike="noStrike">
+        <a:defRPr sz="1400" b="0" i="0" u="none" strike="noStrike" cap="none">
           <a:solidFill>
             <a:srgbClr val="000000"/>
           </a:solidFill>
@@ -6832,7 +6902,7 @@
           <a:sym typeface="Arial"/>
         </a:defRPr>
       </a:lvl5pPr>
-      <a:lvl6pPr lvl="5" marR="0" rtl="0" algn="l">
+      <a:lvl6pPr marR="0" lvl="5" algn="l" rtl="0">
         <a:lnSpc>
           <a:spcPct val="100000"/>
         </a:lnSpc>
@@ -6846,7 +6916,7 @@
           <a:srgbClr val="000000"/>
         </a:buClr>
         <a:buFont typeface="Arial"/>
-        <a:defRPr b="0" i="0" sz="1400" u="none" cap="none" strike="noStrike">
+        <a:defRPr sz="1400" b="0" i="0" u="none" strike="noStrike" cap="none">
           <a:solidFill>
             <a:srgbClr val="000000"/>
           </a:solidFill>
@@ -6856,7 +6926,7 @@
           <a:sym typeface="Arial"/>
         </a:defRPr>
       </a:lvl6pPr>
-      <a:lvl7pPr lvl="6" marR="0" rtl="0" algn="l">
+      <a:lvl7pPr marR="0" lvl="6" algn="l" rtl="0">
         <a:lnSpc>
           <a:spcPct val="100000"/>
         </a:lnSpc>
@@ -6870,7 +6940,7 @@
           <a:srgbClr val="000000"/>
         </a:buClr>
         <a:buFont typeface="Arial"/>
-        <a:defRPr b="0" i="0" sz="1400" u="none" cap="none" strike="noStrike">
+        <a:defRPr sz="1400" b="0" i="0" u="none" strike="noStrike" cap="none">
           <a:solidFill>
             <a:srgbClr val="000000"/>
           </a:solidFill>
@@ -6880,7 +6950,7 @@
           <a:sym typeface="Arial"/>
         </a:defRPr>
       </a:lvl7pPr>
-      <a:lvl8pPr lvl="7" marR="0" rtl="0" algn="l">
+      <a:lvl8pPr marR="0" lvl="7" algn="l" rtl="0">
         <a:lnSpc>
           <a:spcPct val="100000"/>
         </a:lnSpc>
@@ -6894,7 +6964,7 @@
           <a:srgbClr val="000000"/>
         </a:buClr>
         <a:buFont typeface="Arial"/>
-        <a:defRPr b="0" i="0" sz="1400" u="none" cap="none" strike="noStrike">
+        <a:defRPr sz="1400" b="0" i="0" u="none" strike="noStrike" cap="none">
           <a:solidFill>
             <a:srgbClr val="000000"/>
           </a:solidFill>
@@ -6904,7 +6974,7 @@
           <a:sym typeface="Arial"/>
         </a:defRPr>
       </a:lvl8pPr>
-      <a:lvl9pPr lvl="8" marR="0" rtl="0" algn="l">
+      <a:lvl9pPr marR="0" lvl="8" algn="l" rtl="0">
         <a:lnSpc>
           <a:spcPct val="100000"/>
         </a:lnSpc>
@@ -6918,7 +6988,7 @@
           <a:srgbClr val="000000"/>
         </a:buClr>
         <a:buFont typeface="Arial"/>
-        <a:defRPr b="0" i="0" sz="1400" u="none" cap="none" strike="noStrike">
+        <a:defRPr sz="1400" b="0" i="0" u="none" strike="noStrike" cap="none">
           <a:solidFill>
             <a:srgbClr val="000000"/>
           </a:solidFill>
@@ -6930,7 +7000,7 @@
       </a:lvl9pPr>
     </p:titleStyle>
     <p:bodyStyle>
-      <a:defPPr lvl="0" marR="0" rtl="0" algn="l">
+      <a:defPPr marR="0" lvl="0" algn="l" rtl="0">
         <a:lnSpc>
           <a:spcPct val="100000"/>
         </a:lnSpc>
@@ -6941,7 +7011,7 @@
           <a:spcPts val="0"/>
         </a:spcAft>
       </a:defPPr>
-      <a:lvl1pPr lvl="0" marR="0" rtl="0" algn="l">
+      <a:lvl1pPr marR="0" lvl="0" algn="l" rtl="0">
         <a:lnSpc>
           <a:spcPct val="100000"/>
         </a:lnSpc>
@@ -6955,7 +7025,7 @@
           <a:srgbClr val="000000"/>
         </a:buClr>
         <a:buFont typeface="Arial"/>
-        <a:defRPr b="0" i="0" sz="1400" u="none" cap="none" strike="noStrike">
+        <a:defRPr sz="1400" b="0" i="0" u="none" strike="noStrike" cap="none">
           <a:solidFill>
             <a:srgbClr val="000000"/>
           </a:solidFill>
@@ -6965,7 +7035,7 @@
           <a:sym typeface="Arial"/>
         </a:defRPr>
       </a:lvl1pPr>
-      <a:lvl2pPr lvl="1" marR="0" rtl="0" algn="l">
+      <a:lvl2pPr marR="0" lvl="1" algn="l" rtl="0">
         <a:lnSpc>
           <a:spcPct val="100000"/>
         </a:lnSpc>
@@ -6979,7 +7049,7 @@
           <a:srgbClr val="000000"/>
         </a:buClr>
         <a:buFont typeface="Arial"/>
-        <a:defRPr b="0" i="0" sz="1400" u="none" cap="none" strike="noStrike">
+        <a:defRPr sz="1400" b="0" i="0" u="none" strike="noStrike" cap="none">
           <a:solidFill>
             <a:srgbClr val="000000"/>
           </a:solidFill>
@@ -6989,7 +7059,7 @@
           <a:sym typeface="Arial"/>
         </a:defRPr>
       </a:lvl2pPr>
-      <a:lvl3pPr lvl="2" marR="0" rtl="0" algn="l">
+      <a:lvl3pPr marR="0" lvl="2" algn="l" rtl="0">
         <a:lnSpc>
           <a:spcPct val="100000"/>
         </a:lnSpc>
@@ -7003,7 +7073,7 @@
           <a:srgbClr val="000000"/>
         </a:buClr>
         <a:buFont typeface="Arial"/>
-        <a:defRPr b="0" i="0" sz="1400" u="none" cap="none" strike="noStrike">
+        <a:defRPr sz="1400" b="0" i="0" u="none" strike="noStrike" cap="none">
           <a:solidFill>
             <a:srgbClr val="000000"/>
           </a:solidFill>
@@ -7013,7 +7083,7 @@
           <a:sym typeface="Arial"/>
         </a:defRPr>
       </a:lvl3pPr>
-      <a:lvl4pPr lvl="3" marR="0" rtl="0" algn="l">
+      <a:lvl4pPr marR="0" lvl="3" algn="l" rtl="0">
         <a:lnSpc>
           <a:spcPct val="100000"/>
         </a:lnSpc>
@@ -7027,7 +7097,7 @@
           <a:srgbClr val="000000"/>
         </a:buClr>
         <a:buFont typeface="Arial"/>
-        <a:defRPr b="0" i="0" sz="1400" u="none" cap="none" strike="noStrike">
+        <a:defRPr sz="1400" b="0" i="0" u="none" strike="noStrike" cap="none">
           <a:solidFill>
             <a:srgbClr val="000000"/>
           </a:solidFill>
@@ -7037,7 +7107,7 @@
           <a:sym typeface="Arial"/>
         </a:defRPr>
       </a:lvl4pPr>
-      <a:lvl5pPr lvl="4" marR="0" rtl="0" algn="l">
+      <a:lvl5pPr marR="0" lvl="4" algn="l" rtl="0">
         <a:lnSpc>
           <a:spcPct val="100000"/>
         </a:lnSpc>
@@ -7051,7 +7121,7 @@
           <a:srgbClr val="000000"/>
         </a:buClr>
         <a:buFont typeface="Arial"/>
-        <a:defRPr b="0" i="0" sz="1400" u="none" cap="none" strike="noStrike">
+        <a:defRPr sz="1400" b="0" i="0" u="none" strike="noStrike" cap="none">
           <a:solidFill>
             <a:srgbClr val="000000"/>
           </a:solidFill>
@@ -7061,7 +7131,7 @@
           <a:sym typeface="Arial"/>
         </a:defRPr>
       </a:lvl5pPr>
-      <a:lvl6pPr lvl="5" marR="0" rtl="0" algn="l">
+      <a:lvl6pPr marR="0" lvl="5" algn="l" rtl="0">
         <a:lnSpc>
           <a:spcPct val="100000"/>
         </a:lnSpc>
@@ -7075,7 +7145,7 @@
           <a:srgbClr val="000000"/>
         </a:buClr>
         <a:buFont typeface="Arial"/>
-        <a:defRPr b="0" i="0" sz="1400" u="none" cap="none" strike="noStrike">
+        <a:defRPr sz="1400" b="0" i="0" u="none" strike="noStrike" cap="none">
           <a:solidFill>
             <a:srgbClr val="000000"/>
           </a:solidFill>
@@ -7085,7 +7155,7 @@
           <a:sym typeface="Arial"/>
         </a:defRPr>
       </a:lvl6pPr>
-      <a:lvl7pPr lvl="6" marR="0" rtl="0" algn="l">
+      <a:lvl7pPr marR="0" lvl="6" algn="l" rtl="0">
         <a:lnSpc>
           <a:spcPct val="100000"/>
         </a:lnSpc>
@@ -7099,7 +7169,7 @@
           <a:srgbClr val="000000"/>
         </a:buClr>
         <a:buFont typeface="Arial"/>
-        <a:defRPr b="0" i="0" sz="1400" u="none" cap="none" strike="noStrike">
+        <a:defRPr sz="1400" b="0" i="0" u="none" strike="noStrike" cap="none">
           <a:solidFill>
             <a:srgbClr val="000000"/>
           </a:solidFill>
@@ -7109,7 +7179,7 @@
           <a:sym typeface="Arial"/>
         </a:defRPr>
       </a:lvl7pPr>
-      <a:lvl8pPr lvl="7" marR="0" rtl="0" algn="l">
+      <a:lvl8pPr marR="0" lvl="7" algn="l" rtl="0">
         <a:lnSpc>
           <a:spcPct val="100000"/>
         </a:lnSpc>
@@ -7123,7 +7193,7 @@
           <a:srgbClr val="000000"/>
         </a:buClr>
         <a:buFont typeface="Arial"/>
-        <a:defRPr b="0" i="0" sz="1400" u="none" cap="none" strike="noStrike">
+        <a:defRPr sz="1400" b="0" i="0" u="none" strike="noStrike" cap="none">
           <a:solidFill>
             <a:srgbClr val="000000"/>
           </a:solidFill>
@@ -7133,7 +7203,7 @@
           <a:sym typeface="Arial"/>
         </a:defRPr>
       </a:lvl8pPr>
-      <a:lvl9pPr lvl="8" marR="0" rtl="0" algn="l">
+      <a:lvl9pPr marR="0" lvl="8" algn="l" rtl="0">
         <a:lnSpc>
           <a:spcPct val="100000"/>
         </a:lnSpc>
@@ -7147,7 +7217,7 @@
           <a:srgbClr val="000000"/>
         </a:buClr>
         <a:buFont typeface="Arial"/>
-        <a:defRPr b="0" i="0" sz="1400" u="none" cap="none" strike="noStrike">
+        <a:defRPr sz="1400" b="0" i="0" u="none" strike="noStrike" cap="none">
           <a:solidFill>
             <a:srgbClr val="000000"/>
           </a:solidFill>
@@ -7159,7 +7229,7 @@
       </a:lvl9pPr>
     </p:bodyStyle>
     <p:otherStyle>
-      <a:defPPr lvl="0" marR="0" rtl="0" algn="l">
+      <a:defPPr marR="0" lvl="0" algn="l" rtl="0">
         <a:lnSpc>
           <a:spcPct val="100000"/>
         </a:lnSpc>
@@ -7170,7 +7240,7 @@
           <a:spcPts val="0"/>
         </a:spcAft>
       </a:defPPr>
-      <a:lvl1pPr lvl="0" marR="0" rtl="0" algn="l">
+      <a:lvl1pPr marR="0" lvl="0" algn="l" rtl="0">
         <a:lnSpc>
           <a:spcPct val="100000"/>
         </a:lnSpc>
@@ -7184,7 +7254,7 @@
           <a:srgbClr val="000000"/>
         </a:buClr>
         <a:buFont typeface="Arial"/>
-        <a:defRPr b="0" i="0" sz="1400" u="none" cap="none" strike="noStrike">
+        <a:defRPr sz="1400" b="0" i="0" u="none" strike="noStrike" cap="none">
           <a:solidFill>
             <a:srgbClr val="000000"/>
           </a:solidFill>
@@ -7194,7 +7264,7 @@
           <a:sym typeface="Arial"/>
         </a:defRPr>
       </a:lvl1pPr>
-      <a:lvl2pPr lvl="1" marR="0" rtl="0" algn="l">
+      <a:lvl2pPr marR="0" lvl="1" algn="l" rtl="0">
         <a:lnSpc>
           <a:spcPct val="100000"/>
         </a:lnSpc>
@@ -7208,7 +7278,7 @@
           <a:srgbClr val="000000"/>
         </a:buClr>
         <a:buFont typeface="Arial"/>
-        <a:defRPr b="0" i="0" sz="1400" u="none" cap="none" strike="noStrike">
+        <a:defRPr sz="1400" b="0" i="0" u="none" strike="noStrike" cap="none">
           <a:solidFill>
             <a:srgbClr val="000000"/>
           </a:solidFill>
@@ -7218,7 +7288,7 @@
           <a:sym typeface="Arial"/>
         </a:defRPr>
       </a:lvl2pPr>
-      <a:lvl3pPr lvl="2" marR="0" rtl="0" algn="l">
+      <a:lvl3pPr marR="0" lvl="2" algn="l" rtl="0">
         <a:lnSpc>
           <a:spcPct val="100000"/>
         </a:lnSpc>
@@ -7232,7 +7302,7 @@
           <a:srgbClr val="000000"/>
         </a:buClr>
         <a:buFont typeface="Arial"/>
-        <a:defRPr b="0" i="0" sz="1400" u="none" cap="none" strike="noStrike">
+        <a:defRPr sz="1400" b="0" i="0" u="none" strike="noStrike" cap="none">
           <a:solidFill>
             <a:srgbClr val="000000"/>
           </a:solidFill>
@@ -7242,7 +7312,7 @@
           <a:sym typeface="Arial"/>
         </a:defRPr>
       </a:lvl3pPr>
-      <a:lvl4pPr lvl="3" marR="0" rtl="0" algn="l">
+      <a:lvl4pPr marR="0" lvl="3" algn="l" rtl="0">
         <a:lnSpc>
           <a:spcPct val="100000"/>
         </a:lnSpc>
@@ -7256,7 +7326,7 @@
           <a:srgbClr val="000000"/>
         </a:buClr>
         <a:buFont typeface="Arial"/>
-        <a:defRPr b="0" i="0" sz="1400" u="none" cap="none" strike="noStrike">
+        <a:defRPr sz="1400" b="0" i="0" u="none" strike="noStrike" cap="none">
           <a:solidFill>
             <a:srgbClr val="000000"/>
           </a:solidFill>
@@ -7266,7 +7336,7 @@
           <a:sym typeface="Arial"/>
         </a:defRPr>
       </a:lvl4pPr>
-      <a:lvl5pPr lvl="4" marR="0" rtl="0" algn="l">
+      <a:lvl5pPr marR="0" lvl="4" algn="l" rtl="0">
         <a:lnSpc>
           <a:spcPct val="100000"/>
         </a:lnSpc>
@@ -7280,7 +7350,7 @@
           <a:srgbClr val="000000"/>
         </a:buClr>
         <a:buFont typeface="Arial"/>
-        <a:defRPr b="0" i="0" sz="1400" u="none" cap="none" strike="noStrike">
+        <a:defRPr sz="1400" b="0" i="0" u="none" strike="noStrike" cap="none">
           <a:solidFill>
             <a:srgbClr val="000000"/>
           </a:solidFill>
@@ -7290,7 +7360,7 @@
           <a:sym typeface="Arial"/>
         </a:defRPr>
       </a:lvl5pPr>
-      <a:lvl6pPr lvl="5" marR="0" rtl="0" algn="l">
+      <a:lvl6pPr marR="0" lvl="5" algn="l" rtl="0">
         <a:lnSpc>
           <a:spcPct val="100000"/>
         </a:lnSpc>
@@ -7304,7 +7374,7 @@
           <a:srgbClr val="000000"/>
         </a:buClr>
         <a:buFont typeface="Arial"/>
-        <a:defRPr b="0" i="0" sz="1400" u="none" cap="none" strike="noStrike">
+        <a:defRPr sz="1400" b="0" i="0" u="none" strike="noStrike" cap="none">
           <a:solidFill>
             <a:srgbClr val="000000"/>
           </a:solidFill>
@@ -7314,7 +7384,7 @@
           <a:sym typeface="Arial"/>
         </a:defRPr>
       </a:lvl6pPr>
-      <a:lvl7pPr lvl="6" marR="0" rtl="0" algn="l">
+      <a:lvl7pPr marR="0" lvl="6" algn="l" rtl="0">
         <a:lnSpc>
           <a:spcPct val="100000"/>
         </a:lnSpc>
@@ -7328,7 +7398,7 @@
           <a:srgbClr val="000000"/>
         </a:buClr>
         <a:buFont typeface="Arial"/>
-        <a:defRPr b="0" i="0" sz="1400" u="none" cap="none" strike="noStrike">
+        <a:defRPr sz="1400" b="0" i="0" u="none" strike="noStrike" cap="none">
           <a:solidFill>
             <a:srgbClr val="000000"/>
           </a:solidFill>
@@ -7338,7 +7408,7 @@
           <a:sym typeface="Arial"/>
         </a:defRPr>
       </a:lvl7pPr>
-      <a:lvl8pPr lvl="7" marR="0" rtl="0" algn="l">
+      <a:lvl8pPr marR="0" lvl="7" algn="l" rtl="0">
         <a:lnSpc>
           <a:spcPct val="100000"/>
         </a:lnSpc>
@@ -7352,7 +7422,7 @@
           <a:srgbClr val="000000"/>
         </a:buClr>
         <a:buFont typeface="Arial"/>
-        <a:defRPr b="0" i="0" sz="1400" u="none" cap="none" strike="noStrike">
+        <a:defRPr sz="1400" b="0" i="0" u="none" strike="noStrike" cap="none">
           <a:solidFill>
             <a:srgbClr val="000000"/>
           </a:solidFill>
@@ -7362,7 +7432,7 @@
           <a:sym typeface="Arial"/>
         </a:defRPr>
       </a:lvl8pPr>
-      <a:lvl9pPr lvl="8" marR="0" rtl="0" algn="l">
+      <a:lvl9pPr marR="0" lvl="8" algn="l" rtl="0">
         <a:lnSpc>
           <a:spcPct val="100000"/>
         </a:lnSpc>
@@ -7376,7 +7446,7 @@
           <a:srgbClr val="000000"/>
         </a:buClr>
         <a:buFont typeface="Arial"/>
-        <a:defRPr b="0" i="0" sz="1400" u="none" cap="none" strike="noStrike">
+        <a:defRPr sz="1400" b="0" i="0" u="none" strike="noStrike" cap="none">
           <a:solidFill>
             <a:srgbClr val="000000"/>
           </a:solidFill>
@@ -7392,11 +7462,11 @@
 </file>
 
 <file path=ppt/slides/slide1.xml><?xml version="1.0" encoding="utf-8"?>
-<p:sld xmlns:a="http://schemas.openxmlformats.org/drawingml/2006/main" xmlns:r="http://schemas.openxmlformats.org/officeDocument/2006/relationships" xmlns:mc="http://schemas.openxmlformats.org/markup-compatibility/2006" xmlns:mv="urn:schemas-microsoft-com:mac:vml" xmlns:p="http://schemas.openxmlformats.org/presentationml/2006/main" xmlns:c="http://schemas.openxmlformats.org/drawingml/2006/chart" xmlns:dgm="http://schemas.openxmlformats.org/drawingml/2006/diagram" xmlns:o="urn:schemas-microsoft-com:office:office" xmlns:v="urn:schemas-microsoft-com:vml" xmlns:pvml="urn:schemas-microsoft-com:office:powerpoint" xmlns:com="http://schemas.openxmlformats.org/drawingml/2006/compatibility" xmlns:p14="http://schemas.microsoft.com/office/powerpoint/2010/main" xmlns:p15="http://schemas.microsoft.com/office/powerpoint/2012/main" xmlns:ahyp="http://schemas.microsoft.com/office/drawing/2018/hyperlinkcolor">
+<p:sld xmlns:a="http://schemas.openxmlformats.org/drawingml/2006/main" xmlns:r="http://schemas.openxmlformats.org/officeDocument/2006/relationships" xmlns:p="http://schemas.openxmlformats.org/presentationml/2006/main">
   <p:cSld>
     <p:spTree>
       <p:nvGrpSpPr>
-        <p:cNvPr id="85" name="Shape 85"/>
+        <p:cNvPr id="1" name="Shape 85"/>
         <p:cNvGrpSpPr/>
         <p:nvPr/>
       </p:nvGrpSpPr>
@@ -7425,23 +7495,23 @@
           <a:solidFill>
             <a:schemeClr val="lt2"/>
           </a:solidFill>
-          <a:ln cap="flat" cmpd="sng" w="9525">
+          <a:ln w="9525" cap="flat" cmpd="sng">
             <a:solidFill>
               <a:schemeClr val="lt1"/>
             </a:solidFill>
             <a:prstDash val="solid"/>
             <a:round/>
-            <a:headEnd len="sm" w="sm" type="none"/>
-            <a:tailEnd len="sm" w="sm" type="none"/>
+            <a:headEnd type="none" w="sm" len="sm"/>
+            <a:tailEnd type="none" w="sm" len="sm"/>
           </a:ln>
         </p:spPr>
         <p:txBody>
-          <a:bodyPr anchorCtr="0" anchor="ctr" bIns="68575" lIns="68575" spcFirstLastPara="1" rIns="68575" wrap="square" tIns="68575">
+          <a:bodyPr spcFirstLastPara="1" wrap="square" lIns="68575" tIns="68575" rIns="68575" bIns="68575" anchor="ctr" anchorCtr="0">
             <a:noAutofit/>
           </a:bodyPr>
           <a:lstStyle/>
           <a:p>
-            <a:pPr indent="0" lvl="0" marL="0" rtl="0" algn="l">
+            <a:pPr marL="0" lvl="0" indent="0" algn="l" rtl="0">
               <a:lnSpc>
                 <a:spcPct val="125196"/>
               </a:lnSpc>
@@ -7482,8 +7552,8 @@
         </p:nvSpPr>
         <p:spPr>
           <a:xfrm>
-            <a:off x="0" y="2372850"/>
-            <a:ext cx="5331600" cy="2799600"/>
+            <a:off x="0" y="2401925"/>
+            <a:ext cx="5331598" cy="2741725"/>
           </a:xfrm>
           <a:prstGeom prst="rect">
             <a:avLst/>
@@ -7491,23 +7561,23 @@
           <a:solidFill>
             <a:schemeClr val="lt2"/>
           </a:solidFill>
-          <a:ln cap="flat" cmpd="sng" w="9525">
+          <a:ln w="9525" cap="flat" cmpd="sng">
             <a:solidFill>
               <a:schemeClr val="dk2"/>
             </a:solidFill>
             <a:prstDash val="solid"/>
             <a:round/>
-            <a:headEnd len="sm" w="sm" type="none"/>
-            <a:tailEnd len="sm" w="sm" type="none"/>
+            <a:headEnd type="none" w="sm" len="sm"/>
+            <a:tailEnd type="none" w="sm" len="sm"/>
           </a:ln>
         </p:spPr>
         <p:txBody>
-          <a:bodyPr anchorCtr="0" anchor="ctr" bIns="68575" lIns="68575" spcFirstLastPara="1" rIns="68575" wrap="square" tIns="68575">
+          <a:bodyPr spcFirstLastPara="1" wrap="square" lIns="68575" tIns="68575" rIns="68575" bIns="68575" anchor="ctr" anchorCtr="0">
             <a:noAutofit/>
           </a:bodyPr>
           <a:lstStyle/>
           <a:p>
-            <a:pPr indent="0" lvl="0" marL="0" rtl="0" algn="l">
+            <a:pPr marL="0" lvl="0" indent="0" algn="l" rtl="0">
               <a:lnSpc>
                 <a:spcPct val="90000"/>
               </a:lnSpc>
@@ -7525,7 +7595,7 @@
               <a:buNone/>
             </a:pPr>
             <a:r>
-              <a:rPr b="1" lang="en" sz="1700">
+              <a:rPr lang="en" sz="1700" b="1" dirty="0">
                 <a:solidFill>
                   <a:schemeClr val="dk2"/>
                 </a:solidFill>
@@ -7537,9 +7607,9 @@
                 <a:cs typeface="Times New Roman"/>
                 <a:sym typeface="Times New Roman"/>
               </a:rPr>
-              <a:t>Shaoun Chandra Shill      		 Fahim Ahmed ifty                       </a:t>
+              <a:t>Shaoun Chandra Shill             Fahim Ahmed ifty                       </a:t>
             </a:r>
-            <a:endParaRPr b="1" sz="1700">
+            <a:endParaRPr sz="1700" b="1" dirty="0">
               <a:solidFill>
                 <a:schemeClr val="dk2"/>
               </a:solidFill>
@@ -7553,7 +7623,7 @@
             </a:endParaRPr>
           </a:p>
           <a:p>
-            <a:pPr indent="0" lvl="0" marL="0" rtl="0" algn="l">
+            <a:pPr marL="0" lvl="0" indent="0" algn="l" rtl="0">
               <a:lnSpc>
                 <a:spcPct val="90000"/>
               </a:lnSpc>
@@ -7571,7 +7641,7 @@
               <a:buNone/>
             </a:pPr>
             <a:r>
-              <a:rPr b="1" lang="en" sz="1700">
+              <a:rPr lang="en" sz="1700" b="1" dirty="0">
                 <a:solidFill>
                   <a:schemeClr val="dk2"/>
                 </a:solidFill>
@@ -7583,9 +7653,9 @@
                 <a:cs typeface="Times New Roman"/>
                 <a:sym typeface="Times New Roman"/>
               </a:rPr>
-              <a:t>23373005 						23266007</a:t>
+              <a:t>23373005 		    23266007</a:t>
             </a:r>
-            <a:endParaRPr b="1" sz="1700">
+            <a:endParaRPr sz="1700" b="1" dirty="0">
               <a:solidFill>
                 <a:schemeClr val="dk2"/>
               </a:solidFill>
@@ -7599,7 +7669,7 @@
             </a:endParaRPr>
           </a:p>
           <a:p>
-            <a:pPr indent="0" lvl="0" marL="0" rtl="0" algn="l">
+            <a:pPr marL="0" lvl="0" indent="0" algn="l" rtl="0">
               <a:lnSpc>
                 <a:spcPct val="90000"/>
               </a:lnSpc>
@@ -7616,10 +7686,7 @@
               <a:buFont typeface="Arial"/>
               <a:buNone/>
             </a:pPr>
-            <a:r>
-              <a:t/>
-            </a:r>
-            <a:endParaRPr b="1" sz="1700">
+            <a:endParaRPr sz="1700" b="1" dirty="0">
               <a:solidFill>
                 <a:schemeClr val="dk2"/>
               </a:solidFill>
@@ -7633,7 +7700,7 @@
             </a:endParaRPr>
           </a:p>
           <a:p>
-            <a:pPr indent="0" lvl="0" marL="0" rtl="0" algn="l">
+            <a:pPr marL="0" lvl="0" indent="0" algn="l" rtl="0">
               <a:lnSpc>
                 <a:spcPct val="90000"/>
               </a:lnSpc>
@@ -7651,7 +7718,7 @@
               <a:buNone/>
             </a:pPr>
             <a:r>
-              <a:rPr b="1" lang="en" sz="1700">
+              <a:rPr lang="en" sz="1700" b="1" dirty="0">
                 <a:solidFill>
                   <a:schemeClr val="dk2"/>
                 </a:solidFill>
@@ -7663,9 +7730,9 @@
                 <a:cs typeface="Times New Roman"/>
                 <a:sym typeface="Times New Roman"/>
               </a:rPr>
-              <a:t>Tuhin Ahmed					     Effat Jahan</a:t>
+              <a:t>Tuhin Ahmed		  Effat Jahan</a:t>
             </a:r>
-            <a:endParaRPr b="1" sz="1700">
+            <a:endParaRPr sz="1700" b="1" dirty="0">
               <a:solidFill>
                 <a:schemeClr val="dk2"/>
               </a:solidFill>
@@ -7679,7 +7746,7 @@
             </a:endParaRPr>
           </a:p>
           <a:p>
-            <a:pPr indent="0" lvl="0" marL="0" rtl="0" algn="l">
+            <a:pPr marL="0" lvl="0" indent="0" algn="l" rtl="0">
               <a:lnSpc>
                 <a:spcPct val="90000"/>
               </a:lnSpc>
@@ -7697,7 +7764,7 @@
               <a:buNone/>
             </a:pPr>
             <a:r>
-              <a:rPr b="1" lang="en" sz="1700">
+              <a:rPr lang="en" sz="1700" b="1" dirty="0">
                 <a:solidFill>
                   <a:schemeClr val="dk2"/>
                 </a:solidFill>
@@ -7709,9 +7776,9 @@
                 <a:cs typeface="Times New Roman"/>
                 <a:sym typeface="Times New Roman"/>
               </a:rPr>
-              <a:t>23173004						       24366047</a:t>
+              <a:t>23173004		                     24366047</a:t>
             </a:r>
-            <a:endParaRPr b="1" sz="1700">
+            <a:endParaRPr sz="1700" b="1" dirty="0">
               <a:solidFill>
                 <a:schemeClr val="dk2"/>
               </a:solidFill>
@@ -7725,7 +7792,7 @@
             </a:endParaRPr>
           </a:p>
           <a:p>
-            <a:pPr indent="0" lvl="0" marL="0" rtl="0" algn="l">
+            <a:pPr marL="0" lvl="0" indent="0" algn="l" rtl="0">
               <a:lnSpc>
                 <a:spcPct val="90000"/>
               </a:lnSpc>
@@ -7742,10 +7809,7 @@
               <a:buFont typeface="Arial"/>
               <a:buNone/>
             </a:pPr>
-            <a:r>
-              <a:t/>
-            </a:r>
-            <a:endParaRPr b="1" sz="1700">
+            <a:endParaRPr sz="1700" b="1" dirty="0">
               <a:solidFill>
                 <a:schemeClr val="dk2"/>
               </a:solidFill>
@@ -7759,7 +7823,7 @@
             </a:endParaRPr>
           </a:p>
           <a:p>
-            <a:pPr indent="457200" lvl="0" marL="1371600" rtl="0" algn="l">
+            <a:pPr marL="1371600" lvl="0" indent="457200" algn="l" rtl="0">
               <a:lnSpc>
                 <a:spcPct val="90000"/>
               </a:lnSpc>
@@ -7777,7 +7841,7 @@
               <a:buNone/>
             </a:pPr>
             <a:r>
-              <a:rPr b="1" lang="en" sz="1700">
+              <a:rPr lang="en" sz="1700" b="1" dirty="0">
                 <a:solidFill>
                   <a:schemeClr val="dk2"/>
                 </a:solidFill>
@@ -7791,7 +7855,7 @@
               </a:rPr>
               <a:t>GROUP - 06</a:t>
             </a:r>
-            <a:endParaRPr sz="1200">
+            <a:endParaRPr sz="1200" dirty="0">
               <a:solidFill>
                 <a:schemeClr val="dk2"/>
               </a:solidFill>
@@ -7819,23 +7883,23 @@
           <a:solidFill>
             <a:schemeClr val="lt2"/>
           </a:solidFill>
-          <a:ln cap="flat" cmpd="sng" w="9525">
+          <a:ln w="9525" cap="flat" cmpd="sng">
             <a:solidFill>
               <a:schemeClr val="dk2"/>
             </a:solidFill>
             <a:prstDash val="solid"/>
             <a:round/>
-            <a:headEnd len="sm" w="sm" type="none"/>
-            <a:tailEnd len="sm" w="sm" type="none"/>
+            <a:headEnd type="none" w="sm" len="sm"/>
+            <a:tailEnd type="none" w="sm" len="sm"/>
           </a:ln>
         </p:spPr>
         <p:txBody>
-          <a:bodyPr anchorCtr="0" anchor="ctr" bIns="91425" lIns="91425" spcFirstLastPara="1" rIns="91425" wrap="square" tIns="91425">
+          <a:bodyPr spcFirstLastPara="1" wrap="square" lIns="91425" tIns="91425" rIns="91425" bIns="91425" anchor="ctr" anchorCtr="0">
             <a:noAutofit/>
           </a:bodyPr>
           <a:lstStyle/>
           <a:p>
-            <a:pPr indent="0" lvl="0" marL="0" rtl="0" algn="ctr">
+            <a:pPr marL="0" lvl="0" indent="0" algn="ctr" rtl="0">
               <a:spcBef>
                 <a:spcPts val="0"/>
               </a:spcBef>
@@ -7844,9 +7908,6 @@
               </a:spcAft>
               <a:buNone/>
             </a:pPr>
-            <a:r>
-              <a:t/>
-            </a:r>
             <a:endParaRPr>
               <a:latin typeface="Lato"/>
               <a:ea typeface="Lato"/>
@@ -7901,7 +7962,7 @@
         <p:spPr>
           <a:xfrm>
             <a:off x="5331600" y="2571750"/>
-            <a:ext cx="3812402" cy="2571751"/>
+            <a:ext cx="3812402" cy="2600725"/>
           </a:xfrm>
           <a:prstGeom prst="rect">
             <a:avLst/>
@@ -7921,11 +7982,11 @@
 </file>
 
 <file path=ppt/slides/slide2.xml><?xml version="1.0" encoding="utf-8"?>
-<p:sld xmlns:a="http://schemas.openxmlformats.org/drawingml/2006/main" xmlns:r="http://schemas.openxmlformats.org/officeDocument/2006/relationships" xmlns:mc="http://schemas.openxmlformats.org/markup-compatibility/2006" xmlns:mv="urn:schemas-microsoft-com:mac:vml" xmlns:p="http://schemas.openxmlformats.org/presentationml/2006/main" xmlns:c="http://schemas.openxmlformats.org/drawingml/2006/chart" xmlns:dgm="http://schemas.openxmlformats.org/drawingml/2006/diagram" xmlns:o="urn:schemas-microsoft-com:office:office" xmlns:v="urn:schemas-microsoft-com:vml" xmlns:pvml="urn:schemas-microsoft-com:office:powerpoint" xmlns:com="http://schemas.openxmlformats.org/drawingml/2006/compatibility" xmlns:p14="http://schemas.microsoft.com/office/powerpoint/2010/main" xmlns:p15="http://schemas.microsoft.com/office/powerpoint/2012/main" xmlns:ahyp="http://schemas.microsoft.com/office/drawing/2018/hyperlinkcolor">
+<p:sld xmlns:a="http://schemas.openxmlformats.org/drawingml/2006/main" xmlns:r="http://schemas.openxmlformats.org/officeDocument/2006/relationships" xmlns:p="http://schemas.openxmlformats.org/presentationml/2006/main">
   <p:cSld>
     <p:spTree>
       <p:nvGrpSpPr>
-        <p:cNvPr id="94" name="Shape 94"/>
+        <p:cNvPr id="1" name="Shape 94"/>
         <p:cNvGrpSpPr/>
         <p:nvPr/>
       </p:nvGrpSpPr>
@@ -7940,7 +8001,9 @@
       <p:sp>
         <p:nvSpPr>
           <p:cNvPr id="95" name="Google Shape;95;p14"/>
-          <p:cNvSpPr txBox="1"/>
+          <p:cNvSpPr txBox="1">
+            <a:spLocks noGrp="1"/>
+          </p:cNvSpPr>
           <p:nvPr>
             <p:ph type="title"/>
           </p:nvPr>
@@ -7955,12 +8018,12 @@
           </a:prstGeom>
         </p:spPr>
         <p:txBody>
-          <a:bodyPr anchorCtr="0" anchor="t" bIns="91425" lIns="91425" spcFirstLastPara="1" rIns="91425" wrap="square" tIns="91425">
+          <a:bodyPr spcFirstLastPara="1" wrap="square" lIns="91425" tIns="91425" rIns="91425" bIns="91425" anchor="t" anchorCtr="0">
             <a:normAutofit fontScale="90000"/>
           </a:bodyPr>
           <a:lstStyle/>
           <a:p>
-            <a:pPr indent="0" lvl="0" marL="0" rtl="0" algn="l">
+            <a:pPr marL="0" lvl="0" indent="0" algn="l" rtl="0">
               <a:spcBef>
                 <a:spcPts val="0"/>
               </a:spcBef>
@@ -7980,9 +8043,11 @@
       <p:sp>
         <p:nvSpPr>
           <p:cNvPr id="96" name="Google Shape;96;p14"/>
-          <p:cNvSpPr txBox="1"/>
+          <p:cNvSpPr txBox="1">
+            <a:spLocks noGrp="1"/>
+          </p:cNvSpPr>
           <p:nvPr>
-            <p:ph idx="1" type="body"/>
+            <p:ph type="body" idx="1"/>
           </p:nvPr>
         </p:nvSpPr>
         <p:spPr>
@@ -7995,12 +8060,12 @@
           </a:prstGeom>
         </p:spPr>
         <p:txBody>
-          <a:bodyPr anchorCtr="0" anchor="t" bIns="91425" lIns="91425" spcFirstLastPara="1" rIns="91425" wrap="square" tIns="91425">
+          <a:bodyPr spcFirstLastPara="1" wrap="square" lIns="91425" tIns="91425" rIns="91425" bIns="91425" anchor="t" anchorCtr="0">
             <a:normAutofit lnSpcReduction="20000"/>
           </a:bodyPr>
           <a:lstStyle/>
           <a:p>
-            <a:pPr indent="0" lvl="0" marL="0" rtl="0" algn="l">
+            <a:pPr marL="0" lvl="0" indent="0" algn="l" rtl="0">
               <a:spcBef>
                 <a:spcPts val="0"/>
               </a:spcBef>
@@ -8043,7 +8108,7 @@
             </a:endParaRPr>
           </a:p>
           <a:p>
-            <a:pPr indent="0" lvl="0" marL="0" rtl="0" algn="l">
+            <a:pPr marL="0" lvl="0" indent="0" algn="l" rtl="0">
               <a:spcBef>
                 <a:spcPts val="1200"/>
               </a:spcBef>
@@ -8052,9 +8117,6 @@
               </a:spcAft>
               <a:buNone/>
             </a:pPr>
-            <a:r>
-              <a:t/>
-            </a:r>
             <a:endParaRPr sz="1900">
               <a:solidFill>
                 <a:schemeClr val="dk1"/>
@@ -8079,11 +8141,11 @@
 </file>
 
 <file path=ppt/slides/slide3.xml><?xml version="1.0" encoding="utf-8"?>
-<p:sld xmlns:a="http://schemas.openxmlformats.org/drawingml/2006/main" xmlns:r="http://schemas.openxmlformats.org/officeDocument/2006/relationships" xmlns:mc="http://schemas.openxmlformats.org/markup-compatibility/2006" xmlns:mv="urn:schemas-microsoft-com:mac:vml" xmlns:p="http://schemas.openxmlformats.org/presentationml/2006/main" xmlns:c="http://schemas.openxmlformats.org/drawingml/2006/chart" xmlns:dgm="http://schemas.openxmlformats.org/drawingml/2006/diagram" xmlns:o="urn:schemas-microsoft-com:office:office" xmlns:v="urn:schemas-microsoft-com:vml" xmlns:pvml="urn:schemas-microsoft-com:office:powerpoint" xmlns:com="http://schemas.openxmlformats.org/drawingml/2006/compatibility" xmlns:p14="http://schemas.microsoft.com/office/powerpoint/2010/main" xmlns:p15="http://schemas.microsoft.com/office/powerpoint/2012/main" xmlns:ahyp="http://schemas.microsoft.com/office/drawing/2018/hyperlinkcolor">
+<p:sld xmlns:a="http://schemas.openxmlformats.org/drawingml/2006/main" xmlns:r="http://schemas.openxmlformats.org/officeDocument/2006/relationships" xmlns:p="http://schemas.openxmlformats.org/presentationml/2006/main">
   <p:cSld>
     <p:spTree>
       <p:nvGrpSpPr>
-        <p:cNvPr id="100" name="Shape 100"/>
+        <p:cNvPr id="1" name="Shape 100"/>
         <p:cNvGrpSpPr/>
         <p:nvPr/>
       </p:nvGrpSpPr>
@@ -8098,7 +8160,9 @@
       <p:sp>
         <p:nvSpPr>
           <p:cNvPr id="101" name="Google Shape;101;p15"/>
-          <p:cNvSpPr txBox="1"/>
+          <p:cNvSpPr txBox="1">
+            <a:spLocks noGrp="1"/>
+          </p:cNvSpPr>
           <p:nvPr>
             <p:ph type="title"/>
           </p:nvPr>
@@ -8113,12 +8177,12 @@
           </a:prstGeom>
         </p:spPr>
         <p:txBody>
-          <a:bodyPr anchorCtr="0" anchor="t" bIns="91425" lIns="91425" spcFirstLastPara="1" rIns="91425" wrap="square" tIns="91425">
+          <a:bodyPr spcFirstLastPara="1" wrap="square" lIns="91425" tIns="91425" rIns="91425" bIns="91425" anchor="t" anchorCtr="0">
             <a:normAutofit fontScale="90000"/>
           </a:bodyPr>
           <a:lstStyle/>
           <a:p>
-            <a:pPr indent="0" lvl="0" marL="0" rtl="0" algn="l">
+            <a:pPr marL="0" lvl="0" indent="0" algn="l" rtl="0">
               <a:spcBef>
                 <a:spcPts val="0"/>
               </a:spcBef>
@@ -8138,9 +8202,11 @@
       <p:sp>
         <p:nvSpPr>
           <p:cNvPr id="102" name="Google Shape;102;p15"/>
-          <p:cNvSpPr txBox="1"/>
+          <p:cNvSpPr txBox="1">
+            <a:spLocks noGrp="1"/>
+          </p:cNvSpPr>
           <p:nvPr>
-            <p:ph idx="1" type="body"/>
+            <p:ph type="body" idx="1"/>
           </p:nvPr>
         </p:nvSpPr>
         <p:spPr>
@@ -8153,12 +8219,12 @@
           </a:prstGeom>
         </p:spPr>
         <p:txBody>
-          <a:bodyPr anchorCtr="0" anchor="t" bIns="91425" lIns="91425" spcFirstLastPara="1" rIns="91425" wrap="square" tIns="91425">
+          <a:bodyPr spcFirstLastPara="1" wrap="square" lIns="91425" tIns="91425" rIns="91425" bIns="91425" anchor="t" anchorCtr="0">
             <a:normAutofit/>
           </a:bodyPr>
           <a:lstStyle/>
           <a:p>
-            <a:pPr indent="-311150" lvl="0" marL="457200" rtl="0" algn="l">
+            <a:pPr marL="457200" lvl="0" indent="-311150" algn="l" rtl="0">
               <a:spcBef>
                 <a:spcPts val="0"/>
               </a:spcBef>
@@ -8202,7 +8268,7 @@
             </a:endParaRPr>
           </a:p>
           <a:p>
-            <a:pPr indent="-311150" lvl="0" marL="457200" rtl="0" algn="l">
+            <a:pPr marL="457200" lvl="0" indent="-311150" algn="l" rtl="0">
               <a:spcBef>
                 <a:spcPts val="0"/>
               </a:spcBef>
@@ -8222,7 +8288,7 @@
               <a:t>Image Segmentation Methods for Flood Monitoring System. link - </a:t>
             </a:r>
             <a:r>
-              <a:rPr b="1" lang="en" sz="1000" u="sng">
+              <a:rPr lang="en" sz="1000" b="1" u="sng">
                 <a:solidFill>
                   <a:srgbClr val="0000FF"/>
                 </a:solidFill>
@@ -8236,7 +8302,7 @@
                 <a:hlinkClick r:id="rId4">
                   <a:extLst>
                     <a:ext uri="{A12FA001-AC4F-418D-AE19-62706E023703}">
-                      <ahyp:hlinkClr val="tx"/>
+                      <ahyp:hlinkClr xmlns:ahyp="http://schemas.microsoft.com/office/drawing/2018/hyperlinkcolor" val="tx"/>
                     </a:ext>
                   </a:extLst>
                 </a:hlinkClick>
@@ -8250,7 +8316,7 @@
             </a:endParaRPr>
           </a:p>
           <a:p>
-            <a:pPr indent="-311150" lvl="0" marL="457200" rtl="0" algn="l">
+            <a:pPr marL="457200" lvl="0" indent="-311150" algn="l" rtl="0">
               <a:spcBef>
                 <a:spcPts val="0"/>
               </a:spcBef>
@@ -8292,7 +8358,7 @@
             </a:endParaRPr>
           </a:p>
           <a:p>
-            <a:pPr indent="-311150" lvl="0" marL="457200" rtl="0" algn="l">
+            <a:pPr marL="457200" lvl="0" indent="-311150" algn="l" rtl="0">
               <a:spcBef>
                 <a:spcPts val="0"/>
               </a:spcBef>
@@ -8309,25 +8375,7 @@
                 <a:cs typeface="Times New Roman"/>
                 <a:sym typeface="Times New Roman"/>
               </a:rPr>
-              <a:t>Satellite Image Segmentation for Building Detection using U-net. </a:t>
-            </a:r>
-            <a:r>
-              <a:rPr lang="en">
-                <a:latin typeface="Times New Roman"/>
-                <a:ea typeface="Times New Roman"/>
-                <a:cs typeface="Times New Roman"/>
-                <a:sym typeface="Times New Roman"/>
-              </a:rPr>
-              <a:t>link</a:t>
-            </a:r>
-            <a:r>
-              <a:rPr lang="en">
-                <a:latin typeface="Times New Roman"/>
-                <a:ea typeface="Times New Roman"/>
-                <a:cs typeface="Times New Roman"/>
-                <a:sym typeface="Times New Roman"/>
-              </a:rPr>
-              <a:t> - </a:t>
+              <a:t>Satellite Image Segmentation for Building Detection using U-net. link - </a:t>
             </a:r>
             <a:r>
               <a:rPr lang="en" sz="1000" u="sng">
@@ -8362,11 +8410,11 @@
 </file>
 
 <file path=ppt/slides/slide4.xml><?xml version="1.0" encoding="utf-8"?>
-<p:sld xmlns:a="http://schemas.openxmlformats.org/drawingml/2006/main" xmlns:r="http://schemas.openxmlformats.org/officeDocument/2006/relationships" xmlns:mc="http://schemas.openxmlformats.org/markup-compatibility/2006" xmlns:mv="urn:schemas-microsoft-com:mac:vml" xmlns:p="http://schemas.openxmlformats.org/presentationml/2006/main" xmlns:c="http://schemas.openxmlformats.org/drawingml/2006/chart" xmlns:dgm="http://schemas.openxmlformats.org/drawingml/2006/diagram" xmlns:o="urn:schemas-microsoft-com:office:office" xmlns:v="urn:schemas-microsoft-com:vml" xmlns:pvml="urn:schemas-microsoft-com:office:powerpoint" xmlns:com="http://schemas.openxmlformats.org/drawingml/2006/compatibility" xmlns:p14="http://schemas.microsoft.com/office/powerpoint/2010/main" xmlns:p15="http://schemas.microsoft.com/office/powerpoint/2012/main" xmlns:ahyp="http://schemas.microsoft.com/office/drawing/2018/hyperlinkcolor">
+<p:sld xmlns:a="http://schemas.openxmlformats.org/drawingml/2006/main" xmlns:r="http://schemas.openxmlformats.org/officeDocument/2006/relationships" xmlns:p="http://schemas.openxmlformats.org/presentationml/2006/main">
   <p:cSld>
     <p:spTree>
       <p:nvGrpSpPr>
-        <p:cNvPr id="106" name="Shape 106"/>
+        <p:cNvPr id="1" name="Shape 106"/>
         <p:cNvGrpSpPr/>
         <p:nvPr/>
       </p:nvGrpSpPr>
@@ -8381,7 +8429,9 @@
       <p:sp>
         <p:nvSpPr>
           <p:cNvPr id="107" name="Google Shape;107;p16"/>
-          <p:cNvSpPr txBox="1"/>
+          <p:cNvSpPr txBox="1">
+            <a:spLocks noGrp="1"/>
+          </p:cNvSpPr>
           <p:nvPr>
             <p:ph type="title"/>
           </p:nvPr>
@@ -8396,12 +8446,12 @@
           </a:prstGeom>
         </p:spPr>
         <p:txBody>
-          <a:bodyPr anchorCtr="0" anchor="t" bIns="91425" lIns="91425" spcFirstLastPara="1" rIns="91425" wrap="square" tIns="91425">
+          <a:bodyPr spcFirstLastPara="1" wrap="square" lIns="91425" tIns="91425" rIns="91425" bIns="91425" anchor="t" anchorCtr="0">
             <a:normAutofit fontScale="90000"/>
           </a:bodyPr>
           <a:lstStyle/>
           <a:p>
-            <a:pPr indent="0" lvl="0" marL="0" rtl="0" algn="l">
+            <a:pPr marL="0" lvl="0" indent="0" algn="l" rtl="0">
               <a:spcBef>
                 <a:spcPts val="0"/>
               </a:spcBef>
@@ -8412,11 +8462,7 @@
             </a:pPr>
             <a:r>
               <a:rPr lang="en"/>
-              <a:t>Project</a:t>
-            </a:r>
-            <a:r>
-              <a:rPr lang="en"/>
-              <a:t> Dataset</a:t>
+              <a:t>Project Dataset</a:t>
             </a:r>
             <a:endParaRPr/>
           </a:p>
@@ -8425,9 +8471,11 @@
       <p:sp>
         <p:nvSpPr>
           <p:cNvPr id="108" name="Google Shape;108;p16"/>
-          <p:cNvSpPr txBox="1"/>
+          <p:cNvSpPr txBox="1">
+            <a:spLocks noGrp="1"/>
+          </p:cNvSpPr>
           <p:nvPr>
-            <p:ph idx="1" type="body"/>
+            <p:ph type="body" idx="1"/>
           </p:nvPr>
         </p:nvSpPr>
         <p:spPr>
@@ -8440,12 +8488,12 @@
           </a:prstGeom>
         </p:spPr>
         <p:txBody>
-          <a:bodyPr anchorCtr="0" anchor="t" bIns="91425" lIns="91425" spcFirstLastPara="1" rIns="91425" wrap="square" tIns="91425">
+          <a:bodyPr spcFirstLastPara="1" wrap="square" lIns="91425" tIns="91425" rIns="91425" bIns="91425" anchor="t" anchorCtr="0">
             <a:normAutofit lnSpcReduction="20000"/>
           </a:bodyPr>
           <a:lstStyle/>
           <a:p>
-            <a:pPr indent="0" lvl="0" marL="0" rtl="0" algn="l">
+            <a:pPr marL="0" lvl="0" indent="0" algn="l" rtl="0">
               <a:lnSpc>
                 <a:spcPct val="122222"/>
               </a:lnSpc>
@@ -8458,7 +8506,7 @@
               <a:buNone/>
             </a:pPr>
             <a:r>
-              <a:rPr b="1" lang="en" sz="4585">
+              <a:rPr lang="en" sz="4585" b="1">
                 <a:solidFill>
                   <a:srgbClr val="0000FF"/>
                 </a:solidFill>
@@ -8472,7 +8520,7 @@
               </a:rPr>
               <a:t>Flood Area Segmentation</a:t>
             </a:r>
-            <a:endParaRPr b="1" sz="4585">
+            <a:endParaRPr sz="4585" b="1">
               <a:solidFill>
                 <a:srgbClr val="0000FF"/>
               </a:solidFill>
@@ -8486,7 +8534,7 @@
             </a:endParaRPr>
           </a:p>
           <a:p>
-            <a:pPr indent="0" lvl="0" marL="0" rtl="0" algn="l">
+            <a:pPr marL="0" lvl="0" indent="0" algn="l" rtl="0">
               <a:lnSpc>
                 <a:spcPct val="122222"/>
               </a:lnSpc>
@@ -8499,7 +8547,7 @@
               <a:buNone/>
             </a:pPr>
             <a:r>
-              <a:rPr b="1" lang="en" sz="1600">
+              <a:rPr lang="en" sz="1600" b="1">
                 <a:solidFill>
                   <a:srgbClr val="000000"/>
                 </a:solidFill>
@@ -8514,7 +8562,7 @@
               <a:t>Link : </a:t>
             </a:r>
             <a:r>
-              <a:rPr b="1" lang="en" sz="1044" u="sng">
+              <a:rPr lang="en" sz="1044" b="1" u="sng">
                 <a:solidFill>
                   <a:schemeClr val="hlink"/>
                 </a:solidFill>
@@ -8529,7 +8577,7 @@
               </a:rPr>
               <a:t>https://www.kaggle.com/datasets/faizalkarim/flood-area-segmentation</a:t>
             </a:r>
-            <a:endParaRPr b="1" sz="1044">
+            <a:endParaRPr sz="1044" b="1">
               <a:solidFill>
                 <a:srgbClr val="0000FF"/>
               </a:solidFill>
@@ -8543,7 +8591,7 @@
             </a:endParaRPr>
           </a:p>
           <a:p>
-            <a:pPr indent="0" lvl="0" marL="0" rtl="0" algn="l">
+            <a:pPr marL="0" lvl="0" indent="0" algn="l" rtl="0">
               <a:lnSpc>
                 <a:spcPct val="122222"/>
               </a:lnSpc>
@@ -8555,10 +8603,7 @@
               </a:spcAft>
               <a:buNone/>
             </a:pPr>
-            <a:r>
-              <a:t/>
-            </a:r>
-            <a:endParaRPr b="1" sz="2700">
+            <a:endParaRPr sz="2700" b="1">
               <a:solidFill>
                 <a:srgbClr val="E8EAED"/>
               </a:solidFill>
@@ -8572,7 +8617,7 @@
             </a:endParaRPr>
           </a:p>
           <a:p>
-            <a:pPr indent="0" lvl="0" marL="0" rtl="0" algn="l">
+            <a:pPr marL="0" lvl="0" indent="0" algn="l" rtl="0">
               <a:spcBef>
                 <a:spcPts val="1200"/>
               </a:spcBef>
@@ -8581,9 +8626,6 @@
               </a:spcAft>
               <a:buNone/>
             </a:pPr>
-            <a:r>
-              <a:t/>
-            </a:r>
             <a:endParaRPr/>
           </a:p>
         </p:txBody>
@@ -8597,7 +8639,7 @@
 </file>
 
 <file path=ppt/theme/theme1.xml><?xml version="1.0" encoding="utf-8"?>
-<a:theme xmlns:a="http://schemas.openxmlformats.org/drawingml/2006/main" xmlns:r="http://schemas.openxmlformats.org/officeDocument/2006/relationships" name="Streamline">
+<a:theme xmlns:a="http://schemas.openxmlformats.org/drawingml/2006/main" name="Streamline">
   <a:themeElements>
     <a:clrScheme name="Streamline">
       <a:dk1>
@@ -8872,11 +8914,13 @@
       </a:bgFillStyleLst>
     </a:fmtScheme>
   </a:themeElements>
+  <a:objectDefaults/>
+  <a:extraClrSchemeLst/>
 </a:theme>
 </file>
 
 <file path=ppt/theme/theme2.xml><?xml version="1.0" encoding="utf-8"?>
-<a:theme xmlns:a="http://schemas.openxmlformats.org/drawingml/2006/main" xmlns:r="http://schemas.openxmlformats.org/officeDocument/2006/relationships">
+<a:theme xmlns:a="http://schemas.openxmlformats.org/drawingml/2006/main">
   <a:themeElements>
     <a:clrScheme name="Default">
       <a:dk1>
@@ -9151,5 +9195,7 @@
       </a:bgFillStyleLst>
     </a:fmtScheme>
   </a:themeElements>
+  <a:objectDefaults/>
+  <a:extraClrSchemeLst/>
 </a:theme>
 </file>
--- a/Final Project/Task_4a/Flood Impact Detection on Roads Using U-Net.pptx
+++ b/Final Project/Task_4a/Flood Impact Detection on Roads Using U-Net.pptx
@@ -5,30 +5,41 @@
     <p:sldMasterId id="2147483659" r:id="rId1"/>
   </p:sldMasterIdLst>
   <p:notesMasterIdLst>
-    <p:notesMasterId r:id="rId6"/>
+    <p:notesMasterId r:id="rId17"/>
   </p:notesMasterIdLst>
   <p:sldIdLst>
     <p:sldId id="256" r:id="rId2"/>
     <p:sldId id="257" r:id="rId3"/>
     <p:sldId id="258" r:id="rId4"/>
     <p:sldId id="259" r:id="rId5"/>
+    <p:sldId id="260" r:id="rId6"/>
+    <p:sldId id="261" r:id="rId7"/>
+    <p:sldId id="262" r:id="rId8"/>
+    <p:sldId id="263" r:id="rId9"/>
+    <p:sldId id="264" r:id="rId10"/>
+    <p:sldId id="265" r:id="rId11"/>
+    <p:sldId id="266" r:id="rId12"/>
+    <p:sldId id="267" r:id="rId13"/>
+    <p:sldId id="268" r:id="rId14"/>
+    <p:sldId id="269" r:id="rId15"/>
+    <p:sldId id="270" r:id="rId16"/>
   </p:sldIdLst>
   <p:sldSz cx="9144000" cy="5143500" type="screen16x9"/>
   <p:notesSz cx="6858000" cy="9144000"/>
   <p:embeddedFontLst>
     <p:embeddedFont>
       <p:font typeface="Lato" panose="020F0502020204030203" pitchFamily="34" charset="0"/>
-      <p:regular r:id="rId7"/>
-      <p:bold r:id="rId8"/>
-      <p:italic r:id="rId9"/>
-      <p:boldItalic r:id="rId10"/>
+      <p:regular r:id="rId18"/>
+      <p:bold r:id="rId19"/>
+      <p:italic r:id="rId20"/>
+      <p:boldItalic r:id="rId21"/>
     </p:embeddedFont>
     <p:embeddedFont>
       <p:font typeface="Raleway" pitchFamily="2" charset="0"/>
-      <p:regular r:id="rId11"/>
-      <p:bold r:id="rId12"/>
-      <p:italic r:id="rId13"/>
-      <p:boldItalic r:id="rId14"/>
+      <p:regular r:id="rId22"/>
+      <p:bold r:id="rId23"/>
+      <p:italic r:id="rId24"/>
+      <p:boldItalic r:id="rId25"/>
     </p:embeddedFont>
   </p:embeddedFontLst>
   <p:defaultTextStyle>
@@ -824,12 +835,12 @@
 </p:notes>
 </file>
 
-<file path=ppt/notesSlides/notesSlide2.xml><?xml version="1.0" encoding="utf-8"?>
+<file path=ppt/notesSlides/notesSlide10.xml><?xml version="1.0" encoding="utf-8"?>
 <p:notes xmlns:a="http://schemas.openxmlformats.org/drawingml/2006/main" xmlns:r="http://schemas.openxmlformats.org/officeDocument/2006/relationships" xmlns:p="http://schemas.openxmlformats.org/presentationml/2006/main" showMasterSp="0" showMasterPhAnim="0">
   <p:cSld>
     <p:spTree>
       <p:nvGrpSpPr>
-        <p:cNvPr id="1" name="Shape 91"/>
+        <p:cNvPr id="1" name="Shape 147"/>
         <p:cNvGrpSpPr/>
         <p:nvPr/>
       </p:nvGrpSpPr>
@@ -843,7 +854,7 @@
       </p:grpSpPr>
       <p:sp>
         <p:nvSpPr>
-          <p:cNvPr id="92" name="Google Shape;92;g2fd42abebfb_0_102:notes"/>
+          <p:cNvPr id="148" name="Google Shape;148;g30573f759c5_0_27:notes"/>
           <p:cNvSpPr>
             <a:spLocks noGrp="1" noRot="1" noChangeAspect="1"/>
           </p:cNvSpPr>
@@ -884,7 +895,7 @@
       </p:sp>
       <p:sp>
         <p:nvSpPr>
-          <p:cNvPr id="93" name="Google Shape;93;g2fd42abebfb_0_102:notes"/>
+          <p:cNvPr id="149" name="Google Shape;149;g30573f759c5_0_27:notes"/>
           <p:cNvSpPr txBox="1">
             <a:spLocks noGrp="1"/>
           </p:cNvSpPr>
@@ -928,12 +939,12 @@
 </p:notes>
 </file>
 
-<file path=ppt/notesSlides/notesSlide3.xml><?xml version="1.0" encoding="utf-8"?>
+<file path=ppt/notesSlides/notesSlide11.xml><?xml version="1.0" encoding="utf-8"?>
 <p:notes xmlns:a="http://schemas.openxmlformats.org/drawingml/2006/main" xmlns:r="http://schemas.openxmlformats.org/officeDocument/2006/relationships" xmlns:p="http://schemas.openxmlformats.org/presentationml/2006/main" showMasterSp="0" showMasterPhAnim="0">
   <p:cSld>
     <p:spTree>
       <p:nvGrpSpPr>
-        <p:cNvPr id="1" name="Shape 97"/>
+        <p:cNvPr id="1" name="Shape 153"/>
         <p:cNvGrpSpPr/>
         <p:nvPr/>
       </p:nvGrpSpPr>
@@ -947,7 +958,7 @@
       </p:grpSpPr>
       <p:sp>
         <p:nvSpPr>
-          <p:cNvPr id="98" name="Google Shape;98;g2fd42abebfb_0_109:notes"/>
+          <p:cNvPr id="154" name="Google Shape;154;g2f85e01437f_0_15:notes"/>
           <p:cNvSpPr>
             <a:spLocks noGrp="1" noRot="1" noChangeAspect="1"/>
           </p:cNvSpPr>
@@ -988,7 +999,7 @@
       </p:sp>
       <p:sp>
         <p:nvSpPr>
-          <p:cNvPr id="99" name="Google Shape;99;g2fd42abebfb_0_109:notes"/>
+          <p:cNvPr id="155" name="Google Shape;155;g2f85e01437f_0_15:notes"/>
           <p:cNvSpPr txBox="1">
             <a:spLocks noGrp="1"/>
           </p:cNvSpPr>
@@ -1032,12 +1043,12 @@
 </p:notes>
 </file>
 
-<file path=ppt/notesSlides/notesSlide4.xml><?xml version="1.0" encoding="utf-8"?>
+<file path=ppt/notesSlides/notesSlide12.xml><?xml version="1.0" encoding="utf-8"?>
 <p:notes xmlns:a="http://schemas.openxmlformats.org/drawingml/2006/main" xmlns:r="http://schemas.openxmlformats.org/officeDocument/2006/relationships" xmlns:p="http://schemas.openxmlformats.org/presentationml/2006/main" showMasterSp="0" showMasterPhAnim="0">
   <p:cSld>
     <p:spTree>
       <p:nvGrpSpPr>
-        <p:cNvPr id="1" name="Shape 103"/>
+        <p:cNvPr id="1" name="Shape 159"/>
         <p:cNvGrpSpPr/>
         <p:nvPr/>
       </p:nvGrpSpPr>
@@ -1051,7 +1062,7 @@
       </p:grpSpPr>
       <p:sp>
         <p:nvSpPr>
-          <p:cNvPr id="104" name="Google Shape;104;g2fd42abebfb_0_195:notes"/>
+          <p:cNvPr id="160" name="Google Shape;160;g2f85e01437f_0_20:notes"/>
           <p:cNvSpPr>
             <a:spLocks noGrp="1" noRot="1" noChangeAspect="1"/>
           </p:cNvSpPr>
@@ -1092,7 +1103,1151 @@
       </p:sp>
       <p:sp>
         <p:nvSpPr>
-          <p:cNvPr id="105" name="Google Shape;105;g2fd42abebfb_0_195:notes"/>
+          <p:cNvPr id="161" name="Google Shape;161;g2f85e01437f_0_20:notes"/>
+          <p:cNvSpPr txBox="1">
+            <a:spLocks noGrp="1"/>
+          </p:cNvSpPr>
+          <p:nvPr>
+            <p:ph type="body" idx="1"/>
+          </p:nvPr>
+        </p:nvSpPr>
+        <p:spPr>
+          <a:xfrm>
+            <a:off x="685800" y="4343400"/>
+            <a:ext cx="5486400" cy="4114800"/>
+          </a:xfrm>
+          <a:prstGeom prst="rect">
+            <a:avLst/>
+          </a:prstGeom>
+        </p:spPr>
+        <p:txBody>
+          <a:bodyPr spcFirstLastPara="1" wrap="square" lIns="91425" tIns="91425" rIns="91425" bIns="91425" anchor="t" anchorCtr="0">
+            <a:noAutofit/>
+          </a:bodyPr>
+          <a:lstStyle/>
+          <a:p>
+            <a:pPr marL="0" lvl="0" indent="0" algn="l" rtl="0">
+              <a:spcBef>
+                <a:spcPts val="0"/>
+              </a:spcBef>
+              <a:spcAft>
+                <a:spcPts val="0"/>
+              </a:spcAft>
+              <a:buNone/>
+            </a:pPr>
+            <a:endParaRPr/>
+          </a:p>
+        </p:txBody>
+      </p:sp>
+    </p:spTree>
+  </p:cSld>
+  <p:clrMapOvr>
+    <a:masterClrMapping/>
+  </p:clrMapOvr>
+</p:notes>
+</file>
+
+<file path=ppt/notesSlides/notesSlide13.xml><?xml version="1.0" encoding="utf-8"?>
+<p:notes xmlns:a="http://schemas.openxmlformats.org/drawingml/2006/main" xmlns:r="http://schemas.openxmlformats.org/officeDocument/2006/relationships" xmlns:p="http://schemas.openxmlformats.org/presentationml/2006/main" showMasterSp="0" showMasterPhAnim="0">
+  <p:cSld>
+    <p:spTree>
+      <p:nvGrpSpPr>
+        <p:cNvPr id="1" name="Shape 165"/>
+        <p:cNvGrpSpPr/>
+        <p:nvPr/>
+      </p:nvGrpSpPr>
+      <p:grpSpPr>
+        <a:xfrm>
+          <a:off x="0" y="0"/>
+          <a:ext cx="0" cy="0"/>
+          <a:chOff x="0" y="0"/>
+          <a:chExt cx="0" cy="0"/>
+        </a:xfrm>
+      </p:grpSpPr>
+      <p:sp>
+        <p:nvSpPr>
+          <p:cNvPr id="166" name="Google Shape;166;g2f85e01437f_0_25:notes"/>
+          <p:cNvSpPr>
+            <a:spLocks noGrp="1" noRot="1" noChangeAspect="1"/>
+          </p:cNvSpPr>
+          <p:nvPr>
+            <p:ph type="sldImg" idx="2"/>
+          </p:nvPr>
+        </p:nvSpPr>
+        <p:spPr>
+          <a:xfrm>
+            <a:off x="381300" y="685800"/>
+            <a:ext cx="6096000" cy="3429000"/>
+          </a:xfrm>
+          <a:custGeom>
+            <a:avLst/>
+            <a:gdLst/>
+            <a:ahLst/>
+            <a:cxnLst/>
+            <a:rect l="l" t="t" r="r" b="b"/>
+            <a:pathLst>
+              <a:path w="120000" h="120000" extrusionOk="0">
+                <a:moveTo>
+                  <a:pt x="0" y="0"/>
+                </a:moveTo>
+                <a:lnTo>
+                  <a:pt x="120000" y="0"/>
+                </a:lnTo>
+                <a:lnTo>
+                  <a:pt x="120000" y="120000"/>
+                </a:lnTo>
+                <a:lnTo>
+                  <a:pt x="0" y="120000"/>
+                </a:lnTo>
+                <a:close/>
+              </a:path>
+            </a:pathLst>
+          </a:custGeom>
+        </p:spPr>
+      </p:sp>
+      <p:sp>
+        <p:nvSpPr>
+          <p:cNvPr id="167" name="Google Shape;167;g2f85e01437f_0_25:notes"/>
+          <p:cNvSpPr txBox="1">
+            <a:spLocks noGrp="1"/>
+          </p:cNvSpPr>
+          <p:nvPr>
+            <p:ph type="body" idx="1"/>
+          </p:nvPr>
+        </p:nvSpPr>
+        <p:spPr>
+          <a:xfrm>
+            <a:off x="685800" y="4343400"/>
+            <a:ext cx="5486400" cy="4114800"/>
+          </a:xfrm>
+          <a:prstGeom prst="rect">
+            <a:avLst/>
+          </a:prstGeom>
+        </p:spPr>
+        <p:txBody>
+          <a:bodyPr spcFirstLastPara="1" wrap="square" lIns="91425" tIns="91425" rIns="91425" bIns="91425" anchor="t" anchorCtr="0">
+            <a:noAutofit/>
+          </a:bodyPr>
+          <a:lstStyle/>
+          <a:p>
+            <a:pPr marL="0" lvl="0" indent="0" algn="l" rtl="0">
+              <a:spcBef>
+                <a:spcPts val="0"/>
+              </a:spcBef>
+              <a:spcAft>
+                <a:spcPts val="0"/>
+              </a:spcAft>
+              <a:buNone/>
+            </a:pPr>
+            <a:endParaRPr/>
+          </a:p>
+        </p:txBody>
+      </p:sp>
+    </p:spTree>
+  </p:cSld>
+  <p:clrMapOvr>
+    <a:masterClrMapping/>
+  </p:clrMapOvr>
+</p:notes>
+</file>
+
+<file path=ppt/notesSlides/notesSlide14.xml><?xml version="1.0" encoding="utf-8"?>
+<p:notes xmlns:a="http://schemas.openxmlformats.org/drawingml/2006/main" xmlns:r="http://schemas.openxmlformats.org/officeDocument/2006/relationships" xmlns:p="http://schemas.openxmlformats.org/presentationml/2006/main" showMasterSp="0" showMasterPhAnim="0">
+  <p:cSld>
+    <p:spTree>
+      <p:nvGrpSpPr>
+        <p:cNvPr id="1" name="Shape 171"/>
+        <p:cNvGrpSpPr/>
+        <p:nvPr/>
+      </p:nvGrpSpPr>
+      <p:grpSpPr>
+        <a:xfrm>
+          <a:off x="0" y="0"/>
+          <a:ext cx="0" cy="0"/>
+          <a:chOff x="0" y="0"/>
+          <a:chExt cx="0" cy="0"/>
+        </a:xfrm>
+      </p:grpSpPr>
+      <p:sp>
+        <p:nvSpPr>
+          <p:cNvPr id="172" name="Google Shape;172;g2fd42abebfb_0_195:notes"/>
+          <p:cNvSpPr>
+            <a:spLocks noGrp="1" noRot="1" noChangeAspect="1"/>
+          </p:cNvSpPr>
+          <p:nvPr>
+            <p:ph type="sldImg" idx="2"/>
+          </p:nvPr>
+        </p:nvSpPr>
+        <p:spPr>
+          <a:xfrm>
+            <a:off x="381300" y="685800"/>
+            <a:ext cx="6096000" cy="3429000"/>
+          </a:xfrm>
+          <a:custGeom>
+            <a:avLst/>
+            <a:gdLst/>
+            <a:ahLst/>
+            <a:cxnLst/>
+            <a:rect l="l" t="t" r="r" b="b"/>
+            <a:pathLst>
+              <a:path w="120000" h="120000" extrusionOk="0">
+                <a:moveTo>
+                  <a:pt x="0" y="0"/>
+                </a:moveTo>
+                <a:lnTo>
+                  <a:pt x="120000" y="0"/>
+                </a:lnTo>
+                <a:lnTo>
+                  <a:pt x="120000" y="120000"/>
+                </a:lnTo>
+                <a:lnTo>
+                  <a:pt x="0" y="120000"/>
+                </a:lnTo>
+                <a:close/>
+              </a:path>
+            </a:pathLst>
+          </a:custGeom>
+        </p:spPr>
+      </p:sp>
+      <p:sp>
+        <p:nvSpPr>
+          <p:cNvPr id="173" name="Google Shape;173;g2fd42abebfb_0_195:notes"/>
+          <p:cNvSpPr txBox="1">
+            <a:spLocks noGrp="1"/>
+          </p:cNvSpPr>
+          <p:nvPr>
+            <p:ph type="body" idx="1"/>
+          </p:nvPr>
+        </p:nvSpPr>
+        <p:spPr>
+          <a:xfrm>
+            <a:off x="685800" y="4343400"/>
+            <a:ext cx="5486400" cy="4114800"/>
+          </a:xfrm>
+          <a:prstGeom prst="rect">
+            <a:avLst/>
+          </a:prstGeom>
+        </p:spPr>
+        <p:txBody>
+          <a:bodyPr spcFirstLastPara="1" wrap="square" lIns="91425" tIns="91425" rIns="91425" bIns="91425" anchor="t" anchorCtr="0">
+            <a:noAutofit/>
+          </a:bodyPr>
+          <a:lstStyle/>
+          <a:p>
+            <a:pPr marL="0" lvl="0" indent="0" algn="l" rtl="0">
+              <a:spcBef>
+                <a:spcPts val="0"/>
+              </a:spcBef>
+              <a:spcAft>
+                <a:spcPts val="0"/>
+              </a:spcAft>
+              <a:buNone/>
+            </a:pPr>
+            <a:endParaRPr/>
+          </a:p>
+        </p:txBody>
+      </p:sp>
+    </p:spTree>
+  </p:cSld>
+  <p:clrMapOvr>
+    <a:masterClrMapping/>
+  </p:clrMapOvr>
+</p:notes>
+</file>
+
+<file path=ppt/notesSlides/notesSlide15.xml><?xml version="1.0" encoding="utf-8"?>
+<p:notes xmlns:a="http://schemas.openxmlformats.org/drawingml/2006/main" xmlns:r="http://schemas.openxmlformats.org/officeDocument/2006/relationships" xmlns:p="http://schemas.openxmlformats.org/presentationml/2006/main" showMasterSp="0" showMasterPhAnim="0">
+  <p:cSld>
+    <p:spTree>
+      <p:nvGrpSpPr>
+        <p:cNvPr id="1" name="Shape 177"/>
+        <p:cNvGrpSpPr/>
+        <p:nvPr/>
+      </p:nvGrpSpPr>
+      <p:grpSpPr>
+        <a:xfrm>
+          <a:off x="0" y="0"/>
+          <a:ext cx="0" cy="0"/>
+          <a:chOff x="0" y="0"/>
+          <a:chExt cx="0" cy="0"/>
+        </a:xfrm>
+      </p:grpSpPr>
+      <p:sp>
+        <p:nvSpPr>
+          <p:cNvPr id="178" name="Google Shape;178;g2f85e01437f_0_35:notes"/>
+          <p:cNvSpPr>
+            <a:spLocks noGrp="1" noRot="1" noChangeAspect="1"/>
+          </p:cNvSpPr>
+          <p:nvPr>
+            <p:ph type="sldImg" idx="2"/>
+          </p:nvPr>
+        </p:nvSpPr>
+        <p:spPr>
+          <a:xfrm>
+            <a:off x="381300" y="685800"/>
+            <a:ext cx="6096000" cy="3429000"/>
+          </a:xfrm>
+          <a:custGeom>
+            <a:avLst/>
+            <a:gdLst/>
+            <a:ahLst/>
+            <a:cxnLst/>
+            <a:rect l="l" t="t" r="r" b="b"/>
+            <a:pathLst>
+              <a:path w="120000" h="120000" extrusionOk="0">
+                <a:moveTo>
+                  <a:pt x="0" y="0"/>
+                </a:moveTo>
+                <a:lnTo>
+                  <a:pt x="120000" y="0"/>
+                </a:lnTo>
+                <a:lnTo>
+                  <a:pt x="120000" y="120000"/>
+                </a:lnTo>
+                <a:lnTo>
+                  <a:pt x="0" y="120000"/>
+                </a:lnTo>
+                <a:close/>
+              </a:path>
+            </a:pathLst>
+          </a:custGeom>
+        </p:spPr>
+      </p:sp>
+      <p:sp>
+        <p:nvSpPr>
+          <p:cNvPr id="179" name="Google Shape;179;g2f85e01437f_0_35:notes"/>
+          <p:cNvSpPr txBox="1">
+            <a:spLocks noGrp="1"/>
+          </p:cNvSpPr>
+          <p:nvPr>
+            <p:ph type="body" idx="1"/>
+          </p:nvPr>
+        </p:nvSpPr>
+        <p:spPr>
+          <a:xfrm>
+            <a:off x="685800" y="4343400"/>
+            <a:ext cx="5486400" cy="4114800"/>
+          </a:xfrm>
+          <a:prstGeom prst="rect">
+            <a:avLst/>
+          </a:prstGeom>
+        </p:spPr>
+        <p:txBody>
+          <a:bodyPr spcFirstLastPara="1" wrap="square" lIns="91425" tIns="91425" rIns="91425" bIns="91425" anchor="t" anchorCtr="0">
+            <a:noAutofit/>
+          </a:bodyPr>
+          <a:lstStyle/>
+          <a:p>
+            <a:pPr marL="0" lvl="0" indent="0" algn="l" rtl="0">
+              <a:spcBef>
+                <a:spcPts val="0"/>
+              </a:spcBef>
+              <a:spcAft>
+                <a:spcPts val="0"/>
+              </a:spcAft>
+              <a:buNone/>
+            </a:pPr>
+            <a:endParaRPr/>
+          </a:p>
+        </p:txBody>
+      </p:sp>
+    </p:spTree>
+  </p:cSld>
+  <p:clrMapOvr>
+    <a:masterClrMapping/>
+  </p:clrMapOvr>
+</p:notes>
+</file>
+
+<file path=ppt/notesSlides/notesSlide2.xml><?xml version="1.0" encoding="utf-8"?>
+<p:notes xmlns:a="http://schemas.openxmlformats.org/drawingml/2006/main" xmlns:r="http://schemas.openxmlformats.org/officeDocument/2006/relationships" xmlns:p="http://schemas.openxmlformats.org/presentationml/2006/main" showMasterSp="0" showMasterPhAnim="0">
+  <p:cSld>
+    <p:spTree>
+      <p:nvGrpSpPr>
+        <p:cNvPr id="1" name="Shape 90"/>
+        <p:cNvGrpSpPr/>
+        <p:nvPr/>
+      </p:nvGrpSpPr>
+      <p:grpSpPr>
+        <a:xfrm>
+          <a:off x="0" y="0"/>
+          <a:ext cx="0" cy="0"/>
+          <a:chOff x="0" y="0"/>
+          <a:chExt cx="0" cy="0"/>
+        </a:xfrm>
+      </p:grpSpPr>
+      <p:sp>
+        <p:nvSpPr>
+          <p:cNvPr id="91" name="Google Shape;91;g2fd42abebfb_0_102:notes"/>
+          <p:cNvSpPr>
+            <a:spLocks noGrp="1" noRot="1" noChangeAspect="1"/>
+          </p:cNvSpPr>
+          <p:nvPr>
+            <p:ph type="sldImg" idx="2"/>
+          </p:nvPr>
+        </p:nvSpPr>
+        <p:spPr>
+          <a:xfrm>
+            <a:off x="381300" y="685800"/>
+            <a:ext cx="6096000" cy="3429000"/>
+          </a:xfrm>
+          <a:custGeom>
+            <a:avLst/>
+            <a:gdLst/>
+            <a:ahLst/>
+            <a:cxnLst/>
+            <a:rect l="l" t="t" r="r" b="b"/>
+            <a:pathLst>
+              <a:path w="120000" h="120000" extrusionOk="0">
+                <a:moveTo>
+                  <a:pt x="0" y="0"/>
+                </a:moveTo>
+                <a:lnTo>
+                  <a:pt x="120000" y="0"/>
+                </a:lnTo>
+                <a:lnTo>
+                  <a:pt x="120000" y="120000"/>
+                </a:lnTo>
+                <a:lnTo>
+                  <a:pt x="0" y="120000"/>
+                </a:lnTo>
+                <a:close/>
+              </a:path>
+            </a:pathLst>
+          </a:custGeom>
+        </p:spPr>
+      </p:sp>
+      <p:sp>
+        <p:nvSpPr>
+          <p:cNvPr id="92" name="Google Shape;92;g2fd42abebfb_0_102:notes"/>
+          <p:cNvSpPr txBox="1">
+            <a:spLocks noGrp="1"/>
+          </p:cNvSpPr>
+          <p:nvPr>
+            <p:ph type="body" idx="1"/>
+          </p:nvPr>
+        </p:nvSpPr>
+        <p:spPr>
+          <a:xfrm>
+            <a:off x="685800" y="4343400"/>
+            <a:ext cx="5486400" cy="4114800"/>
+          </a:xfrm>
+          <a:prstGeom prst="rect">
+            <a:avLst/>
+          </a:prstGeom>
+        </p:spPr>
+        <p:txBody>
+          <a:bodyPr spcFirstLastPara="1" wrap="square" lIns="91425" tIns="91425" rIns="91425" bIns="91425" anchor="t" anchorCtr="0">
+            <a:noAutofit/>
+          </a:bodyPr>
+          <a:lstStyle/>
+          <a:p>
+            <a:pPr marL="0" lvl="0" indent="0" algn="l" rtl="0">
+              <a:spcBef>
+                <a:spcPts val="0"/>
+              </a:spcBef>
+              <a:spcAft>
+                <a:spcPts val="0"/>
+              </a:spcAft>
+              <a:buNone/>
+            </a:pPr>
+            <a:endParaRPr/>
+          </a:p>
+        </p:txBody>
+      </p:sp>
+    </p:spTree>
+  </p:cSld>
+  <p:clrMapOvr>
+    <a:masterClrMapping/>
+  </p:clrMapOvr>
+</p:notes>
+</file>
+
+<file path=ppt/notesSlides/notesSlide3.xml><?xml version="1.0" encoding="utf-8"?>
+<p:notes xmlns:a="http://schemas.openxmlformats.org/drawingml/2006/main" xmlns:r="http://schemas.openxmlformats.org/officeDocument/2006/relationships" xmlns:p="http://schemas.openxmlformats.org/presentationml/2006/main" showMasterSp="0" showMasterPhAnim="0">
+  <p:cSld>
+    <p:spTree>
+      <p:nvGrpSpPr>
+        <p:cNvPr id="1" name="Shape 96"/>
+        <p:cNvGrpSpPr/>
+        <p:nvPr/>
+      </p:nvGrpSpPr>
+      <p:grpSpPr>
+        <a:xfrm>
+          <a:off x="0" y="0"/>
+          <a:ext cx="0" cy="0"/>
+          <a:chOff x="0" y="0"/>
+          <a:chExt cx="0" cy="0"/>
+        </a:xfrm>
+      </p:grpSpPr>
+      <p:sp>
+        <p:nvSpPr>
+          <p:cNvPr id="97" name="Google Shape;97;g300b967b165_0_0:notes"/>
+          <p:cNvSpPr>
+            <a:spLocks noGrp="1" noRot="1" noChangeAspect="1"/>
+          </p:cNvSpPr>
+          <p:nvPr>
+            <p:ph type="sldImg" idx="2"/>
+          </p:nvPr>
+        </p:nvSpPr>
+        <p:spPr>
+          <a:xfrm>
+            <a:off x="381300" y="685800"/>
+            <a:ext cx="6096000" cy="3429000"/>
+          </a:xfrm>
+          <a:custGeom>
+            <a:avLst/>
+            <a:gdLst/>
+            <a:ahLst/>
+            <a:cxnLst/>
+            <a:rect l="l" t="t" r="r" b="b"/>
+            <a:pathLst>
+              <a:path w="120000" h="120000" extrusionOk="0">
+                <a:moveTo>
+                  <a:pt x="0" y="0"/>
+                </a:moveTo>
+                <a:lnTo>
+                  <a:pt x="120000" y="0"/>
+                </a:lnTo>
+                <a:lnTo>
+                  <a:pt x="120000" y="120000"/>
+                </a:lnTo>
+                <a:lnTo>
+                  <a:pt x="0" y="120000"/>
+                </a:lnTo>
+                <a:close/>
+              </a:path>
+            </a:pathLst>
+          </a:custGeom>
+        </p:spPr>
+      </p:sp>
+      <p:sp>
+        <p:nvSpPr>
+          <p:cNvPr id="98" name="Google Shape;98;g300b967b165_0_0:notes"/>
+          <p:cNvSpPr txBox="1">
+            <a:spLocks noGrp="1"/>
+          </p:cNvSpPr>
+          <p:nvPr>
+            <p:ph type="body" idx="1"/>
+          </p:nvPr>
+        </p:nvSpPr>
+        <p:spPr>
+          <a:xfrm>
+            <a:off x="685800" y="4343400"/>
+            <a:ext cx="5486400" cy="4114800"/>
+          </a:xfrm>
+          <a:prstGeom prst="rect">
+            <a:avLst/>
+          </a:prstGeom>
+        </p:spPr>
+        <p:txBody>
+          <a:bodyPr spcFirstLastPara="1" wrap="square" lIns="91425" tIns="91425" rIns="91425" bIns="91425" anchor="t" anchorCtr="0">
+            <a:noAutofit/>
+          </a:bodyPr>
+          <a:lstStyle/>
+          <a:p>
+            <a:pPr marL="0" lvl="0" indent="0" algn="l" rtl="0">
+              <a:spcBef>
+                <a:spcPts val="0"/>
+              </a:spcBef>
+              <a:spcAft>
+                <a:spcPts val="0"/>
+              </a:spcAft>
+              <a:buNone/>
+            </a:pPr>
+            <a:endParaRPr/>
+          </a:p>
+        </p:txBody>
+      </p:sp>
+    </p:spTree>
+  </p:cSld>
+  <p:clrMapOvr>
+    <a:masterClrMapping/>
+  </p:clrMapOvr>
+</p:notes>
+</file>
+
+<file path=ppt/notesSlides/notesSlide4.xml><?xml version="1.0" encoding="utf-8"?>
+<p:notes xmlns:a="http://schemas.openxmlformats.org/drawingml/2006/main" xmlns:r="http://schemas.openxmlformats.org/officeDocument/2006/relationships" xmlns:p="http://schemas.openxmlformats.org/presentationml/2006/main" showMasterSp="0" showMasterPhAnim="0">
+  <p:cSld>
+    <p:spTree>
+      <p:nvGrpSpPr>
+        <p:cNvPr id="1" name="Shape 102"/>
+        <p:cNvGrpSpPr/>
+        <p:nvPr/>
+      </p:nvGrpSpPr>
+      <p:grpSpPr>
+        <a:xfrm>
+          <a:off x="0" y="0"/>
+          <a:ext cx="0" cy="0"/>
+          <a:chOff x="0" y="0"/>
+          <a:chExt cx="0" cy="0"/>
+        </a:xfrm>
+      </p:grpSpPr>
+      <p:sp>
+        <p:nvSpPr>
+          <p:cNvPr id="103" name="Google Shape;103;g3002c3b4d6b_0_5:notes"/>
+          <p:cNvSpPr>
+            <a:spLocks noGrp="1" noRot="1" noChangeAspect="1"/>
+          </p:cNvSpPr>
+          <p:nvPr>
+            <p:ph type="sldImg" idx="2"/>
+          </p:nvPr>
+        </p:nvSpPr>
+        <p:spPr>
+          <a:xfrm>
+            <a:off x="381300" y="685800"/>
+            <a:ext cx="6096000" cy="3429000"/>
+          </a:xfrm>
+          <a:custGeom>
+            <a:avLst/>
+            <a:gdLst/>
+            <a:ahLst/>
+            <a:cxnLst/>
+            <a:rect l="l" t="t" r="r" b="b"/>
+            <a:pathLst>
+              <a:path w="120000" h="120000" extrusionOk="0">
+                <a:moveTo>
+                  <a:pt x="0" y="0"/>
+                </a:moveTo>
+                <a:lnTo>
+                  <a:pt x="120000" y="0"/>
+                </a:lnTo>
+                <a:lnTo>
+                  <a:pt x="120000" y="120000"/>
+                </a:lnTo>
+                <a:lnTo>
+                  <a:pt x="0" y="120000"/>
+                </a:lnTo>
+                <a:close/>
+              </a:path>
+            </a:pathLst>
+          </a:custGeom>
+        </p:spPr>
+      </p:sp>
+      <p:sp>
+        <p:nvSpPr>
+          <p:cNvPr id="104" name="Google Shape;104;g3002c3b4d6b_0_5:notes"/>
+          <p:cNvSpPr txBox="1">
+            <a:spLocks noGrp="1"/>
+          </p:cNvSpPr>
+          <p:nvPr>
+            <p:ph type="body" idx="1"/>
+          </p:nvPr>
+        </p:nvSpPr>
+        <p:spPr>
+          <a:xfrm>
+            <a:off x="685800" y="4343400"/>
+            <a:ext cx="5486400" cy="4114800"/>
+          </a:xfrm>
+          <a:prstGeom prst="rect">
+            <a:avLst/>
+          </a:prstGeom>
+        </p:spPr>
+        <p:txBody>
+          <a:bodyPr spcFirstLastPara="1" wrap="square" lIns="91425" tIns="91425" rIns="91425" bIns="91425" anchor="t" anchorCtr="0">
+            <a:noAutofit/>
+          </a:bodyPr>
+          <a:lstStyle/>
+          <a:p>
+            <a:pPr marL="0" lvl="0" indent="0" algn="l" rtl="0">
+              <a:spcBef>
+                <a:spcPts val="0"/>
+              </a:spcBef>
+              <a:spcAft>
+                <a:spcPts val="0"/>
+              </a:spcAft>
+              <a:buNone/>
+            </a:pPr>
+            <a:endParaRPr/>
+          </a:p>
+        </p:txBody>
+      </p:sp>
+    </p:spTree>
+  </p:cSld>
+  <p:clrMapOvr>
+    <a:masterClrMapping/>
+  </p:clrMapOvr>
+</p:notes>
+</file>
+
+<file path=ppt/notesSlides/notesSlide5.xml><?xml version="1.0" encoding="utf-8"?>
+<p:notes xmlns:a="http://schemas.openxmlformats.org/drawingml/2006/main" xmlns:r="http://schemas.openxmlformats.org/officeDocument/2006/relationships" xmlns:p="http://schemas.openxmlformats.org/presentationml/2006/main" showMasterSp="0" showMasterPhAnim="0">
+  <p:cSld>
+    <p:spTree>
+      <p:nvGrpSpPr>
+        <p:cNvPr id="1" name="Shape 109"/>
+        <p:cNvGrpSpPr/>
+        <p:nvPr/>
+      </p:nvGrpSpPr>
+      <p:grpSpPr>
+        <a:xfrm>
+          <a:off x="0" y="0"/>
+          <a:ext cx="0" cy="0"/>
+          <a:chOff x="0" y="0"/>
+          <a:chExt cx="0" cy="0"/>
+        </a:xfrm>
+      </p:grpSpPr>
+      <p:sp>
+        <p:nvSpPr>
+          <p:cNvPr id="110" name="Google Shape;110;g2f8a3f0ab68_0_2:notes"/>
+          <p:cNvSpPr>
+            <a:spLocks noGrp="1" noRot="1" noChangeAspect="1"/>
+          </p:cNvSpPr>
+          <p:nvPr>
+            <p:ph type="sldImg" idx="2"/>
+          </p:nvPr>
+        </p:nvSpPr>
+        <p:spPr>
+          <a:xfrm>
+            <a:off x="381300" y="685800"/>
+            <a:ext cx="6096000" cy="3429000"/>
+          </a:xfrm>
+          <a:custGeom>
+            <a:avLst/>
+            <a:gdLst/>
+            <a:ahLst/>
+            <a:cxnLst/>
+            <a:rect l="l" t="t" r="r" b="b"/>
+            <a:pathLst>
+              <a:path w="120000" h="120000" extrusionOk="0">
+                <a:moveTo>
+                  <a:pt x="0" y="0"/>
+                </a:moveTo>
+                <a:lnTo>
+                  <a:pt x="120000" y="0"/>
+                </a:lnTo>
+                <a:lnTo>
+                  <a:pt x="120000" y="120000"/>
+                </a:lnTo>
+                <a:lnTo>
+                  <a:pt x="0" y="120000"/>
+                </a:lnTo>
+                <a:close/>
+              </a:path>
+            </a:pathLst>
+          </a:custGeom>
+        </p:spPr>
+      </p:sp>
+      <p:sp>
+        <p:nvSpPr>
+          <p:cNvPr id="111" name="Google Shape;111;g2f8a3f0ab68_0_2:notes"/>
+          <p:cNvSpPr txBox="1">
+            <a:spLocks noGrp="1"/>
+          </p:cNvSpPr>
+          <p:nvPr>
+            <p:ph type="body" idx="1"/>
+          </p:nvPr>
+        </p:nvSpPr>
+        <p:spPr>
+          <a:xfrm>
+            <a:off x="685800" y="4343400"/>
+            <a:ext cx="5486400" cy="4114800"/>
+          </a:xfrm>
+          <a:prstGeom prst="rect">
+            <a:avLst/>
+          </a:prstGeom>
+        </p:spPr>
+        <p:txBody>
+          <a:bodyPr spcFirstLastPara="1" wrap="square" lIns="91425" tIns="91425" rIns="91425" bIns="91425" anchor="t" anchorCtr="0">
+            <a:noAutofit/>
+          </a:bodyPr>
+          <a:lstStyle/>
+          <a:p>
+            <a:pPr marL="0" lvl="0" indent="0" algn="l" rtl="0">
+              <a:spcBef>
+                <a:spcPts val="0"/>
+              </a:spcBef>
+              <a:spcAft>
+                <a:spcPts val="0"/>
+              </a:spcAft>
+              <a:buNone/>
+            </a:pPr>
+            <a:endParaRPr/>
+          </a:p>
+        </p:txBody>
+      </p:sp>
+    </p:spTree>
+  </p:cSld>
+  <p:clrMapOvr>
+    <a:masterClrMapping/>
+  </p:clrMapOvr>
+</p:notes>
+</file>
+
+<file path=ppt/notesSlides/notesSlide6.xml><?xml version="1.0" encoding="utf-8"?>
+<p:notes xmlns:a="http://schemas.openxmlformats.org/drawingml/2006/main" xmlns:r="http://schemas.openxmlformats.org/officeDocument/2006/relationships" xmlns:p="http://schemas.openxmlformats.org/presentationml/2006/main" showMasterSp="0" showMasterPhAnim="0">
+  <p:cSld>
+    <p:spTree>
+      <p:nvGrpSpPr>
+        <p:cNvPr id="1" name="Shape 123"/>
+        <p:cNvGrpSpPr/>
+        <p:nvPr/>
+      </p:nvGrpSpPr>
+      <p:grpSpPr>
+        <a:xfrm>
+          <a:off x="0" y="0"/>
+          <a:ext cx="0" cy="0"/>
+          <a:chOff x="0" y="0"/>
+          <a:chExt cx="0" cy="0"/>
+        </a:xfrm>
+      </p:grpSpPr>
+      <p:sp>
+        <p:nvSpPr>
+          <p:cNvPr id="124" name="Google Shape;124;g30573f759c5_0_0:notes"/>
+          <p:cNvSpPr>
+            <a:spLocks noGrp="1" noRot="1" noChangeAspect="1"/>
+          </p:cNvSpPr>
+          <p:nvPr>
+            <p:ph type="sldImg" idx="2"/>
+          </p:nvPr>
+        </p:nvSpPr>
+        <p:spPr>
+          <a:xfrm>
+            <a:off x="381300" y="685800"/>
+            <a:ext cx="6096000" cy="3429000"/>
+          </a:xfrm>
+          <a:custGeom>
+            <a:avLst/>
+            <a:gdLst/>
+            <a:ahLst/>
+            <a:cxnLst/>
+            <a:rect l="l" t="t" r="r" b="b"/>
+            <a:pathLst>
+              <a:path w="120000" h="120000" extrusionOk="0">
+                <a:moveTo>
+                  <a:pt x="0" y="0"/>
+                </a:moveTo>
+                <a:lnTo>
+                  <a:pt x="120000" y="0"/>
+                </a:lnTo>
+                <a:lnTo>
+                  <a:pt x="120000" y="120000"/>
+                </a:lnTo>
+                <a:lnTo>
+                  <a:pt x="0" y="120000"/>
+                </a:lnTo>
+                <a:close/>
+              </a:path>
+            </a:pathLst>
+          </a:custGeom>
+        </p:spPr>
+      </p:sp>
+      <p:sp>
+        <p:nvSpPr>
+          <p:cNvPr id="125" name="Google Shape;125;g30573f759c5_0_0:notes"/>
+          <p:cNvSpPr txBox="1">
+            <a:spLocks noGrp="1"/>
+          </p:cNvSpPr>
+          <p:nvPr>
+            <p:ph type="body" idx="1"/>
+          </p:nvPr>
+        </p:nvSpPr>
+        <p:spPr>
+          <a:xfrm>
+            <a:off x="685800" y="4343400"/>
+            <a:ext cx="5486400" cy="4114800"/>
+          </a:xfrm>
+          <a:prstGeom prst="rect">
+            <a:avLst/>
+          </a:prstGeom>
+        </p:spPr>
+        <p:txBody>
+          <a:bodyPr spcFirstLastPara="1" wrap="square" lIns="91425" tIns="91425" rIns="91425" bIns="91425" anchor="t" anchorCtr="0">
+            <a:noAutofit/>
+          </a:bodyPr>
+          <a:lstStyle/>
+          <a:p>
+            <a:pPr marL="0" lvl="0" indent="0" algn="l" rtl="0">
+              <a:spcBef>
+                <a:spcPts val="0"/>
+              </a:spcBef>
+              <a:spcAft>
+                <a:spcPts val="0"/>
+              </a:spcAft>
+              <a:buNone/>
+            </a:pPr>
+            <a:endParaRPr/>
+          </a:p>
+        </p:txBody>
+      </p:sp>
+    </p:spTree>
+  </p:cSld>
+  <p:clrMapOvr>
+    <a:masterClrMapping/>
+  </p:clrMapOvr>
+</p:notes>
+</file>
+
+<file path=ppt/notesSlides/notesSlide7.xml><?xml version="1.0" encoding="utf-8"?>
+<p:notes xmlns:a="http://schemas.openxmlformats.org/drawingml/2006/main" xmlns:r="http://schemas.openxmlformats.org/officeDocument/2006/relationships" xmlns:p="http://schemas.openxmlformats.org/presentationml/2006/main" showMasterSp="0" showMasterPhAnim="0">
+  <p:cSld>
+    <p:spTree>
+      <p:nvGrpSpPr>
+        <p:cNvPr id="1" name="Shape 129"/>
+        <p:cNvGrpSpPr/>
+        <p:nvPr/>
+      </p:nvGrpSpPr>
+      <p:grpSpPr>
+        <a:xfrm>
+          <a:off x="0" y="0"/>
+          <a:ext cx="0" cy="0"/>
+          <a:chOff x="0" y="0"/>
+          <a:chExt cx="0" cy="0"/>
+        </a:xfrm>
+      </p:grpSpPr>
+      <p:sp>
+        <p:nvSpPr>
+          <p:cNvPr id="130" name="Google Shape;130;g30573f759c5_0_9:notes"/>
+          <p:cNvSpPr>
+            <a:spLocks noGrp="1" noRot="1" noChangeAspect="1"/>
+          </p:cNvSpPr>
+          <p:nvPr>
+            <p:ph type="sldImg" idx="2"/>
+          </p:nvPr>
+        </p:nvSpPr>
+        <p:spPr>
+          <a:xfrm>
+            <a:off x="381300" y="685800"/>
+            <a:ext cx="6096000" cy="3429000"/>
+          </a:xfrm>
+          <a:custGeom>
+            <a:avLst/>
+            <a:gdLst/>
+            <a:ahLst/>
+            <a:cxnLst/>
+            <a:rect l="l" t="t" r="r" b="b"/>
+            <a:pathLst>
+              <a:path w="120000" h="120000" extrusionOk="0">
+                <a:moveTo>
+                  <a:pt x="0" y="0"/>
+                </a:moveTo>
+                <a:lnTo>
+                  <a:pt x="120000" y="0"/>
+                </a:lnTo>
+                <a:lnTo>
+                  <a:pt x="120000" y="120000"/>
+                </a:lnTo>
+                <a:lnTo>
+                  <a:pt x="0" y="120000"/>
+                </a:lnTo>
+                <a:close/>
+              </a:path>
+            </a:pathLst>
+          </a:custGeom>
+        </p:spPr>
+      </p:sp>
+      <p:sp>
+        <p:nvSpPr>
+          <p:cNvPr id="131" name="Google Shape;131;g30573f759c5_0_9:notes"/>
+          <p:cNvSpPr txBox="1">
+            <a:spLocks noGrp="1"/>
+          </p:cNvSpPr>
+          <p:nvPr>
+            <p:ph type="body" idx="1"/>
+          </p:nvPr>
+        </p:nvSpPr>
+        <p:spPr>
+          <a:xfrm>
+            <a:off x="685800" y="4343400"/>
+            <a:ext cx="5486400" cy="4114800"/>
+          </a:xfrm>
+          <a:prstGeom prst="rect">
+            <a:avLst/>
+          </a:prstGeom>
+        </p:spPr>
+        <p:txBody>
+          <a:bodyPr spcFirstLastPara="1" wrap="square" lIns="91425" tIns="91425" rIns="91425" bIns="91425" anchor="t" anchorCtr="0">
+            <a:noAutofit/>
+          </a:bodyPr>
+          <a:lstStyle/>
+          <a:p>
+            <a:pPr marL="0" lvl="0" indent="0" algn="l" rtl="0">
+              <a:spcBef>
+                <a:spcPts val="0"/>
+              </a:spcBef>
+              <a:spcAft>
+                <a:spcPts val="0"/>
+              </a:spcAft>
+              <a:buNone/>
+            </a:pPr>
+            <a:endParaRPr/>
+          </a:p>
+        </p:txBody>
+      </p:sp>
+    </p:spTree>
+  </p:cSld>
+  <p:clrMapOvr>
+    <a:masterClrMapping/>
+  </p:clrMapOvr>
+</p:notes>
+</file>
+
+<file path=ppt/notesSlides/notesSlide8.xml><?xml version="1.0" encoding="utf-8"?>
+<p:notes xmlns:a="http://schemas.openxmlformats.org/drawingml/2006/main" xmlns:r="http://schemas.openxmlformats.org/officeDocument/2006/relationships" xmlns:p="http://schemas.openxmlformats.org/presentationml/2006/main" showMasterSp="0" showMasterPhAnim="0">
+  <p:cSld>
+    <p:spTree>
+      <p:nvGrpSpPr>
+        <p:cNvPr id="1" name="Shape 135"/>
+        <p:cNvGrpSpPr/>
+        <p:nvPr/>
+      </p:nvGrpSpPr>
+      <p:grpSpPr>
+        <a:xfrm>
+          <a:off x="0" y="0"/>
+          <a:ext cx="0" cy="0"/>
+          <a:chOff x="0" y="0"/>
+          <a:chExt cx="0" cy="0"/>
+        </a:xfrm>
+      </p:grpSpPr>
+      <p:sp>
+        <p:nvSpPr>
+          <p:cNvPr id="136" name="Google Shape;136;g30573f759c5_0_14:notes"/>
+          <p:cNvSpPr>
+            <a:spLocks noGrp="1" noRot="1" noChangeAspect="1"/>
+          </p:cNvSpPr>
+          <p:nvPr>
+            <p:ph type="sldImg" idx="2"/>
+          </p:nvPr>
+        </p:nvSpPr>
+        <p:spPr>
+          <a:xfrm>
+            <a:off x="381300" y="685800"/>
+            <a:ext cx="6096000" cy="3429000"/>
+          </a:xfrm>
+          <a:custGeom>
+            <a:avLst/>
+            <a:gdLst/>
+            <a:ahLst/>
+            <a:cxnLst/>
+            <a:rect l="l" t="t" r="r" b="b"/>
+            <a:pathLst>
+              <a:path w="120000" h="120000" extrusionOk="0">
+                <a:moveTo>
+                  <a:pt x="0" y="0"/>
+                </a:moveTo>
+                <a:lnTo>
+                  <a:pt x="120000" y="0"/>
+                </a:lnTo>
+                <a:lnTo>
+                  <a:pt x="120000" y="120000"/>
+                </a:lnTo>
+                <a:lnTo>
+                  <a:pt x="0" y="120000"/>
+                </a:lnTo>
+                <a:close/>
+              </a:path>
+            </a:pathLst>
+          </a:custGeom>
+        </p:spPr>
+      </p:sp>
+      <p:sp>
+        <p:nvSpPr>
+          <p:cNvPr id="137" name="Google Shape;137;g30573f759c5_0_14:notes"/>
+          <p:cNvSpPr txBox="1">
+            <a:spLocks noGrp="1"/>
+          </p:cNvSpPr>
+          <p:nvPr>
+            <p:ph type="body" idx="1"/>
+          </p:nvPr>
+        </p:nvSpPr>
+        <p:spPr>
+          <a:xfrm>
+            <a:off x="685800" y="4343400"/>
+            <a:ext cx="5486400" cy="4114800"/>
+          </a:xfrm>
+          <a:prstGeom prst="rect">
+            <a:avLst/>
+          </a:prstGeom>
+        </p:spPr>
+        <p:txBody>
+          <a:bodyPr spcFirstLastPara="1" wrap="square" lIns="91425" tIns="91425" rIns="91425" bIns="91425" anchor="t" anchorCtr="0">
+            <a:noAutofit/>
+          </a:bodyPr>
+          <a:lstStyle/>
+          <a:p>
+            <a:pPr marL="0" lvl="0" indent="0" algn="l" rtl="0">
+              <a:spcBef>
+                <a:spcPts val="0"/>
+              </a:spcBef>
+              <a:spcAft>
+                <a:spcPts val="0"/>
+              </a:spcAft>
+              <a:buNone/>
+            </a:pPr>
+            <a:endParaRPr/>
+          </a:p>
+        </p:txBody>
+      </p:sp>
+    </p:spTree>
+  </p:cSld>
+  <p:clrMapOvr>
+    <a:masterClrMapping/>
+  </p:clrMapOvr>
+</p:notes>
+</file>
+
+<file path=ppt/notesSlides/notesSlide9.xml><?xml version="1.0" encoding="utf-8"?>
+<p:notes xmlns:a="http://schemas.openxmlformats.org/drawingml/2006/main" xmlns:r="http://schemas.openxmlformats.org/officeDocument/2006/relationships" xmlns:p="http://schemas.openxmlformats.org/presentationml/2006/main" showMasterSp="0" showMasterPhAnim="0">
+  <p:cSld>
+    <p:spTree>
+      <p:nvGrpSpPr>
+        <p:cNvPr id="1" name="Shape 141"/>
+        <p:cNvGrpSpPr/>
+        <p:nvPr/>
+      </p:nvGrpSpPr>
+      <p:grpSpPr>
+        <a:xfrm>
+          <a:off x="0" y="0"/>
+          <a:ext cx="0" cy="0"/>
+          <a:chOff x="0" y="0"/>
+          <a:chExt cx="0" cy="0"/>
+        </a:xfrm>
+      </p:grpSpPr>
+      <p:sp>
+        <p:nvSpPr>
+          <p:cNvPr id="142" name="Google Shape;142;g30573f759c5_0_19:notes"/>
+          <p:cNvSpPr>
+            <a:spLocks noGrp="1" noRot="1" noChangeAspect="1"/>
+          </p:cNvSpPr>
+          <p:nvPr>
+            <p:ph type="sldImg" idx="2"/>
+          </p:nvPr>
+        </p:nvSpPr>
+        <p:spPr>
+          <a:xfrm>
+            <a:off x="381300" y="685800"/>
+            <a:ext cx="6096000" cy="3429000"/>
+          </a:xfrm>
+          <a:custGeom>
+            <a:avLst/>
+            <a:gdLst/>
+            <a:ahLst/>
+            <a:cxnLst/>
+            <a:rect l="l" t="t" r="r" b="b"/>
+            <a:pathLst>
+              <a:path w="120000" h="120000" extrusionOk="0">
+                <a:moveTo>
+                  <a:pt x="0" y="0"/>
+                </a:moveTo>
+                <a:lnTo>
+                  <a:pt x="120000" y="0"/>
+                </a:lnTo>
+                <a:lnTo>
+                  <a:pt x="120000" y="120000"/>
+                </a:lnTo>
+                <a:lnTo>
+                  <a:pt x="0" y="120000"/>
+                </a:lnTo>
+                <a:close/>
+              </a:path>
+            </a:pathLst>
+          </a:custGeom>
+        </p:spPr>
+      </p:sp>
+      <p:sp>
+        <p:nvSpPr>
+          <p:cNvPr id="143" name="Google Shape;143;g30573f759c5_0_19:notes"/>
           <p:cNvSpPr txBox="1">
             <a:spLocks noGrp="1"/>
           </p:cNvSpPr>
@@ -7486,8 +8641,8 @@
         </p:nvSpPr>
         <p:spPr>
           <a:xfrm>
-            <a:off x="0" y="0"/>
-            <a:ext cx="5331600" cy="2373000"/>
+            <a:off x="0" y="-1"/>
+            <a:ext cx="5331600" cy="2571601"/>
           </a:xfrm>
           <a:prstGeom prst="rect">
             <a:avLst/>
@@ -7529,14 +8684,14 @@
               <a:buNone/>
             </a:pPr>
             <a:r>
-              <a:rPr lang="en" sz="3000">
+              <a:rPr lang="en" sz="3000" dirty="0">
                 <a:highlight>
                   <a:srgbClr val="E8EAED"/>
                 </a:highlight>
               </a:rPr>
-              <a:t>Flood Impact Detection on Roads Using U-Net</a:t>
+              <a:t>Flood Impact Detection on Areas Using U-Net</a:t>
             </a:r>
-            <a:endParaRPr sz="3000">
+            <a:endParaRPr sz="3000" dirty="0">
               <a:highlight>
                 <a:srgbClr val="E8EAED"/>
               </a:highlight>
@@ -7552,8 +8707,8 @@
         </p:nvSpPr>
         <p:spPr>
           <a:xfrm>
-            <a:off x="0" y="2401925"/>
-            <a:ext cx="5331598" cy="2741725"/>
+            <a:off x="0" y="2571600"/>
+            <a:ext cx="5331600" cy="2572050"/>
           </a:xfrm>
           <a:prstGeom prst="rect">
             <a:avLst/>
@@ -7607,7 +8762,7 @@
                 <a:cs typeface="Times New Roman"/>
                 <a:sym typeface="Times New Roman"/>
               </a:rPr>
-              <a:t>Shaoun Chandra Shill             Fahim Ahmed ifty                       </a:t>
+              <a:t>Shaoun Chandra Shill      	Fahim Ahmed ifty                       </a:t>
             </a:r>
             <a:endParaRPr sz="1700" b="1" dirty="0">
               <a:solidFill>
@@ -7653,7 +8808,7 @@
                 <a:cs typeface="Times New Roman"/>
                 <a:sym typeface="Times New Roman"/>
               </a:rPr>
-              <a:t>23373005 		    23266007</a:t>
+              <a:t>23373005 		23266007</a:t>
             </a:r>
             <a:endParaRPr sz="1700" b="1" dirty="0">
               <a:solidFill>
@@ -7730,7 +8885,7 @@
                 <a:cs typeface="Times New Roman"/>
                 <a:sym typeface="Times New Roman"/>
               </a:rPr>
-              <a:t>Tuhin Ahmed		  Effat Jahan</a:t>
+              <a:t>Tuhin Ahmed		Effat Jahan</a:t>
             </a:r>
             <a:endParaRPr sz="1700" b="1" dirty="0">
               <a:solidFill>
@@ -7776,7 +8931,7 @@
                 <a:cs typeface="Times New Roman"/>
                 <a:sym typeface="Times New Roman"/>
               </a:rPr>
-              <a:t>23173004		                     24366047</a:t>
+              <a:t>23173004			24366047</a:t>
             </a:r>
             <a:endParaRPr sz="1700" b="1" dirty="0">
               <a:solidFill>
@@ -7866,60 +9021,9 @@
           </a:p>
         </p:txBody>
       </p:sp>
-      <p:sp>
-        <p:nvSpPr>
-          <p:cNvPr id="88" name="Google Shape;88;p13"/>
-          <p:cNvSpPr/>
-          <p:nvPr/>
-        </p:nvSpPr>
-        <p:spPr>
-          <a:xfrm>
-            <a:off x="6221400" y="-28925"/>
-            <a:ext cx="2922600" cy="5201400"/>
-          </a:xfrm>
-          <a:prstGeom prst="rect">
-            <a:avLst/>
-          </a:prstGeom>
-          <a:solidFill>
-            <a:schemeClr val="lt2"/>
-          </a:solidFill>
-          <a:ln w="9525" cap="flat" cmpd="sng">
-            <a:solidFill>
-              <a:schemeClr val="dk2"/>
-            </a:solidFill>
-            <a:prstDash val="solid"/>
-            <a:round/>
-            <a:headEnd type="none" w="sm" len="sm"/>
-            <a:tailEnd type="none" w="sm" len="sm"/>
-          </a:ln>
-        </p:spPr>
-        <p:txBody>
-          <a:bodyPr spcFirstLastPara="1" wrap="square" lIns="91425" tIns="91425" rIns="91425" bIns="91425" anchor="ctr" anchorCtr="0">
-            <a:noAutofit/>
-          </a:bodyPr>
-          <a:lstStyle/>
-          <a:p>
-            <a:pPr marL="0" lvl="0" indent="0" algn="ctr" rtl="0">
-              <a:spcBef>
-                <a:spcPts val="0"/>
-              </a:spcBef>
-              <a:spcAft>
-                <a:spcPts val="0"/>
-              </a:spcAft>
-              <a:buNone/>
-            </a:pPr>
-            <a:endParaRPr>
-              <a:latin typeface="Lato"/>
-              <a:ea typeface="Lato"/>
-              <a:cs typeface="Lato"/>
-              <a:sym typeface="Lato"/>
-            </a:endParaRPr>
-          </a:p>
-        </p:txBody>
-      </p:sp>
       <p:pic>
         <p:nvPicPr>
-          <p:cNvPr id="89" name="Google Shape;89;p13"/>
+          <p:cNvPr id="88" name="Google Shape;88;p13"/>
           <p:cNvPicPr preferRelativeResize="0"/>
           <p:nvPr/>
         </p:nvPicPr>
@@ -7947,7 +9051,7 @@
       </p:pic>
       <p:pic>
         <p:nvPicPr>
-          <p:cNvPr id="90" name="Google Shape;90;p13"/>
+          <p:cNvPr id="89" name="Google Shape;89;p13"/>
           <p:cNvPicPr preferRelativeResize="0"/>
           <p:nvPr/>
         </p:nvPicPr>
@@ -7962,7 +9066,7 @@
         <p:spPr>
           <a:xfrm>
             <a:off x="5331600" y="2571750"/>
-            <a:ext cx="3812402" cy="2600725"/>
+            <a:ext cx="3812402" cy="2571751"/>
           </a:xfrm>
           <a:prstGeom prst="rect">
             <a:avLst/>
@@ -7981,12 +9085,12 @@
 </p:sld>
 </file>
 
-<file path=ppt/slides/slide2.xml><?xml version="1.0" encoding="utf-8"?>
+<file path=ppt/slides/slide10.xml><?xml version="1.0" encoding="utf-8"?>
 <p:sld xmlns:a="http://schemas.openxmlformats.org/drawingml/2006/main" xmlns:r="http://schemas.openxmlformats.org/officeDocument/2006/relationships" xmlns:p="http://schemas.openxmlformats.org/presentationml/2006/main">
   <p:cSld>
     <p:spTree>
       <p:nvGrpSpPr>
-        <p:cNvPr id="1" name="Shape 94"/>
+        <p:cNvPr id="1" name="Shape 150"/>
         <p:cNvGrpSpPr/>
         <p:nvPr/>
       </p:nvGrpSpPr>
@@ -8000,7 +9104,7 @@
       </p:grpSpPr>
       <p:sp>
         <p:nvSpPr>
-          <p:cNvPr id="95" name="Google Shape;95;p14"/>
+          <p:cNvPr id="151" name="Google Shape;151;p22"/>
           <p:cNvSpPr txBox="1">
             <a:spLocks noGrp="1"/>
           </p:cNvSpPr>
@@ -8034,7 +9138,7 @@
             </a:pPr>
             <a:r>
               <a:rPr lang="en"/>
-              <a:t>Project Idea </a:t>
+              <a:t>Evaluation</a:t>
             </a:r>
             <a:endParaRPr/>
           </a:p>
@@ -8042,7 +9146,7 @@
       </p:sp>
       <p:sp>
         <p:nvSpPr>
-          <p:cNvPr id="96" name="Google Shape;96;p14"/>
+          <p:cNvPr id="152" name="Google Shape;152;p22"/>
           <p:cNvSpPr txBox="1">
             <a:spLocks noGrp="1"/>
           </p:cNvSpPr>
@@ -8052,8 +9156,8 @@
         </p:nvSpPr>
         <p:spPr>
           <a:xfrm>
-            <a:off x="729450" y="2078875"/>
-            <a:ext cx="7688700" cy="2261100"/>
+            <a:off x="729450" y="1853850"/>
+            <a:ext cx="7688700" cy="3217200"/>
           </a:xfrm>
           <a:prstGeom prst="rect">
             <a:avLst/>
@@ -8061,11 +9165,14 @@
         </p:spPr>
         <p:txBody>
           <a:bodyPr spcFirstLastPara="1" wrap="square" lIns="91425" tIns="91425" rIns="91425" bIns="91425" anchor="t" anchorCtr="0">
-            <a:normAutofit lnSpcReduction="20000"/>
+            <a:normAutofit fontScale="25000" lnSpcReduction="20000"/>
           </a:bodyPr>
           <a:lstStyle/>
           <a:p>
-            <a:pPr marL="0" lvl="0" indent="0" algn="l" rtl="0">
+            <a:pPr marL="457200" lvl="0" indent="-332236" algn="l" rtl="0">
+              <a:lnSpc>
+                <a:spcPct val="150000"/>
+              </a:lnSpc>
               <a:spcBef>
                 <a:spcPts val="0"/>
               </a:spcBef>
@@ -8073,34 +9180,228 @@
                 <a:spcPts val="0"/>
               </a:spcAft>
               <a:buClr>
-                <a:schemeClr val="dk1"/>
+                <a:schemeClr val="dk2"/>
               </a:buClr>
-              <a:buSzPts val="1100"/>
-              <a:buFont typeface="Arial"/>
-              <a:buNone/>
+              <a:buSzPct val="100000"/>
+              <a:buFont typeface="Times New Roman"/>
+              <a:buChar char="●"/>
             </a:pPr>
             <a:r>
-              <a:rPr lang="en" sz="1900">
+              <a:rPr lang="en" sz="6528">
                 <a:solidFill>
                   <a:schemeClr val="dk2"/>
                 </a:solidFill>
-                <a:highlight>
-                  <a:srgbClr val="FFFFFF"/>
-                </a:highlight>
                 <a:latin typeface="Times New Roman"/>
                 <a:ea typeface="Times New Roman"/>
                 <a:cs typeface="Times New Roman"/>
                 <a:sym typeface="Times New Roman"/>
               </a:rPr>
-              <a:t>Design a U-net model for the classification and segmentation of parts of road images in Bangladesh affected by flood. This would be useful for evaluating the effects of floods on road construction as a way of determining the extent of damage in areas that experience flood ravages during certain seasons of the year. Segment out flooded region of roads in Bangladesh using satellite images or from any aerial view.</a:t>
+              <a:t>IoU (Intersection over Union): Measures overlap between predicted and true masks</a:t>
             </a:r>
-            <a:endParaRPr sz="1900">
+            <a:endParaRPr sz="6528">
               <a:solidFill>
                 <a:schemeClr val="dk2"/>
               </a:solidFill>
-              <a:highlight>
-                <a:srgbClr val="FFFFFF"/>
-              </a:highlight>
+              <a:latin typeface="Times New Roman"/>
+              <a:ea typeface="Times New Roman"/>
+              <a:cs typeface="Times New Roman"/>
+              <a:sym typeface="Times New Roman"/>
+            </a:endParaRPr>
+          </a:p>
+          <a:p>
+            <a:pPr marL="457200" lvl="0" indent="-332236" algn="l" rtl="0">
+              <a:lnSpc>
+                <a:spcPct val="150000"/>
+              </a:lnSpc>
+              <a:spcBef>
+                <a:spcPts val="0"/>
+              </a:spcBef>
+              <a:spcAft>
+                <a:spcPts val="0"/>
+              </a:spcAft>
+              <a:buClr>
+                <a:schemeClr val="dk2"/>
+              </a:buClr>
+              <a:buSzPct val="100000"/>
+              <a:buFont typeface="Times New Roman"/>
+              <a:buChar char="●"/>
+            </a:pPr>
+            <a:r>
+              <a:rPr lang="en" sz="6528">
+                <a:solidFill>
+                  <a:schemeClr val="dk2"/>
+                </a:solidFill>
+                <a:latin typeface="Times New Roman"/>
+                <a:ea typeface="Times New Roman"/>
+                <a:cs typeface="Times New Roman"/>
+                <a:sym typeface="Times New Roman"/>
+              </a:rPr>
+              <a:t>Dice Coefficient: Evaluates the accuracy of the segmentation</a:t>
+            </a:r>
+            <a:endParaRPr sz="6528">
+              <a:solidFill>
+                <a:schemeClr val="dk2"/>
+              </a:solidFill>
+              <a:latin typeface="Times New Roman"/>
+              <a:ea typeface="Times New Roman"/>
+              <a:cs typeface="Times New Roman"/>
+              <a:sym typeface="Times New Roman"/>
+            </a:endParaRPr>
+          </a:p>
+          <a:p>
+            <a:pPr marL="457200" lvl="0" indent="-332236" algn="l" rtl="0">
+              <a:lnSpc>
+                <a:spcPct val="150000"/>
+              </a:lnSpc>
+              <a:spcBef>
+                <a:spcPts val="0"/>
+              </a:spcBef>
+              <a:spcAft>
+                <a:spcPts val="0"/>
+              </a:spcAft>
+              <a:buClr>
+                <a:schemeClr val="dk2"/>
+              </a:buClr>
+              <a:buSzPct val="100000"/>
+              <a:buFont typeface="Times New Roman"/>
+              <a:buChar char="●"/>
+            </a:pPr>
+            <a:r>
+              <a:rPr lang="en" sz="6528">
+                <a:solidFill>
+                  <a:schemeClr val="dk2"/>
+                </a:solidFill>
+                <a:latin typeface="Times New Roman"/>
+                <a:ea typeface="Times New Roman"/>
+                <a:cs typeface="Times New Roman"/>
+                <a:sym typeface="Times New Roman"/>
+              </a:rPr>
+              <a:t>F1 score: The F1 score is the harmonic mean of precision and recall, balancing both.</a:t>
+            </a:r>
+            <a:endParaRPr sz="6528">
+              <a:solidFill>
+                <a:schemeClr val="dk2"/>
+              </a:solidFill>
+              <a:latin typeface="Times New Roman"/>
+              <a:ea typeface="Times New Roman"/>
+              <a:cs typeface="Times New Roman"/>
+              <a:sym typeface="Times New Roman"/>
+            </a:endParaRPr>
+          </a:p>
+          <a:p>
+            <a:pPr marL="457200" lvl="0" indent="-332236" algn="l" rtl="0">
+              <a:lnSpc>
+                <a:spcPct val="150000"/>
+              </a:lnSpc>
+              <a:spcBef>
+                <a:spcPts val="0"/>
+              </a:spcBef>
+              <a:spcAft>
+                <a:spcPts val="0"/>
+              </a:spcAft>
+              <a:buClr>
+                <a:schemeClr val="dk2"/>
+              </a:buClr>
+              <a:buSzPct val="100000"/>
+              <a:buFont typeface="Times New Roman"/>
+              <a:buChar char="●"/>
+            </a:pPr>
+            <a:r>
+              <a:rPr lang="en" sz="6528">
+                <a:solidFill>
+                  <a:schemeClr val="dk2"/>
+                </a:solidFill>
+                <a:latin typeface="Times New Roman"/>
+                <a:ea typeface="Times New Roman"/>
+                <a:cs typeface="Times New Roman"/>
+                <a:sym typeface="Times New Roman"/>
+              </a:rPr>
+              <a:t>MSE: Mean Squared Error measures the average squared difference between predicted and actual values.</a:t>
+            </a:r>
+            <a:endParaRPr sz="6528">
+              <a:solidFill>
+                <a:schemeClr val="dk2"/>
+              </a:solidFill>
+              <a:latin typeface="Times New Roman"/>
+              <a:ea typeface="Times New Roman"/>
+              <a:cs typeface="Times New Roman"/>
+              <a:sym typeface="Times New Roman"/>
+            </a:endParaRPr>
+          </a:p>
+          <a:p>
+            <a:pPr marL="457200" lvl="0" indent="-332236" algn="l" rtl="0">
+              <a:lnSpc>
+                <a:spcPct val="150000"/>
+              </a:lnSpc>
+              <a:spcBef>
+                <a:spcPts val="0"/>
+              </a:spcBef>
+              <a:spcAft>
+                <a:spcPts val="0"/>
+              </a:spcAft>
+              <a:buClr>
+                <a:schemeClr val="dk2"/>
+              </a:buClr>
+              <a:buSzPct val="100000"/>
+              <a:buFont typeface="Times New Roman"/>
+              <a:buChar char="●"/>
+            </a:pPr>
+            <a:r>
+              <a:rPr lang="en" sz="6528">
+                <a:solidFill>
+                  <a:schemeClr val="dk2"/>
+                </a:solidFill>
+                <a:latin typeface="Times New Roman"/>
+                <a:ea typeface="Times New Roman"/>
+                <a:cs typeface="Times New Roman"/>
+                <a:sym typeface="Times New Roman"/>
+              </a:rPr>
+              <a:t>Training and Validation loss curve: Training and validation loss curves show model performance over epochs.</a:t>
+            </a:r>
+            <a:endParaRPr sz="6528">
+              <a:solidFill>
+                <a:schemeClr val="dk2"/>
+              </a:solidFill>
+              <a:latin typeface="Times New Roman"/>
+              <a:ea typeface="Times New Roman"/>
+              <a:cs typeface="Times New Roman"/>
+              <a:sym typeface="Times New Roman"/>
+            </a:endParaRPr>
+          </a:p>
+          <a:p>
+            <a:pPr marL="457200" lvl="0" indent="-332236" algn="l" rtl="0">
+              <a:lnSpc>
+                <a:spcPct val="150000"/>
+              </a:lnSpc>
+              <a:spcBef>
+                <a:spcPts val="0"/>
+              </a:spcBef>
+              <a:spcAft>
+                <a:spcPts val="0"/>
+              </a:spcAft>
+              <a:buClr>
+                <a:schemeClr val="dk2"/>
+              </a:buClr>
+              <a:buSzPct val="100000"/>
+              <a:buFont typeface="Times New Roman"/>
+              <a:buChar char="●"/>
+            </a:pPr>
+            <a:r>
+              <a:rPr lang="en" sz="6528">
+                <a:solidFill>
+                  <a:schemeClr val="dk2"/>
+                </a:solidFill>
+                <a:latin typeface="Times New Roman"/>
+                <a:ea typeface="Times New Roman"/>
+                <a:cs typeface="Times New Roman"/>
+                <a:sym typeface="Times New Roman"/>
+              </a:rPr>
+              <a:t>Visualisation: Side-by-side comparison of predicted masks and ground truth for insight into performance</a:t>
+            </a:r>
+            <a:endParaRPr sz="6528">
+              <a:solidFill>
+                <a:schemeClr val="dk2"/>
+              </a:solidFill>
               <a:latin typeface="Times New Roman"/>
               <a:ea typeface="Times New Roman"/>
               <a:cs typeface="Times New Roman"/>
@@ -8117,18 +9418,7 @@
               </a:spcAft>
               <a:buNone/>
             </a:pPr>
-            <a:endParaRPr sz="1900">
-              <a:solidFill>
-                <a:schemeClr val="dk1"/>
-              </a:solidFill>
-              <a:highlight>
-                <a:srgbClr val="FFFFFF"/>
-              </a:highlight>
-              <a:latin typeface="Times New Roman"/>
-              <a:ea typeface="Times New Roman"/>
-              <a:cs typeface="Times New Roman"/>
-              <a:sym typeface="Times New Roman"/>
-            </a:endParaRPr>
+            <a:endParaRPr/>
           </a:p>
         </p:txBody>
       </p:sp>
@@ -8140,12 +9430,12 @@
 </p:sld>
 </file>
 
-<file path=ppt/slides/slide3.xml><?xml version="1.0" encoding="utf-8"?>
+<file path=ppt/slides/slide11.xml><?xml version="1.0" encoding="utf-8"?>
 <p:sld xmlns:a="http://schemas.openxmlformats.org/drawingml/2006/main" xmlns:r="http://schemas.openxmlformats.org/officeDocument/2006/relationships" xmlns:p="http://schemas.openxmlformats.org/presentationml/2006/main">
   <p:cSld>
     <p:spTree>
       <p:nvGrpSpPr>
-        <p:cNvPr id="1" name="Shape 100"/>
+        <p:cNvPr id="1" name="Shape 156"/>
         <p:cNvGrpSpPr/>
         <p:nvPr/>
       </p:nvGrpSpPr>
@@ -8159,7 +9449,7 @@
       </p:grpSpPr>
       <p:sp>
         <p:nvSpPr>
-          <p:cNvPr id="101" name="Google Shape;101;p15"/>
+          <p:cNvPr id="157" name="Google Shape;157;p23"/>
           <p:cNvSpPr txBox="1">
             <a:spLocks noGrp="1"/>
           </p:cNvSpPr>
@@ -8193,7 +9483,7 @@
             </a:pPr>
             <a:r>
               <a:rPr lang="en"/>
-              <a:t>Project Related Paper</a:t>
+              <a:t>Result Analysis</a:t>
             </a:r>
             <a:endParaRPr/>
           </a:p>
@@ -8201,7 +9491,7 @@
       </p:sp>
       <p:sp>
         <p:nvSpPr>
-          <p:cNvPr id="102" name="Google Shape;102;p15"/>
+          <p:cNvPr id="158" name="Google Shape;158;p23"/>
           <p:cNvSpPr txBox="1">
             <a:spLocks noGrp="1"/>
           </p:cNvSpPr>
@@ -8224,180 +9514,16 @@
           </a:bodyPr>
           <a:lstStyle/>
           <a:p>
-            <a:pPr marL="457200" lvl="0" indent="-311150" algn="l" rtl="0">
-              <a:spcBef>
-                <a:spcPts val="0"/>
-              </a:spcBef>
-              <a:spcAft>
-                <a:spcPts val="0"/>
-              </a:spcAft>
-              <a:buSzPts val="1300"/>
-              <a:buFont typeface="Times New Roman"/>
-              <a:buAutoNum type="arabicPeriod"/>
+            <a:pPr marL="0" lvl="0" indent="0" algn="l" rtl="0">
+              <a:spcBef>
+                <a:spcPts val="0"/>
+              </a:spcBef>
+              <a:spcAft>
+                <a:spcPts val="1200"/>
+              </a:spcAft>
+              <a:buNone/>
             </a:pPr>
-            <a:r>
-              <a:rPr lang="en">
-                <a:latin typeface="Times New Roman"/>
-                <a:ea typeface="Times New Roman"/>
-                <a:cs typeface="Times New Roman"/>
-                <a:sym typeface="Times New Roman"/>
-              </a:rPr>
-              <a:t>U-Net: Convolutional Networks for Biomedical Image Segmentation. link - </a:t>
-            </a:r>
-            <a:r>
-              <a:rPr lang="en" sz="1000">
-                <a:solidFill>
-                  <a:schemeClr val="hlink"/>
-                </a:solidFill>
-                <a:uFill>
-                  <a:noFill/>
-                </a:uFill>
-                <a:latin typeface="Arial"/>
-                <a:ea typeface="Arial"/>
-                <a:cs typeface="Arial"/>
-                <a:sym typeface="Arial"/>
-                <a:hlinkClick r:id="rId3"/>
-              </a:rPr>
-              <a:t>https://doi.org/10.48550/arXiv.1505.04597</a:t>
-            </a:r>
-            <a:endParaRPr sz="1000">
-              <a:latin typeface="Times New Roman"/>
-              <a:ea typeface="Times New Roman"/>
-              <a:cs typeface="Times New Roman"/>
-              <a:sym typeface="Times New Roman"/>
-            </a:endParaRPr>
-          </a:p>
-          <a:p>
-            <a:pPr marL="457200" lvl="0" indent="-311150" algn="l" rtl="0">
-              <a:spcBef>
-                <a:spcPts val="0"/>
-              </a:spcBef>
-              <a:spcAft>
-                <a:spcPts val="0"/>
-              </a:spcAft>
-              <a:buSzPts val="1300"/>
-              <a:buAutoNum type="arabicPeriod"/>
-            </a:pPr>
-            <a:r>
-              <a:rPr lang="en">
-                <a:latin typeface="Times New Roman"/>
-                <a:ea typeface="Times New Roman"/>
-                <a:cs typeface="Times New Roman"/>
-                <a:sym typeface="Times New Roman"/>
-              </a:rPr>
-              <a:t>Image Segmentation Methods for Flood Monitoring System. link - </a:t>
-            </a:r>
-            <a:r>
-              <a:rPr lang="en" sz="1000" b="1" u="sng">
-                <a:solidFill>
-                  <a:srgbClr val="0000FF"/>
-                </a:solidFill>
-                <a:highlight>
-                  <a:srgbClr val="FFFFFF"/>
-                </a:highlight>
-                <a:latin typeface="Arial"/>
-                <a:ea typeface="Arial"/>
-                <a:cs typeface="Arial"/>
-                <a:sym typeface="Arial"/>
-                <a:hlinkClick r:id="rId4">
-                  <a:extLst>
-                    <a:ext uri="{A12FA001-AC4F-418D-AE19-62706E023703}">
-                      <ahyp:hlinkClr xmlns:ahyp="http://schemas.microsoft.com/office/drawing/2018/hyperlinkcolor" val="tx"/>
-                    </a:ext>
-                  </a:extLst>
-                </a:hlinkClick>
-              </a:rPr>
-              <a:t>https://doi.org/10.3390/w12061825</a:t>
-            </a:r>
-            <a:endParaRPr u="sng">
-              <a:solidFill>
-                <a:srgbClr val="0000FF"/>
-              </a:solidFill>
-            </a:endParaRPr>
-          </a:p>
-          <a:p>
-            <a:pPr marL="457200" lvl="0" indent="-311150" algn="l" rtl="0">
-              <a:spcBef>
-                <a:spcPts val="0"/>
-              </a:spcBef>
-              <a:spcAft>
-                <a:spcPts val="0"/>
-              </a:spcAft>
-              <a:buSzPts val="1300"/>
-              <a:buAutoNum type="arabicPeriod"/>
-            </a:pPr>
-            <a:r>
-              <a:rPr lang="en">
-                <a:latin typeface="Times New Roman"/>
-                <a:ea typeface="Times New Roman"/>
-                <a:cs typeface="Times New Roman"/>
-                <a:sym typeface="Times New Roman"/>
-              </a:rPr>
-              <a:t>Road Extraction by Deep Residual U-Net. link-  </a:t>
-            </a:r>
-            <a:r>
-              <a:rPr lang="en" sz="1000" u="sng">
-                <a:solidFill>
-                  <a:srgbClr val="0000FF"/>
-                </a:solidFill>
-                <a:latin typeface="Arial"/>
-                <a:ea typeface="Arial"/>
-                <a:cs typeface="Arial"/>
-                <a:sym typeface="Arial"/>
-              </a:rPr>
-              <a:t>https://arxiv.org/pdf/1711.10684</a:t>
-            </a:r>
-            <a:endParaRPr sz="1000" u="sng">
-              <a:solidFill>
-                <a:srgbClr val="0000FF"/>
-              </a:solidFill>
-              <a:latin typeface="Arial"/>
-              <a:ea typeface="Arial"/>
-              <a:cs typeface="Arial"/>
-              <a:sym typeface="Arial"/>
-            </a:endParaRPr>
-          </a:p>
-          <a:p>
-            <a:pPr marL="457200" lvl="0" indent="-311150" algn="l" rtl="0">
-              <a:spcBef>
-                <a:spcPts val="0"/>
-              </a:spcBef>
-              <a:spcAft>
-                <a:spcPts val="0"/>
-              </a:spcAft>
-              <a:buSzPts val="1300"/>
-              <a:buAutoNum type="arabicPeriod"/>
-            </a:pPr>
-            <a:r>
-              <a:rPr lang="en">
-                <a:latin typeface="Times New Roman"/>
-                <a:ea typeface="Times New Roman"/>
-                <a:cs typeface="Times New Roman"/>
-                <a:sym typeface="Times New Roman"/>
-              </a:rPr>
-              <a:t>Satellite Image Segmentation for Building Detection using U-net. link - </a:t>
-            </a:r>
-            <a:r>
-              <a:rPr lang="en" sz="1000" u="sng">
-                <a:solidFill>
-                  <a:srgbClr val="0000FF"/>
-                </a:solidFill>
-                <a:latin typeface="Arial"/>
-                <a:ea typeface="Arial"/>
-                <a:cs typeface="Arial"/>
-                <a:sym typeface="Arial"/>
-              </a:rPr>
-              <a:t>https://cs229.stanford.edu/proj2017/final-reports/5243715.pdf</a:t>
-            </a:r>
-            <a:endParaRPr sz="1000" u="sng">
-              <a:solidFill>
-                <a:srgbClr val="0000FF"/>
-              </a:solidFill>
-              <a:latin typeface="Arial"/>
-              <a:ea typeface="Arial"/>
-              <a:cs typeface="Arial"/>
-              <a:sym typeface="Arial"/>
-            </a:endParaRPr>
+            <a:endParaRPr/>
           </a:p>
         </p:txBody>
       </p:sp>
@@ -8409,12 +9535,12 @@
 </p:sld>
 </file>
 
-<file path=ppt/slides/slide4.xml><?xml version="1.0" encoding="utf-8"?>
+<file path=ppt/slides/slide12.xml><?xml version="1.0" encoding="utf-8"?>
 <p:sld xmlns:a="http://schemas.openxmlformats.org/drawingml/2006/main" xmlns:r="http://schemas.openxmlformats.org/officeDocument/2006/relationships" xmlns:p="http://schemas.openxmlformats.org/presentationml/2006/main">
   <p:cSld>
     <p:spTree>
       <p:nvGrpSpPr>
-        <p:cNvPr id="1" name="Shape 106"/>
+        <p:cNvPr id="1" name="Shape 162"/>
         <p:cNvGrpSpPr/>
         <p:nvPr/>
       </p:nvGrpSpPr>
@@ -8428,7 +9554,7 @@
       </p:grpSpPr>
       <p:sp>
         <p:nvSpPr>
-          <p:cNvPr id="107" name="Google Shape;107;p16"/>
+          <p:cNvPr id="163" name="Google Shape;163;p24"/>
           <p:cNvSpPr txBox="1">
             <a:spLocks noGrp="1"/>
           </p:cNvSpPr>
@@ -8462,6 +9588,220 @@
             </a:pPr>
             <a:r>
               <a:rPr lang="en"/>
+              <a:t>Future Works</a:t>
+            </a:r>
+            <a:endParaRPr/>
+          </a:p>
+        </p:txBody>
+      </p:sp>
+      <p:pic>
+        <p:nvPicPr>
+          <p:cNvPr id="164" name="Google Shape;164;p24"/>
+          <p:cNvPicPr preferRelativeResize="0"/>
+          <p:nvPr/>
+        </p:nvPicPr>
+        <p:blipFill>
+          <a:blip r:embed="rId3">
+            <a:alphaModFix/>
+          </a:blip>
+          <a:stretch>
+            <a:fillRect/>
+          </a:stretch>
+        </p:blipFill>
+        <p:spPr>
+          <a:xfrm>
+            <a:off x="815700" y="1853850"/>
+            <a:ext cx="7991424" cy="2732950"/>
+          </a:xfrm>
+          <a:prstGeom prst="rect">
+            <a:avLst/>
+          </a:prstGeom>
+          <a:noFill/>
+          <a:ln>
+            <a:noFill/>
+          </a:ln>
+        </p:spPr>
+      </p:pic>
+    </p:spTree>
+  </p:cSld>
+  <p:clrMapOvr>
+    <a:masterClrMapping/>
+  </p:clrMapOvr>
+</p:sld>
+</file>
+
+<file path=ppt/slides/slide13.xml><?xml version="1.0" encoding="utf-8"?>
+<p:sld xmlns:a="http://schemas.openxmlformats.org/drawingml/2006/main" xmlns:r="http://schemas.openxmlformats.org/officeDocument/2006/relationships" xmlns:p="http://schemas.openxmlformats.org/presentationml/2006/main">
+  <p:cSld>
+    <p:spTree>
+      <p:nvGrpSpPr>
+        <p:cNvPr id="1" name="Shape 168"/>
+        <p:cNvGrpSpPr/>
+        <p:nvPr/>
+      </p:nvGrpSpPr>
+      <p:grpSpPr>
+        <a:xfrm>
+          <a:off x="0" y="0"/>
+          <a:ext cx="0" cy="0"/>
+          <a:chOff x="0" y="0"/>
+          <a:chExt cx="0" cy="0"/>
+        </a:xfrm>
+      </p:grpSpPr>
+      <p:sp>
+        <p:nvSpPr>
+          <p:cNvPr id="169" name="Google Shape;169;p25"/>
+          <p:cNvSpPr txBox="1">
+            <a:spLocks noGrp="1"/>
+          </p:cNvSpPr>
+          <p:nvPr>
+            <p:ph type="title"/>
+          </p:nvPr>
+        </p:nvSpPr>
+        <p:spPr>
+          <a:xfrm>
+            <a:off x="729450" y="1318650"/>
+            <a:ext cx="7688700" cy="535200"/>
+          </a:xfrm>
+          <a:prstGeom prst="rect">
+            <a:avLst/>
+          </a:prstGeom>
+        </p:spPr>
+        <p:txBody>
+          <a:bodyPr spcFirstLastPara="1" wrap="square" lIns="91425" tIns="91425" rIns="91425" bIns="91425" anchor="t" anchorCtr="0">
+            <a:normAutofit fontScale="90000"/>
+          </a:bodyPr>
+          <a:lstStyle/>
+          <a:p>
+            <a:pPr marL="0" lvl="0" indent="0" algn="l" rtl="0">
+              <a:spcBef>
+                <a:spcPts val="0"/>
+              </a:spcBef>
+              <a:spcAft>
+                <a:spcPts val="0"/>
+              </a:spcAft>
+              <a:buNone/>
+            </a:pPr>
+            <a:r>
+              <a:rPr lang="en"/>
+              <a:t>Conclusion</a:t>
+            </a:r>
+            <a:endParaRPr/>
+          </a:p>
+        </p:txBody>
+      </p:sp>
+      <p:sp>
+        <p:nvSpPr>
+          <p:cNvPr id="170" name="Google Shape;170;p25"/>
+          <p:cNvSpPr txBox="1">
+            <a:spLocks noGrp="1"/>
+          </p:cNvSpPr>
+          <p:nvPr>
+            <p:ph type="body" idx="1"/>
+          </p:nvPr>
+        </p:nvSpPr>
+        <p:spPr>
+          <a:xfrm>
+            <a:off x="729450" y="1853850"/>
+            <a:ext cx="7688700" cy="3070200"/>
+          </a:xfrm>
+          <a:prstGeom prst="rect">
+            <a:avLst/>
+          </a:prstGeom>
+        </p:spPr>
+        <p:txBody>
+          <a:bodyPr spcFirstLastPara="1" wrap="square" lIns="91425" tIns="91425" rIns="91425" bIns="91425" anchor="t" anchorCtr="0">
+            <a:noAutofit/>
+          </a:bodyPr>
+          <a:lstStyle/>
+          <a:p>
+            <a:pPr marL="0" lvl="0" indent="0" algn="l" rtl="0">
+              <a:spcBef>
+                <a:spcPts val="0"/>
+              </a:spcBef>
+              <a:spcAft>
+                <a:spcPts val="1200"/>
+              </a:spcAft>
+              <a:buNone/>
+            </a:pPr>
+            <a:r>
+              <a:rPr lang="en" sz="1600">
+                <a:latin typeface="Times New Roman"/>
+                <a:ea typeface="Times New Roman"/>
+                <a:cs typeface="Times New Roman"/>
+                <a:sym typeface="Times New Roman"/>
+              </a:rPr>
+              <a:t>In recent years, computer vision techniques have been widely applied to flood detection and monitoring systems. This paper compares three image segmentation methods: thresholding, region growing, and hybrid techniques, concluding that the hybrid approach achieved the best performance with over 74% segmentation accuracy. While these methods were effective, switching algorithms for different images remains a challenge. Semantic segmentation and deep learning approaches, particularly a U-Net based CNN model, were explored for satellite imagery with promising results. Future work aims to improve segmentation precision by incorporating geometric hints and uncertainty-weighted multi-task loss.</a:t>
+            </a:r>
+            <a:endParaRPr sz="1600">
+              <a:latin typeface="Times New Roman"/>
+              <a:ea typeface="Times New Roman"/>
+              <a:cs typeface="Times New Roman"/>
+              <a:sym typeface="Times New Roman"/>
+            </a:endParaRPr>
+          </a:p>
+        </p:txBody>
+      </p:sp>
+    </p:spTree>
+  </p:cSld>
+  <p:clrMapOvr>
+    <a:masterClrMapping/>
+  </p:clrMapOvr>
+</p:sld>
+</file>
+
+<file path=ppt/slides/slide14.xml><?xml version="1.0" encoding="utf-8"?>
+<p:sld xmlns:a="http://schemas.openxmlformats.org/drawingml/2006/main" xmlns:r="http://schemas.openxmlformats.org/officeDocument/2006/relationships" xmlns:p="http://schemas.openxmlformats.org/presentationml/2006/main">
+  <p:cSld>
+    <p:spTree>
+      <p:nvGrpSpPr>
+        <p:cNvPr id="1" name="Shape 174"/>
+        <p:cNvGrpSpPr/>
+        <p:nvPr/>
+      </p:nvGrpSpPr>
+      <p:grpSpPr>
+        <a:xfrm>
+          <a:off x="0" y="0"/>
+          <a:ext cx="0" cy="0"/>
+          <a:chOff x="0" y="0"/>
+          <a:chExt cx="0" cy="0"/>
+        </a:xfrm>
+      </p:grpSpPr>
+      <p:sp>
+        <p:nvSpPr>
+          <p:cNvPr id="175" name="Google Shape;175;p26"/>
+          <p:cNvSpPr txBox="1">
+            <a:spLocks noGrp="1"/>
+          </p:cNvSpPr>
+          <p:nvPr>
+            <p:ph type="title"/>
+          </p:nvPr>
+        </p:nvSpPr>
+        <p:spPr>
+          <a:xfrm>
+            <a:off x="729450" y="1318650"/>
+            <a:ext cx="7688700" cy="535200"/>
+          </a:xfrm>
+          <a:prstGeom prst="rect">
+            <a:avLst/>
+          </a:prstGeom>
+        </p:spPr>
+        <p:txBody>
+          <a:bodyPr spcFirstLastPara="1" wrap="square" lIns="91425" tIns="91425" rIns="91425" bIns="91425" anchor="t" anchorCtr="0">
+            <a:normAutofit fontScale="90000"/>
+          </a:bodyPr>
+          <a:lstStyle/>
+          <a:p>
+            <a:pPr marL="0" lvl="0" indent="0" algn="l" rtl="0">
+              <a:spcBef>
+                <a:spcPts val="0"/>
+              </a:spcBef>
+              <a:spcAft>
+                <a:spcPts val="0"/>
+              </a:spcAft>
+              <a:buNone/>
+            </a:pPr>
+            <a:r>
+              <a:rPr lang="en"/>
               <a:t>Project Dataset</a:t>
             </a:r>
             <a:endParaRPr/>
@@ -8470,7 +9810,7 @@
       </p:sp>
       <p:sp>
         <p:nvSpPr>
-          <p:cNvPr id="108" name="Google Shape;108;p16"/>
+          <p:cNvPr id="176" name="Google Shape;176;p26"/>
           <p:cNvSpPr txBox="1">
             <a:spLocks noGrp="1"/>
           </p:cNvSpPr>
@@ -8614,6 +9954,2217 @@
               <a:ea typeface="Arial"/>
               <a:cs typeface="Arial"/>
               <a:sym typeface="Arial"/>
+            </a:endParaRPr>
+          </a:p>
+          <a:p>
+            <a:pPr marL="0" lvl="0" indent="0" algn="l" rtl="0">
+              <a:spcBef>
+                <a:spcPts val="1200"/>
+              </a:spcBef>
+              <a:spcAft>
+                <a:spcPts val="1200"/>
+              </a:spcAft>
+              <a:buNone/>
+            </a:pPr>
+            <a:endParaRPr/>
+          </a:p>
+        </p:txBody>
+      </p:sp>
+    </p:spTree>
+  </p:cSld>
+  <p:clrMapOvr>
+    <a:masterClrMapping/>
+  </p:clrMapOvr>
+</p:sld>
+</file>
+
+<file path=ppt/slides/slide15.xml><?xml version="1.0" encoding="utf-8"?>
+<p:sld xmlns:a="http://schemas.openxmlformats.org/drawingml/2006/main" xmlns:r="http://schemas.openxmlformats.org/officeDocument/2006/relationships" xmlns:p="http://schemas.openxmlformats.org/presentationml/2006/main">
+  <p:cSld>
+    <p:spTree>
+      <p:nvGrpSpPr>
+        <p:cNvPr id="1" name="Shape 180"/>
+        <p:cNvGrpSpPr/>
+        <p:nvPr/>
+      </p:nvGrpSpPr>
+      <p:grpSpPr>
+        <a:xfrm>
+          <a:off x="0" y="0"/>
+          <a:ext cx="0" cy="0"/>
+          <a:chOff x="0" y="0"/>
+          <a:chExt cx="0" cy="0"/>
+        </a:xfrm>
+      </p:grpSpPr>
+      <p:sp>
+        <p:nvSpPr>
+          <p:cNvPr id="181" name="Google Shape;181;p27"/>
+          <p:cNvSpPr txBox="1">
+            <a:spLocks noGrp="1"/>
+          </p:cNvSpPr>
+          <p:nvPr>
+            <p:ph type="title"/>
+          </p:nvPr>
+        </p:nvSpPr>
+        <p:spPr>
+          <a:xfrm>
+            <a:off x="729450" y="1318650"/>
+            <a:ext cx="7688700" cy="535200"/>
+          </a:xfrm>
+          <a:prstGeom prst="rect">
+            <a:avLst/>
+          </a:prstGeom>
+        </p:spPr>
+        <p:txBody>
+          <a:bodyPr spcFirstLastPara="1" wrap="square" lIns="91425" tIns="91425" rIns="91425" bIns="91425" anchor="t" anchorCtr="0">
+            <a:normAutofit fontScale="90000"/>
+          </a:bodyPr>
+          <a:lstStyle/>
+          <a:p>
+            <a:pPr marL="0" lvl="0" indent="0" algn="l" rtl="0">
+              <a:spcBef>
+                <a:spcPts val="0"/>
+              </a:spcBef>
+              <a:spcAft>
+                <a:spcPts val="0"/>
+              </a:spcAft>
+              <a:buNone/>
+            </a:pPr>
+            <a:r>
+              <a:rPr lang="en"/>
+              <a:t>Reference</a:t>
+            </a:r>
+            <a:endParaRPr/>
+          </a:p>
+        </p:txBody>
+      </p:sp>
+      <p:sp>
+        <p:nvSpPr>
+          <p:cNvPr id="182" name="Google Shape;182;p27"/>
+          <p:cNvSpPr txBox="1">
+            <a:spLocks noGrp="1"/>
+          </p:cNvSpPr>
+          <p:nvPr>
+            <p:ph type="body" idx="1"/>
+          </p:nvPr>
+        </p:nvSpPr>
+        <p:spPr>
+          <a:xfrm>
+            <a:off x="729450" y="2078875"/>
+            <a:ext cx="7688700" cy="2261100"/>
+          </a:xfrm>
+          <a:prstGeom prst="rect">
+            <a:avLst/>
+          </a:prstGeom>
+        </p:spPr>
+        <p:txBody>
+          <a:bodyPr spcFirstLastPara="1" wrap="square" lIns="91425" tIns="91425" rIns="91425" bIns="91425" anchor="t" anchorCtr="0">
+            <a:normAutofit/>
+          </a:bodyPr>
+          <a:lstStyle/>
+          <a:p>
+            <a:pPr marL="457200" lvl="0" indent="-311150" algn="l" rtl="0">
+              <a:spcBef>
+                <a:spcPts val="0"/>
+              </a:spcBef>
+              <a:spcAft>
+                <a:spcPts val="0"/>
+              </a:spcAft>
+              <a:buSzPts val="1300"/>
+              <a:buFont typeface="Times New Roman"/>
+              <a:buAutoNum type="arabicPeriod"/>
+            </a:pPr>
+            <a:r>
+              <a:rPr lang="en">
+                <a:latin typeface="Times New Roman"/>
+                <a:ea typeface="Times New Roman"/>
+                <a:cs typeface="Times New Roman"/>
+                <a:sym typeface="Times New Roman"/>
+              </a:rPr>
+              <a:t>U-Net: Convolutional Networks for Biomedical Image Segmentation. link - </a:t>
+            </a:r>
+            <a:r>
+              <a:rPr lang="en" sz="1000">
+                <a:solidFill>
+                  <a:schemeClr val="accent5"/>
+                </a:solidFill>
+                <a:uFill>
+                  <a:noFill/>
+                </a:uFill>
+                <a:latin typeface="Arial"/>
+                <a:ea typeface="Arial"/>
+                <a:cs typeface="Arial"/>
+                <a:sym typeface="Arial"/>
+                <a:hlinkClick r:id="rId3">
+                  <a:extLst>
+                    <a:ext uri="{A12FA001-AC4F-418D-AE19-62706E023703}">
+                      <ahyp:hlinkClr xmlns:ahyp="http://schemas.microsoft.com/office/drawing/2018/hyperlinkcolor" val="tx"/>
+                    </a:ext>
+                  </a:extLst>
+                </a:hlinkClick>
+              </a:rPr>
+              <a:t>https://doi.org/10.48550/arXiv.1505.04597</a:t>
+            </a:r>
+            <a:endParaRPr sz="1000">
+              <a:latin typeface="Times New Roman"/>
+              <a:ea typeface="Times New Roman"/>
+              <a:cs typeface="Times New Roman"/>
+              <a:sym typeface="Times New Roman"/>
+            </a:endParaRPr>
+          </a:p>
+          <a:p>
+            <a:pPr marL="457200" lvl="0" indent="-311150" algn="l" rtl="0">
+              <a:spcBef>
+                <a:spcPts val="0"/>
+              </a:spcBef>
+              <a:spcAft>
+                <a:spcPts val="0"/>
+              </a:spcAft>
+              <a:buSzPts val="1300"/>
+              <a:buAutoNum type="arabicPeriod"/>
+            </a:pPr>
+            <a:r>
+              <a:rPr lang="en">
+                <a:latin typeface="Times New Roman"/>
+                <a:ea typeface="Times New Roman"/>
+                <a:cs typeface="Times New Roman"/>
+                <a:sym typeface="Times New Roman"/>
+              </a:rPr>
+              <a:t>Image Segmentation Methods for Flood Monitoring System. link - </a:t>
+            </a:r>
+            <a:r>
+              <a:rPr lang="en" sz="1000" u="sng">
+                <a:solidFill>
+                  <a:srgbClr val="0000FF"/>
+                </a:solidFill>
+                <a:highlight>
+                  <a:schemeClr val="lt1"/>
+                </a:highlight>
+                <a:latin typeface="Arial"/>
+                <a:ea typeface="Arial"/>
+                <a:cs typeface="Arial"/>
+                <a:sym typeface="Arial"/>
+                <a:hlinkClick r:id="rId4">
+                  <a:extLst>
+                    <a:ext uri="{A12FA001-AC4F-418D-AE19-62706E023703}">
+                      <ahyp:hlinkClr xmlns:ahyp="http://schemas.microsoft.com/office/drawing/2018/hyperlinkcolor" val="tx"/>
+                    </a:ext>
+                  </a:extLst>
+                </a:hlinkClick>
+              </a:rPr>
+              <a:t>https://doi.org/10.3390/w12061825</a:t>
+            </a:r>
+            <a:endParaRPr u="sng">
+              <a:solidFill>
+                <a:srgbClr val="0000FF"/>
+              </a:solidFill>
+            </a:endParaRPr>
+          </a:p>
+          <a:p>
+            <a:pPr marL="457200" lvl="0" indent="-311150" algn="l" rtl="0">
+              <a:spcBef>
+                <a:spcPts val="0"/>
+              </a:spcBef>
+              <a:spcAft>
+                <a:spcPts val="0"/>
+              </a:spcAft>
+              <a:buSzPts val="1300"/>
+              <a:buAutoNum type="arabicPeriod"/>
+            </a:pPr>
+            <a:r>
+              <a:rPr lang="en">
+                <a:latin typeface="Times New Roman"/>
+                <a:ea typeface="Times New Roman"/>
+                <a:cs typeface="Times New Roman"/>
+                <a:sym typeface="Times New Roman"/>
+              </a:rPr>
+              <a:t>Road Extraction by Deep Residual U-Net. link-  </a:t>
+            </a:r>
+            <a:r>
+              <a:rPr lang="en" sz="1000" u="sng">
+                <a:solidFill>
+                  <a:srgbClr val="0000FF"/>
+                </a:solidFill>
+                <a:latin typeface="Arial"/>
+                <a:ea typeface="Arial"/>
+                <a:cs typeface="Arial"/>
+                <a:sym typeface="Arial"/>
+              </a:rPr>
+              <a:t>https://arxiv.org/pdf/1711.10684</a:t>
+            </a:r>
+            <a:endParaRPr sz="1000" u="sng">
+              <a:solidFill>
+                <a:srgbClr val="0000FF"/>
+              </a:solidFill>
+              <a:latin typeface="Arial"/>
+              <a:ea typeface="Arial"/>
+              <a:cs typeface="Arial"/>
+              <a:sym typeface="Arial"/>
+            </a:endParaRPr>
+          </a:p>
+          <a:p>
+            <a:pPr marL="457200" lvl="0" indent="-311150" algn="l" rtl="0">
+              <a:spcBef>
+                <a:spcPts val="0"/>
+              </a:spcBef>
+              <a:spcAft>
+                <a:spcPts val="0"/>
+              </a:spcAft>
+              <a:buSzPts val="1300"/>
+              <a:buAutoNum type="arabicPeriod"/>
+            </a:pPr>
+            <a:r>
+              <a:rPr lang="en">
+                <a:latin typeface="Times New Roman"/>
+                <a:ea typeface="Times New Roman"/>
+                <a:cs typeface="Times New Roman"/>
+                <a:sym typeface="Times New Roman"/>
+              </a:rPr>
+              <a:t>Satellite Image Segmentation for Building Detection using U-net. link - </a:t>
+            </a:r>
+            <a:r>
+              <a:rPr lang="en" sz="1000" u="sng">
+                <a:solidFill>
+                  <a:srgbClr val="0000FF"/>
+                </a:solidFill>
+                <a:latin typeface="Arial"/>
+                <a:ea typeface="Arial"/>
+                <a:cs typeface="Arial"/>
+                <a:sym typeface="Arial"/>
+              </a:rPr>
+              <a:t>https://cs229.stanford.edu/proj2017/final-reports/5243715.pdf</a:t>
+            </a:r>
+            <a:endParaRPr sz="1000" u="sng">
+              <a:solidFill>
+                <a:srgbClr val="0000FF"/>
+              </a:solidFill>
+              <a:latin typeface="Arial"/>
+              <a:ea typeface="Arial"/>
+              <a:cs typeface="Arial"/>
+              <a:sym typeface="Arial"/>
+            </a:endParaRPr>
+          </a:p>
+          <a:p>
+            <a:pPr marL="0" lvl="0" indent="0" algn="l" rtl="0">
+              <a:spcBef>
+                <a:spcPts val="1200"/>
+              </a:spcBef>
+              <a:spcAft>
+                <a:spcPts val="1200"/>
+              </a:spcAft>
+              <a:buNone/>
+            </a:pPr>
+            <a:endParaRPr/>
+          </a:p>
+        </p:txBody>
+      </p:sp>
+    </p:spTree>
+  </p:cSld>
+  <p:clrMapOvr>
+    <a:masterClrMapping/>
+  </p:clrMapOvr>
+</p:sld>
+</file>
+
+<file path=ppt/slides/slide2.xml><?xml version="1.0" encoding="utf-8"?>
+<p:sld xmlns:a="http://schemas.openxmlformats.org/drawingml/2006/main" xmlns:r="http://schemas.openxmlformats.org/officeDocument/2006/relationships" xmlns:p="http://schemas.openxmlformats.org/presentationml/2006/main">
+  <p:cSld>
+    <p:spTree>
+      <p:nvGrpSpPr>
+        <p:cNvPr id="1" name="Shape 93"/>
+        <p:cNvGrpSpPr/>
+        <p:nvPr/>
+      </p:nvGrpSpPr>
+      <p:grpSpPr>
+        <a:xfrm>
+          <a:off x="0" y="0"/>
+          <a:ext cx="0" cy="0"/>
+          <a:chOff x="0" y="0"/>
+          <a:chExt cx="0" cy="0"/>
+        </a:xfrm>
+      </p:grpSpPr>
+      <p:sp>
+        <p:nvSpPr>
+          <p:cNvPr id="94" name="Google Shape;94;p14"/>
+          <p:cNvSpPr txBox="1">
+            <a:spLocks noGrp="1"/>
+          </p:cNvSpPr>
+          <p:nvPr>
+            <p:ph type="title"/>
+          </p:nvPr>
+        </p:nvSpPr>
+        <p:spPr>
+          <a:xfrm>
+            <a:off x="729450" y="1318650"/>
+            <a:ext cx="7688700" cy="535200"/>
+          </a:xfrm>
+          <a:prstGeom prst="rect">
+            <a:avLst/>
+          </a:prstGeom>
+        </p:spPr>
+        <p:txBody>
+          <a:bodyPr spcFirstLastPara="1" wrap="square" lIns="91425" tIns="91425" rIns="91425" bIns="91425" anchor="t" anchorCtr="0">
+            <a:normAutofit fontScale="90000"/>
+          </a:bodyPr>
+          <a:lstStyle/>
+          <a:p>
+            <a:pPr marL="0" lvl="0" indent="0" algn="l" rtl="0">
+              <a:spcBef>
+                <a:spcPts val="0"/>
+              </a:spcBef>
+              <a:spcAft>
+                <a:spcPts val="0"/>
+              </a:spcAft>
+              <a:buNone/>
+            </a:pPr>
+            <a:r>
+              <a:rPr lang="en"/>
+              <a:t>Project Idea </a:t>
+            </a:r>
+            <a:endParaRPr/>
+          </a:p>
+        </p:txBody>
+      </p:sp>
+      <p:sp>
+        <p:nvSpPr>
+          <p:cNvPr id="95" name="Google Shape;95;p14"/>
+          <p:cNvSpPr txBox="1">
+            <a:spLocks noGrp="1"/>
+          </p:cNvSpPr>
+          <p:nvPr>
+            <p:ph type="body" idx="1"/>
+          </p:nvPr>
+        </p:nvSpPr>
+        <p:spPr>
+          <a:xfrm>
+            <a:off x="729450" y="2078875"/>
+            <a:ext cx="7688700" cy="2261100"/>
+          </a:xfrm>
+          <a:prstGeom prst="rect">
+            <a:avLst/>
+          </a:prstGeom>
+        </p:spPr>
+        <p:txBody>
+          <a:bodyPr spcFirstLastPara="1" wrap="square" lIns="91425" tIns="91425" rIns="91425" bIns="91425" anchor="t" anchorCtr="0">
+            <a:normAutofit lnSpcReduction="20000"/>
+          </a:bodyPr>
+          <a:lstStyle/>
+          <a:p>
+            <a:pPr marL="0" lvl="0" indent="0" algn="l" rtl="0">
+              <a:spcBef>
+                <a:spcPts val="0"/>
+              </a:spcBef>
+              <a:spcAft>
+                <a:spcPts val="0"/>
+              </a:spcAft>
+              <a:buClr>
+                <a:schemeClr val="dk1"/>
+              </a:buClr>
+              <a:buSzPts val="1100"/>
+              <a:buFont typeface="Arial"/>
+              <a:buNone/>
+            </a:pPr>
+            <a:r>
+              <a:rPr lang="en" sz="1900">
+                <a:solidFill>
+                  <a:schemeClr val="dk2"/>
+                </a:solidFill>
+                <a:highlight>
+                  <a:srgbClr val="FFFFFF"/>
+                </a:highlight>
+                <a:latin typeface="Times New Roman"/>
+                <a:ea typeface="Times New Roman"/>
+                <a:cs typeface="Times New Roman"/>
+                <a:sym typeface="Times New Roman"/>
+              </a:rPr>
+              <a:t>Design a U-net model for the classification and segmentation of parts of road images in Bangladesh affected by flood. This would be useful for evaluating the effects of floods on road construction as a way of determining the extent of damage in areas that experience flood ravages during certain seasons of the year. Segment out flooded region of roads in Bangladesh using satellite images or from any aerial view.</a:t>
+            </a:r>
+            <a:endParaRPr sz="1900">
+              <a:solidFill>
+                <a:schemeClr val="dk2"/>
+              </a:solidFill>
+              <a:highlight>
+                <a:srgbClr val="FFFFFF"/>
+              </a:highlight>
+              <a:latin typeface="Times New Roman"/>
+              <a:ea typeface="Times New Roman"/>
+              <a:cs typeface="Times New Roman"/>
+              <a:sym typeface="Times New Roman"/>
+            </a:endParaRPr>
+          </a:p>
+          <a:p>
+            <a:pPr marL="0" lvl="0" indent="0" algn="l" rtl="0">
+              <a:spcBef>
+                <a:spcPts val="1200"/>
+              </a:spcBef>
+              <a:spcAft>
+                <a:spcPts val="1200"/>
+              </a:spcAft>
+              <a:buNone/>
+            </a:pPr>
+            <a:endParaRPr sz="1900">
+              <a:solidFill>
+                <a:schemeClr val="dk1"/>
+              </a:solidFill>
+              <a:highlight>
+                <a:srgbClr val="FFFFFF"/>
+              </a:highlight>
+              <a:latin typeface="Times New Roman"/>
+              <a:ea typeface="Times New Roman"/>
+              <a:cs typeface="Times New Roman"/>
+              <a:sym typeface="Times New Roman"/>
+            </a:endParaRPr>
+          </a:p>
+        </p:txBody>
+      </p:sp>
+    </p:spTree>
+  </p:cSld>
+  <p:clrMapOvr>
+    <a:masterClrMapping/>
+  </p:clrMapOvr>
+</p:sld>
+</file>
+
+<file path=ppt/slides/slide3.xml><?xml version="1.0" encoding="utf-8"?>
+<p:sld xmlns:a="http://schemas.openxmlformats.org/drawingml/2006/main" xmlns:r="http://schemas.openxmlformats.org/officeDocument/2006/relationships" xmlns:p="http://schemas.openxmlformats.org/presentationml/2006/main">
+  <p:cSld>
+    <p:spTree>
+      <p:nvGrpSpPr>
+        <p:cNvPr id="1" name="Shape 99"/>
+        <p:cNvGrpSpPr/>
+        <p:nvPr/>
+      </p:nvGrpSpPr>
+      <p:grpSpPr>
+        <a:xfrm>
+          <a:off x="0" y="0"/>
+          <a:ext cx="0" cy="0"/>
+          <a:chOff x="0" y="0"/>
+          <a:chExt cx="0" cy="0"/>
+        </a:xfrm>
+      </p:grpSpPr>
+      <p:sp>
+        <p:nvSpPr>
+          <p:cNvPr id="100" name="Google Shape;100;p15"/>
+          <p:cNvSpPr txBox="1">
+            <a:spLocks noGrp="1"/>
+          </p:cNvSpPr>
+          <p:nvPr>
+            <p:ph type="title"/>
+          </p:nvPr>
+        </p:nvSpPr>
+        <p:spPr>
+          <a:xfrm>
+            <a:off x="729450" y="1318650"/>
+            <a:ext cx="7688700" cy="535200"/>
+          </a:xfrm>
+          <a:prstGeom prst="rect">
+            <a:avLst/>
+          </a:prstGeom>
+        </p:spPr>
+        <p:txBody>
+          <a:bodyPr spcFirstLastPara="1" wrap="square" lIns="91425" tIns="91425" rIns="91425" bIns="91425" anchor="t" anchorCtr="0">
+            <a:normAutofit fontScale="90000"/>
+          </a:bodyPr>
+          <a:lstStyle/>
+          <a:p>
+            <a:pPr marL="0" lvl="0" indent="0" algn="l" rtl="0">
+              <a:spcBef>
+                <a:spcPts val="0"/>
+              </a:spcBef>
+              <a:spcAft>
+                <a:spcPts val="0"/>
+              </a:spcAft>
+              <a:buNone/>
+            </a:pPr>
+            <a:r>
+              <a:rPr lang="en"/>
+              <a:t>What is the Unet</a:t>
+            </a:r>
+            <a:endParaRPr/>
+          </a:p>
+          <a:p>
+            <a:pPr marL="0" lvl="0" indent="0" algn="l" rtl="0">
+              <a:spcBef>
+                <a:spcPts val="0"/>
+              </a:spcBef>
+              <a:spcAft>
+                <a:spcPts val="0"/>
+              </a:spcAft>
+              <a:buNone/>
+            </a:pPr>
+            <a:endParaRPr/>
+          </a:p>
+        </p:txBody>
+      </p:sp>
+      <p:sp>
+        <p:nvSpPr>
+          <p:cNvPr id="101" name="Google Shape;101;p15"/>
+          <p:cNvSpPr txBox="1">
+            <a:spLocks noGrp="1"/>
+          </p:cNvSpPr>
+          <p:nvPr>
+            <p:ph type="body" idx="1"/>
+          </p:nvPr>
+        </p:nvSpPr>
+        <p:spPr>
+          <a:xfrm>
+            <a:off x="729450" y="1853850"/>
+            <a:ext cx="7688700" cy="3151800"/>
+          </a:xfrm>
+          <a:prstGeom prst="rect">
+            <a:avLst/>
+          </a:prstGeom>
+        </p:spPr>
+        <p:txBody>
+          <a:bodyPr spcFirstLastPara="1" wrap="square" lIns="91425" tIns="91425" rIns="91425" bIns="91425" anchor="t" anchorCtr="0">
+            <a:noAutofit/>
+          </a:bodyPr>
+          <a:lstStyle/>
+          <a:p>
+            <a:pPr marL="0" lvl="0" indent="0" algn="l" rtl="0">
+              <a:spcBef>
+                <a:spcPts val="0"/>
+              </a:spcBef>
+              <a:spcAft>
+                <a:spcPts val="1200"/>
+              </a:spcAft>
+              <a:buNone/>
+            </a:pPr>
+            <a:r>
+              <a:rPr lang="en" sz="1500">
+                <a:latin typeface="Times New Roman"/>
+                <a:ea typeface="Times New Roman"/>
+                <a:cs typeface="Times New Roman"/>
+                <a:sym typeface="Times New Roman"/>
+              </a:rPr>
+              <a:t>U-net is an encoder-decoder-based convolutional self-design network for image segmentation developed for biomedical image analysis in recent years. Its distinctive U-shape is formed by two main parts: A road within which the magnitude grows, the said encoder is the road that is the compressing dimension, and the extended road is a decoder. The contracting layers decrease the context of this load inversely, the expansive part increases this context by reconstructing the features which concatenated with features that can be obtained from the encoder part through the Skip connection. The connection links make it possible to reproduce geo-spatial correlation if the image affords correct spatial relations; geometric and photo-realistic attributes of the environment, the chained levels of spatial hierarchy, and the segmentation feature of complicated images with high accuracy even though only a few samples are taken. This is well exemplified by the U-Net architecture because it is fulfilling the segmentation function and is very helpful to medical image analysis because the task normally gets down to pixel level.</a:t>
+            </a:r>
+            <a:endParaRPr sz="1500">
+              <a:latin typeface="Times New Roman"/>
+              <a:ea typeface="Times New Roman"/>
+              <a:cs typeface="Times New Roman"/>
+              <a:sym typeface="Times New Roman"/>
+            </a:endParaRPr>
+          </a:p>
+        </p:txBody>
+      </p:sp>
+    </p:spTree>
+  </p:cSld>
+  <p:clrMapOvr>
+    <a:masterClrMapping/>
+  </p:clrMapOvr>
+</p:sld>
+</file>
+
+<file path=ppt/slides/slide4.xml><?xml version="1.0" encoding="utf-8"?>
+<p:sld xmlns:a="http://schemas.openxmlformats.org/drawingml/2006/main" xmlns:r="http://schemas.openxmlformats.org/officeDocument/2006/relationships" xmlns:p="http://schemas.openxmlformats.org/presentationml/2006/main">
+  <p:cSld>
+    <p:spTree>
+      <p:nvGrpSpPr>
+        <p:cNvPr id="1" name="Shape 105"/>
+        <p:cNvGrpSpPr/>
+        <p:nvPr/>
+      </p:nvGrpSpPr>
+      <p:grpSpPr>
+        <a:xfrm>
+          <a:off x="0" y="0"/>
+          <a:ext cx="0" cy="0"/>
+          <a:chOff x="0" y="0"/>
+          <a:chExt cx="0" cy="0"/>
+        </a:xfrm>
+      </p:grpSpPr>
+      <p:sp>
+        <p:nvSpPr>
+          <p:cNvPr id="106" name="Google Shape;106;p16"/>
+          <p:cNvSpPr txBox="1">
+            <a:spLocks noGrp="1"/>
+          </p:cNvSpPr>
+          <p:nvPr>
+            <p:ph type="title"/>
+          </p:nvPr>
+        </p:nvSpPr>
+        <p:spPr>
+          <a:xfrm>
+            <a:off x="729450" y="1318650"/>
+            <a:ext cx="7688700" cy="535200"/>
+          </a:xfrm>
+          <a:prstGeom prst="rect">
+            <a:avLst/>
+          </a:prstGeom>
+        </p:spPr>
+        <p:txBody>
+          <a:bodyPr spcFirstLastPara="1" wrap="square" lIns="91425" tIns="91425" rIns="91425" bIns="91425" anchor="t" anchorCtr="0">
+            <a:normAutofit fontScale="90000"/>
+          </a:bodyPr>
+          <a:lstStyle/>
+          <a:p>
+            <a:pPr marL="0" lvl="0" indent="0" algn="l" rtl="0">
+              <a:spcBef>
+                <a:spcPts val="0"/>
+              </a:spcBef>
+              <a:spcAft>
+                <a:spcPts val="0"/>
+              </a:spcAft>
+              <a:buNone/>
+            </a:pPr>
+            <a:r>
+              <a:rPr lang="en"/>
+              <a:t>Unet Architecture</a:t>
+            </a:r>
+            <a:endParaRPr/>
+          </a:p>
+        </p:txBody>
+      </p:sp>
+      <p:sp>
+        <p:nvSpPr>
+          <p:cNvPr id="107" name="Google Shape;107;p16"/>
+          <p:cNvSpPr txBox="1">
+            <a:spLocks noGrp="1"/>
+          </p:cNvSpPr>
+          <p:nvPr>
+            <p:ph type="body" idx="1"/>
+          </p:nvPr>
+        </p:nvSpPr>
+        <p:spPr>
+          <a:xfrm>
+            <a:off x="729450" y="2078875"/>
+            <a:ext cx="3485400" cy="2261100"/>
+          </a:xfrm>
+          <a:prstGeom prst="rect">
+            <a:avLst/>
+          </a:prstGeom>
+        </p:spPr>
+        <p:txBody>
+          <a:bodyPr spcFirstLastPara="1" wrap="square" lIns="91425" tIns="91425" rIns="91425" bIns="91425" anchor="t" anchorCtr="0">
+            <a:normAutofit/>
+          </a:bodyPr>
+          <a:lstStyle/>
+          <a:p>
+            <a:pPr marL="0" lvl="0" indent="0" algn="l" rtl="0">
+              <a:spcBef>
+                <a:spcPts val="0"/>
+              </a:spcBef>
+              <a:spcAft>
+                <a:spcPts val="1200"/>
+              </a:spcAft>
+              <a:buNone/>
+            </a:pPr>
+            <a:r>
+              <a:rPr lang="en" sz="1400">
+                <a:latin typeface="Times New Roman"/>
+                <a:ea typeface="Times New Roman"/>
+                <a:cs typeface="Times New Roman"/>
+                <a:sym typeface="Times New Roman"/>
+              </a:rPr>
+              <a:t>U-net was originally invented and first used for image segmentation. Its architecture can be broadly thought of as an encoder network followed by a decoder network.</a:t>
+            </a:r>
+            <a:endParaRPr sz="1400">
+              <a:latin typeface="Times New Roman"/>
+              <a:ea typeface="Times New Roman"/>
+              <a:cs typeface="Times New Roman"/>
+              <a:sym typeface="Times New Roman"/>
+            </a:endParaRPr>
+          </a:p>
+        </p:txBody>
+      </p:sp>
+      <p:pic>
+        <p:nvPicPr>
+          <p:cNvPr id="108" name="Google Shape;108;p16"/>
+          <p:cNvPicPr preferRelativeResize="0"/>
+          <p:nvPr/>
+        </p:nvPicPr>
+        <p:blipFill>
+          <a:blip r:embed="rId3">
+            <a:alphaModFix/>
+          </a:blip>
+          <a:stretch>
+            <a:fillRect/>
+          </a:stretch>
+        </p:blipFill>
+        <p:spPr>
+          <a:xfrm>
+            <a:off x="4214925" y="645650"/>
+            <a:ext cx="4929074" cy="4497851"/>
+          </a:xfrm>
+          <a:prstGeom prst="rect">
+            <a:avLst/>
+          </a:prstGeom>
+          <a:noFill/>
+          <a:ln>
+            <a:noFill/>
+          </a:ln>
+        </p:spPr>
+      </p:pic>
+    </p:spTree>
+  </p:cSld>
+  <p:clrMapOvr>
+    <a:masterClrMapping/>
+  </p:clrMapOvr>
+</p:sld>
+</file>
+
+<file path=ppt/slides/slide5.xml><?xml version="1.0" encoding="utf-8"?>
+<p:sld xmlns:a="http://schemas.openxmlformats.org/drawingml/2006/main" xmlns:r="http://schemas.openxmlformats.org/officeDocument/2006/relationships" xmlns:p="http://schemas.openxmlformats.org/presentationml/2006/main">
+  <p:cSld>
+    <p:spTree>
+      <p:nvGrpSpPr>
+        <p:cNvPr id="1" name="Shape 112"/>
+        <p:cNvGrpSpPr/>
+        <p:nvPr/>
+      </p:nvGrpSpPr>
+      <p:grpSpPr>
+        <a:xfrm>
+          <a:off x="0" y="0"/>
+          <a:ext cx="0" cy="0"/>
+          <a:chOff x="0" y="0"/>
+          <a:chExt cx="0" cy="0"/>
+        </a:xfrm>
+      </p:grpSpPr>
+      <p:sp>
+        <p:nvSpPr>
+          <p:cNvPr id="113" name="Google Shape;113;p17"/>
+          <p:cNvSpPr/>
+          <p:nvPr/>
+        </p:nvSpPr>
+        <p:spPr>
+          <a:xfrm>
+            <a:off x="3637700" y="2184775"/>
+            <a:ext cx="1410600" cy="1434600"/>
+          </a:xfrm>
+          <a:prstGeom prst="ellipse">
+            <a:avLst/>
+          </a:prstGeom>
+          <a:solidFill>
+            <a:schemeClr val="lt2"/>
+          </a:solidFill>
+          <a:ln w="9525" cap="flat" cmpd="sng">
+            <a:solidFill>
+              <a:schemeClr val="dk2"/>
+            </a:solidFill>
+            <a:prstDash val="solid"/>
+            <a:round/>
+            <a:headEnd type="none" w="sm" len="sm"/>
+            <a:tailEnd type="none" w="sm" len="sm"/>
+          </a:ln>
+        </p:spPr>
+        <p:txBody>
+          <a:bodyPr spcFirstLastPara="1" wrap="square" lIns="91425" tIns="91425" rIns="91425" bIns="91425" anchor="ctr" anchorCtr="0">
+            <a:noAutofit/>
+          </a:bodyPr>
+          <a:lstStyle/>
+          <a:p>
+            <a:pPr marL="0" lvl="0" indent="0" algn="ctr" rtl="0">
+              <a:spcBef>
+                <a:spcPts val="0"/>
+              </a:spcBef>
+              <a:spcAft>
+                <a:spcPts val="0"/>
+              </a:spcAft>
+              <a:buNone/>
+            </a:pPr>
+            <a:r>
+              <a:rPr lang="en" b="1">
+                <a:latin typeface="Lato"/>
+                <a:ea typeface="Lato"/>
+                <a:cs typeface="Lato"/>
+                <a:sym typeface="Lato"/>
+              </a:rPr>
+              <a:t>Related Works</a:t>
+            </a:r>
+            <a:endParaRPr b="1">
+              <a:latin typeface="Lato"/>
+              <a:ea typeface="Lato"/>
+              <a:cs typeface="Lato"/>
+              <a:sym typeface="Lato"/>
+            </a:endParaRPr>
+          </a:p>
+        </p:txBody>
+      </p:sp>
+      <p:sp>
+        <p:nvSpPr>
+          <p:cNvPr id="114" name="Google Shape;114;p17"/>
+          <p:cNvSpPr/>
+          <p:nvPr/>
+        </p:nvSpPr>
+        <p:spPr>
+          <a:xfrm>
+            <a:off x="3126488" y="776675"/>
+            <a:ext cx="2433024" cy="800442"/>
+          </a:xfrm>
+          <a:prstGeom prst="flowChartTerminator">
+            <a:avLst/>
+          </a:prstGeom>
+          <a:solidFill>
+            <a:schemeClr val="lt2"/>
+          </a:solidFill>
+          <a:ln w="9525" cap="flat" cmpd="sng">
+            <a:solidFill>
+              <a:schemeClr val="dk2"/>
+            </a:solidFill>
+            <a:prstDash val="solid"/>
+            <a:round/>
+            <a:headEnd type="none" w="sm" len="sm"/>
+            <a:tailEnd type="none" w="sm" len="sm"/>
+          </a:ln>
+        </p:spPr>
+        <p:txBody>
+          <a:bodyPr spcFirstLastPara="1" wrap="square" lIns="91425" tIns="91425" rIns="91425" bIns="91425" anchor="ctr" anchorCtr="0">
+            <a:noAutofit/>
+          </a:bodyPr>
+          <a:lstStyle/>
+          <a:p>
+            <a:pPr marL="0" lvl="0" indent="0" algn="ctr" rtl="0">
+              <a:lnSpc>
+                <a:spcPct val="150000"/>
+              </a:lnSpc>
+              <a:spcBef>
+                <a:spcPts val="1200"/>
+              </a:spcBef>
+              <a:spcAft>
+                <a:spcPts val="200"/>
+              </a:spcAft>
+              <a:buNone/>
+            </a:pPr>
+            <a:r>
+              <a:rPr lang="en" sz="1100" b="1"/>
+              <a:t> U-Net and Variants</a:t>
+            </a:r>
+            <a:endParaRPr>
+              <a:latin typeface="Lato"/>
+              <a:ea typeface="Lato"/>
+              <a:cs typeface="Lato"/>
+              <a:sym typeface="Lato"/>
+            </a:endParaRPr>
+          </a:p>
+        </p:txBody>
+      </p:sp>
+      <p:sp>
+        <p:nvSpPr>
+          <p:cNvPr id="115" name="Google Shape;115;p17"/>
+          <p:cNvSpPr/>
+          <p:nvPr/>
+        </p:nvSpPr>
+        <p:spPr>
+          <a:xfrm>
+            <a:off x="3126488" y="4089450"/>
+            <a:ext cx="2433024" cy="800442"/>
+          </a:xfrm>
+          <a:prstGeom prst="flowChartTerminator">
+            <a:avLst/>
+          </a:prstGeom>
+          <a:solidFill>
+            <a:schemeClr val="lt2"/>
+          </a:solidFill>
+          <a:ln w="9525" cap="flat" cmpd="sng">
+            <a:solidFill>
+              <a:schemeClr val="dk2"/>
+            </a:solidFill>
+            <a:prstDash val="solid"/>
+            <a:round/>
+            <a:headEnd type="none" w="sm" len="sm"/>
+            <a:tailEnd type="none" w="sm" len="sm"/>
+          </a:ln>
+        </p:spPr>
+        <p:txBody>
+          <a:bodyPr spcFirstLastPara="1" wrap="square" lIns="91425" tIns="91425" rIns="91425" bIns="91425" anchor="ctr" anchorCtr="0">
+            <a:noAutofit/>
+          </a:bodyPr>
+          <a:lstStyle/>
+          <a:p>
+            <a:pPr marL="0" lvl="0" indent="0" algn="ctr" rtl="0">
+              <a:lnSpc>
+                <a:spcPct val="115000"/>
+              </a:lnSpc>
+              <a:spcBef>
+                <a:spcPts val="1200"/>
+              </a:spcBef>
+              <a:spcAft>
+                <a:spcPts val="200"/>
+              </a:spcAft>
+              <a:buNone/>
+            </a:pPr>
+            <a:r>
+              <a:rPr lang="en" sz="1100" b="1"/>
+              <a:t>Application in Medical Imaging</a:t>
+            </a:r>
+            <a:endParaRPr>
+              <a:latin typeface="Lato"/>
+              <a:ea typeface="Lato"/>
+              <a:cs typeface="Lato"/>
+              <a:sym typeface="Lato"/>
+            </a:endParaRPr>
+          </a:p>
+        </p:txBody>
+      </p:sp>
+      <p:sp>
+        <p:nvSpPr>
+          <p:cNvPr id="116" name="Google Shape;116;p17"/>
+          <p:cNvSpPr/>
+          <p:nvPr/>
+        </p:nvSpPr>
+        <p:spPr>
+          <a:xfrm>
+            <a:off x="344450" y="2501850"/>
+            <a:ext cx="2433024" cy="800442"/>
+          </a:xfrm>
+          <a:prstGeom prst="flowChartTerminator">
+            <a:avLst/>
+          </a:prstGeom>
+          <a:solidFill>
+            <a:schemeClr val="lt2"/>
+          </a:solidFill>
+          <a:ln w="9525" cap="flat" cmpd="sng">
+            <a:solidFill>
+              <a:schemeClr val="dk2"/>
+            </a:solidFill>
+            <a:prstDash val="solid"/>
+            <a:round/>
+            <a:headEnd type="none" w="sm" len="sm"/>
+            <a:tailEnd type="none" w="sm" len="sm"/>
+          </a:ln>
+        </p:spPr>
+        <p:txBody>
+          <a:bodyPr spcFirstLastPara="1" wrap="square" lIns="91425" tIns="91425" rIns="91425" bIns="91425" anchor="ctr" anchorCtr="0">
+            <a:noAutofit/>
+          </a:bodyPr>
+          <a:lstStyle/>
+          <a:p>
+            <a:pPr marL="0" lvl="0" indent="0" algn="ctr" rtl="0">
+              <a:lnSpc>
+                <a:spcPct val="115000"/>
+              </a:lnSpc>
+              <a:spcBef>
+                <a:spcPts val="1200"/>
+              </a:spcBef>
+              <a:spcAft>
+                <a:spcPts val="0"/>
+              </a:spcAft>
+              <a:buNone/>
+            </a:pPr>
+            <a:r>
+              <a:rPr lang="en" sz="1100" b="1"/>
+              <a:t>Deep Learning for Image Segmentation</a:t>
+            </a:r>
+            <a:endParaRPr sz="1100" b="1"/>
+          </a:p>
+          <a:p>
+            <a:pPr marL="0" lvl="0" indent="0" algn="ctr" rtl="0">
+              <a:spcBef>
+                <a:spcPts val="200"/>
+              </a:spcBef>
+              <a:spcAft>
+                <a:spcPts val="0"/>
+              </a:spcAft>
+              <a:buNone/>
+            </a:pPr>
+            <a:endParaRPr>
+              <a:latin typeface="Lato"/>
+              <a:ea typeface="Lato"/>
+              <a:cs typeface="Lato"/>
+              <a:sym typeface="Lato"/>
+            </a:endParaRPr>
+          </a:p>
+        </p:txBody>
+      </p:sp>
+      <p:sp>
+        <p:nvSpPr>
+          <p:cNvPr id="117" name="Google Shape;117;p17"/>
+          <p:cNvSpPr/>
+          <p:nvPr/>
+        </p:nvSpPr>
+        <p:spPr>
+          <a:xfrm>
+            <a:off x="6369450" y="2501850"/>
+            <a:ext cx="2433024" cy="800442"/>
+          </a:xfrm>
+          <a:prstGeom prst="flowChartTerminator">
+            <a:avLst/>
+          </a:prstGeom>
+          <a:solidFill>
+            <a:schemeClr val="lt2"/>
+          </a:solidFill>
+          <a:ln w="9525" cap="flat" cmpd="sng">
+            <a:solidFill>
+              <a:schemeClr val="dk2"/>
+            </a:solidFill>
+            <a:prstDash val="solid"/>
+            <a:round/>
+            <a:headEnd type="none" w="sm" len="sm"/>
+            <a:tailEnd type="none" w="sm" len="sm"/>
+          </a:ln>
+        </p:spPr>
+        <p:txBody>
+          <a:bodyPr spcFirstLastPara="1" wrap="square" lIns="91425" tIns="91425" rIns="91425" bIns="91425" anchor="ctr" anchorCtr="0">
+            <a:noAutofit/>
+          </a:bodyPr>
+          <a:lstStyle/>
+          <a:p>
+            <a:pPr marL="0" lvl="0" indent="0" algn="ctr" rtl="0">
+              <a:lnSpc>
+                <a:spcPct val="115000"/>
+              </a:lnSpc>
+              <a:spcBef>
+                <a:spcPts val="1200"/>
+              </a:spcBef>
+              <a:spcAft>
+                <a:spcPts val="200"/>
+              </a:spcAft>
+              <a:buNone/>
+            </a:pPr>
+            <a:r>
+              <a:rPr lang="en" sz="1100" b="1"/>
+              <a:t> Image Data Augmentation in Segmentation</a:t>
+            </a:r>
+            <a:endParaRPr>
+              <a:latin typeface="Lato"/>
+              <a:ea typeface="Lato"/>
+              <a:cs typeface="Lato"/>
+              <a:sym typeface="Lato"/>
+            </a:endParaRPr>
+          </a:p>
+        </p:txBody>
+      </p:sp>
+      <p:cxnSp>
+        <p:nvCxnSpPr>
+          <p:cNvPr id="118" name="Google Shape;118;p17"/>
+          <p:cNvCxnSpPr>
+            <a:stCxn id="113" idx="6"/>
+            <a:endCxn id="117" idx="1"/>
+          </p:cNvCxnSpPr>
+          <p:nvPr/>
+        </p:nvCxnSpPr>
+        <p:spPr>
+          <a:xfrm>
+            <a:off x="5048300" y="2902075"/>
+            <a:ext cx="1321200" cy="0"/>
+          </a:xfrm>
+          <a:prstGeom prst="straightConnector1">
+            <a:avLst/>
+          </a:prstGeom>
+          <a:noFill/>
+          <a:ln w="9525" cap="flat" cmpd="sng">
+            <a:solidFill>
+              <a:schemeClr val="dk2"/>
+            </a:solidFill>
+            <a:prstDash val="solid"/>
+            <a:round/>
+            <a:headEnd type="none" w="med" len="med"/>
+            <a:tailEnd type="triangle" w="med" len="med"/>
+          </a:ln>
+        </p:spPr>
+      </p:cxnSp>
+      <p:cxnSp>
+        <p:nvCxnSpPr>
+          <p:cNvPr id="119" name="Google Shape;119;p17"/>
+          <p:cNvCxnSpPr>
+            <a:stCxn id="113" idx="0"/>
+            <a:endCxn id="114" idx="2"/>
+          </p:cNvCxnSpPr>
+          <p:nvPr/>
+        </p:nvCxnSpPr>
+        <p:spPr>
+          <a:xfrm rot="10800000">
+            <a:off x="4343000" y="1576975"/>
+            <a:ext cx="0" cy="607800"/>
+          </a:xfrm>
+          <a:prstGeom prst="straightConnector1">
+            <a:avLst/>
+          </a:prstGeom>
+          <a:noFill/>
+          <a:ln w="9525" cap="flat" cmpd="sng">
+            <a:solidFill>
+              <a:schemeClr val="dk2"/>
+            </a:solidFill>
+            <a:prstDash val="solid"/>
+            <a:round/>
+            <a:headEnd type="none" w="med" len="med"/>
+            <a:tailEnd type="triangle" w="med" len="med"/>
+          </a:ln>
+        </p:spPr>
+      </p:cxnSp>
+      <p:cxnSp>
+        <p:nvCxnSpPr>
+          <p:cNvPr id="120" name="Google Shape;120;p17"/>
+          <p:cNvCxnSpPr>
+            <a:stCxn id="113" idx="2"/>
+            <a:endCxn id="116" idx="3"/>
+          </p:cNvCxnSpPr>
+          <p:nvPr/>
+        </p:nvCxnSpPr>
+        <p:spPr>
+          <a:xfrm rot="10800000">
+            <a:off x="2777600" y="2902075"/>
+            <a:ext cx="860100" cy="0"/>
+          </a:xfrm>
+          <a:prstGeom prst="straightConnector1">
+            <a:avLst/>
+          </a:prstGeom>
+          <a:noFill/>
+          <a:ln w="9525" cap="flat" cmpd="sng">
+            <a:solidFill>
+              <a:schemeClr val="dk2"/>
+            </a:solidFill>
+            <a:prstDash val="solid"/>
+            <a:round/>
+            <a:headEnd type="none" w="med" len="med"/>
+            <a:tailEnd type="triangle" w="med" len="med"/>
+          </a:ln>
+        </p:spPr>
+      </p:cxnSp>
+      <p:cxnSp>
+        <p:nvCxnSpPr>
+          <p:cNvPr id="121" name="Google Shape;121;p17"/>
+          <p:cNvCxnSpPr>
+            <a:stCxn id="113" idx="4"/>
+            <a:endCxn id="115" idx="0"/>
+          </p:cNvCxnSpPr>
+          <p:nvPr/>
+        </p:nvCxnSpPr>
+        <p:spPr>
+          <a:xfrm>
+            <a:off x="4343000" y="3619375"/>
+            <a:ext cx="0" cy="470100"/>
+          </a:xfrm>
+          <a:prstGeom prst="straightConnector1">
+            <a:avLst/>
+          </a:prstGeom>
+          <a:noFill/>
+          <a:ln w="9525" cap="flat" cmpd="sng">
+            <a:solidFill>
+              <a:schemeClr val="dk2"/>
+            </a:solidFill>
+            <a:prstDash val="solid"/>
+            <a:round/>
+            <a:headEnd type="none" w="med" len="med"/>
+            <a:tailEnd type="triangle" w="med" len="med"/>
+          </a:ln>
+        </p:spPr>
+      </p:cxnSp>
+      <p:sp>
+        <p:nvSpPr>
+          <p:cNvPr id="122" name="Google Shape;122;p17"/>
+          <p:cNvSpPr txBox="1">
+            <a:spLocks noGrp="1"/>
+          </p:cNvSpPr>
+          <p:nvPr>
+            <p:ph type="title"/>
+          </p:nvPr>
+        </p:nvSpPr>
+        <p:spPr>
+          <a:xfrm>
+            <a:off x="627875" y="506125"/>
+            <a:ext cx="7688700" cy="535200"/>
+          </a:xfrm>
+          <a:prstGeom prst="rect">
+            <a:avLst/>
+          </a:prstGeom>
+        </p:spPr>
+        <p:txBody>
+          <a:bodyPr spcFirstLastPara="1" wrap="square" lIns="91425" tIns="91425" rIns="91425" bIns="91425" anchor="t" anchorCtr="0">
+            <a:normAutofit fontScale="90000"/>
+          </a:bodyPr>
+          <a:lstStyle/>
+          <a:p>
+            <a:pPr marL="0" lvl="0" indent="0" algn="l" rtl="0">
+              <a:spcBef>
+                <a:spcPts val="0"/>
+              </a:spcBef>
+              <a:spcAft>
+                <a:spcPts val="0"/>
+              </a:spcAft>
+              <a:buNone/>
+            </a:pPr>
+            <a:r>
+              <a:rPr lang="en"/>
+              <a:t>Related Works</a:t>
+            </a:r>
+            <a:endParaRPr/>
+          </a:p>
+        </p:txBody>
+      </p:sp>
+    </p:spTree>
+  </p:cSld>
+  <p:clrMapOvr>
+    <a:masterClrMapping/>
+  </p:clrMapOvr>
+  <p:timing>
+    <p:tnLst>
+      <p:par>
+        <p:cTn id="1" dur="indefinite" restart="never" nodeType="tmRoot">
+          <p:childTnLst>
+            <p:seq concurrent="1" nextAc="seek">
+              <p:cTn id="2" dur="indefinite" nodeType="mainSeq">
+                <p:childTnLst>
+                  <p:par>
+                    <p:cTn id="3" fill="hold">
+                      <p:stCondLst>
+                        <p:cond delay="indefinite"/>
+                      </p:stCondLst>
+                      <p:childTnLst>
+                        <p:par>
+                          <p:cTn id="4" fill="hold">
+                            <p:stCondLst>
+                              <p:cond delay="0"/>
+                            </p:stCondLst>
+                            <p:childTnLst>
+                              <p:par>
+                                <p:cTn id="5" presetID="1" presetClass="exit" presetSubtype="0" fill="hold" nodeType="clickEffect">
+                                  <p:stCondLst>
+                                    <p:cond delay="0"/>
+                                  </p:stCondLst>
+                                  <p:childTnLst>
+                                    <p:set>
+                                      <p:cBhvr>
+                                        <p:cTn id="6" dur="1" fill="hold">
+                                          <p:stCondLst>
+                                            <p:cond delay="0"/>
+                                          </p:stCondLst>
+                                        </p:cTn>
+                                        <p:tgtEl>
+                                          <p:spTgt spid="113">
+                                            <p:txEl>
+                                              <p:pRg st="0" end="0"/>
+                                            </p:txEl>
+                                          </p:spTgt>
+                                        </p:tgtEl>
+                                        <p:attrNameLst>
+                                          <p:attrName>style.visibility</p:attrName>
+                                        </p:attrNameLst>
+                                      </p:cBhvr>
+                                      <p:to>
+                                        <p:strVal val="hidden"/>
+                                      </p:to>
+                                    </p:set>
+                                  </p:childTnLst>
+                                </p:cTn>
+                              </p:par>
+                            </p:childTnLst>
+                          </p:cTn>
+                        </p:par>
+                      </p:childTnLst>
+                    </p:cTn>
+                  </p:par>
+                </p:childTnLst>
+              </p:cTn>
+              <p:prevCondLst>
+                <p:cond evt="onPrev" delay="0">
+                  <p:tgtEl>
+                    <p:sldTgt/>
+                  </p:tgtEl>
+                </p:cond>
+              </p:prevCondLst>
+              <p:nextCondLst>
+                <p:cond evt="onNext" delay="0">
+                  <p:tgtEl>
+                    <p:sldTgt/>
+                  </p:tgtEl>
+                </p:cond>
+              </p:nextCondLst>
+            </p:seq>
+          </p:childTnLst>
+        </p:cTn>
+      </p:par>
+    </p:tnLst>
+  </p:timing>
+</p:sld>
+</file>
+
+<file path=ppt/slides/slide6.xml><?xml version="1.0" encoding="utf-8"?>
+<p:sld xmlns:a="http://schemas.openxmlformats.org/drawingml/2006/main" xmlns:r="http://schemas.openxmlformats.org/officeDocument/2006/relationships" xmlns:p="http://schemas.openxmlformats.org/presentationml/2006/main">
+  <p:cSld>
+    <p:spTree>
+      <p:nvGrpSpPr>
+        <p:cNvPr id="1" name="Shape 126"/>
+        <p:cNvGrpSpPr/>
+        <p:nvPr/>
+      </p:nvGrpSpPr>
+      <p:grpSpPr>
+        <a:xfrm>
+          <a:off x="0" y="0"/>
+          <a:ext cx="0" cy="0"/>
+          <a:chOff x="0" y="0"/>
+          <a:chExt cx="0" cy="0"/>
+        </a:xfrm>
+      </p:grpSpPr>
+      <p:sp>
+        <p:nvSpPr>
+          <p:cNvPr id="127" name="Google Shape;127;p18"/>
+          <p:cNvSpPr txBox="1">
+            <a:spLocks noGrp="1"/>
+          </p:cNvSpPr>
+          <p:nvPr>
+            <p:ph type="title"/>
+          </p:nvPr>
+        </p:nvSpPr>
+        <p:spPr>
+          <a:xfrm>
+            <a:off x="627875" y="506125"/>
+            <a:ext cx="7688700" cy="535200"/>
+          </a:xfrm>
+          <a:prstGeom prst="rect">
+            <a:avLst/>
+          </a:prstGeom>
+        </p:spPr>
+        <p:txBody>
+          <a:bodyPr spcFirstLastPara="1" wrap="square" lIns="91425" tIns="91425" rIns="91425" bIns="91425" anchor="t" anchorCtr="0">
+            <a:normAutofit fontScale="90000"/>
+          </a:bodyPr>
+          <a:lstStyle/>
+          <a:p>
+            <a:pPr marL="0" lvl="0" indent="0" algn="l" rtl="0">
+              <a:spcBef>
+                <a:spcPts val="0"/>
+              </a:spcBef>
+              <a:spcAft>
+                <a:spcPts val="0"/>
+              </a:spcAft>
+              <a:buNone/>
+            </a:pPr>
+            <a:r>
+              <a:rPr lang="en"/>
+              <a:t>Methodology</a:t>
+            </a:r>
+            <a:endParaRPr/>
+          </a:p>
+        </p:txBody>
+      </p:sp>
+      <p:pic>
+        <p:nvPicPr>
+          <p:cNvPr id="128" name="Google Shape;128;p18"/>
+          <p:cNvPicPr preferRelativeResize="0"/>
+          <p:nvPr/>
+        </p:nvPicPr>
+        <p:blipFill>
+          <a:blip r:embed="rId3">
+            <a:alphaModFix/>
+          </a:blip>
+          <a:stretch>
+            <a:fillRect/>
+          </a:stretch>
+        </p:blipFill>
+        <p:spPr>
+          <a:xfrm>
+            <a:off x="2304100" y="1104400"/>
+            <a:ext cx="6778624" cy="3864975"/>
+          </a:xfrm>
+          <a:prstGeom prst="rect">
+            <a:avLst/>
+          </a:prstGeom>
+          <a:noFill/>
+          <a:ln>
+            <a:noFill/>
+          </a:ln>
+        </p:spPr>
+      </p:pic>
+    </p:spTree>
+  </p:cSld>
+  <p:clrMapOvr>
+    <a:masterClrMapping/>
+  </p:clrMapOvr>
+</p:sld>
+</file>
+
+<file path=ppt/slides/slide7.xml><?xml version="1.0" encoding="utf-8"?>
+<p:sld xmlns:a="http://schemas.openxmlformats.org/drawingml/2006/main" xmlns:r="http://schemas.openxmlformats.org/officeDocument/2006/relationships" xmlns:p="http://schemas.openxmlformats.org/presentationml/2006/main">
+  <p:cSld>
+    <p:spTree>
+      <p:nvGrpSpPr>
+        <p:cNvPr id="1" name="Shape 132"/>
+        <p:cNvGrpSpPr/>
+        <p:nvPr/>
+      </p:nvGrpSpPr>
+      <p:grpSpPr>
+        <a:xfrm>
+          <a:off x="0" y="0"/>
+          <a:ext cx="0" cy="0"/>
+          <a:chOff x="0" y="0"/>
+          <a:chExt cx="0" cy="0"/>
+        </a:xfrm>
+      </p:grpSpPr>
+      <p:sp>
+        <p:nvSpPr>
+          <p:cNvPr id="133" name="Google Shape;133;p19"/>
+          <p:cNvSpPr txBox="1">
+            <a:spLocks noGrp="1"/>
+          </p:cNvSpPr>
+          <p:nvPr>
+            <p:ph type="title"/>
+          </p:nvPr>
+        </p:nvSpPr>
+        <p:spPr>
+          <a:xfrm>
+            <a:off x="729450" y="1318650"/>
+            <a:ext cx="7688700" cy="535200"/>
+          </a:xfrm>
+          <a:prstGeom prst="rect">
+            <a:avLst/>
+          </a:prstGeom>
+        </p:spPr>
+        <p:txBody>
+          <a:bodyPr spcFirstLastPara="1" wrap="square" lIns="91425" tIns="91425" rIns="91425" bIns="91425" anchor="t" anchorCtr="0">
+            <a:noAutofit/>
+          </a:bodyPr>
+          <a:lstStyle/>
+          <a:p>
+            <a:pPr marL="0" lvl="0" indent="0" algn="l" rtl="0">
+              <a:spcBef>
+                <a:spcPts val="0"/>
+              </a:spcBef>
+              <a:spcAft>
+                <a:spcPts val="0"/>
+              </a:spcAft>
+              <a:buClr>
+                <a:srgbClr val="000000"/>
+              </a:buClr>
+              <a:buSzPts val="990"/>
+              <a:buFont typeface="Arial"/>
+              <a:buNone/>
+            </a:pPr>
+            <a:r>
+              <a:rPr lang="en" sz="2400"/>
+              <a:t>Data Preparation</a:t>
+            </a:r>
+            <a:endParaRPr sz="2400"/>
+          </a:p>
+          <a:p>
+            <a:pPr marL="0" lvl="0" indent="0" algn="l" rtl="0">
+              <a:spcBef>
+                <a:spcPts val="1200"/>
+              </a:spcBef>
+              <a:spcAft>
+                <a:spcPts val="0"/>
+              </a:spcAft>
+              <a:buSzPts val="990"/>
+              <a:buNone/>
+            </a:pPr>
+            <a:endParaRPr sz="2400"/>
+          </a:p>
+        </p:txBody>
+      </p:sp>
+      <p:sp>
+        <p:nvSpPr>
+          <p:cNvPr id="134" name="Google Shape;134;p19"/>
+          <p:cNvSpPr txBox="1">
+            <a:spLocks noGrp="1"/>
+          </p:cNvSpPr>
+          <p:nvPr>
+            <p:ph type="body" idx="1"/>
+          </p:nvPr>
+        </p:nvSpPr>
+        <p:spPr>
+          <a:xfrm>
+            <a:off x="729450" y="2078875"/>
+            <a:ext cx="7688700" cy="3028500"/>
+          </a:xfrm>
+          <a:prstGeom prst="rect">
+            <a:avLst/>
+          </a:prstGeom>
+        </p:spPr>
+        <p:txBody>
+          <a:bodyPr spcFirstLastPara="1" wrap="square" lIns="91425" tIns="91425" rIns="91425" bIns="91425" anchor="t" anchorCtr="0">
+            <a:noAutofit/>
+          </a:bodyPr>
+          <a:lstStyle/>
+          <a:p>
+            <a:pPr marL="457200" lvl="0" indent="-344487" algn="l" rtl="0">
+              <a:lnSpc>
+                <a:spcPct val="150000"/>
+              </a:lnSpc>
+              <a:spcBef>
+                <a:spcPts val="0"/>
+              </a:spcBef>
+              <a:spcAft>
+                <a:spcPts val="0"/>
+              </a:spcAft>
+              <a:buClr>
+                <a:schemeClr val="dk2"/>
+              </a:buClr>
+              <a:buSzPts val="1825"/>
+              <a:buFont typeface="Times New Roman"/>
+              <a:buChar char="●"/>
+            </a:pPr>
+            <a:r>
+              <a:rPr lang="en" sz="1825">
+                <a:solidFill>
+                  <a:schemeClr val="dk2"/>
+                </a:solidFill>
+                <a:latin typeface="Times New Roman"/>
+                <a:ea typeface="Times New Roman"/>
+                <a:cs typeface="Times New Roman"/>
+                <a:sym typeface="Times New Roman"/>
+              </a:rPr>
+              <a:t>Dataset: Images and Corresponding Masks</a:t>
+            </a:r>
+            <a:endParaRPr sz="1825">
+              <a:solidFill>
+                <a:schemeClr val="dk2"/>
+              </a:solidFill>
+              <a:latin typeface="Times New Roman"/>
+              <a:ea typeface="Times New Roman"/>
+              <a:cs typeface="Times New Roman"/>
+              <a:sym typeface="Times New Roman"/>
+            </a:endParaRPr>
+          </a:p>
+          <a:p>
+            <a:pPr marL="457200" lvl="0" indent="-344487" algn="l" rtl="0">
+              <a:lnSpc>
+                <a:spcPct val="150000"/>
+              </a:lnSpc>
+              <a:spcBef>
+                <a:spcPts val="0"/>
+              </a:spcBef>
+              <a:spcAft>
+                <a:spcPts val="0"/>
+              </a:spcAft>
+              <a:buClr>
+                <a:schemeClr val="dk2"/>
+              </a:buClr>
+              <a:buSzPts val="1825"/>
+              <a:buFont typeface="Times New Roman"/>
+              <a:buChar char="●"/>
+            </a:pPr>
+            <a:r>
+              <a:rPr lang="en" sz="1825">
+                <a:solidFill>
+                  <a:schemeClr val="dk2"/>
+                </a:solidFill>
+                <a:latin typeface="Times New Roman"/>
+                <a:ea typeface="Times New Roman"/>
+                <a:cs typeface="Times New Roman"/>
+                <a:sym typeface="Times New Roman"/>
+              </a:rPr>
+              <a:t>Libraries: Python (OS, glob), OpenCV (cv2)</a:t>
+            </a:r>
+            <a:endParaRPr sz="1825">
+              <a:solidFill>
+                <a:schemeClr val="dk2"/>
+              </a:solidFill>
+              <a:latin typeface="Times New Roman"/>
+              <a:ea typeface="Times New Roman"/>
+              <a:cs typeface="Times New Roman"/>
+              <a:sym typeface="Times New Roman"/>
+            </a:endParaRPr>
+          </a:p>
+          <a:p>
+            <a:pPr marL="457200" lvl="0" indent="-344487" algn="l" rtl="0">
+              <a:lnSpc>
+                <a:spcPct val="150000"/>
+              </a:lnSpc>
+              <a:spcBef>
+                <a:spcPts val="0"/>
+              </a:spcBef>
+              <a:spcAft>
+                <a:spcPts val="0"/>
+              </a:spcAft>
+              <a:buClr>
+                <a:schemeClr val="dk2"/>
+              </a:buClr>
+              <a:buSzPts val="1825"/>
+              <a:buFont typeface="Times New Roman"/>
+              <a:buChar char="●"/>
+            </a:pPr>
+            <a:r>
+              <a:rPr lang="en" sz="1825">
+                <a:solidFill>
+                  <a:schemeClr val="dk2"/>
+                </a:solidFill>
+                <a:latin typeface="Times New Roman"/>
+                <a:ea typeface="Times New Roman"/>
+                <a:cs typeface="Times New Roman"/>
+                <a:sym typeface="Times New Roman"/>
+              </a:rPr>
+              <a:t>Preprocessing: Image resizing, normalization, augmentation</a:t>
+            </a:r>
+            <a:endParaRPr sz="1825">
+              <a:solidFill>
+                <a:schemeClr val="dk2"/>
+              </a:solidFill>
+              <a:latin typeface="Times New Roman"/>
+              <a:ea typeface="Times New Roman"/>
+              <a:cs typeface="Times New Roman"/>
+              <a:sym typeface="Times New Roman"/>
+            </a:endParaRPr>
+          </a:p>
+          <a:p>
+            <a:pPr marL="457200" lvl="0" indent="-344487" algn="l" rtl="0">
+              <a:lnSpc>
+                <a:spcPct val="150000"/>
+              </a:lnSpc>
+              <a:spcBef>
+                <a:spcPts val="0"/>
+              </a:spcBef>
+              <a:spcAft>
+                <a:spcPts val="0"/>
+              </a:spcAft>
+              <a:buClr>
+                <a:schemeClr val="dk2"/>
+              </a:buClr>
+              <a:buSzPts val="1825"/>
+              <a:buFont typeface="Times New Roman"/>
+              <a:buChar char="●"/>
+            </a:pPr>
+            <a:r>
+              <a:rPr lang="en" sz="1825">
+                <a:solidFill>
+                  <a:schemeClr val="dk2"/>
+                </a:solidFill>
+                <a:latin typeface="Times New Roman"/>
+                <a:ea typeface="Times New Roman"/>
+                <a:cs typeface="Times New Roman"/>
+                <a:sym typeface="Times New Roman"/>
+              </a:rPr>
+              <a:t>Image Augmentation: Rotation, flipping, and zooming (via Keras' ImageDataGenerator) to boost generalization and prevent overfitting</a:t>
+            </a:r>
+            <a:endParaRPr sz="1825">
+              <a:solidFill>
+                <a:schemeClr val="dk2"/>
+              </a:solidFill>
+              <a:latin typeface="Times New Roman"/>
+              <a:ea typeface="Times New Roman"/>
+              <a:cs typeface="Times New Roman"/>
+              <a:sym typeface="Times New Roman"/>
+            </a:endParaRPr>
+          </a:p>
+        </p:txBody>
+      </p:sp>
+    </p:spTree>
+  </p:cSld>
+  <p:clrMapOvr>
+    <a:masterClrMapping/>
+  </p:clrMapOvr>
+</p:sld>
+</file>
+
+<file path=ppt/slides/slide8.xml><?xml version="1.0" encoding="utf-8"?>
+<p:sld xmlns:a="http://schemas.openxmlformats.org/drawingml/2006/main" xmlns:r="http://schemas.openxmlformats.org/officeDocument/2006/relationships" xmlns:p="http://schemas.openxmlformats.org/presentationml/2006/main">
+  <p:cSld>
+    <p:spTree>
+      <p:nvGrpSpPr>
+        <p:cNvPr id="1" name="Shape 138"/>
+        <p:cNvGrpSpPr/>
+        <p:nvPr/>
+      </p:nvGrpSpPr>
+      <p:grpSpPr>
+        <a:xfrm>
+          <a:off x="0" y="0"/>
+          <a:ext cx="0" cy="0"/>
+          <a:chOff x="0" y="0"/>
+          <a:chExt cx="0" cy="0"/>
+        </a:xfrm>
+      </p:grpSpPr>
+      <p:sp>
+        <p:nvSpPr>
+          <p:cNvPr id="139" name="Google Shape;139;p20"/>
+          <p:cNvSpPr txBox="1">
+            <a:spLocks noGrp="1"/>
+          </p:cNvSpPr>
+          <p:nvPr>
+            <p:ph type="title"/>
+          </p:nvPr>
+        </p:nvSpPr>
+        <p:spPr>
+          <a:xfrm>
+            <a:off x="729450" y="1318650"/>
+            <a:ext cx="7688700" cy="535200"/>
+          </a:xfrm>
+          <a:prstGeom prst="rect">
+            <a:avLst/>
+          </a:prstGeom>
+        </p:spPr>
+        <p:txBody>
+          <a:bodyPr spcFirstLastPara="1" wrap="square" lIns="91425" tIns="91425" rIns="91425" bIns="91425" anchor="t" anchorCtr="0">
+            <a:normAutofit fontScale="90000"/>
+          </a:bodyPr>
+          <a:lstStyle/>
+          <a:p>
+            <a:pPr marL="0" lvl="0" indent="0" algn="l" rtl="0">
+              <a:spcBef>
+                <a:spcPts val="0"/>
+              </a:spcBef>
+              <a:spcAft>
+                <a:spcPts val="0"/>
+              </a:spcAft>
+              <a:buNone/>
+            </a:pPr>
+            <a:r>
+              <a:rPr lang="en"/>
+              <a:t>Model Architecture</a:t>
+            </a:r>
+            <a:endParaRPr/>
+          </a:p>
+        </p:txBody>
+      </p:sp>
+      <p:sp>
+        <p:nvSpPr>
+          <p:cNvPr id="140" name="Google Shape;140;p20"/>
+          <p:cNvSpPr txBox="1">
+            <a:spLocks noGrp="1"/>
+          </p:cNvSpPr>
+          <p:nvPr>
+            <p:ph type="body" idx="1"/>
+          </p:nvPr>
+        </p:nvSpPr>
+        <p:spPr>
+          <a:xfrm>
+            <a:off x="729450" y="1907950"/>
+            <a:ext cx="7688700" cy="3199500"/>
+          </a:xfrm>
+          <a:prstGeom prst="rect">
+            <a:avLst/>
+          </a:prstGeom>
+        </p:spPr>
+        <p:txBody>
+          <a:bodyPr spcFirstLastPara="1" wrap="square" lIns="91425" tIns="91425" rIns="91425" bIns="91425" anchor="t" anchorCtr="0">
+            <a:noAutofit/>
+          </a:bodyPr>
+          <a:lstStyle/>
+          <a:p>
+            <a:pPr marL="457200" lvl="0" indent="-343217" algn="l" rtl="0">
+              <a:lnSpc>
+                <a:spcPct val="150000"/>
+              </a:lnSpc>
+              <a:spcBef>
+                <a:spcPts val="0"/>
+              </a:spcBef>
+              <a:spcAft>
+                <a:spcPts val="0"/>
+              </a:spcAft>
+              <a:buClr>
+                <a:schemeClr val="dk2"/>
+              </a:buClr>
+              <a:buSzPts val="1805"/>
+              <a:buFont typeface="Times New Roman"/>
+              <a:buChar char="●"/>
+            </a:pPr>
+            <a:r>
+              <a:rPr lang="en" sz="1804">
+                <a:solidFill>
+                  <a:schemeClr val="dk2"/>
+                </a:solidFill>
+                <a:latin typeface="Times New Roman"/>
+                <a:ea typeface="Times New Roman"/>
+                <a:cs typeface="Times New Roman"/>
+                <a:sym typeface="Times New Roman"/>
+              </a:rPr>
+              <a:t>Contracting Path (Encoder)</a:t>
+            </a:r>
+            <a:endParaRPr sz="1804">
+              <a:solidFill>
+                <a:schemeClr val="dk2"/>
+              </a:solidFill>
+              <a:latin typeface="Times New Roman"/>
+              <a:ea typeface="Times New Roman"/>
+              <a:cs typeface="Times New Roman"/>
+              <a:sym typeface="Times New Roman"/>
+            </a:endParaRPr>
+          </a:p>
+          <a:p>
+            <a:pPr marL="457200" lvl="0" indent="-343217" algn="l" rtl="0">
+              <a:lnSpc>
+                <a:spcPct val="150000"/>
+              </a:lnSpc>
+              <a:spcBef>
+                <a:spcPts val="0"/>
+              </a:spcBef>
+              <a:spcAft>
+                <a:spcPts val="0"/>
+              </a:spcAft>
+              <a:buClr>
+                <a:schemeClr val="dk2"/>
+              </a:buClr>
+              <a:buSzPts val="1805"/>
+              <a:buFont typeface="Times New Roman"/>
+              <a:buChar char="●"/>
+            </a:pPr>
+            <a:r>
+              <a:rPr lang="en" sz="1804">
+                <a:solidFill>
+                  <a:schemeClr val="dk2"/>
+                </a:solidFill>
+                <a:latin typeface="Times New Roman"/>
+                <a:ea typeface="Times New Roman"/>
+                <a:cs typeface="Times New Roman"/>
+                <a:sym typeface="Times New Roman"/>
+              </a:rPr>
+              <a:t>Expanding Path (Decoder)</a:t>
+            </a:r>
+            <a:endParaRPr sz="1804">
+              <a:solidFill>
+                <a:schemeClr val="dk2"/>
+              </a:solidFill>
+              <a:latin typeface="Times New Roman"/>
+              <a:ea typeface="Times New Roman"/>
+              <a:cs typeface="Times New Roman"/>
+              <a:sym typeface="Times New Roman"/>
+            </a:endParaRPr>
+          </a:p>
+          <a:p>
+            <a:pPr marL="457200" lvl="0" indent="-343217" algn="l" rtl="0">
+              <a:lnSpc>
+                <a:spcPct val="150000"/>
+              </a:lnSpc>
+              <a:spcBef>
+                <a:spcPts val="0"/>
+              </a:spcBef>
+              <a:spcAft>
+                <a:spcPts val="0"/>
+              </a:spcAft>
+              <a:buClr>
+                <a:schemeClr val="dk2"/>
+              </a:buClr>
+              <a:buSzPts val="1805"/>
+              <a:buFont typeface="Times New Roman"/>
+              <a:buChar char="●"/>
+            </a:pPr>
+            <a:r>
+              <a:rPr lang="en" sz="1804">
+                <a:solidFill>
+                  <a:schemeClr val="dk2"/>
+                </a:solidFill>
+                <a:latin typeface="Times New Roman"/>
+                <a:ea typeface="Times New Roman"/>
+                <a:cs typeface="Times New Roman"/>
+                <a:sym typeface="Times New Roman"/>
+              </a:rPr>
+              <a:t>Skip Connections </a:t>
+            </a:r>
+            <a:endParaRPr sz="1804">
+              <a:solidFill>
+                <a:schemeClr val="dk2"/>
+              </a:solidFill>
+              <a:latin typeface="Times New Roman"/>
+              <a:ea typeface="Times New Roman"/>
+              <a:cs typeface="Times New Roman"/>
+              <a:sym typeface="Times New Roman"/>
+            </a:endParaRPr>
+          </a:p>
+          <a:p>
+            <a:pPr marL="457200" lvl="0" indent="-343217" algn="l" rtl="0">
+              <a:lnSpc>
+                <a:spcPct val="150000"/>
+              </a:lnSpc>
+              <a:spcBef>
+                <a:spcPts val="0"/>
+              </a:spcBef>
+              <a:spcAft>
+                <a:spcPts val="0"/>
+              </a:spcAft>
+              <a:buClr>
+                <a:schemeClr val="dk2"/>
+              </a:buClr>
+              <a:buSzPts val="1805"/>
+              <a:buFont typeface="Times New Roman"/>
+              <a:buChar char="●"/>
+            </a:pPr>
+            <a:r>
+              <a:rPr lang="en" sz="1804">
+                <a:solidFill>
+                  <a:schemeClr val="dk2"/>
+                </a:solidFill>
+                <a:latin typeface="Times New Roman"/>
+                <a:ea typeface="Times New Roman"/>
+                <a:cs typeface="Times New Roman"/>
+                <a:sym typeface="Times New Roman"/>
+              </a:rPr>
+              <a:t>Tools: TensorFlow, Keras</a:t>
+            </a:r>
+            <a:endParaRPr sz="1804">
+              <a:solidFill>
+                <a:schemeClr val="dk2"/>
+              </a:solidFill>
+              <a:latin typeface="Times New Roman"/>
+              <a:ea typeface="Times New Roman"/>
+              <a:cs typeface="Times New Roman"/>
+              <a:sym typeface="Times New Roman"/>
+            </a:endParaRPr>
+          </a:p>
+          <a:p>
+            <a:pPr marL="457200" lvl="0" indent="-343217" algn="l" rtl="0">
+              <a:lnSpc>
+                <a:spcPct val="150000"/>
+              </a:lnSpc>
+              <a:spcBef>
+                <a:spcPts val="0"/>
+              </a:spcBef>
+              <a:spcAft>
+                <a:spcPts val="0"/>
+              </a:spcAft>
+              <a:buClr>
+                <a:schemeClr val="dk2"/>
+              </a:buClr>
+              <a:buSzPts val="1805"/>
+              <a:buFont typeface="Times New Roman"/>
+              <a:buChar char="●"/>
+            </a:pPr>
+            <a:r>
+              <a:rPr lang="en" sz="1804">
+                <a:solidFill>
+                  <a:schemeClr val="dk2"/>
+                </a:solidFill>
+                <a:latin typeface="Times New Roman"/>
+                <a:ea typeface="Times New Roman"/>
+                <a:cs typeface="Times New Roman"/>
+                <a:sym typeface="Times New Roman"/>
+              </a:rPr>
+              <a:t>Optimizer: Adam</a:t>
+            </a:r>
+            <a:endParaRPr sz="1804">
+              <a:solidFill>
+                <a:schemeClr val="dk2"/>
+              </a:solidFill>
+              <a:latin typeface="Times New Roman"/>
+              <a:ea typeface="Times New Roman"/>
+              <a:cs typeface="Times New Roman"/>
+              <a:sym typeface="Times New Roman"/>
+            </a:endParaRPr>
+          </a:p>
+          <a:p>
+            <a:pPr marL="457200" lvl="0" indent="-343217" algn="l" rtl="0">
+              <a:lnSpc>
+                <a:spcPct val="150000"/>
+              </a:lnSpc>
+              <a:spcBef>
+                <a:spcPts val="0"/>
+              </a:spcBef>
+              <a:spcAft>
+                <a:spcPts val="0"/>
+              </a:spcAft>
+              <a:buClr>
+                <a:schemeClr val="dk2"/>
+              </a:buClr>
+              <a:buSzPts val="1805"/>
+              <a:buFont typeface="Times New Roman"/>
+              <a:buChar char="●"/>
+            </a:pPr>
+            <a:r>
+              <a:rPr lang="en" sz="1804">
+                <a:solidFill>
+                  <a:schemeClr val="dk2"/>
+                </a:solidFill>
+                <a:latin typeface="Times New Roman"/>
+                <a:ea typeface="Times New Roman"/>
+                <a:cs typeface="Times New Roman"/>
+                <a:sym typeface="Times New Roman"/>
+              </a:rPr>
+              <a:t>Loss Function: Binary Cross-Entropy or Dice Loss for segmentation accuracy</a:t>
+            </a:r>
+            <a:endParaRPr sz="1804">
+              <a:solidFill>
+                <a:schemeClr val="dk2"/>
+              </a:solidFill>
+              <a:latin typeface="Times New Roman"/>
+              <a:ea typeface="Times New Roman"/>
+              <a:cs typeface="Times New Roman"/>
+              <a:sym typeface="Times New Roman"/>
+            </a:endParaRPr>
+          </a:p>
+          <a:p>
+            <a:pPr marL="0" lvl="0" indent="0" algn="l" rtl="0">
+              <a:lnSpc>
+                <a:spcPct val="95000"/>
+              </a:lnSpc>
+              <a:spcBef>
+                <a:spcPts val="1200"/>
+              </a:spcBef>
+              <a:spcAft>
+                <a:spcPts val="1200"/>
+              </a:spcAft>
+              <a:buSzPts val="935"/>
+              <a:buNone/>
+            </a:pPr>
+            <a:endParaRPr sz="1804">
+              <a:solidFill>
+                <a:schemeClr val="dk2"/>
+              </a:solidFill>
+              <a:latin typeface="Times New Roman"/>
+              <a:ea typeface="Times New Roman"/>
+              <a:cs typeface="Times New Roman"/>
+              <a:sym typeface="Times New Roman"/>
+            </a:endParaRPr>
+          </a:p>
+        </p:txBody>
+      </p:sp>
+    </p:spTree>
+  </p:cSld>
+  <p:clrMapOvr>
+    <a:masterClrMapping/>
+  </p:clrMapOvr>
+</p:sld>
+</file>
+
+<file path=ppt/slides/slide9.xml><?xml version="1.0" encoding="utf-8"?>
+<p:sld xmlns:a="http://schemas.openxmlformats.org/drawingml/2006/main" xmlns:r="http://schemas.openxmlformats.org/officeDocument/2006/relationships" xmlns:p="http://schemas.openxmlformats.org/presentationml/2006/main">
+  <p:cSld>
+    <p:spTree>
+      <p:nvGrpSpPr>
+        <p:cNvPr id="1" name="Shape 144"/>
+        <p:cNvGrpSpPr/>
+        <p:nvPr/>
+      </p:nvGrpSpPr>
+      <p:grpSpPr>
+        <a:xfrm>
+          <a:off x="0" y="0"/>
+          <a:ext cx="0" cy="0"/>
+          <a:chOff x="0" y="0"/>
+          <a:chExt cx="0" cy="0"/>
+        </a:xfrm>
+      </p:grpSpPr>
+      <p:sp>
+        <p:nvSpPr>
+          <p:cNvPr id="145" name="Google Shape;145;p21"/>
+          <p:cNvSpPr txBox="1">
+            <a:spLocks noGrp="1"/>
+          </p:cNvSpPr>
+          <p:nvPr>
+            <p:ph type="title"/>
+          </p:nvPr>
+        </p:nvSpPr>
+        <p:spPr>
+          <a:xfrm>
+            <a:off x="729450" y="1394850"/>
+            <a:ext cx="7688700" cy="535200"/>
+          </a:xfrm>
+          <a:prstGeom prst="rect">
+            <a:avLst/>
+          </a:prstGeom>
+        </p:spPr>
+        <p:txBody>
+          <a:bodyPr spcFirstLastPara="1" wrap="square" lIns="91425" tIns="91425" rIns="91425" bIns="91425" anchor="t" anchorCtr="0">
+            <a:normAutofit fontScale="90000"/>
+          </a:bodyPr>
+          <a:lstStyle/>
+          <a:p>
+            <a:pPr marL="0" lvl="0" indent="0" algn="l" rtl="0">
+              <a:spcBef>
+                <a:spcPts val="0"/>
+              </a:spcBef>
+              <a:spcAft>
+                <a:spcPts val="0"/>
+              </a:spcAft>
+              <a:buNone/>
+            </a:pPr>
+            <a:r>
+              <a:rPr lang="en"/>
+              <a:t>Training &amp; Validation</a:t>
+            </a:r>
+            <a:endParaRPr/>
+          </a:p>
+        </p:txBody>
+      </p:sp>
+      <p:sp>
+        <p:nvSpPr>
+          <p:cNvPr id="146" name="Google Shape;146;p21"/>
+          <p:cNvSpPr txBox="1">
+            <a:spLocks noGrp="1"/>
+          </p:cNvSpPr>
+          <p:nvPr>
+            <p:ph type="body" idx="1"/>
+          </p:nvPr>
+        </p:nvSpPr>
+        <p:spPr>
+          <a:xfrm>
+            <a:off x="729450" y="2078875"/>
+            <a:ext cx="7688700" cy="2261100"/>
+          </a:xfrm>
+          <a:prstGeom prst="rect">
+            <a:avLst/>
+          </a:prstGeom>
+        </p:spPr>
+        <p:txBody>
+          <a:bodyPr spcFirstLastPara="1" wrap="square" lIns="91425" tIns="91425" rIns="91425" bIns="91425" anchor="t" anchorCtr="0">
+            <a:noAutofit/>
+          </a:bodyPr>
+          <a:lstStyle/>
+          <a:p>
+            <a:pPr marL="457200" lvl="0" indent="-349250" algn="l" rtl="0">
+              <a:lnSpc>
+                <a:spcPct val="150000"/>
+              </a:lnSpc>
+              <a:spcBef>
+                <a:spcPts val="0"/>
+              </a:spcBef>
+              <a:spcAft>
+                <a:spcPts val="0"/>
+              </a:spcAft>
+              <a:buClr>
+                <a:schemeClr val="dk2"/>
+              </a:buClr>
+              <a:buSzPts val="1900"/>
+              <a:buChar char="●"/>
+            </a:pPr>
+            <a:r>
+              <a:rPr lang="en" sz="1900">
+                <a:solidFill>
+                  <a:schemeClr val="dk2"/>
+                </a:solidFill>
+              </a:rPr>
+              <a:t>Data Split: Training and validation sets</a:t>
+            </a:r>
+            <a:endParaRPr sz="1900">
+              <a:solidFill>
+                <a:schemeClr val="dk2"/>
+              </a:solidFill>
+            </a:endParaRPr>
+          </a:p>
+          <a:p>
+            <a:pPr marL="457200" lvl="0" indent="-349250" algn="l" rtl="0">
+              <a:lnSpc>
+                <a:spcPct val="150000"/>
+              </a:lnSpc>
+              <a:spcBef>
+                <a:spcPts val="0"/>
+              </a:spcBef>
+              <a:spcAft>
+                <a:spcPts val="0"/>
+              </a:spcAft>
+              <a:buClr>
+                <a:schemeClr val="dk2"/>
+              </a:buClr>
+              <a:buSzPts val="1900"/>
+              <a:buChar char="●"/>
+            </a:pPr>
+            <a:r>
+              <a:rPr lang="en" sz="1900">
+                <a:solidFill>
+                  <a:schemeClr val="dk2"/>
+                </a:solidFill>
+              </a:rPr>
+              <a:t>Augmentation: Applied to the training set for better generalization</a:t>
+            </a:r>
+            <a:endParaRPr sz="1900">
+              <a:solidFill>
+                <a:schemeClr val="dk2"/>
+              </a:solidFill>
+            </a:endParaRPr>
+          </a:p>
+          <a:p>
+            <a:pPr marL="457200" lvl="0" indent="-349250" algn="l" rtl="0">
+              <a:lnSpc>
+                <a:spcPct val="150000"/>
+              </a:lnSpc>
+              <a:spcBef>
+                <a:spcPts val="0"/>
+              </a:spcBef>
+              <a:spcAft>
+                <a:spcPts val="0"/>
+              </a:spcAft>
+              <a:buClr>
+                <a:schemeClr val="dk2"/>
+              </a:buClr>
+              <a:buSzPts val="1900"/>
+              <a:buChar char="●"/>
+            </a:pPr>
+            <a:r>
+              <a:rPr lang="en" sz="1900">
+                <a:solidFill>
+                  <a:schemeClr val="dk2"/>
+                </a:solidFill>
+              </a:rPr>
+              <a:t>Techniques: Early stopping, learning rate scheduling, and model checkpoints to avoid overfitting and optimize training</a:t>
+            </a:r>
+            <a:endParaRPr sz="1900">
+              <a:solidFill>
+                <a:schemeClr val="dk2"/>
+              </a:solidFill>
             </a:endParaRPr>
           </a:p>
           <a:p>
